--- a/MDH.pptx
+++ b/MDH.pptx
@@ -203,7 +203,7 @@
           <a:p>
             <a:fld id="{196709AC-FC2E-4BF6-8D2C-6C61CA027DC1}" type="datetimeFigureOut">
               <a:rPr lang="en-US" smtClean="0"/>
-              <a:t>6/13/2016</a:t>
+              <a:t>6/16/2016</a:t>
             </a:fld>
             <a:endParaRPr lang="en-US"/>
           </a:p>
@@ -686,7 +686,7 @@
           <a:p>
             <a:fld id="{1A18742E-3986-419B-AAAB-707D01EF3526}" type="datetime1">
               <a:rPr lang="en-US" smtClean="0"/>
-              <a:t>6/13/2016</a:t>
+              <a:t>6/16/2016</a:t>
             </a:fld>
             <a:endParaRPr lang="en-US"/>
           </a:p>
@@ -856,7 +856,7 @@
           <a:p>
             <a:fld id="{D595EB35-2AC0-41E0-930C-25D80640CC50}" type="datetime1">
               <a:rPr lang="en-US" smtClean="0"/>
-              <a:t>6/13/2016</a:t>
+              <a:t>6/16/2016</a:t>
             </a:fld>
             <a:endParaRPr lang="en-US"/>
           </a:p>
@@ -1036,7 +1036,7 @@
           <a:p>
             <a:fld id="{F34EAE34-AEBE-4C4F-9BA3-1A6F6D14BDDC}" type="datetime1">
               <a:rPr lang="en-US" smtClean="0"/>
-              <a:t>6/13/2016</a:t>
+              <a:t>6/16/2016</a:t>
             </a:fld>
             <a:endParaRPr lang="en-US"/>
           </a:p>
@@ -1206,7 +1206,7 @@
           <a:p>
             <a:fld id="{2095AD4C-B5EF-4041-9271-A2A5C5E6220B}" type="datetime1">
               <a:rPr lang="en-US" smtClean="0"/>
-              <a:t>6/13/2016</a:t>
+              <a:t>6/16/2016</a:t>
             </a:fld>
             <a:endParaRPr lang="en-US"/>
           </a:p>
@@ -1450,7 +1450,7 @@
           <a:p>
             <a:fld id="{60EAA367-1030-4DFD-9E7F-A96A5D5751DF}" type="datetime1">
               <a:rPr lang="en-US" smtClean="0"/>
-              <a:t>6/13/2016</a:t>
+              <a:t>6/16/2016</a:t>
             </a:fld>
             <a:endParaRPr lang="en-US"/>
           </a:p>
@@ -1682,7 +1682,7 @@
           <a:p>
             <a:fld id="{61D02A1E-D37A-44D7-AD02-E46859AAB817}" type="datetime1">
               <a:rPr lang="en-US" smtClean="0"/>
-              <a:t>6/13/2016</a:t>
+              <a:t>6/16/2016</a:t>
             </a:fld>
             <a:endParaRPr lang="en-US"/>
           </a:p>
@@ -2049,7 +2049,7 @@
           <a:p>
             <a:fld id="{365E885D-9505-411C-899B-667B1377DE43}" type="datetime1">
               <a:rPr lang="en-US" smtClean="0"/>
-              <a:t>6/13/2016</a:t>
+              <a:t>6/16/2016</a:t>
             </a:fld>
             <a:endParaRPr lang="en-US"/>
           </a:p>
@@ -2167,7 +2167,7 @@
           <a:p>
             <a:fld id="{C17691AC-1A9C-4CC0-86D2-4478B7A00F03}" type="datetime1">
               <a:rPr lang="en-US" smtClean="0"/>
-              <a:t>6/13/2016</a:t>
+              <a:t>6/16/2016</a:t>
             </a:fld>
             <a:endParaRPr lang="en-US"/>
           </a:p>
@@ -2262,7 +2262,7 @@
           <a:p>
             <a:fld id="{A6AEA082-C9CE-49BC-A53D-53E47D6469E9}" type="datetime1">
               <a:rPr lang="en-US" smtClean="0"/>
-              <a:t>6/13/2016</a:t>
+              <a:t>6/16/2016</a:t>
             </a:fld>
             <a:endParaRPr lang="en-US"/>
           </a:p>
@@ -2539,7 +2539,7 @@
           <a:p>
             <a:fld id="{67EB36F3-B534-4F8A-82F2-1363AA134D86}" type="datetime1">
               <a:rPr lang="en-US" smtClean="0"/>
-              <a:t>6/13/2016</a:t>
+              <a:t>6/16/2016</a:t>
             </a:fld>
             <a:endParaRPr lang="en-US"/>
           </a:p>
@@ -2796,7 +2796,7 @@
           <a:p>
             <a:fld id="{AA885096-A76C-411A-812C-8C0BC44FF8D3}" type="datetime1">
               <a:rPr lang="en-US" smtClean="0"/>
-              <a:t>6/13/2016</a:t>
+              <a:t>6/16/2016</a:t>
             </a:fld>
             <a:endParaRPr lang="en-US"/>
           </a:p>
@@ -3009,7 +3009,7 @@
           <a:p>
             <a:fld id="{4B1782B5-F21E-4619-AD36-E9E75BE1CB2F}" type="datetime1">
               <a:rPr lang="en-US" smtClean="0"/>
-              <a:t>6/13/2016</a:t>
+              <a:t>6/16/2016</a:t>
             </a:fld>
             <a:endParaRPr lang="en-US"/>
           </a:p>
@@ -3783,7 +3783,7 @@
           <p:nvPr>
             <p:extLst>
               <p:ext uri="{D42A27DB-BD31-4B8C-83A1-F6EECF244321}">
-                <p14:modId xmlns:p14="http://schemas.microsoft.com/office/powerpoint/2010/main" val="3013903216"/>
+                <p14:modId xmlns:p14="http://schemas.microsoft.com/office/powerpoint/2010/main" val="2058915612"/>
               </p:ext>
             </p:extLst>
           </p:nvPr>
@@ -3853,15 +3853,7 @@
                             <a:schemeClr val="tx1"/>
                           </a:solidFill>
                         </a:rPr>
-                        <a:t>Human </a:t>
-                      </a:r>
-                      <a:r>
-                        <a:rPr lang="en-US" sz="1100" dirty="0" smtClean="0">
-                          <a:solidFill>
-                            <a:schemeClr val="tx1"/>
-                          </a:solidFill>
-                        </a:rPr>
-                        <a:t>(Agents)</a:t>
+                        <a:t>Human (Agents)</a:t>
                       </a:r>
                       <a:endParaRPr lang="en-US" sz="1100" dirty="0">
                         <a:solidFill>
@@ -3892,11 +3884,6 @@
                         </a:rPr>
                         <a:t>Land</a:t>
                       </a:r>
-                      <a:endParaRPr lang="en-US" sz="1100" dirty="0" smtClean="0">
-                        <a:solidFill>
-                          <a:schemeClr val="tx1"/>
-                        </a:solidFill>
-                      </a:endParaRPr>
                     </a:p>
                     <a:p>
                       <a:pPr algn="ctr"/>
@@ -3908,11 +3895,6 @@
                         </a:rPr>
                         <a:t>(GRASS)</a:t>
                       </a:r>
-                      <a:endParaRPr lang="en-US" sz="1100" dirty="0" smtClean="0">
-                        <a:solidFill>
-                          <a:schemeClr val="tx1"/>
-                        </a:solidFill>
-                      </a:endParaRPr>
                     </a:p>
                   </a:txBody>
                   <a:tcPr>
@@ -4160,10 +4142,10 @@
                     <a:lstStyle/>
                     <a:p>
                       <a:r>
-                        <a:rPr lang="en-US" sz="1200" dirty="0" smtClean="0"/>
+                        <a:rPr lang="en-US" sz="1200" strike="sngStrike" dirty="0" smtClean="0"/>
                         <a:t>1.0</a:t>
                       </a:r>
-                      <a:endParaRPr lang="en-US" sz="1200" dirty="0"/>
+                      <a:endParaRPr lang="en-US" sz="1200" strike="sngStrike" dirty="0"/>
                     </a:p>
                   </a:txBody>
                   <a:tcPr/>
@@ -4174,10 +4156,10 @@
                     <a:lstStyle/>
                     <a:p>
                       <a:r>
-                        <a:rPr lang="en-US" sz="1200" dirty="0" smtClean="0"/>
-                        <a:t>1.0</a:t>
+                        <a:rPr lang="en-US" sz="1200" strike="sngStrike" smtClean="0"/>
+                        <a:t>0.5</a:t>
                       </a:r>
-                      <a:endParaRPr lang="en-US" sz="1200" dirty="0"/>
+                      <a:endParaRPr lang="en-US" sz="1200" strike="sngStrike" dirty="0"/>
                     </a:p>
                   </a:txBody>
                   <a:tcPr/>
@@ -4188,10 +4170,10 @@
                     <a:lstStyle/>
                     <a:p>
                       <a:r>
-                        <a:rPr lang="en-US" sz="1200" dirty="0" smtClean="0"/>
-                        <a:t>1.0</a:t>
+                        <a:rPr lang="en-US" sz="1200" strike="sngStrike" dirty="0" smtClean="0"/>
+                        <a:t>0.5</a:t>
                       </a:r>
-                      <a:endParaRPr lang="en-US" sz="1200" dirty="0"/>
+                      <a:endParaRPr lang="en-US" sz="1200" strike="sngStrike" dirty="0"/>
                     </a:p>
                   </a:txBody>
                   <a:tcPr/>
@@ -4202,10 +4184,10 @@
                     <a:lstStyle/>
                     <a:p>
                       <a:r>
-                        <a:rPr lang="en-US" sz="1200" dirty="0" smtClean="0"/>
+                        <a:rPr lang="en-US" sz="1200" strike="sngStrike" dirty="0" smtClean="0"/>
                         <a:t>–</a:t>
                       </a:r>
-                      <a:endParaRPr lang="en-US" sz="1200" dirty="0"/>
+                      <a:endParaRPr lang="en-US" sz="1200" strike="sngStrike" dirty="0"/>
                     </a:p>
                   </a:txBody>
                   <a:tcPr/>
@@ -4216,10 +4198,10 @@
                     <a:lstStyle/>
                     <a:p>
                       <a:r>
-                        <a:rPr lang="en-US" sz="1200" dirty="0" smtClean="0"/>
-                        <a:t>1.0</a:t>
+                        <a:rPr lang="en-US" sz="1200" strike="sngStrike" dirty="0" smtClean="0"/>
+                        <a:t>0.5</a:t>
                       </a:r>
-                      <a:endParaRPr lang="en-US" sz="1200" dirty="0"/>
+                      <a:endParaRPr lang="en-US" sz="1200" strike="sngStrike" dirty="0"/>
                     </a:p>
                   </a:txBody>
                   <a:tcPr/>
@@ -4230,10 +4212,10 @@
                     <a:lstStyle/>
                     <a:p>
                       <a:r>
-                        <a:rPr lang="en-US" sz="1200" dirty="0" smtClean="0"/>
+                        <a:rPr lang="en-US" sz="1200" strike="sngStrike" dirty="0" smtClean="0"/>
                         <a:t>DEVS</a:t>
                       </a:r>
-                      <a:endParaRPr lang="en-US" sz="1200" dirty="0"/>
+                      <a:endParaRPr lang="en-US" sz="1200" strike="sngStrike" dirty="0"/>
                     </a:p>
                   </a:txBody>
                   <a:tcPr/>
@@ -4244,10 +4226,10 @@
                     <a:lstStyle/>
                     <a:p>
                       <a:r>
-                        <a:rPr lang="en-US" sz="1200" dirty="0" smtClean="0"/>
+                        <a:rPr lang="en-US" sz="1200" strike="sngStrike" dirty="0" smtClean="0"/>
                         <a:t>6.4</a:t>
                       </a:r>
-                      <a:endParaRPr lang="en-US" sz="1200" dirty="0"/>
+                      <a:endParaRPr lang="en-US" sz="1200" strike="sngStrike" dirty="0"/>
                     </a:p>
                   </a:txBody>
                   <a:tcPr/>
@@ -4258,20 +4240,20 @@
                     <a:lstStyle/>
                     <a:p>
                       <a:r>
-                        <a:rPr lang="en-US" sz="1200" dirty="0" smtClean="0"/>
+                        <a:rPr lang="en-US" sz="1200" strike="sngStrike" dirty="0" smtClean="0"/>
                         <a:t>Bash ?</a:t>
                       </a:r>
-                      <a:endParaRPr lang="en-US" sz="1200" dirty="0"/>
-                    </a:p>
-                  </a:txBody>
-                  <a:tcPr/>
-                </a:tc>
-                <a:tc>
-                  <a:txBody>
-                    <a:bodyPr/>
-                    <a:lstStyle/>
-                    <a:p>
-                      <a:endParaRPr lang="en-US" sz="1200" dirty="0"/>
+                      <a:endParaRPr lang="en-US" sz="1200" strike="sngStrike" dirty="0"/>
+                    </a:p>
+                  </a:txBody>
+                  <a:tcPr/>
+                </a:tc>
+                <a:tc>
+                  <a:txBody>
+                    <a:bodyPr/>
+                    <a:lstStyle/>
+                    <a:p>
+                      <a:endParaRPr lang="en-US" sz="1200" strike="sngStrike" dirty="0"/>
                     </a:p>
                   </a:txBody>
                   <a:tcPr/>
@@ -4282,14 +4264,14 @@
                     <a:lstStyle/>
                     <a:p>
                       <a:r>
-                        <a:rPr lang="en-US" sz="1200" dirty="0" smtClean="0"/>
+                        <a:rPr lang="en-US" sz="1200" strike="sngStrike" dirty="0" smtClean="0"/>
                         <a:t>DEVSJAVA</a:t>
                       </a:r>
                       <a:r>
-                        <a:rPr lang="en-US" sz="1200" baseline="0" dirty="0" smtClean="0"/>
+                        <a:rPr lang="en-US" sz="1200" strike="sngStrike" baseline="0" dirty="0" smtClean="0"/>
                         <a:t> 2.1, JRE 4-7</a:t>
                       </a:r>
-                      <a:endParaRPr lang="en-US" sz="1200" dirty="0"/>
+                      <a:endParaRPr lang="en-US" sz="1200" strike="sngStrike" dirty="0"/>
                     </a:p>
                   </a:txBody>
                   <a:tcPr/>
@@ -4300,10 +4282,10 @@
                     <a:lstStyle/>
                     <a:p>
                       <a:r>
-                        <a:rPr lang="en-US" sz="1200" dirty="0" smtClean="0"/>
+                        <a:rPr lang="en-US" sz="1200" strike="sngStrike" dirty="0" smtClean="0"/>
                         <a:t>2009</a:t>
                       </a:r>
-                      <a:endParaRPr lang="en-US" sz="1200" dirty="0"/>
+                      <a:endParaRPr lang="en-US" sz="1200" strike="sngStrike" dirty="0"/>
                     </a:p>
                   </a:txBody>
                   <a:tcPr/>
@@ -4479,11 +4461,7 @@
                       </a:pPr>
                       <a:r>
                         <a:rPr lang="en-US" sz="1200" dirty="0" smtClean="0"/>
-                        <a:t>DEVS -&gt; </a:t>
-                      </a:r>
-                      <a:r>
-                        <a:rPr lang="en-US" sz="1200" dirty="0" smtClean="0"/>
-                        <a:t>Repast, </a:t>
+                        <a:t>DEVS -&gt; Repast, </a:t>
                       </a:r>
                       <a:r>
                         <a:rPr lang="en-US" sz="1200" baseline="0" dirty="0" smtClean="0"/>
@@ -4802,7 +4780,6 @@
                         <a:rPr lang="en-US" sz="1200" dirty="0" smtClean="0"/>
                         <a:t>2.0</a:t>
                       </a:r>
-                      <a:endParaRPr lang="en-US" sz="1200" dirty="0" smtClean="0"/>
                     </a:p>
                     <a:p>
                       <a:endParaRPr lang="en-US" sz="1200" dirty="0"/>
@@ -5228,7 +5205,6 @@
                         <a:rPr lang="en-US" sz="1200" dirty="0" smtClean="0"/>
                         <a:t>1.0</a:t>
                       </a:r>
-                      <a:endParaRPr lang="en-US" sz="1200" dirty="0" smtClean="0"/>
                     </a:p>
                   </a:txBody>
                   <a:tcPr/>
@@ -6304,15 +6280,7 @@
                   <a:schemeClr val="tx1"/>
                 </a:solidFill>
               </a:rPr>
-              <a:t>Land </a:t>
-            </a:r>
-            <a:r>
-              <a:rPr lang="en-US" sz="1200" dirty="0" smtClean="0">
-                <a:solidFill>
-                  <a:schemeClr val="tx1"/>
-                </a:solidFill>
-              </a:rPr>
-              <a:t>2.0</a:t>
+              <a:t>Land 2.0</a:t>
             </a:r>
             <a:endParaRPr lang="en-US" sz="1200" dirty="0">
               <a:solidFill>
@@ -7402,15 +7370,7 @@
                   <a:schemeClr val="tx1"/>
                 </a:solidFill>
               </a:rPr>
-              <a:t>Land </a:t>
-            </a:r>
-            <a:r>
-              <a:rPr lang="en-US" sz="1200" dirty="0" smtClean="0">
-                <a:solidFill>
-                  <a:schemeClr val="tx1"/>
-                </a:solidFill>
-              </a:rPr>
-              <a:t>3.0</a:t>
+              <a:t>Land 3.0</a:t>
             </a:r>
             <a:endParaRPr lang="en-US" sz="1200" dirty="0">
               <a:solidFill>
@@ -7605,15 +7565,7 @@
                   <a:schemeClr val="tx1"/>
                 </a:solidFill>
               </a:rPr>
-              <a:t>MML </a:t>
-            </a:r>
-            <a:r>
-              <a:rPr lang="en-US" sz="1200" dirty="0" smtClean="0">
-                <a:solidFill>
-                  <a:schemeClr val="tx1"/>
-                </a:solidFill>
-              </a:rPr>
-              <a:t>4.0</a:t>
+              <a:t>MML 4.0</a:t>
             </a:r>
             <a:endParaRPr lang="en-US" sz="1200" dirty="0">
               <a:solidFill>
@@ -8467,15 +8419,7 @@
                   <a:schemeClr val="tx1"/>
                 </a:solidFill>
               </a:rPr>
-              <a:t>KIB </a:t>
-            </a:r>
-            <a:r>
-              <a:rPr lang="en-US" sz="1200" dirty="0" smtClean="0">
-                <a:solidFill>
-                  <a:schemeClr val="tx1"/>
-                </a:solidFill>
-              </a:rPr>
-              <a:t>2.0</a:t>
+              <a:t>KIB 2.0</a:t>
             </a:r>
             <a:endParaRPr lang="en-US" sz="1200" dirty="0">
               <a:solidFill>
@@ -8569,11 +8513,6 @@
               </a:rPr>
               <a:t>KIB 2.1</a:t>
             </a:r>
-            <a:endParaRPr lang="en-US" sz="1200" dirty="0">
-              <a:solidFill>
-                <a:schemeClr val="tx1"/>
-              </a:solidFill>
-            </a:endParaRPr>
           </a:p>
         </p:txBody>
       </p:sp>

--- a/MDH.pptx
+++ b/MDH.pptx
@@ -17,7 +17,7 @@
     <p:sldId id="262" r:id="rId8"/>
   </p:sldIdLst>
   <p:sldSz cx="9144000" cy="6858000" type="screen4x3"/>
-  <p:notesSz cx="6858000" cy="9144000"/>
+  <p:notesSz cx="7010400" cy="9236075"/>
   <p:defaultTextStyle>
     <a:defPPr>
       <a:defRPr lang="en-US"/>
@@ -156,7 +156,7 @@
         <p:spPr>
           <a:xfrm>
             <a:off x="0" y="0"/>
-            <a:ext cx="2971800" cy="458788"/>
+            <a:ext cx="3037840" cy="463407"/>
           </a:xfrm>
           <a:prstGeom prst="rect">
             <a:avLst/>
@@ -186,8 +186,8 @@
         </p:nvSpPr>
         <p:spPr>
           <a:xfrm>
-            <a:off x="3884613" y="0"/>
-            <a:ext cx="2971800" cy="458788"/>
+            <a:off x="3970938" y="0"/>
+            <a:ext cx="3037840" cy="463407"/>
           </a:xfrm>
           <a:prstGeom prst="rect">
             <a:avLst/>
@@ -221,8 +221,8 @@
         </p:nvSpPr>
         <p:spPr>
           <a:xfrm>
-            <a:off x="1371600" y="1143000"/>
-            <a:ext cx="4114800" cy="3086100"/>
+            <a:off x="1427163" y="1154113"/>
+            <a:ext cx="4156075" cy="3116262"/>
           </a:xfrm>
           <a:prstGeom prst="rect">
             <a:avLst/>
@@ -254,8 +254,8 @@
         </p:nvSpPr>
         <p:spPr>
           <a:xfrm>
-            <a:off x="685800" y="4400550"/>
-            <a:ext cx="5486400" cy="3600450"/>
+            <a:off x="701040" y="4444861"/>
+            <a:ext cx="5608320" cy="3636705"/>
           </a:xfrm>
           <a:prstGeom prst="rect">
             <a:avLst/>
@@ -314,8 +314,8 @@
         </p:nvSpPr>
         <p:spPr>
           <a:xfrm>
-            <a:off x="0" y="8685213"/>
-            <a:ext cx="2971800" cy="458787"/>
+            <a:off x="0" y="8772669"/>
+            <a:ext cx="3037840" cy="463406"/>
           </a:xfrm>
           <a:prstGeom prst="rect">
             <a:avLst/>
@@ -345,8 +345,8 @@
         </p:nvSpPr>
         <p:spPr>
           <a:xfrm>
-            <a:off x="3884613" y="8685213"/>
-            <a:ext cx="2971800" cy="458787"/>
+            <a:off x="3970938" y="8772669"/>
+            <a:ext cx="3037840" cy="463406"/>
           </a:xfrm>
           <a:prstGeom prst="rect">
             <a:avLst/>
@@ -3463,7 +3463,9 @@
         </p:nvSpPr>
         <p:spPr/>
         <p:txBody>
-          <a:bodyPr/>
+          <a:bodyPr>
+            <a:normAutofit lnSpcReduction="10000"/>
+          </a:bodyPr>
           <a:lstStyle/>
           <a:p>
             <a:endParaRPr lang="en-US" dirty="0" smtClean="0"/>
@@ -3471,7 +3473,23 @@
           <a:p>
             <a:r>
               <a:rPr lang="en-US" dirty="0" smtClean="0"/>
-              <a:t>June 11, 2016</a:t>
+              <a:t>June 11, </a:t>
+            </a:r>
+            <a:r>
+              <a:rPr lang="en-US" dirty="0" smtClean="0"/>
+              <a:t>2016</a:t>
+            </a:r>
+          </a:p>
+          <a:p>
+            <a:r>
+              <a:rPr lang="en-US" dirty="0" smtClean="0"/>
+              <a:t>H.S. Sarjoughian</a:t>
+            </a:r>
+          </a:p>
+          <a:p>
+            <a:r>
+              <a:rPr lang="en-US" dirty="0" smtClean="0"/>
+              <a:t>W.A. Boyd</a:t>
             </a:r>
             <a:endParaRPr lang="en-US" dirty="0"/>
           </a:p>
@@ -3783,14 +3801,14 @@
           <p:nvPr>
             <p:extLst>
               <p:ext uri="{D42A27DB-BD31-4B8C-83A1-F6EECF244321}">
-                <p14:modId xmlns:p14="http://schemas.microsoft.com/office/powerpoint/2010/main" val="2058915612"/>
+                <p14:modId xmlns:p14="http://schemas.microsoft.com/office/powerpoint/2010/main" val="4012671154"/>
               </p:ext>
             </p:extLst>
           </p:nvPr>
         </p:nvGraphicFramePr>
         <p:xfrm>
-          <a:off x="531413" y="1397001"/>
-          <a:ext cx="8190140" cy="5098627"/>
+          <a:off x="315619" y="1097280"/>
+          <a:ext cx="8511940" cy="5606627"/>
         </p:xfrm>
         <a:graphic>
           <a:graphicData uri="http://schemas.openxmlformats.org/drawingml/2006/table">
@@ -3799,17 +3817,18 @@
                 <a:tableStyleId>{5C22544A-7EE6-4342-B048-85BDC9FD1C3A}</a:tableStyleId>
               </a:tblPr>
               <a:tblGrid>
-                <a:gridCol w="655955"/>
-                <a:gridCol w="733640"/>
-                <a:gridCol w="697897"/>
-                <a:gridCol w="609600"/>
-                <a:gridCol w="625480"/>
-                <a:gridCol w="664227"/>
-                <a:gridCol w="611098"/>
-                <a:gridCol w="772121"/>
-                <a:gridCol w="496479"/>
-                <a:gridCol w="1575443"/>
-                <a:gridCol w="748200"/>
+                <a:gridCol w="681927"/>
+                <a:gridCol w="700405"/>
+                <a:gridCol w="679239"/>
+                <a:gridCol w="646147"/>
+                <a:gridCol w="564397"/>
+                <a:gridCol w="579099"/>
+                <a:gridCol w="614973"/>
+                <a:gridCol w="600393"/>
+                <a:gridCol w="886206"/>
+                <a:gridCol w="407813"/>
+                <a:gridCol w="1458621"/>
+                <a:gridCol w="692720"/>
               </a:tblGrid>
               <a:tr h="370840">
                 <a:tc>
@@ -3818,14 +3837,6 @@
                     <a:lstStyle/>
                     <a:p>
                       <a:pPr algn="ctr"/>
-                      <a:r>
-                        <a:rPr lang="en-US" sz="1100" dirty="0" smtClean="0">
-                          <a:solidFill>
-                            <a:schemeClr val="tx1"/>
-                          </a:solidFill>
-                        </a:rPr>
-                        <a:t>Version</a:t>
-                      </a:r>
                       <a:endParaRPr lang="en-US" sz="1100" dirty="0">
                         <a:solidFill>
                           <a:schemeClr val="tx1"/>
@@ -3853,6 +3864,35 @@
                             <a:schemeClr val="tx1"/>
                           </a:solidFill>
                         </a:rPr>
+                        <a:t>Version</a:t>
+                      </a:r>
+                      <a:endParaRPr lang="en-US" sz="1100" dirty="0">
+                        <a:solidFill>
+                          <a:schemeClr val="tx1"/>
+                        </a:solidFill>
+                      </a:endParaRPr>
+                    </a:p>
+                  </a:txBody>
+                  <a:tcPr>
+                    <a:solidFill>
+                      <a:schemeClr val="bg1">
+                        <a:lumMod val="50000"/>
+                      </a:schemeClr>
+                    </a:solidFill>
+                  </a:tcPr>
+                </a:tc>
+                <a:tc>
+                  <a:txBody>
+                    <a:bodyPr/>
+                    <a:lstStyle/>
+                    <a:p>
+                      <a:pPr algn="ctr"/>
+                      <a:r>
+                        <a:rPr lang="en-US" sz="1100" dirty="0" smtClean="0">
+                          <a:solidFill>
+                            <a:schemeClr val="tx1"/>
+                          </a:solidFill>
+                        </a:rPr>
                         <a:t>Human (Agents)</a:t>
                       </a:r>
                       <a:endParaRPr lang="en-US" sz="1100" dirty="0">
@@ -4141,151 +4181,168 @@
                     <a:bodyPr/>
                     <a:lstStyle/>
                     <a:p>
-                      <a:r>
-                        <a:rPr lang="en-US" sz="1200" strike="sngStrike" dirty="0" smtClean="0"/>
+                      <a:endParaRPr lang="en-US" sz="800" strike="sngStrike" dirty="0"/>
+                    </a:p>
+                  </a:txBody>
+                  <a:tcPr/>
+                </a:tc>
+                <a:tc>
+                  <a:txBody>
+                    <a:bodyPr/>
+                    <a:lstStyle/>
+                    <a:p>
+                      <a:r>
+                        <a:rPr lang="en-US" sz="1000" strike="sngStrike" dirty="0" smtClean="0"/>
                         <a:t>1.0</a:t>
                       </a:r>
-                      <a:endParaRPr lang="en-US" sz="1200" strike="sngStrike" dirty="0"/>
-                    </a:p>
-                  </a:txBody>
-                  <a:tcPr/>
-                </a:tc>
-                <a:tc>
-                  <a:txBody>
-                    <a:bodyPr/>
-                    <a:lstStyle/>
-                    <a:p>
-                      <a:r>
-                        <a:rPr lang="en-US" sz="1200" strike="sngStrike" smtClean="0"/>
+                      <a:endParaRPr lang="en-US" sz="1000" strike="sngStrike" dirty="0"/>
+                    </a:p>
+                  </a:txBody>
+                  <a:tcPr/>
+                </a:tc>
+                <a:tc>
+                  <a:txBody>
+                    <a:bodyPr/>
+                    <a:lstStyle/>
+                    <a:p>
+                      <a:pPr algn="ctr"/>
+                      <a:r>
+                        <a:rPr lang="en-US" sz="1000" strike="sngStrike" dirty="0" smtClean="0"/>
                         <a:t>0.5</a:t>
                       </a:r>
-                      <a:endParaRPr lang="en-US" sz="1200" strike="sngStrike" dirty="0"/>
-                    </a:p>
-                  </a:txBody>
-                  <a:tcPr/>
-                </a:tc>
-                <a:tc>
-                  <a:txBody>
-                    <a:bodyPr/>
-                    <a:lstStyle/>
-                    <a:p>
-                      <a:r>
-                        <a:rPr lang="en-US" sz="1200" strike="sngStrike" dirty="0" smtClean="0"/>
+                      <a:endParaRPr lang="en-US" sz="1000" strike="sngStrike" dirty="0"/>
+                    </a:p>
+                  </a:txBody>
+                  <a:tcPr/>
+                </a:tc>
+                <a:tc>
+                  <a:txBody>
+                    <a:bodyPr/>
+                    <a:lstStyle/>
+                    <a:p>
+                      <a:pPr algn="ctr"/>
+                      <a:r>
+                        <a:rPr lang="en-US" sz="1000" strike="sngStrike" dirty="0" smtClean="0"/>
                         <a:t>0.5</a:t>
                       </a:r>
-                      <a:endParaRPr lang="en-US" sz="1200" strike="sngStrike" dirty="0"/>
-                    </a:p>
-                  </a:txBody>
-                  <a:tcPr/>
-                </a:tc>
-                <a:tc>
-                  <a:txBody>
-                    <a:bodyPr/>
-                    <a:lstStyle/>
-                    <a:p>
-                      <a:r>
-                        <a:rPr lang="en-US" sz="1200" strike="sngStrike" dirty="0" smtClean="0"/>
+                      <a:endParaRPr lang="en-US" sz="1000" strike="sngStrike" dirty="0"/>
+                    </a:p>
+                  </a:txBody>
+                  <a:tcPr/>
+                </a:tc>
+                <a:tc>
+                  <a:txBody>
+                    <a:bodyPr/>
+                    <a:lstStyle/>
+                    <a:p>
+                      <a:pPr algn="ctr"/>
+                      <a:r>
+                        <a:rPr lang="en-US" sz="1000" strike="sngStrike" dirty="0" smtClean="0"/>
                         <a:t>–</a:t>
                       </a:r>
-                      <a:endParaRPr lang="en-US" sz="1200" strike="sngStrike" dirty="0"/>
-                    </a:p>
-                  </a:txBody>
-                  <a:tcPr/>
-                </a:tc>
-                <a:tc>
-                  <a:txBody>
-                    <a:bodyPr/>
-                    <a:lstStyle/>
-                    <a:p>
-                      <a:r>
-                        <a:rPr lang="en-US" sz="1200" strike="sngStrike" dirty="0" smtClean="0"/>
+                      <a:endParaRPr lang="en-US" sz="1000" strike="sngStrike" dirty="0"/>
+                    </a:p>
+                  </a:txBody>
+                  <a:tcPr/>
+                </a:tc>
+                <a:tc>
+                  <a:txBody>
+                    <a:bodyPr/>
+                    <a:lstStyle/>
+                    <a:p>
+                      <a:pPr algn="ctr"/>
+                      <a:r>
+                        <a:rPr lang="en-US" sz="1000" strike="sngStrike" dirty="0" smtClean="0"/>
                         <a:t>0.5</a:t>
                       </a:r>
-                      <a:endParaRPr lang="en-US" sz="1200" strike="sngStrike" dirty="0"/>
-                    </a:p>
-                  </a:txBody>
-                  <a:tcPr/>
-                </a:tc>
-                <a:tc>
-                  <a:txBody>
-                    <a:bodyPr/>
-                    <a:lstStyle/>
-                    <a:p>
-                      <a:r>
-                        <a:rPr lang="en-US" sz="1200" strike="sngStrike" dirty="0" smtClean="0"/>
+                      <a:endParaRPr lang="en-US" sz="1000" strike="sngStrike" dirty="0"/>
+                    </a:p>
+                  </a:txBody>
+                  <a:tcPr/>
+                </a:tc>
+                <a:tc>
+                  <a:txBody>
+                    <a:bodyPr/>
+                    <a:lstStyle/>
+                    <a:p>
+                      <a:pPr algn="ctr"/>
+                      <a:r>
+                        <a:rPr lang="en-US" sz="1000" strike="sngStrike" dirty="0" smtClean="0"/>
                         <a:t>DEVS</a:t>
                       </a:r>
-                      <a:endParaRPr lang="en-US" sz="1200" strike="sngStrike" dirty="0"/>
-                    </a:p>
-                  </a:txBody>
-                  <a:tcPr/>
-                </a:tc>
-                <a:tc>
-                  <a:txBody>
-                    <a:bodyPr/>
-                    <a:lstStyle/>
-                    <a:p>
-                      <a:r>
-                        <a:rPr lang="en-US" sz="1200" strike="sngStrike" dirty="0" smtClean="0"/>
+                      <a:endParaRPr lang="en-US" sz="1000" strike="sngStrike" dirty="0"/>
+                    </a:p>
+                  </a:txBody>
+                  <a:tcPr/>
+                </a:tc>
+                <a:tc>
+                  <a:txBody>
+                    <a:bodyPr/>
+                    <a:lstStyle/>
+                    <a:p>
+                      <a:pPr algn="ctr"/>
+                      <a:r>
+                        <a:rPr lang="en-US" sz="1000" strike="sngStrike" dirty="0" smtClean="0"/>
                         <a:t>6.4</a:t>
                       </a:r>
-                      <a:endParaRPr lang="en-US" sz="1200" strike="sngStrike" dirty="0"/>
-                    </a:p>
-                  </a:txBody>
-                  <a:tcPr/>
-                </a:tc>
-                <a:tc>
-                  <a:txBody>
-                    <a:bodyPr/>
-                    <a:lstStyle/>
-                    <a:p>
-                      <a:r>
-                        <a:rPr lang="en-US" sz="1200" strike="sngStrike" dirty="0" smtClean="0"/>
+                      <a:endParaRPr lang="en-US" sz="1000" strike="sngStrike" dirty="0"/>
+                    </a:p>
+                  </a:txBody>
+                  <a:tcPr/>
+                </a:tc>
+                <a:tc>
+                  <a:txBody>
+                    <a:bodyPr/>
+                    <a:lstStyle/>
+                    <a:p>
+                      <a:pPr algn="ctr"/>
+                      <a:r>
+                        <a:rPr lang="en-US" sz="1000" strike="sngStrike" dirty="0" smtClean="0"/>
                         <a:t>Bash ?</a:t>
                       </a:r>
-                      <a:endParaRPr lang="en-US" sz="1200" strike="sngStrike" dirty="0"/>
-                    </a:p>
-                  </a:txBody>
-                  <a:tcPr/>
-                </a:tc>
-                <a:tc>
-                  <a:txBody>
-                    <a:bodyPr/>
-                    <a:lstStyle/>
-                    <a:p>
-                      <a:endParaRPr lang="en-US" sz="1200" strike="sngStrike" dirty="0"/>
-                    </a:p>
-                  </a:txBody>
-                  <a:tcPr/>
-                </a:tc>
-                <a:tc>
-                  <a:txBody>
-                    <a:bodyPr/>
-                    <a:lstStyle/>
-                    <a:p>
-                      <a:r>
-                        <a:rPr lang="en-US" sz="1200" strike="sngStrike" dirty="0" smtClean="0"/>
+                      <a:endParaRPr lang="en-US" sz="1000" strike="sngStrike" dirty="0"/>
+                    </a:p>
+                  </a:txBody>
+                  <a:tcPr/>
+                </a:tc>
+                <a:tc>
+                  <a:txBody>
+                    <a:bodyPr/>
+                    <a:lstStyle/>
+                    <a:p>
+                      <a:endParaRPr lang="en-US" sz="1000" strike="sngStrike" dirty="0"/>
+                    </a:p>
+                  </a:txBody>
+                  <a:tcPr/>
+                </a:tc>
+                <a:tc>
+                  <a:txBody>
+                    <a:bodyPr/>
+                    <a:lstStyle/>
+                    <a:p>
+                      <a:r>
+                        <a:rPr lang="en-US" sz="1000" strike="sngStrike" dirty="0" smtClean="0"/>
                         <a:t>DEVSJAVA</a:t>
                       </a:r>
                       <a:r>
-                        <a:rPr lang="en-US" sz="1200" strike="sngStrike" baseline="0" dirty="0" smtClean="0"/>
+                        <a:rPr lang="en-US" sz="1000" strike="sngStrike" baseline="0" dirty="0" smtClean="0"/>
                         <a:t> 2.1, JRE 4-7</a:t>
                       </a:r>
-                      <a:endParaRPr lang="en-US" sz="1200" strike="sngStrike" dirty="0"/>
-                    </a:p>
-                  </a:txBody>
-                  <a:tcPr/>
-                </a:tc>
-                <a:tc>
-                  <a:txBody>
-                    <a:bodyPr/>
-                    <a:lstStyle/>
-                    <a:p>
-                      <a:r>
-                        <a:rPr lang="en-US" sz="1200" strike="sngStrike" dirty="0" smtClean="0"/>
+                      <a:endParaRPr lang="en-US" sz="1000" strike="sngStrike" dirty="0"/>
+                    </a:p>
+                  </a:txBody>
+                  <a:tcPr/>
+                </a:tc>
+                <a:tc>
+                  <a:txBody>
+                    <a:bodyPr/>
+                    <a:lstStyle/>
+                    <a:p>
+                      <a:r>
+                        <a:rPr lang="en-US" sz="1000" strike="sngStrike" dirty="0" smtClean="0"/>
                         <a:t>2009</a:t>
                       </a:r>
-                      <a:endParaRPr lang="en-US" sz="1200" strike="sngStrike" dirty="0"/>
+                      <a:endParaRPr lang="en-US" sz="1000" strike="sngStrike" dirty="0"/>
                     </a:p>
                   </a:txBody>
                   <a:tcPr/>
@@ -4298,38 +4355,430 @@
                     <a:lstStyle/>
                     <a:p>
                       <a:r>
-                        <a:rPr lang="en-US" sz="1200" dirty="0" smtClean="0"/>
-                        <a:t>2.0</a:t>
-                      </a:r>
-                      <a:endParaRPr lang="en-US" sz="1200" dirty="0"/>
-                    </a:p>
-                  </a:txBody>
-                  <a:tcPr/>
-                </a:tc>
-                <a:tc>
-                  <a:txBody>
-                    <a:bodyPr/>
-                    <a:lstStyle/>
-                    <a:p>
-                      <a:r>
-                        <a:rPr lang="en-US" sz="1200" dirty="0" smtClean="0"/>
+                        <a:rPr lang="en-US" sz="800" dirty="0" smtClean="0"/>
+                        <a:t>MMLv1 (</a:t>
+                      </a:r>
+                      <a:r>
+                        <a:rPr lang="en-US" sz="800" dirty="0" err="1" smtClean="0"/>
+                        <a:t>Git</a:t>
+                      </a:r>
+                      <a:r>
+                        <a:rPr lang="en-US" sz="800" dirty="0" smtClean="0"/>
+                        <a:t>)</a:t>
+                      </a:r>
+                      <a:endParaRPr lang="en-US" sz="800" dirty="0"/>
+                    </a:p>
+                  </a:txBody>
+                  <a:tcPr/>
+                </a:tc>
+                <a:tc>
+                  <a:txBody>
+                    <a:bodyPr/>
+                    <a:lstStyle/>
+                    <a:p>
+                      <a:r>
+                        <a:rPr lang="en-US" sz="1000" dirty="0" smtClean="0"/>
+                        <a:t>MMLv1.0</a:t>
+                      </a:r>
+                      <a:endParaRPr lang="en-US" sz="1000" dirty="0"/>
+                    </a:p>
+                  </a:txBody>
+                  <a:tcPr/>
+                </a:tc>
+                <a:tc>
+                  <a:txBody>
+                    <a:bodyPr/>
+                    <a:lstStyle/>
+                    <a:p>
+                      <a:pPr algn="ctr"/>
+                      <a:r>
+                        <a:rPr lang="en-US" sz="1000" dirty="0" smtClean="0"/>
                         <a:t>1.0</a:t>
                       </a:r>
-                      <a:endParaRPr lang="en-US" sz="1200" dirty="0"/>
-                    </a:p>
-                  </a:txBody>
-                  <a:tcPr/>
-                </a:tc>
-                <a:tc>
-                  <a:txBody>
-                    <a:bodyPr/>
-                    <a:lstStyle/>
-                    <a:p>
-                      <a:r>
-                        <a:rPr lang="en-US" sz="1200" dirty="0" smtClean="0"/>
+                      <a:endParaRPr lang="en-US" sz="1000" dirty="0"/>
+                    </a:p>
+                  </a:txBody>
+                  <a:tcPr/>
+                </a:tc>
+                <a:tc>
+                  <a:txBody>
+                    <a:bodyPr/>
+                    <a:lstStyle/>
+                    <a:p>
+                      <a:pPr algn="ctr"/>
+                      <a:r>
+                        <a:rPr lang="en-US" sz="1000" dirty="0" smtClean="0"/>
                         <a:t>1.0</a:t>
                       </a:r>
-                      <a:endParaRPr lang="en-US" sz="1200" dirty="0"/>
+                      <a:endParaRPr lang="en-US" sz="1000" dirty="0"/>
+                    </a:p>
+                  </a:txBody>
+                  <a:tcPr/>
+                </a:tc>
+                <a:tc>
+                  <a:txBody>
+                    <a:bodyPr/>
+                    <a:lstStyle/>
+                    <a:p>
+                      <a:pPr marL="0" marR="0" indent="0" algn="ctr" defTabSz="914400" rtl="0" eaLnBrk="1" fontAlgn="auto" latinLnBrk="0" hangingPunct="1">
+                        <a:lnSpc>
+                          <a:spcPct val="100000"/>
+                        </a:lnSpc>
+                        <a:spcBef>
+                          <a:spcPts val="0"/>
+                        </a:spcBef>
+                        <a:spcAft>
+                          <a:spcPts val="0"/>
+                        </a:spcAft>
+                        <a:buClrTx/>
+                        <a:buSzTx/>
+                        <a:buFontTx/>
+                        <a:buNone/>
+                        <a:tabLst/>
+                        <a:defRPr/>
+                      </a:pPr>
+                      <a:r>
+                        <a:rPr lang="en-US" sz="1000" dirty="0" smtClean="0"/>
+                        <a:t>–</a:t>
+                      </a:r>
+                      <a:endParaRPr lang="en-US" sz="1000" dirty="0" smtClean="0"/>
+                    </a:p>
+                  </a:txBody>
+                  <a:tcPr/>
+                </a:tc>
+                <a:tc>
+                  <a:txBody>
+                    <a:bodyPr/>
+                    <a:lstStyle/>
+                    <a:p>
+                      <a:pPr algn="ctr"/>
+                      <a:r>
+                        <a:rPr lang="en-US" sz="1000" dirty="0" smtClean="0"/>
+                        <a:t>1.0</a:t>
+                      </a:r>
+                      <a:endParaRPr lang="en-US" sz="1000" dirty="0"/>
+                    </a:p>
+                  </a:txBody>
+                  <a:tcPr/>
+                </a:tc>
+                <a:tc>
+                  <a:txBody>
+                    <a:bodyPr/>
+                    <a:lstStyle/>
+                    <a:p>
+                      <a:pPr algn="ctr"/>
+                      <a:r>
+                        <a:rPr lang="en-US" sz="1000" dirty="0" smtClean="0">
+                          <a:solidFill>
+                            <a:schemeClr val="tx1"/>
+                          </a:solidFill>
+                        </a:rPr>
+                        <a:t>Repast</a:t>
+                      </a:r>
+                      <a:endParaRPr lang="en-US" sz="1000" dirty="0"/>
+                    </a:p>
+                  </a:txBody>
+                  <a:tcPr/>
+                </a:tc>
+                <a:tc>
+                  <a:txBody>
+                    <a:bodyPr/>
+                    <a:lstStyle/>
+                    <a:p>
+                      <a:pPr algn="ctr"/>
+                      <a:r>
+                        <a:rPr lang="en-US" sz="1000" dirty="0" smtClean="0"/>
+                        <a:t>6.4</a:t>
+                      </a:r>
+                      <a:endParaRPr lang="en-US" sz="1000" dirty="0"/>
+                    </a:p>
+                  </a:txBody>
+                  <a:tcPr/>
+                </a:tc>
+                <a:tc>
+                  <a:txBody>
+                    <a:bodyPr/>
+                    <a:lstStyle/>
+                    <a:p>
+                      <a:pPr algn="ctr"/>
+                      <a:r>
+                        <a:rPr lang="en-US" sz="1000" dirty="0" smtClean="0"/>
+                        <a:t>Python 2.7</a:t>
+                      </a:r>
+                      <a:endParaRPr lang="en-US" sz="1000" dirty="0"/>
+                    </a:p>
+                  </a:txBody>
+                  <a:tcPr/>
+                </a:tc>
+                <a:tc>
+                  <a:txBody>
+                    <a:bodyPr/>
+                    <a:lstStyle/>
+                    <a:p>
+                      <a:endParaRPr lang="en-US" sz="1000"/>
+                    </a:p>
+                  </a:txBody>
+                  <a:tcPr/>
+                </a:tc>
+                <a:tc>
+                  <a:txBody>
+                    <a:bodyPr/>
+                    <a:lstStyle/>
+                    <a:p>
+                      <a:r>
+                        <a:rPr lang="en-US" sz="1000" dirty="0" smtClean="0"/>
+                        <a:t>Bash</a:t>
+                      </a:r>
+                      <a:r>
+                        <a:rPr lang="en-US" sz="1000" baseline="0" dirty="0" smtClean="0"/>
+                        <a:t> </a:t>
+                      </a:r>
+                      <a:r>
+                        <a:rPr lang="en-US" sz="1000" baseline="0" dirty="0" smtClean="0"/>
+                        <a:t>-&gt; Python</a:t>
+                      </a:r>
+                      <a:endParaRPr lang="en-US" sz="1000" dirty="0"/>
+                    </a:p>
+                  </a:txBody>
+                  <a:tcPr/>
+                </a:tc>
+                <a:tc>
+                  <a:txBody>
+                    <a:bodyPr/>
+                    <a:lstStyle/>
+                    <a:p>
+                      <a:r>
+                        <a:rPr lang="en-US" sz="1000" dirty="0" smtClean="0"/>
+                        <a:t>2013</a:t>
+                      </a:r>
+                      <a:endParaRPr lang="en-US" sz="1000" dirty="0"/>
+                    </a:p>
+                  </a:txBody>
+                  <a:tcPr/>
+                </a:tc>
+              </a:tr>
+              <a:tr h="370840">
+                <a:tc>
+                  <a:txBody>
+                    <a:bodyPr/>
+                    <a:lstStyle/>
+                    <a:p>
+                      <a:r>
+                        <a:rPr lang="en-US" sz="800" dirty="0" err="1" smtClean="0"/>
+                        <a:t>StupidModel</a:t>
+                      </a:r>
+                      <a:r>
+                        <a:rPr lang="en-US" sz="800" baseline="0" dirty="0" smtClean="0"/>
+                        <a:t> (Sep. 2014, </a:t>
+                      </a:r>
+                      <a:r>
+                        <a:rPr lang="en-US" sz="800" baseline="0" dirty="0" err="1" smtClean="0"/>
+                        <a:t>Git</a:t>
+                      </a:r>
+                      <a:r>
+                        <a:rPr lang="en-US" sz="800" baseline="0" dirty="0" smtClean="0"/>
+                        <a:t>)</a:t>
+                      </a:r>
+                      <a:endParaRPr lang="en-US" sz="800" dirty="0"/>
+                    </a:p>
+                  </a:txBody>
+                  <a:tcPr/>
+                </a:tc>
+                <a:tc>
+                  <a:txBody>
+                    <a:bodyPr/>
+                    <a:lstStyle/>
+                    <a:p>
+                      <a:r>
+                        <a:rPr lang="en-US" sz="1000" dirty="0" smtClean="0"/>
+                        <a:t>MMLv2.0</a:t>
+                      </a:r>
+                      <a:endParaRPr lang="en-US" sz="1000" dirty="0"/>
+                    </a:p>
+                  </a:txBody>
+                  <a:tcPr/>
+                </a:tc>
+                <a:tc>
+                  <a:txBody>
+                    <a:bodyPr/>
+                    <a:lstStyle/>
+                    <a:p>
+                      <a:pPr algn="ctr"/>
+                      <a:r>
+                        <a:rPr lang="en-US" sz="1000" dirty="0" smtClean="0"/>
+                        <a:t>1.0</a:t>
+                      </a:r>
+                      <a:endParaRPr lang="en-US" sz="1000" dirty="0"/>
+                    </a:p>
+                  </a:txBody>
+                  <a:tcPr/>
+                </a:tc>
+                <a:tc>
+                  <a:txBody>
+                    <a:bodyPr/>
+                    <a:lstStyle/>
+                    <a:p>
+                      <a:pPr marL="0" marR="0" indent="0" algn="ctr" defTabSz="914400" rtl="0" eaLnBrk="1" fontAlgn="auto" latinLnBrk="0" hangingPunct="1">
+                        <a:lnSpc>
+                          <a:spcPct val="100000"/>
+                        </a:lnSpc>
+                        <a:spcBef>
+                          <a:spcPts val="0"/>
+                        </a:spcBef>
+                        <a:spcAft>
+                          <a:spcPts val="0"/>
+                        </a:spcAft>
+                        <a:buClrTx/>
+                        <a:buSzTx/>
+                        <a:buFontTx/>
+                        <a:buNone/>
+                        <a:tabLst/>
+                        <a:defRPr/>
+                      </a:pPr>
+                      <a:r>
+                        <a:rPr lang="en-US" sz="1000" dirty="0" smtClean="0"/>
+                        <a:t>1.1</a:t>
+                      </a:r>
+                      <a:endParaRPr lang="en-US" sz="1000" dirty="0" smtClean="0"/>
+                    </a:p>
+                    <a:p>
+                      <a:pPr algn="ctr"/>
+                      <a:endParaRPr lang="en-US" sz="1000" dirty="0"/>
+                    </a:p>
+                  </a:txBody>
+                  <a:tcPr/>
+                </a:tc>
+                <a:tc>
+                  <a:txBody>
+                    <a:bodyPr/>
+                    <a:lstStyle/>
+                    <a:p>
+                      <a:pPr marL="0" marR="0" indent="0" algn="ctr" defTabSz="914400" rtl="0" eaLnBrk="1" fontAlgn="auto" latinLnBrk="0" hangingPunct="1">
+                        <a:lnSpc>
+                          <a:spcPct val="100000"/>
+                        </a:lnSpc>
+                        <a:spcBef>
+                          <a:spcPts val="0"/>
+                        </a:spcBef>
+                        <a:spcAft>
+                          <a:spcPts val="0"/>
+                        </a:spcAft>
+                        <a:buClrTx/>
+                        <a:buSzTx/>
+                        <a:buFontTx/>
+                        <a:buNone/>
+                        <a:tabLst/>
+                        <a:defRPr/>
+                      </a:pPr>
+                      <a:r>
+                        <a:rPr lang="en-US" sz="1000" dirty="0" smtClean="0"/>
+                        <a:t>–</a:t>
+                      </a:r>
+                    </a:p>
+                    <a:p>
+                      <a:pPr algn="ctr"/>
+                      <a:endParaRPr lang="en-US" sz="1000" dirty="0"/>
+                    </a:p>
+                  </a:txBody>
+                  <a:tcPr/>
+                </a:tc>
+                <a:tc>
+                  <a:txBody>
+                    <a:bodyPr/>
+                    <a:lstStyle/>
+                    <a:p>
+                      <a:pPr algn="ctr"/>
+                      <a:r>
+                        <a:rPr lang="en-US" sz="1000" dirty="0" smtClean="0"/>
+                        <a:t>1.0</a:t>
+                      </a:r>
+                      <a:endParaRPr lang="en-US" sz="1000" dirty="0"/>
+                    </a:p>
+                  </a:txBody>
+                  <a:tcPr/>
+                </a:tc>
+                <a:tc>
+                  <a:txBody>
+                    <a:bodyPr/>
+                    <a:lstStyle/>
+                    <a:p>
+                      <a:pPr marL="0" marR="0" indent="0" algn="ctr" defTabSz="914400" rtl="0" eaLnBrk="1" fontAlgn="auto" latinLnBrk="0" hangingPunct="1">
+                        <a:lnSpc>
+                          <a:spcPct val="100000"/>
+                        </a:lnSpc>
+                        <a:spcBef>
+                          <a:spcPts val="0"/>
+                        </a:spcBef>
+                        <a:spcAft>
+                          <a:spcPts val="0"/>
+                        </a:spcAft>
+                        <a:buClrTx/>
+                        <a:buSzTx/>
+                        <a:buFontTx/>
+                        <a:buNone/>
+                        <a:tabLst/>
+                        <a:defRPr/>
+                      </a:pPr>
+                      <a:r>
+                        <a:rPr lang="en-US" sz="1000" dirty="0" smtClean="0">
+                          <a:solidFill>
+                            <a:schemeClr val="tx1"/>
+                          </a:solidFill>
+                        </a:rPr>
+                        <a:t>Repast</a:t>
+                      </a:r>
+                      <a:endParaRPr lang="en-US" sz="1000" dirty="0" smtClean="0"/>
+                    </a:p>
+                  </a:txBody>
+                  <a:tcPr/>
+                </a:tc>
+                <a:tc>
+                  <a:txBody>
+                    <a:bodyPr/>
+                    <a:lstStyle/>
+                    <a:p>
+                      <a:pPr marL="0" marR="0" indent="0" algn="ctr" defTabSz="914400" rtl="0" eaLnBrk="1" fontAlgn="auto" latinLnBrk="0" hangingPunct="1">
+                        <a:lnSpc>
+                          <a:spcPct val="100000"/>
+                        </a:lnSpc>
+                        <a:spcBef>
+                          <a:spcPts val="0"/>
+                        </a:spcBef>
+                        <a:spcAft>
+                          <a:spcPts val="0"/>
+                        </a:spcAft>
+                        <a:buClrTx/>
+                        <a:buSzTx/>
+                        <a:buFontTx/>
+                        <a:buNone/>
+                        <a:tabLst/>
+                        <a:defRPr/>
+                      </a:pPr>
+                      <a:r>
+                        <a:rPr lang="en-US" sz="1000" dirty="0" smtClean="0"/>
+                        <a:t>6.4</a:t>
+                      </a:r>
+                    </a:p>
+                  </a:txBody>
+                  <a:tcPr/>
+                </a:tc>
+                <a:tc>
+                  <a:txBody>
+                    <a:bodyPr/>
+                    <a:lstStyle/>
+                    <a:p>
+                      <a:pPr algn="ctr"/>
+                      <a:endParaRPr lang="en-US" sz="1000" dirty="0"/>
+                    </a:p>
+                  </a:txBody>
+                  <a:tcPr/>
+                </a:tc>
+                <a:tc>
+                  <a:txBody>
+                    <a:bodyPr/>
+                    <a:lstStyle/>
+                    <a:p>
+                      <a:endParaRPr lang="en-US" sz="1000" dirty="0"/>
                     </a:p>
                   </a:txBody>
                   <a:tcPr/>
@@ -4357,86 +4806,285 @@
                         <a:defRPr/>
                       </a:pPr>
                       <a:r>
-                        <a:rPr lang="en-US" sz="1200" dirty="0" smtClean="0"/>
+                        <a:rPr lang="en-US" sz="1000" dirty="0" smtClean="0"/>
+                        <a:t>DEVS -&gt; Repast,</a:t>
+                      </a:r>
+                      <a:r>
+                        <a:rPr lang="en-US" sz="1000" baseline="0" dirty="0" smtClean="0"/>
+                        <a:t> JRE 4-7</a:t>
+                      </a:r>
+                      <a:endParaRPr lang="en-US" sz="1000" dirty="0" smtClean="0"/>
+                    </a:p>
+                  </a:txBody>
+                  <a:tcPr/>
+                </a:tc>
+                <a:tc>
+                  <a:txBody>
+                    <a:bodyPr/>
+                    <a:lstStyle/>
+                    <a:p>
+                      <a:r>
+                        <a:rPr lang="en-US" sz="1000" dirty="0" smtClean="0"/>
+                        <a:t>2014</a:t>
+                      </a:r>
+                      <a:endParaRPr lang="en-US" sz="1000" dirty="0"/>
+                    </a:p>
+                  </a:txBody>
+                  <a:tcPr/>
+                </a:tc>
+              </a:tr>
+              <a:tr h="370840">
+                <a:tc>
+                  <a:txBody>
+                    <a:bodyPr/>
+                    <a:lstStyle/>
+                    <a:p>
+                      <a:r>
+                        <a:rPr lang="en-US" sz="800" dirty="0" smtClean="0"/>
+                        <a:t>“</a:t>
+                      </a:r>
+                      <a:r>
+                        <a:rPr lang="en-US" sz="800" dirty="0" err="1" smtClean="0"/>
+                        <a:t>StupidModel</a:t>
+                      </a:r>
+                      <a:r>
+                        <a:rPr lang="en-US" sz="800" baseline="0" dirty="0" smtClean="0"/>
+                        <a:t>” (Dec. 2014, lab computer)</a:t>
+                      </a:r>
+                      <a:endParaRPr lang="en-US" sz="800" dirty="0"/>
+                    </a:p>
+                  </a:txBody>
+                  <a:tcPr/>
+                </a:tc>
+                <a:tc>
+                  <a:txBody>
+                    <a:bodyPr/>
+                    <a:lstStyle/>
+                    <a:p>
+                      <a:r>
+                        <a:rPr lang="en-US" sz="1000" dirty="0" smtClean="0"/>
+                        <a:t>MMLv2.1</a:t>
+                      </a:r>
+                      <a:endParaRPr lang="en-US" sz="1000" dirty="0"/>
+                    </a:p>
+                  </a:txBody>
+                  <a:tcPr/>
+                </a:tc>
+                <a:tc>
+                  <a:txBody>
+                    <a:bodyPr/>
+                    <a:lstStyle/>
+                    <a:p>
+                      <a:pPr algn="ctr"/>
+                      <a:r>
+                        <a:rPr lang="en-US" sz="1000" dirty="0" smtClean="0"/>
+                        <a:t>1.0</a:t>
+                      </a:r>
+                      <a:endParaRPr lang="en-US" sz="1000" dirty="0"/>
+                    </a:p>
+                  </a:txBody>
+                  <a:tcPr/>
+                </a:tc>
+                <a:tc>
+                  <a:txBody>
+                    <a:bodyPr/>
+                    <a:lstStyle/>
+                    <a:p>
+                      <a:pPr marL="0" marR="0" indent="0" algn="ctr" defTabSz="914400" rtl="0" eaLnBrk="1" fontAlgn="auto" latinLnBrk="0" hangingPunct="1">
+                        <a:lnSpc>
+                          <a:spcPct val="100000"/>
+                        </a:lnSpc>
+                        <a:spcBef>
+                          <a:spcPts val="0"/>
+                        </a:spcBef>
+                        <a:spcAft>
+                          <a:spcPts val="0"/>
+                        </a:spcAft>
+                        <a:buClrTx/>
+                        <a:buSzTx/>
+                        <a:buFontTx/>
+                        <a:buNone/>
+                        <a:tabLst/>
+                        <a:defRPr/>
+                      </a:pPr>
+                      <a:r>
+                        <a:rPr lang="en-US" sz="1000" dirty="0" smtClean="0"/>
+                        <a:t>1.2</a:t>
+                      </a:r>
+                      <a:endParaRPr lang="en-US" sz="1000" dirty="0" smtClean="0"/>
+                    </a:p>
+                  </a:txBody>
+                  <a:tcPr/>
+                </a:tc>
+                <a:tc>
+                  <a:txBody>
+                    <a:bodyPr/>
+                    <a:lstStyle/>
+                    <a:p>
+                      <a:pPr marL="0" marR="0" indent="0" algn="ctr" defTabSz="914400" rtl="0" eaLnBrk="1" fontAlgn="auto" latinLnBrk="0" hangingPunct="1">
+                        <a:lnSpc>
+                          <a:spcPct val="100000"/>
+                        </a:lnSpc>
+                        <a:spcBef>
+                          <a:spcPts val="0"/>
+                        </a:spcBef>
+                        <a:spcAft>
+                          <a:spcPts val="0"/>
+                        </a:spcAft>
+                        <a:buClrTx/>
+                        <a:buSzTx/>
+                        <a:buFontTx/>
+                        <a:buNone/>
+                        <a:tabLst/>
+                        <a:defRPr/>
+                      </a:pPr>
+                      <a:r>
+                        <a:rPr lang="en-US" sz="1000" dirty="0" smtClean="0"/>
                         <a:t>–</a:t>
                       </a:r>
                     </a:p>
-                    <a:p>
-                      <a:endParaRPr lang="en-US" sz="1200" dirty="0"/>
-                    </a:p>
-                  </a:txBody>
-                  <a:tcPr/>
-                </a:tc>
-                <a:tc>
-                  <a:txBody>
-                    <a:bodyPr/>
-                    <a:lstStyle/>
-                    <a:p>
-                      <a:r>
-                        <a:rPr lang="en-US" sz="1200" dirty="0" smtClean="0"/>
-                        <a:t>1.0</a:t>
-                      </a:r>
-                      <a:endParaRPr lang="en-US" sz="1200" dirty="0"/>
-                    </a:p>
-                  </a:txBody>
-                  <a:tcPr/>
-                </a:tc>
-                <a:tc>
-                  <a:txBody>
-                    <a:bodyPr/>
-                    <a:lstStyle/>
-                    <a:p>
-                      <a:r>
-                        <a:rPr lang="en-US" sz="1200" dirty="0" smtClean="0">
+                  </a:txBody>
+                  <a:tcPr/>
+                </a:tc>
+                <a:tc>
+                  <a:txBody>
+                    <a:bodyPr/>
+                    <a:lstStyle/>
+                    <a:p>
+                      <a:pPr algn="ctr"/>
+                      <a:r>
+                        <a:rPr lang="en-US" sz="1000" dirty="0" smtClean="0"/>
+                        <a:t>1.1</a:t>
+                      </a:r>
+                      <a:endParaRPr lang="en-US" sz="1000" dirty="0"/>
+                    </a:p>
+                  </a:txBody>
+                  <a:tcPr/>
+                </a:tc>
+                <a:tc>
+                  <a:txBody>
+                    <a:bodyPr/>
+                    <a:lstStyle/>
+                    <a:p>
+                      <a:pPr marL="0" marR="0" indent="0" algn="ctr" defTabSz="914400" rtl="0" eaLnBrk="1" fontAlgn="auto" latinLnBrk="0" hangingPunct="1">
+                        <a:lnSpc>
+                          <a:spcPct val="100000"/>
+                        </a:lnSpc>
+                        <a:spcBef>
+                          <a:spcPts val="0"/>
+                        </a:spcBef>
+                        <a:spcAft>
+                          <a:spcPts val="0"/>
+                        </a:spcAft>
+                        <a:buClrTx/>
+                        <a:buSzTx/>
+                        <a:buFontTx/>
+                        <a:buNone/>
+                        <a:tabLst/>
+                        <a:defRPr/>
+                      </a:pPr>
+                      <a:r>
+                        <a:rPr lang="en-US" sz="1000" dirty="0" smtClean="0">
                           <a:solidFill>
                             <a:schemeClr val="tx1"/>
                           </a:solidFill>
                         </a:rPr>
                         <a:t>Repast</a:t>
                       </a:r>
-                      <a:endParaRPr lang="en-US" sz="1200" dirty="0"/>
-                    </a:p>
-                  </a:txBody>
-                  <a:tcPr/>
-                </a:tc>
-                <a:tc>
-                  <a:txBody>
-                    <a:bodyPr/>
-                    <a:lstStyle/>
-                    <a:p>
-                      <a:r>
-                        <a:rPr lang="en-US" sz="1200" dirty="0" smtClean="0"/>
+                      <a:endParaRPr lang="en-US" sz="1000" dirty="0" smtClean="0"/>
+                    </a:p>
+                  </a:txBody>
+                  <a:tcPr/>
+                </a:tc>
+                <a:tc>
+                  <a:txBody>
+                    <a:bodyPr/>
+                    <a:lstStyle/>
+                    <a:p>
+                      <a:pPr marL="0" marR="0" indent="0" algn="ctr" defTabSz="914400" rtl="0" eaLnBrk="1" fontAlgn="auto" latinLnBrk="0" hangingPunct="1">
+                        <a:lnSpc>
+                          <a:spcPct val="100000"/>
+                        </a:lnSpc>
+                        <a:spcBef>
+                          <a:spcPts val="0"/>
+                        </a:spcBef>
+                        <a:spcAft>
+                          <a:spcPts val="0"/>
+                        </a:spcAft>
+                        <a:buClrTx/>
+                        <a:buSzTx/>
+                        <a:buFontTx/>
+                        <a:buNone/>
+                        <a:tabLst/>
+                        <a:defRPr/>
+                      </a:pPr>
+                      <a:r>
+                        <a:rPr lang="en-US" sz="1000" dirty="0" smtClean="0"/>
                         <a:t>6.4</a:t>
                       </a:r>
-                      <a:endParaRPr lang="en-US" sz="1200" dirty="0"/>
-                    </a:p>
-                  </a:txBody>
-                  <a:tcPr/>
-                </a:tc>
-                <a:tc>
-                  <a:txBody>
-                    <a:bodyPr/>
-                    <a:lstStyle/>
-                    <a:p>
-                      <a:r>
-                        <a:rPr lang="en-US" sz="1200" dirty="0" smtClean="0"/>
-                        <a:t>Python 2.7</a:t>
-                      </a:r>
-                      <a:endParaRPr lang="en-US" sz="1200" dirty="0"/>
-                    </a:p>
-                  </a:txBody>
-                  <a:tcPr/>
-                </a:tc>
-                <a:tc>
-                  <a:txBody>
-                    <a:bodyPr/>
-                    <a:lstStyle/>
-                    <a:p>
-                      <a:endParaRPr lang="en-US" sz="1200"/>
-                    </a:p>
-                  </a:txBody>
-                  <a:tcPr/>
-                </a:tc>
+                    </a:p>
+                  </a:txBody>
+                  <a:tcPr/>
+                </a:tc>
+                <a:tc>
+                  <a:txBody>
+                    <a:bodyPr/>
+                    <a:lstStyle/>
+                    <a:p>
+                      <a:pPr algn="ctr"/>
+                      <a:endParaRPr lang="en-US" sz="1000" dirty="0"/>
+                    </a:p>
+                  </a:txBody>
+                  <a:tcPr/>
+                </a:tc>
+                <a:tc>
+                  <a:txBody>
+                    <a:bodyPr/>
+                    <a:lstStyle/>
+                    <a:p>
+                      <a:endParaRPr lang="en-US" sz="1000" dirty="0"/>
+                    </a:p>
+                  </a:txBody>
+                  <a:tcPr/>
+                </a:tc>
+                <a:tc>
+                  <a:txBody>
+                    <a:bodyPr/>
+                    <a:lstStyle/>
+                    <a:p>
+                      <a:r>
+                        <a:rPr lang="en-US" sz="1000" baseline="0" dirty="0" smtClean="0"/>
+                        <a:t>~</a:t>
+                      </a:r>
+                      <a:r>
+                        <a:rPr lang="en-US" sz="1000" baseline="0" dirty="0" smtClean="0"/>
+                        <a:t>35% </a:t>
+                      </a:r>
+                      <a:r>
+                        <a:rPr lang="en-US" sz="1000" baseline="0" dirty="0" smtClean="0"/>
+                        <a:t>speedup</a:t>
+                      </a:r>
+                      <a:endParaRPr lang="en-US" sz="1000" dirty="0"/>
+                    </a:p>
+                  </a:txBody>
+                  <a:tcPr/>
+                </a:tc>
+                <a:tc>
+                  <a:txBody>
+                    <a:bodyPr/>
+                    <a:lstStyle/>
+                    <a:p>
+                      <a:r>
+                        <a:rPr lang="en-US" sz="1000" dirty="0" smtClean="0"/>
+                        <a:t>2014</a:t>
+                      </a:r>
+                      <a:endParaRPr lang="en-US" sz="1000" dirty="0"/>
+                    </a:p>
+                  </a:txBody>
+                  <a:tcPr/>
+                </a:tc>
+              </a:tr>
+              <a:tr h="370840">
                 <a:tc>
                   <a:txBody>
                     <a:bodyPr/>
@@ -4460,73 +5108,246 @@
                         <a:defRPr/>
                       </a:pPr>
                       <a:r>
-                        <a:rPr lang="en-US" sz="1200" dirty="0" smtClean="0"/>
-                        <a:t>DEVS -&gt; Repast, </a:t>
-                      </a:r>
-                      <a:r>
-                        <a:rPr lang="en-US" sz="1200" baseline="0" dirty="0" smtClean="0"/>
-                        <a:t>, JRE 4-7</a:t>
-                      </a:r>
-                      <a:endParaRPr lang="en-US" sz="1200" dirty="0" smtClean="0"/>
-                    </a:p>
-                    <a:p>
-                      <a:r>
-                        <a:rPr lang="en-US" sz="1200" dirty="0" smtClean="0"/>
-                        <a:t>Bash</a:t>
-                      </a:r>
-                      <a:r>
-                        <a:rPr lang="en-US" sz="1200" baseline="0" dirty="0" smtClean="0"/>
-                        <a:t> -&gt; Python</a:t>
-                      </a:r>
-                      <a:endParaRPr lang="en-US" sz="1200" dirty="0"/>
-                    </a:p>
-                  </a:txBody>
-                  <a:tcPr/>
-                </a:tc>
-                <a:tc>
-                  <a:txBody>
-                    <a:bodyPr/>
-                    <a:lstStyle/>
-                    <a:p>
-                      <a:r>
-                        <a:rPr lang="en-US" sz="1200" dirty="0" smtClean="0"/>
-                        <a:t>2013</a:t>
-                      </a:r>
-                      <a:endParaRPr lang="en-US" sz="1200" dirty="0"/>
+                        <a:rPr lang="en-US" sz="800" dirty="0" smtClean="0"/>
+                        <a:t>“</a:t>
+                      </a:r>
+                      <a:r>
+                        <a:rPr lang="en-US" sz="800" dirty="0" err="1" smtClean="0"/>
+                        <a:t>StupidModel</a:t>
+                      </a:r>
+                      <a:r>
+                        <a:rPr lang="en-US" sz="800" baseline="0" dirty="0" smtClean="0"/>
+                        <a:t>” (Aug. 2015, lab computer)</a:t>
+                      </a:r>
+                      <a:endParaRPr lang="en-US" sz="800" dirty="0" smtClean="0"/>
+                    </a:p>
+                  </a:txBody>
+                  <a:tcPr/>
+                </a:tc>
+                <a:tc>
+                  <a:txBody>
+                    <a:bodyPr/>
+                    <a:lstStyle/>
+                    <a:p>
+                      <a:r>
+                        <a:rPr lang="en-US" sz="1000" dirty="0" smtClean="0"/>
+                        <a:t>MMLv3.0</a:t>
+                      </a:r>
+                      <a:endParaRPr lang="en-US" sz="1000" dirty="0"/>
+                    </a:p>
+                  </a:txBody>
+                  <a:tcPr/>
+                </a:tc>
+                <a:tc>
+                  <a:txBody>
+                    <a:bodyPr/>
+                    <a:lstStyle/>
+                    <a:p>
+                      <a:pPr algn="ctr"/>
+                      <a:r>
+                        <a:rPr lang="en-US" sz="1000" dirty="0" smtClean="0"/>
+                        <a:t>1.0</a:t>
+                      </a:r>
+                      <a:endParaRPr lang="en-US" sz="1000" dirty="0"/>
+                    </a:p>
+                  </a:txBody>
+                  <a:tcPr/>
+                </a:tc>
+                <a:tc>
+                  <a:txBody>
+                    <a:bodyPr/>
+                    <a:lstStyle/>
+                    <a:p>
+                      <a:pPr marL="0" marR="0" indent="0" algn="ctr" defTabSz="914400" rtl="0" eaLnBrk="1" fontAlgn="auto" latinLnBrk="0" hangingPunct="1">
+                        <a:lnSpc>
+                          <a:spcPct val="100000"/>
+                        </a:lnSpc>
+                        <a:spcBef>
+                          <a:spcPts val="0"/>
+                        </a:spcBef>
+                        <a:spcAft>
+                          <a:spcPts val="0"/>
+                        </a:spcAft>
+                        <a:buClrTx/>
+                        <a:buSzTx/>
+                        <a:buFontTx/>
+                        <a:buNone/>
+                        <a:tabLst/>
+                        <a:defRPr/>
+                      </a:pPr>
+                      <a:r>
+                        <a:rPr lang="en-US" sz="1000" dirty="0" smtClean="0"/>
+                        <a:t>2.0</a:t>
+                      </a:r>
+                    </a:p>
+                  </a:txBody>
+                  <a:tcPr/>
+                </a:tc>
+                <a:tc>
+                  <a:txBody>
+                    <a:bodyPr/>
+                    <a:lstStyle/>
+                    <a:p>
+                      <a:pPr marL="0" marR="0" indent="0" algn="ctr" defTabSz="914400" rtl="0" eaLnBrk="1" fontAlgn="auto" latinLnBrk="0" hangingPunct="1">
+                        <a:lnSpc>
+                          <a:spcPct val="100000"/>
+                        </a:lnSpc>
+                        <a:spcBef>
+                          <a:spcPts val="0"/>
+                        </a:spcBef>
+                        <a:spcAft>
+                          <a:spcPts val="0"/>
+                        </a:spcAft>
+                        <a:buClrTx/>
+                        <a:buSzTx/>
+                        <a:buFontTx/>
+                        <a:buNone/>
+                        <a:tabLst/>
+                        <a:defRPr/>
+                      </a:pPr>
+                      <a:r>
+                        <a:rPr lang="en-US" sz="1000" dirty="0" smtClean="0"/>
+                        <a:t>–</a:t>
+                      </a:r>
+                    </a:p>
+                  </a:txBody>
+                  <a:tcPr/>
+                </a:tc>
+                <a:tc>
+                  <a:txBody>
+                    <a:bodyPr/>
+                    <a:lstStyle/>
+                    <a:p>
+                      <a:pPr algn="ctr"/>
+                      <a:r>
+                        <a:rPr lang="en-US" sz="1000" baseline="0" dirty="0" smtClean="0"/>
+                        <a:t>1.1</a:t>
+                      </a:r>
+                      <a:endParaRPr lang="en-US" sz="1000" dirty="0"/>
+                    </a:p>
+                  </a:txBody>
+                  <a:tcPr/>
+                </a:tc>
+                <a:tc>
+                  <a:txBody>
+                    <a:bodyPr/>
+                    <a:lstStyle/>
+                    <a:p>
+                      <a:pPr marL="0" marR="0" indent="0" algn="ctr" defTabSz="914400" rtl="0" eaLnBrk="1" fontAlgn="auto" latinLnBrk="0" hangingPunct="1">
+                        <a:lnSpc>
+                          <a:spcPct val="100000"/>
+                        </a:lnSpc>
+                        <a:spcBef>
+                          <a:spcPts val="0"/>
+                        </a:spcBef>
+                        <a:spcAft>
+                          <a:spcPts val="0"/>
+                        </a:spcAft>
+                        <a:buClrTx/>
+                        <a:buSzTx/>
+                        <a:buFontTx/>
+                        <a:buNone/>
+                        <a:tabLst/>
+                        <a:defRPr/>
+                      </a:pPr>
+                      <a:r>
+                        <a:rPr lang="en-US" sz="1000" dirty="0" smtClean="0">
+                          <a:solidFill>
+                            <a:schemeClr val="tx1"/>
+                          </a:solidFill>
+                        </a:rPr>
+                        <a:t>Repast</a:t>
+                      </a:r>
+                      <a:endParaRPr lang="en-US" sz="1000" dirty="0" smtClean="0"/>
+                    </a:p>
+                  </a:txBody>
+                  <a:tcPr/>
+                </a:tc>
+                <a:tc>
+                  <a:txBody>
+                    <a:bodyPr/>
+                    <a:lstStyle/>
+                    <a:p>
+                      <a:pPr marL="0" marR="0" indent="0" algn="ctr" defTabSz="914400" rtl="0" eaLnBrk="1" fontAlgn="auto" latinLnBrk="0" hangingPunct="1">
+                        <a:lnSpc>
+                          <a:spcPct val="100000"/>
+                        </a:lnSpc>
+                        <a:spcBef>
+                          <a:spcPts val="0"/>
+                        </a:spcBef>
+                        <a:spcAft>
+                          <a:spcPts val="0"/>
+                        </a:spcAft>
+                        <a:buClrTx/>
+                        <a:buSzTx/>
+                        <a:buFontTx/>
+                        <a:buNone/>
+                        <a:tabLst/>
+                        <a:defRPr/>
+                      </a:pPr>
+                      <a:r>
+                        <a:rPr lang="en-US" sz="1000" dirty="0" smtClean="0"/>
+                        <a:t>6.4</a:t>
+                      </a:r>
+                    </a:p>
+                  </a:txBody>
+                  <a:tcPr/>
+                </a:tc>
+                <a:tc>
+                  <a:txBody>
+                    <a:bodyPr/>
+                    <a:lstStyle/>
+                    <a:p>
+                      <a:pPr algn="ctr"/>
+                      <a:endParaRPr lang="en-US" sz="1000" dirty="0"/>
+                    </a:p>
+                  </a:txBody>
+                  <a:tcPr/>
+                </a:tc>
+                <a:tc>
+                  <a:txBody>
+                    <a:bodyPr/>
+                    <a:lstStyle/>
+                    <a:p>
+                      <a:endParaRPr lang="en-US" sz="1000" dirty="0"/>
+                    </a:p>
+                  </a:txBody>
+                  <a:tcPr/>
+                </a:tc>
+                <a:tc>
+                  <a:txBody>
+                    <a:bodyPr/>
+                    <a:lstStyle/>
+                    <a:p>
+                      <a:r>
+                        <a:rPr lang="en-US" sz="1000" dirty="0" smtClean="0"/>
+                        <a:t>New GRASS scripts;</a:t>
+                      </a:r>
+                      <a:r>
+                        <a:rPr lang="en-US" sz="1000" baseline="0" dirty="0" smtClean="0"/>
+                        <a:t> added test suites for these GRASS scripts</a:t>
+                      </a:r>
+                      <a:endParaRPr lang="en-US" sz="1000" dirty="0"/>
+                    </a:p>
+                  </a:txBody>
+                  <a:tcPr/>
+                </a:tc>
+                <a:tc>
+                  <a:txBody>
+                    <a:bodyPr/>
+                    <a:lstStyle/>
+                    <a:p>
+                      <a:r>
+                        <a:rPr lang="en-US" sz="1000" dirty="0" smtClean="0"/>
+                        <a:t>2015</a:t>
+                      </a:r>
+                      <a:endParaRPr lang="en-US" sz="1000" dirty="0"/>
                     </a:p>
                   </a:txBody>
                   <a:tcPr/>
                 </a:tc>
               </a:tr>
               <a:tr h="370840">
-                <a:tc>
-                  <a:txBody>
-                    <a:bodyPr/>
-                    <a:lstStyle/>
-                    <a:p>
-                      <a:r>
-                        <a:rPr lang="en-US" sz="1200" dirty="0" smtClean="0"/>
-                        <a:t>3.0</a:t>
-                      </a:r>
-                      <a:endParaRPr lang="en-US" sz="1200" dirty="0"/>
-                    </a:p>
-                  </a:txBody>
-                  <a:tcPr/>
-                </a:tc>
-                <a:tc>
-                  <a:txBody>
-                    <a:bodyPr/>
-                    <a:lstStyle/>
-                    <a:p>
-                      <a:r>
-                        <a:rPr lang="en-US" sz="1200" dirty="0" smtClean="0"/>
-                        <a:t>1.0</a:t>
-                      </a:r>
-                      <a:endParaRPr lang="en-US" sz="1200" dirty="0"/>
-                    </a:p>
-                  </a:txBody>
-                  <a:tcPr/>
-                </a:tc>
                 <a:tc>
                   <a:txBody>
                     <a:bodyPr/>
@@ -4550,16 +5371,251 @@
                         <a:defRPr/>
                       </a:pPr>
                       <a:r>
-                        <a:rPr lang="en-US" sz="1200" dirty="0" smtClean="0"/>
-                        <a:t>1.5</a:t>
-                      </a:r>
-                    </a:p>
-                    <a:p>
-                      <a:endParaRPr lang="en-US" sz="1200" dirty="0"/>
-                    </a:p>
-                  </a:txBody>
-                  <a:tcPr/>
-                </a:tc>
+                        <a:rPr lang="en-US" sz="800" dirty="0" smtClean="0"/>
+                        <a:t>“</a:t>
+                      </a:r>
+                      <a:r>
+                        <a:rPr lang="en-US" sz="800" dirty="0" err="1" smtClean="0"/>
+                        <a:t>StupidModel</a:t>
+                      </a:r>
+                      <a:r>
+                        <a:rPr lang="en-US" sz="800" baseline="0" dirty="0" smtClean="0"/>
+                        <a:t>” (Dec. </a:t>
+                      </a:r>
+                      <a:r>
+                        <a:rPr lang="en-US" sz="800" baseline="0" dirty="0" smtClean="0"/>
+                        <a:t>2015, lab computer)</a:t>
+                      </a:r>
+                      <a:endParaRPr lang="en-US" sz="800" dirty="0" smtClean="0"/>
+                    </a:p>
+                  </a:txBody>
+                  <a:tcPr/>
+                </a:tc>
+                <a:tc>
+                  <a:txBody>
+                    <a:bodyPr/>
+                    <a:lstStyle/>
+                    <a:p>
+                      <a:r>
+                        <a:rPr lang="en-US" sz="1000" dirty="0" smtClean="0"/>
+                        <a:t>MMLv3.1</a:t>
+                      </a:r>
+                      <a:endParaRPr lang="en-US" sz="1000" dirty="0"/>
+                    </a:p>
+                  </a:txBody>
+                  <a:tcPr/>
+                </a:tc>
+                <a:tc>
+                  <a:txBody>
+                    <a:bodyPr/>
+                    <a:lstStyle/>
+                    <a:p>
+                      <a:pPr algn="ctr"/>
+                      <a:r>
+                        <a:rPr lang="en-US" sz="1000" dirty="0" smtClean="0"/>
+                        <a:t>1.0</a:t>
+                      </a:r>
+                      <a:endParaRPr lang="en-US" sz="1000" dirty="0"/>
+                    </a:p>
+                  </a:txBody>
+                  <a:tcPr/>
+                </a:tc>
+                <a:tc>
+                  <a:txBody>
+                    <a:bodyPr/>
+                    <a:lstStyle/>
+                    <a:p>
+                      <a:pPr marL="0" marR="0" indent="0" algn="ctr" defTabSz="914400" rtl="0" eaLnBrk="1" fontAlgn="auto" latinLnBrk="0" hangingPunct="1">
+                        <a:lnSpc>
+                          <a:spcPct val="100000"/>
+                        </a:lnSpc>
+                        <a:spcBef>
+                          <a:spcPts val="0"/>
+                        </a:spcBef>
+                        <a:spcAft>
+                          <a:spcPts val="0"/>
+                        </a:spcAft>
+                        <a:buClrTx/>
+                        <a:buSzTx/>
+                        <a:buFontTx/>
+                        <a:buNone/>
+                        <a:tabLst/>
+                        <a:defRPr/>
+                      </a:pPr>
+                      <a:r>
+                        <a:rPr lang="en-US" sz="1000" dirty="0" smtClean="0"/>
+                        <a:t>2.1</a:t>
+                      </a:r>
+                      <a:endParaRPr lang="en-US" sz="1000" dirty="0" smtClean="0"/>
+                    </a:p>
+                  </a:txBody>
+                  <a:tcPr/>
+                </a:tc>
+                <a:tc>
+                  <a:txBody>
+                    <a:bodyPr/>
+                    <a:lstStyle/>
+                    <a:p>
+                      <a:pPr marL="0" marR="0" indent="0" algn="ctr" defTabSz="914400" rtl="0" eaLnBrk="1" fontAlgn="auto" latinLnBrk="0" hangingPunct="1">
+                        <a:lnSpc>
+                          <a:spcPct val="100000"/>
+                        </a:lnSpc>
+                        <a:spcBef>
+                          <a:spcPts val="0"/>
+                        </a:spcBef>
+                        <a:spcAft>
+                          <a:spcPts val="0"/>
+                        </a:spcAft>
+                        <a:buClrTx/>
+                        <a:buSzTx/>
+                        <a:buFontTx/>
+                        <a:buNone/>
+                        <a:tabLst/>
+                        <a:defRPr/>
+                      </a:pPr>
+                      <a:r>
+                        <a:rPr lang="en-US" sz="1000" dirty="0" smtClean="0"/>
+                        <a:t>–</a:t>
+                      </a:r>
+                    </a:p>
+                  </a:txBody>
+                  <a:tcPr/>
+                </a:tc>
+                <a:tc>
+                  <a:txBody>
+                    <a:bodyPr/>
+                    <a:lstStyle/>
+                    <a:p>
+                      <a:pPr algn="ctr"/>
+                      <a:r>
+                        <a:rPr lang="en-US" sz="1000" baseline="0" dirty="0" smtClean="0"/>
+                        <a:t>1.1</a:t>
+                      </a:r>
+                      <a:endParaRPr lang="en-US" sz="1000" dirty="0"/>
+                    </a:p>
+                  </a:txBody>
+                  <a:tcPr/>
+                </a:tc>
+                <a:tc>
+                  <a:txBody>
+                    <a:bodyPr/>
+                    <a:lstStyle/>
+                    <a:p>
+                      <a:pPr marL="0" marR="0" indent="0" algn="ctr" defTabSz="914400" rtl="0" eaLnBrk="1" fontAlgn="auto" latinLnBrk="0" hangingPunct="1">
+                        <a:lnSpc>
+                          <a:spcPct val="100000"/>
+                        </a:lnSpc>
+                        <a:spcBef>
+                          <a:spcPts val="0"/>
+                        </a:spcBef>
+                        <a:spcAft>
+                          <a:spcPts val="0"/>
+                        </a:spcAft>
+                        <a:buClrTx/>
+                        <a:buSzTx/>
+                        <a:buFontTx/>
+                        <a:buNone/>
+                        <a:tabLst/>
+                        <a:defRPr/>
+                      </a:pPr>
+                      <a:r>
+                        <a:rPr lang="en-US" sz="1000" dirty="0" smtClean="0">
+                          <a:solidFill>
+                            <a:schemeClr val="tx1"/>
+                          </a:solidFill>
+                        </a:rPr>
+                        <a:t>Repast</a:t>
+                      </a:r>
+                      <a:endParaRPr lang="en-US" sz="1000" dirty="0" smtClean="0"/>
+                    </a:p>
+                  </a:txBody>
+                  <a:tcPr/>
+                </a:tc>
+                <a:tc>
+                  <a:txBody>
+                    <a:bodyPr/>
+                    <a:lstStyle/>
+                    <a:p>
+                      <a:pPr marL="0" marR="0" indent="0" algn="ctr" defTabSz="914400" rtl="0" eaLnBrk="1" fontAlgn="auto" latinLnBrk="0" hangingPunct="1">
+                        <a:lnSpc>
+                          <a:spcPct val="100000"/>
+                        </a:lnSpc>
+                        <a:spcBef>
+                          <a:spcPts val="0"/>
+                        </a:spcBef>
+                        <a:spcAft>
+                          <a:spcPts val="0"/>
+                        </a:spcAft>
+                        <a:buClrTx/>
+                        <a:buSzTx/>
+                        <a:buFontTx/>
+                        <a:buNone/>
+                        <a:tabLst/>
+                        <a:defRPr/>
+                      </a:pPr>
+                      <a:r>
+                        <a:rPr lang="en-US" sz="1000" dirty="0" smtClean="0"/>
+                        <a:t>6.4</a:t>
+                      </a:r>
+                    </a:p>
+                  </a:txBody>
+                  <a:tcPr/>
+                </a:tc>
+                <a:tc>
+                  <a:txBody>
+                    <a:bodyPr/>
+                    <a:lstStyle/>
+                    <a:p>
+                      <a:pPr algn="ctr"/>
+                      <a:endParaRPr lang="en-US" sz="1000" dirty="0"/>
+                    </a:p>
+                  </a:txBody>
+                  <a:tcPr/>
+                </a:tc>
+                <a:tc>
+                  <a:txBody>
+                    <a:bodyPr/>
+                    <a:lstStyle/>
+                    <a:p>
+                      <a:endParaRPr lang="en-US" sz="1000" dirty="0"/>
+                    </a:p>
+                  </a:txBody>
+                  <a:tcPr/>
+                </a:tc>
+                <a:tc>
+                  <a:txBody>
+                    <a:bodyPr/>
+                    <a:lstStyle/>
+                    <a:p>
+                      <a:r>
+                        <a:rPr lang="en-US" sz="1000" dirty="0" smtClean="0"/>
+                        <a:t>New GRASS scripts;</a:t>
+                      </a:r>
+                      <a:r>
+                        <a:rPr lang="en-US" sz="1000" baseline="0" dirty="0" smtClean="0"/>
+                        <a:t> added test suites for these GRASS scripts</a:t>
+                      </a:r>
+                      <a:endParaRPr lang="en-US" sz="1000" dirty="0"/>
+                    </a:p>
+                  </a:txBody>
+                  <a:tcPr/>
+                </a:tc>
+                <a:tc>
+                  <a:txBody>
+                    <a:bodyPr/>
+                    <a:lstStyle/>
+                    <a:p>
+                      <a:r>
+                        <a:rPr lang="en-US" sz="1000" dirty="0" smtClean="0"/>
+                        <a:t>2015</a:t>
+                      </a:r>
+                      <a:endParaRPr lang="en-US" sz="1000" dirty="0"/>
+                    </a:p>
+                  </a:txBody>
+                  <a:tcPr/>
+                </a:tc>
+              </a:tr>
+              <a:tr h="411480">
                 <a:tc>
                   <a:txBody>
                     <a:bodyPr/>
@@ -4583,26 +5639,597 @@
                         <a:defRPr/>
                       </a:pPr>
                       <a:r>
-                        <a:rPr lang="en-US" sz="1200" dirty="0" smtClean="0"/>
+                        <a:rPr lang="en-US" sz="800" dirty="0" smtClean="0"/>
+                        <a:t>“</a:t>
+                      </a:r>
+                      <a:r>
+                        <a:rPr lang="en-US" sz="800" dirty="0" err="1" smtClean="0"/>
+                        <a:t>StupidModel</a:t>
+                      </a:r>
+                      <a:r>
+                        <a:rPr lang="en-US" sz="800" baseline="0" dirty="0" smtClean="0"/>
+                        <a:t>” (May 2016, lab computer)</a:t>
+                      </a:r>
+                      <a:endParaRPr lang="en-US" sz="800" dirty="0" smtClean="0"/>
+                    </a:p>
+                    <a:p>
+                      <a:endParaRPr lang="en-US" sz="800" dirty="0"/>
+                    </a:p>
+                  </a:txBody>
+                  <a:tcPr/>
+                </a:tc>
+                <a:tc>
+                  <a:txBody>
+                    <a:bodyPr/>
+                    <a:lstStyle/>
+                    <a:p>
+                      <a:r>
+                        <a:rPr lang="en-US" sz="1000" dirty="0" smtClean="0"/>
+                        <a:t>MMLv5.0</a:t>
+                      </a:r>
+                      <a:endParaRPr lang="en-US" sz="1000" dirty="0"/>
+                    </a:p>
+                  </a:txBody>
+                  <a:tcPr/>
+                </a:tc>
+                <a:tc>
+                  <a:txBody>
+                    <a:bodyPr/>
+                    <a:lstStyle/>
+                    <a:p>
+                      <a:pPr marL="0" marR="0" indent="0" algn="ctr" defTabSz="914400" rtl="0" eaLnBrk="1" fontAlgn="auto" latinLnBrk="0" hangingPunct="1">
+                        <a:lnSpc>
+                          <a:spcPct val="100000"/>
+                        </a:lnSpc>
+                        <a:spcBef>
+                          <a:spcPts val="0"/>
+                        </a:spcBef>
+                        <a:spcAft>
+                          <a:spcPts val="0"/>
+                        </a:spcAft>
+                        <a:buClrTx/>
+                        <a:buSzTx/>
+                        <a:buFontTx/>
+                        <a:buNone/>
+                        <a:tabLst/>
+                        <a:defRPr/>
+                      </a:pPr>
+                      <a:r>
+                        <a:rPr lang="en-US" sz="1000" dirty="0" smtClean="0"/>
+                        <a:t>1.0</a:t>
+                      </a:r>
+                    </a:p>
+                    <a:p>
+                      <a:pPr algn="ctr"/>
+                      <a:endParaRPr lang="en-US" sz="1000" dirty="0"/>
+                    </a:p>
+                  </a:txBody>
+                  <a:tcPr/>
+                </a:tc>
+                <a:tc>
+                  <a:txBody>
+                    <a:bodyPr/>
+                    <a:lstStyle/>
+                    <a:p>
+                      <a:pPr algn="ctr"/>
+                      <a:r>
+                        <a:rPr lang="en-US" sz="1000" dirty="0" smtClean="0"/>
+                        <a:t>3.0</a:t>
+                      </a:r>
+                      <a:endParaRPr lang="en-US" sz="1000" dirty="0"/>
+                    </a:p>
+                  </a:txBody>
+                  <a:tcPr/>
+                </a:tc>
+                <a:tc>
+                  <a:txBody>
+                    <a:bodyPr/>
+                    <a:lstStyle/>
+                    <a:p>
+                      <a:pPr marL="0" marR="0" indent="0" algn="ctr" defTabSz="914400" rtl="0" eaLnBrk="1" fontAlgn="auto" latinLnBrk="0" hangingPunct="1">
+                        <a:lnSpc>
+                          <a:spcPct val="100000"/>
+                        </a:lnSpc>
+                        <a:spcBef>
+                          <a:spcPts val="0"/>
+                        </a:spcBef>
+                        <a:spcAft>
+                          <a:spcPts val="0"/>
+                        </a:spcAft>
+                        <a:buClrTx/>
+                        <a:buSzTx/>
+                        <a:buFontTx/>
+                        <a:buNone/>
+                        <a:tabLst/>
+                        <a:defRPr/>
+                      </a:pPr>
+                      <a:r>
+                        <a:rPr lang="en-US" sz="1000" dirty="0" smtClean="0"/>
                         <a:t>–</a:t>
                       </a:r>
                     </a:p>
                     <a:p>
-                      <a:endParaRPr lang="en-US" sz="1200" dirty="0"/>
-                    </a:p>
-                  </a:txBody>
-                  <a:tcPr/>
-                </a:tc>
-                <a:tc>
-                  <a:txBody>
-                    <a:bodyPr/>
-                    <a:lstStyle/>
-                    <a:p>
-                      <a:r>
-                        <a:rPr lang="en-US" sz="1200" dirty="0" smtClean="0"/>
+                      <a:pPr algn="ctr"/>
+                      <a:endParaRPr lang="en-US" sz="1000" dirty="0"/>
+                    </a:p>
+                  </a:txBody>
+                  <a:tcPr/>
+                </a:tc>
+                <a:tc>
+                  <a:txBody>
+                    <a:bodyPr/>
+                    <a:lstStyle/>
+                    <a:p>
+                      <a:pPr marL="0" marR="0" indent="0" algn="ctr" defTabSz="914400" rtl="0" eaLnBrk="1" fontAlgn="auto" latinLnBrk="0" hangingPunct="1">
+                        <a:lnSpc>
+                          <a:spcPct val="100000"/>
+                        </a:lnSpc>
+                        <a:spcBef>
+                          <a:spcPts val="0"/>
+                        </a:spcBef>
+                        <a:spcAft>
+                          <a:spcPts val="0"/>
+                        </a:spcAft>
+                        <a:buClrTx/>
+                        <a:buSzTx/>
+                        <a:buFontTx/>
+                        <a:buNone/>
+                        <a:tabLst/>
+                        <a:defRPr/>
+                      </a:pPr>
+                      <a:r>
+                        <a:rPr lang="en-US" sz="1000" dirty="0" smtClean="0"/>
+                        <a:t>1.1</a:t>
+                      </a:r>
+                      <a:endParaRPr lang="en-US" sz="1000" dirty="0" smtClean="0"/>
+                    </a:p>
+                  </a:txBody>
+                  <a:tcPr/>
+                </a:tc>
+                <a:tc>
+                  <a:txBody>
+                    <a:bodyPr/>
+                    <a:lstStyle/>
+                    <a:p>
+                      <a:pPr marL="0" marR="0" indent="0" algn="ctr" defTabSz="914400" rtl="0" eaLnBrk="1" fontAlgn="auto" latinLnBrk="0" hangingPunct="1">
+                        <a:lnSpc>
+                          <a:spcPct val="100000"/>
+                        </a:lnSpc>
+                        <a:spcBef>
+                          <a:spcPts val="0"/>
+                        </a:spcBef>
+                        <a:spcAft>
+                          <a:spcPts val="0"/>
+                        </a:spcAft>
+                        <a:buClrTx/>
+                        <a:buSzTx/>
+                        <a:buFontTx/>
+                        <a:buNone/>
+                        <a:tabLst/>
+                        <a:defRPr/>
+                      </a:pPr>
+                      <a:r>
+                        <a:rPr lang="en-US" sz="1000" dirty="0" smtClean="0">
+                          <a:solidFill>
+                            <a:schemeClr val="tx1"/>
+                          </a:solidFill>
+                        </a:rPr>
+                        <a:t>Repast</a:t>
+                      </a:r>
+                      <a:endParaRPr lang="en-US" sz="1000" dirty="0" smtClean="0"/>
+                    </a:p>
+                  </a:txBody>
+                  <a:tcPr/>
+                </a:tc>
+                <a:tc>
+                  <a:txBody>
+                    <a:bodyPr/>
+                    <a:lstStyle/>
+                    <a:p>
+                      <a:pPr algn="ctr"/>
+                      <a:r>
+                        <a:rPr lang="en-US" sz="1000" dirty="0" smtClean="0"/>
+                        <a:t>7.0</a:t>
+                      </a:r>
+                      <a:endParaRPr lang="en-US" sz="1000" dirty="0"/>
+                    </a:p>
+                  </a:txBody>
+                  <a:tcPr/>
+                </a:tc>
+                <a:tc>
+                  <a:txBody>
+                    <a:bodyPr/>
+                    <a:lstStyle/>
+                    <a:p>
+                      <a:pPr algn="ctr"/>
+                      <a:endParaRPr lang="en-US" sz="1000" dirty="0"/>
+                    </a:p>
+                  </a:txBody>
+                  <a:tcPr/>
+                </a:tc>
+                <a:tc>
+                  <a:txBody>
+                    <a:bodyPr/>
+                    <a:lstStyle/>
+                    <a:p>
+                      <a:endParaRPr lang="en-US" sz="1000" dirty="0"/>
+                    </a:p>
+                  </a:txBody>
+                  <a:tcPr/>
+                </a:tc>
+                <a:tc>
+                  <a:txBody>
+                    <a:bodyPr/>
+                    <a:lstStyle/>
+                    <a:p>
+                      <a:r>
+                        <a:rPr lang="en-US" sz="1000" dirty="0" smtClean="0"/>
+                        <a:t>Landscape</a:t>
+                      </a:r>
+                      <a:r>
+                        <a:rPr lang="en-US" sz="1000" baseline="0" dirty="0" smtClean="0"/>
+                        <a:t> scripts ported from GRASS 6.4 to 7.0</a:t>
+                      </a:r>
+                      <a:endParaRPr lang="en-US" sz="1000" dirty="0"/>
+                    </a:p>
+                  </a:txBody>
+                  <a:tcPr/>
+                </a:tc>
+                <a:tc>
+                  <a:txBody>
+                    <a:bodyPr/>
+                    <a:lstStyle/>
+                    <a:p>
+                      <a:r>
+                        <a:rPr lang="en-US" sz="1000" dirty="0" smtClean="0"/>
+                        <a:t>June 2016</a:t>
+                      </a:r>
+                      <a:endParaRPr lang="en-US" sz="1000" dirty="0"/>
+                    </a:p>
+                  </a:txBody>
+                  <a:tcPr/>
+                </a:tc>
+              </a:tr>
+              <a:tr h="370840">
+                <a:tc>
+                  <a:txBody>
+                    <a:bodyPr/>
+                    <a:lstStyle/>
+                    <a:p>
+                      <a:endParaRPr lang="en-US" sz="800" dirty="0"/>
+                    </a:p>
+                  </a:txBody>
+                  <a:tcPr/>
+                </a:tc>
+                <a:tc>
+                  <a:txBody>
+                    <a:bodyPr/>
+                    <a:lstStyle/>
+                    <a:p>
+                      <a:r>
+                        <a:rPr lang="en-US" sz="1000" dirty="0" smtClean="0"/>
+                        <a:t>MMLv5.5</a:t>
+                      </a:r>
+                      <a:endParaRPr lang="en-US" sz="1000" dirty="0"/>
+                    </a:p>
+                  </a:txBody>
+                  <a:tcPr/>
+                </a:tc>
+                <a:tc>
+                  <a:txBody>
+                    <a:bodyPr/>
+                    <a:lstStyle/>
+                    <a:p>
+                      <a:pPr algn="ctr"/>
+                      <a:endParaRPr lang="en-US" sz="1000" dirty="0"/>
+                    </a:p>
+                  </a:txBody>
+                  <a:tcPr/>
+                </a:tc>
+                <a:tc>
+                  <a:txBody>
+                    <a:bodyPr/>
+                    <a:lstStyle/>
+                    <a:p>
+                      <a:pPr algn="ctr"/>
+                      <a:r>
+                        <a:rPr lang="en-US" sz="1000" dirty="0" smtClean="0"/>
+                        <a:t>3.0</a:t>
+                      </a:r>
+                      <a:endParaRPr lang="en-US" sz="1000" dirty="0"/>
+                    </a:p>
+                  </a:txBody>
+                  <a:tcPr/>
+                </a:tc>
+                <a:tc>
+                  <a:txBody>
+                    <a:bodyPr/>
+                    <a:lstStyle/>
+                    <a:p>
+                      <a:pPr algn="ctr"/>
+                      <a:r>
+                        <a:rPr lang="en-US" sz="1000" dirty="0" smtClean="0"/>
+                        <a:t>0.1</a:t>
+                      </a:r>
+                      <a:endParaRPr lang="en-US" sz="1000" dirty="0"/>
+                    </a:p>
+                  </a:txBody>
+                  <a:tcPr/>
+                </a:tc>
+                <a:tc>
+                  <a:txBody>
+                    <a:bodyPr/>
+                    <a:lstStyle/>
+                    <a:p>
+                      <a:pPr algn="ctr"/>
+                      <a:r>
+                        <a:rPr lang="en-US" sz="1000" dirty="0" smtClean="0"/>
+                        <a:t>2.0</a:t>
+                      </a:r>
+                      <a:endParaRPr lang="en-US" sz="1000" dirty="0"/>
+                    </a:p>
+                  </a:txBody>
+                  <a:tcPr/>
+                </a:tc>
+                <a:tc>
+                  <a:txBody>
+                    <a:bodyPr/>
+                    <a:lstStyle/>
+                    <a:p>
+                      <a:pPr marL="0" marR="0" indent="0" algn="ctr" defTabSz="914400" rtl="0" eaLnBrk="1" fontAlgn="auto" latinLnBrk="0" hangingPunct="1">
+                        <a:lnSpc>
+                          <a:spcPct val="100000"/>
+                        </a:lnSpc>
+                        <a:spcBef>
+                          <a:spcPts val="0"/>
+                        </a:spcBef>
+                        <a:spcAft>
+                          <a:spcPts val="0"/>
+                        </a:spcAft>
+                        <a:buClrTx/>
+                        <a:buSzTx/>
+                        <a:buFontTx/>
+                        <a:buNone/>
+                        <a:tabLst/>
+                        <a:defRPr/>
+                      </a:pPr>
+                      <a:r>
+                        <a:rPr lang="en-US" sz="1000" dirty="0" smtClean="0">
+                          <a:solidFill>
+                            <a:schemeClr val="tx1"/>
+                          </a:solidFill>
+                        </a:rPr>
+                        <a:t>Repast</a:t>
+                      </a:r>
+                      <a:endParaRPr lang="en-US" sz="1000" dirty="0" smtClean="0"/>
+                    </a:p>
+                  </a:txBody>
+                  <a:tcPr/>
+                </a:tc>
+                <a:tc>
+                  <a:txBody>
+                    <a:bodyPr/>
+                    <a:lstStyle/>
+                    <a:p>
+                      <a:pPr algn="ctr"/>
+                      <a:r>
+                        <a:rPr lang="en-US" sz="1000" dirty="0" smtClean="0"/>
+                        <a:t>7.0</a:t>
+                      </a:r>
+                      <a:endParaRPr lang="en-US" sz="1000" dirty="0"/>
+                    </a:p>
+                  </a:txBody>
+                  <a:tcPr/>
+                </a:tc>
+                <a:tc>
+                  <a:txBody>
+                    <a:bodyPr/>
+                    <a:lstStyle/>
+                    <a:p>
+                      <a:pPr algn="ctr"/>
+                      <a:endParaRPr lang="en-US" sz="1000" dirty="0"/>
+                    </a:p>
+                  </a:txBody>
+                  <a:tcPr/>
+                </a:tc>
+                <a:tc>
+                  <a:txBody>
+                    <a:bodyPr/>
+                    <a:lstStyle/>
+                    <a:p>
+                      <a:endParaRPr lang="en-US" sz="1000" dirty="0"/>
+                    </a:p>
+                  </a:txBody>
+                  <a:tcPr/>
+                </a:tc>
+                <a:tc>
+                  <a:txBody>
+                    <a:bodyPr/>
+                    <a:lstStyle/>
+                    <a:p>
+                      <a:r>
+                        <a:rPr lang="en-US" sz="1000" dirty="0" smtClean="0"/>
+                        <a:t>New Veg + new KIB</a:t>
+                      </a:r>
+                      <a:endParaRPr lang="en-US" sz="1000" dirty="0"/>
+                    </a:p>
+                  </a:txBody>
+                  <a:tcPr/>
+                </a:tc>
+                <a:tc>
+                  <a:txBody>
+                    <a:bodyPr/>
+                    <a:lstStyle/>
+                    <a:p>
+                      <a:endParaRPr lang="en-US" sz="1000" dirty="0"/>
+                    </a:p>
+                  </a:txBody>
+                  <a:tcPr/>
+                </a:tc>
+              </a:tr>
+              <a:tr h="370840">
+                <a:tc>
+                  <a:txBody>
+                    <a:bodyPr/>
+                    <a:lstStyle/>
+                    <a:p>
+                      <a:endParaRPr lang="en-US" sz="800" dirty="0"/>
+                    </a:p>
+                  </a:txBody>
+                  <a:tcPr/>
+                </a:tc>
+                <a:tc>
+                  <a:txBody>
+                    <a:bodyPr/>
+                    <a:lstStyle/>
+                    <a:p>
+                      <a:r>
+                        <a:rPr lang="en-US" sz="1000" dirty="0" err="1" smtClean="0"/>
+                        <a:t>MMLvx.x</a:t>
+                      </a:r>
+                      <a:endParaRPr lang="en-US" sz="1000" dirty="0"/>
+                    </a:p>
+                  </a:txBody>
+                  <a:tcPr/>
+                </a:tc>
+                <a:tc>
+                  <a:txBody>
+                    <a:bodyPr/>
+                    <a:lstStyle/>
+                    <a:p>
+                      <a:pPr algn="ctr"/>
+                      <a:endParaRPr lang="en-US" sz="1000" dirty="0"/>
+                    </a:p>
+                  </a:txBody>
+                  <a:tcPr/>
+                </a:tc>
+                <a:tc>
+                  <a:txBody>
+                    <a:bodyPr/>
+                    <a:lstStyle/>
+                    <a:p>
+                      <a:pPr algn="ctr"/>
+                      <a:r>
+                        <a:rPr lang="en-US" sz="1000" dirty="0" smtClean="0"/>
+                        <a:t>4.0</a:t>
+                      </a:r>
+                      <a:endParaRPr lang="en-US" sz="1000" dirty="0"/>
+                    </a:p>
+                  </a:txBody>
+                  <a:tcPr/>
+                </a:tc>
+                <a:tc>
+                  <a:txBody>
+                    <a:bodyPr/>
+                    <a:lstStyle/>
+                    <a:p>
+                      <a:pPr marL="0" marR="0" indent="0" algn="ctr" defTabSz="914400" rtl="0" eaLnBrk="1" fontAlgn="auto" latinLnBrk="0" hangingPunct="1">
+                        <a:lnSpc>
+                          <a:spcPct val="100000"/>
+                        </a:lnSpc>
+                        <a:spcBef>
+                          <a:spcPts val="0"/>
+                        </a:spcBef>
+                        <a:spcAft>
+                          <a:spcPts val="0"/>
+                        </a:spcAft>
+                        <a:buClrTx/>
+                        <a:buSzTx/>
+                        <a:buFontTx/>
+                        <a:buNone/>
+                        <a:tabLst/>
+                        <a:defRPr/>
+                      </a:pPr>
+                      <a:r>
+                        <a:rPr lang="en-US" sz="1000" dirty="0" smtClean="0"/>
                         <a:t>1.0</a:t>
                       </a:r>
-                      <a:endParaRPr lang="en-US" sz="1200" dirty="0"/>
+                    </a:p>
+                  </a:txBody>
+                  <a:tcPr/>
+                </a:tc>
+                <a:tc>
+                  <a:txBody>
+                    <a:bodyPr/>
+                    <a:lstStyle/>
+                    <a:p>
+                      <a:pPr algn="ctr"/>
+                      <a:r>
+                        <a:rPr lang="en-US" sz="1000" dirty="0" smtClean="0"/>
+                        <a:t>2.0</a:t>
+                      </a:r>
+                      <a:endParaRPr lang="en-US" sz="1000" dirty="0"/>
+                    </a:p>
+                  </a:txBody>
+                  <a:tcPr/>
+                </a:tc>
+                <a:tc>
+                  <a:txBody>
+                    <a:bodyPr/>
+                    <a:lstStyle/>
+                    <a:p>
+                      <a:pPr marL="0" marR="0" indent="0" algn="ctr" defTabSz="914400" rtl="0" eaLnBrk="1" fontAlgn="auto" latinLnBrk="0" hangingPunct="1">
+                        <a:lnSpc>
+                          <a:spcPct val="100000"/>
+                        </a:lnSpc>
+                        <a:spcBef>
+                          <a:spcPts val="0"/>
+                        </a:spcBef>
+                        <a:spcAft>
+                          <a:spcPts val="0"/>
+                        </a:spcAft>
+                        <a:buClrTx/>
+                        <a:buSzTx/>
+                        <a:buFontTx/>
+                        <a:buNone/>
+                        <a:tabLst/>
+                        <a:defRPr/>
+                      </a:pPr>
+                      <a:r>
+                        <a:rPr lang="en-US" sz="1000" dirty="0" smtClean="0">
+                          <a:solidFill>
+                            <a:schemeClr val="tx1"/>
+                          </a:solidFill>
+                        </a:rPr>
+                        <a:t>Repast</a:t>
+                      </a:r>
+                      <a:endParaRPr lang="en-US" sz="1000" dirty="0" smtClean="0"/>
+                    </a:p>
+                  </a:txBody>
+                  <a:tcPr/>
+                </a:tc>
+                <a:tc>
+                  <a:txBody>
+                    <a:bodyPr/>
+                    <a:lstStyle/>
+                    <a:p>
+                      <a:pPr algn="ctr"/>
+                      <a:r>
+                        <a:rPr lang="en-US" sz="1000" dirty="0" smtClean="0"/>
+                        <a:t>7.0</a:t>
+                      </a:r>
+                      <a:endParaRPr lang="en-US" sz="1000" dirty="0"/>
+                    </a:p>
+                  </a:txBody>
+                  <a:tcPr/>
+                </a:tc>
+                <a:tc>
+                  <a:txBody>
+                    <a:bodyPr/>
+                    <a:lstStyle/>
+                    <a:p>
+                      <a:pPr algn="ctr"/>
+                      <a:endParaRPr lang="en-US" sz="1000" dirty="0"/>
+                    </a:p>
+                  </a:txBody>
+                  <a:tcPr/>
+                </a:tc>
+                <a:tc>
+                  <a:txBody>
+                    <a:bodyPr/>
+                    <a:lstStyle/>
+                    <a:p>
+                      <a:endParaRPr lang="en-US" sz="1000" dirty="0"/>
                     </a:p>
                   </a:txBody>
                   <a:tcPr/>
@@ -4630,14 +6257,66 @@
                         <a:defRPr/>
                       </a:pPr>
                       <a:r>
-                        <a:rPr lang="en-US" sz="1200" dirty="0" smtClean="0">
-                          <a:solidFill>
-                            <a:schemeClr val="tx1"/>
-                          </a:solidFill>
-                        </a:rPr>
-                        <a:t>Repast</a:t>
-                      </a:r>
-                      <a:endParaRPr lang="en-US" sz="1200" dirty="0" smtClean="0"/>
+                        <a:rPr lang="en-US" sz="1000" dirty="0" smtClean="0"/>
+                        <a:t>New GRASS scripts;</a:t>
+                      </a:r>
+                      <a:r>
+                        <a:rPr lang="en-US" sz="1000" baseline="0" dirty="0" smtClean="0"/>
+                        <a:t> added test suites for these GRASS scripts</a:t>
+                      </a:r>
+                      <a:endParaRPr lang="en-US" sz="1000" dirty="0" smtClean="0"/>
+                    </a:p>
+                  </a:txBody>
+                  <a:tcPr/>
+                </a:tc>
+                <a:tc>
+                  <a:txBody>
+                    <a:bodyPr/>
+                    <a:lstStyle/>
+                    <a:p>
+                      <a:endParaRPr lang="en-US" sz="1000" dirty="0"/>
+                    </a:p>
+                  </a:txBody>
+                  <a:tcPr/>
+                </a:tc>
+              </a:tr>
+              <a:tr h="370840">
+                <a:tc>
+                  <a:txBody>
+                    <a:bodyPr/>
+                    <a:lstStyle/>
+                    <a:p>
+                      <a:endParaRPr lang="en-US" sz="800" dirty="0"/>
+                    </a:p>
+                  </a:txBody>
+                  <a:tcPr/>
+                </a:tc>
+                <a:tc>
+                  <a:txBody>
+                    <a:bodyPr/>
+                    <a:lstStyle/>
+                    <a:p>
+                      <a:endParaRPr lang="en-US" sz="1000" dirty="0"/>
+                    </a:p>
+                  </a:txBody>
+                  <a:tcPr/>
+                </a:tc>
+                <a:tc>
+                  <a:txBody>
+                    <a:bodyPr/>
+                    <a:lstStyle/>
+                    <a:p>
+                      <a:endParaRPr lang="en-US" sz="1000" dirty="0"/>
+                    </a:p>
+                  </a:txBody>
+                  <a:tcPr/>
+                </a:tc>
+                <a:tc>
+                  <a:txBody>
+                    <a:bodyPr/>
+                    <a:lstStyle/>
+                    <a:p>
+                      <a:endParaRPr lang="en-US" sz="1000" dirty="0"/>
                     </a:p>
                   </a:txBody>
                   <a:tcPr/>
@@ -4664,92 +6343,17 @@
                         <a:tabLst/>
                         <a:defRPr/>
                       </a:pPr>
-                      <a:r>
-                        <a:rPr lang="en-US" sz="1200" dirty="0" smtClean="0"/>
-                        <a:t>6.4</a:t>
-                      </a:r>
-                    </a:p>
-                  </a:txBody>
-                  <a:tcPr/>
-                </a:tc>
-                <a:tc>
-                  <a:txBody>
-                    <a:bodyPr/>
-                    <a:lstStyle/>
-                    <a:p>
-                      <a:endParaRPr lang="en-US" sz="1200" dirty="0"/>
-                    </a:p>
-                  </a:txBody>
-                  <a:tcPr/>
-                </a:tc>
-                <a:tc>
-                  <a:txBody>
-                    <a:bodyPr/>
-                    <a:lstStyle/>
-                    <a:p>
-                      <a:endParaRPr lang="en-US" sz="1200" dirty="0"/>
-                    </a:p>
-                  </a:txBody>
-                  <a:tcPr/>
-                </a:tc>
-                <a:tc>
-                  <a:txBody>
-                    <a:bodyPr/>
-                    <a:lstStyle/>
-                    <a:p>
-                      <a:r>
-                        <a:rPr lang="en-US" sz="1200" dirty="0" smtClean="0"/>
-                        <a:t>Scripts optimized</a:t>
-                      </a:r>
-                      <a:r>
-                        <a:rPr lang="en-US" sz="1200" baseline="0" dirty="0" smtClean="0"/>
-                        <a:t> (~35% speedup)</a:t>
-                      </a:r>
-                      <a:endParaRPr lang="en-US" sz="1200" dirty="0"/>
-                    </a:p>
-                  </a:txBody>
-                  <a:tcPr/>
-                </a:tc>
-                <a:tc>
-                  <a:txBody>
-                    <a:bodyPr/>
-                    <a:lstStyle/>
-                    <a:p>
-                      <a:r>
-                        <a:rPr lang="en-US" sz="1200" dirty="0" smtClean="0"/>
-                        <a:t>2014</a:t>
-                      </a:r>
-                      <a:endParaRPr lang="en-US" sz="1200" dirty="0"/>
-                    </a:p>
-                  </a:txBody>
-                  <a:tcPr/>
-                </a:tc>
-              </a:tr>
-              <a:tr h="370840">
-                <a:tc>
-                  <a:txBody>
-                    <a:bodyPr/>
-                    <a:lstStyle/>
-                    <a:p>
-                      <a:r>
-                        <a:rPr lang="en-US" sz="1200" dirty="0" smtClean="0"/>
-                        <a:t>4.0</a:t>
-                      </a:r>
-                      <a:endParaRPr lang="en-US" sz="1200" dirty="0"/>
-                    </a:p>
-                  </a:txBody>
-                  <a:tcPr/>
-                </a:tc>
-                <a:tc>
-                  <a:txBody>
-                    <a:bodyPr/>
-                    <a:lstStyle/>
-                    <a:p>
-                      <a:r>
-                        <a:rPr lang="en-US" sz="1200" dirty="0" smtClean="0"/>
-                        <a:t>1.0</a:t>
-                      </a:r>
-                      <a:endParaRPr lang="en-US" sz="1200" dirty="0"/>
+                      <a:endParaRPr lang="en-US" sz="1000" dirty="0" smtClean="0"/>
+                    </a:p>
+                  </a:txBody>
+                  <a:tcPr/>
+                </a:tc>
+                <a:tc>
+                  <a:txBody>
+                    <a:bodyPr/>
+                    <a:lstStyle/>
+                    <a:p>
+                      <a:endParaRPr lang="en-US" sz="1000" dirty="0"/>
                     </a:p>
                   </a:txBody>
                   <a:tcPr/>
@@ -4776,1041 +6380,57 @@
                         <a:tabLst/>
                         <a:defRPr/>
                       </a:pPr>
-                      <a:r>
-                        <a:rPr lang="en-US" sz="1200" dirty="0" smtClean="0"/>
-                        <a:t>2.0</a:t>
-                      </a:r>
-                    </a:p>
-                    <a:p>
-                      <a:endParaRPr lang="en-US" sz="1200" dirty="0"/>
-                    </a:p>
-                  </a:txBody>
-                  <a:tcPr/>
-                </a:tc>
-                <a:tc>
-                  <a:txBody>
-                    <a:bodyPr/>
-                    <a:lstStyle/>
-                    <a:p>
-                      <a:pPr marL="0" marR="0" indent="0" algn="l" defTabSz="914400" rtl="0" eaLnBrk="1" fontAlgn="auto" latinLnBrk="0" hangingPunct="1">
-                        <a:lnSpc>
-                          <a:spcPct val="100000"/>
-                        </a:lnSpc>
-                        <a:spcBef>
-                          <a:spcPts val="0"/>
-                        </a:spcBef>
-                        <a:spcAft>
-                          <a:spcPts val="0"/>
-                        </a:spcAft>
-                        <a:buClrTx/>
-                        <a:buSzTx/>
-                        <a:buFontTx/>
-                        <a:buNone/>
-                        <a:tabLst/>
-                        <a:defRPr/>
-                      </a:pPr>
-                      <a:r>
-                        <a:rPr lang="en-US" sz="1200" dirty="0" smtClean="0"/>
-                        <a:t>–</a:t>
-                      </a:r>
-                    </a:p>
-                    <a:p>
-                      <a:endParaRPr lang="en-US" sz="1200" dirty="0"/>
-                    </a:p>
-                  </a:txBody>
-                  <a:tcPr/>
-                </a:tc>
-                <a:tc>
-                  <a:txBody>
-                    <a:bodyPr/>
-                    <a:lstStyle/>
-                    <a:p>
-                      <a:r>
-                        <a:rPr lang="en-US" sz="1200" baseline="0" dirty="0" smtClean="0"/>
-                        <a:t>1.0</a:t>
-                      </a:r>
-                      <a:endParaRPr lang="en-US" sz="1200" dirty="0"/>
-                    </a:p>
-                  </a:txBody>
-                  <a:tcPr/>
-                </a:tc>
-                <a:tc>
-                  <a:txBody>
-                    <a:bodyPr/>
-                    <a:lstStyle/>
-                    <a:p>
-                      <a:pPr marL="0" marR="0" indent="0" algn="l" defTabSz="914400" rtl="0" eaLnBrk="1" fontAlgn="auto" latinLnBrk="0" hangingPunct="1">
-                        <a:lnSpc>
-                          <a:spcPct val="100000"/>
-                        </a:lnSpc>
-                        <a:spcBef>
-                          <a:spcPts val="0"/>
-                        </a:spcBef>
-                        <a:spcAft>
-                          <a:spcPts val="0"/>
-                        </a:spcAft>
-                        <a:buClrTx/>
-                        <a:buSzTx/>
-                        <a:buFontTx/>
-                        <a:buNone/>
-                        <a:tabLst/>
-                        <a:defRPr/>
-                      </a:pPr>
-                      <a:r>
-                        <a:rPr lang="en-US" sz="1200" dirty="0" smtClean="0">
-                          <a:solidFill>
-                            <a:schemeClr val="tx1"/>
-                          </a:solidFill>
-                        </a:rPr>
-                        <a:t>Repast</a:t>
-                      </a:r>
-                      <a:endParaRPr lang="en-US" sz="1200" dirty="0" smtClean="0"/>
-                    </a:p>
-                  </a:txBody>
-                  <a:tcPr/>
-                </a:tc>
-                <a:tc>
-                  <a:txBody>
-                    <a:bodyPr/>
-                    <a:lstStyle/>
-                    <a:p>
-                      <a:pPr marL="0" marR="0" indent="0" algn="l" defTabSz="914400" rtl="0" eaLnBrk="1" fontAlgn="auto" latinLnBrk="0" hangingPunct="1">
-                        <a:lnSpc>
-                          <a:spcPct val="100000"/>
-                        </a:lnSpc>
-                        <a:spcBef>
-                          <a:spcPts val="0"/>
-                        </a:spcBef>
-                        <a:spcAft>
-                          <a:spcPts val="0"/>
-                        </a:spcAft>
-                        <a:buClrTx/>
-                        <a:buSzTx/>
-                        <a:buFontTx/>
-                        <a:buNone/>
-                        <a:tabLst/>
-                        <a:defRPr/>
-                      </a:pPr>
-                      <a:r>
-                        <a:rPr lang="en-US" sz="1200" dirty="0" smtClean="0"/>
-                        <a:t>6.4</a:t>
-                      </a:r>
-                    </a:p>
-                  </a:txBody>
-                  <a:tcPr/>
-                </a:tc>
-                <a:tc>
-                  <a:txBody>
-                    <a:bodyPr/>
-                    <a:lstStyle/>
-                    <a:p>
-                      <a:endParaRPr lang="en-US" sz="1200" dirty="0"/>
-                    </a:p>
-                  </a:txBody>
-                  <a:tcPr/>
-                </a:tc>
-                <a:tc>
-                  <a:txBody>
-                    <a:bodyPr/>
-                    <a:lstStyle/>
-                    <a:p>
-                      <a:endParaRPr lang="en-US" sz="1200" dirty="0"/>
-                    </a:p>
-                  </a:txBody>
-                  <a:tcPr/>
-                </a:tc>
-                <a:tc>
-                  <a:txBody>
-                    <a:bodyPr/>
-                    <a:lstStyle/>
-                    <a:p>
-                      <a:r>
-                        <a:rPr lang="en-US" sz="1200" dirty="0" smtClean="0"/>
-                        <a:t>New GRASS scripts;</a:t>
-                      </a:r>
-                      <a:r>
-                        <a:rPr lang="en-US" sz="1200" baseline="0" dirty="0" smtClean="0"/>
-                        <a:t> added test suites for these GRASS scripts</a:t>
-                      </a:r>
-                      <a:endParaRPr lang="en-US" sz="1200" dirty="0"/>
-                    </a:p>
-                  </a:txBody>
-                  <a:tcPr/>
-                </a:tc>
-                <a:tc>
-                  <a:txBody>
-                    <a:bodyPr/>
-                    <a:lstStyle/>
-                    <a:p>
-                      <a:r>
-                        <a:rPr lang="en-US" sz="1200" dirty="0" smtClean="0"/>
-                        <a:t>2015</a:t>
-                      </a:r>
-                      <a:endParaRPr lang="en-US" sz="1200" dirty="0"/>
-                    </a:p>
-                  </a:txBody>
-                  <a:tcPr/>
-                </a:tc>
-              </a:tr>
-              <a:tr h="370840">
-                <a:tc>
-                  <a:txBody>
-                    <a:bodyPr/>
-                    <a:lstStyle/>
-                    <a:p>
-                      <a:endParaRPr lang="en-US" sz="1200" dirty="0"/>
-                    </a:p>
-                  </a:txBody>
-                  <a:tcPr/>
-                </a:tc>
-                <a:tc>
-                  <a:txBody>
-                    <a:bodyPr/>
-                    <a:lstStyle/>
-                    <a:p>
-                      <a:endParaRPr lang="en-US" sz="1200" dirty="0"/>
-                    </a:p>
-                  </a:txBody>
-                  <a:tcPr/>
-                </a:tc>
-                <a:tc>
-                  <a:txBody>
-                    <a:bodyPr/>
-                    <a:lstStyle/>
-                    <a:p>
-                      <a:endParaRPr lang="en-US" sz="1200" dirty="0"/>
-                    </a:p>
-                  </a:txBody>
-                  <a:tcPr/>
-                </a:tc>
-                <a:tc>
-                  <a:txBody>
-                    <a:bodyPr/>
-                    <a:lstStyle/>
-                    <a:p>
-                      <a:pPr marL="0" marR="0" indent="0" algn="l" defTabSz="914400" rtl="0" eaLnBrk="1" fontAlgn="auto" latinLnBrk="0" hangingPunct="1">
-                        <a:lnSpc>
-                          <a:spcPct val="100000"/>
-                        </a:lnSpc>
-                        <a:spcBef>
-                          <a:spcPts val="0"/>
-                        </a:spcBef>
-                        <a:spcAft>
-                          <a:spcPts val="0"/>
-                        </a:spcAft>
-                        <a:buClrTx/>
-                        <a:buSzTx/>
-                        <a:buFontTx/>
-                        <a:buNone/>
-                        <a:tabLst/>
-                        <a:defRPr/>
-                      </a:pPr>
-                      <a:endParaRPr lang="en-US" sz="1200" dirty="0" smtClean="0"/>
-                    </a:p>
-                    <a:p>
-                      <a:endParaRPr lang="en-US" sz="1200" dirty="0"/>
-                    </a:p>
-                  </a:txBody>
-                  <a:tcPr/>
-                </a:tc>
-                <a:tc>
-                  <a:txBody>
-                    <a:bodyPr/>
-                    <a:lstStyle/>
-                    <a:p>
-                      <a:endParaRPr lang="en-US" sz="1200" dirty="0"/>
-                    </a:p>
-                  </a:txBody>
-                  <a:tcPr/>
-                </a:tc>
-                <a:tc>
-                  <a:txBody>
-                    <a:bodyPr/>
-                    <a:lstStyle/>
-                    <a:p>
-                      <a:endParaRPr lang="en-US" sz="1200" dirty="0"/>
-                    </a:p>
-                  </a:txBody>
-                  <a:tcPr/>
-                </a:tc>
-                <a:tc>
-                  <a:txBody>
-                    <a:bodyPr/>
-                    <a:lstStyle/>
-                    <a:p>
-                      <a:endParaRPr lang="en-US" sz="1200" dirty="0"/>
-                    </a:p>
-                  </a:txBody>
-                  <a:tcPr/>
-                </a:tc>
-                <a:tc>
-                  <a:txBody>
-                    <a:bodyPr/>
-                    <a:lstStyle/>
-                    <a:p>
-                      <a:endParaRPr lang="en-US" sz="1200" dirty="0"/>
-                    </a:p>
-                  </a:txBody>
-                  <a:tcPr/>
-                </a:tc>
-                <a:tc>
-                  <a:txBody>
-                    <a:bodyPr/>
-                    <a:lstStyle/>
-                    <a:p>
-                      <a:endParaRPr lang="en-US" sz="1200" dirty="0"/>
-                    </a:p>
-                  </a:txBody>
-                  <a:tcPr/>
-                </a:tc>
-                <a:tc>
-                  <a:txBody>
-                    <a:bodyPr/>
-                    <a:lstStyle/>
-                    <a:p>
-                      <a:endParaRPr lang="en-US" sz="1200" dirty="0"/>
-                    </a:p>
-                  </a:txBody>
-                  <a:tcPr/>
-                </a:tc>
-                <a:tc>
-                  <a:txBody>
-                    <a:bodyPr/>
-                    <a:lstStyle/>
-                    <a:p>
-                      <a:endParaRPr lang="en-US" sz="1200" dirty="0"/>
-                    </a:p>
-                  </a:txBody>
-                  <a:tcPr/>
-                </a:tc>
-              </a:tr>
-              <a:tr h="411480">
-                <a:tc>
-                  <a:txBody>
-                    <a:bodyPr/>
-                    <a:lstStyle/>
-                    <a:p>
-                      <a:r>
-                        <a:rPr lang="en-US" sz="1200" dirty="0" smtClean="0"/>
-                        <a:t>5.0</a:t>
-                      </a:r>
-                      <a:endParaRPr lang="en-US" sz="1200" dirty="0"/>
-                    </a:p>
-                  </a:txBody>
-                  <a:tcPr/>
-                </a:tc>
-                <a:tc>
-                  <a:txBody>
-                    <a:bodyPr/>
-                    <a:lstStyle/>
-                    <a:p>
-                      <a:pPr marL="0" marR="0" indent="0" algn="l" defTabSz="914400" rtl="0" eaLnBrk="1" fontAlgn="auto" latinLnBrk="0" hangingPunct="1">
-                        <a:lnSpc>
-                          <a:spcPct val="100000"/>
-                        </a:lnSpc>
-                        <a:spcBef>
-                          <a:spcPts val="0"/>
-                        </a:spcBef>
-                        <a:spcAft>
-                          <a:spcPts val="0"/>
-                        </a:spcAft>
-                        <a:buClrTx/>
-                        <a:buSzTx/>
-                        <a:buFontTx/>
-                        <a:buNone/>
-                        <a:tabLst/>
-                        <a:defRPr/>
-                      </a:pPr>
-                      <a:r>
-                        <a:rPr lang="en-US" sz="1200" dirty="0" smtClean="0"/>
-                        <a:t>1.0</a:t>
-                      </a:r>
-                    </a:p>
-                    <a:p>
-                      <a:endParaRPr lang="en-US" sz="1200" dirty="0"/>
-                    </a:p>
-                  </a:txBody>
-                  <a:tcPr/>
-                </a:tc>
-                <a:tc>
-                  <a:txBody>
-                    <a:bodyPr/>
-                    <a:lstStyle/>
-                    <a:p>
-                      <a:r>
-                        <a:rPr lang="en-US" sz="1200" dirty="0" smtClean="0"/>
-                        <a:t>3.0</a:t>
-                      </a:r>
-                      <a:endParaRPr lang="en-US" sz="1200" dirty="0"/>
-                    </a:p>
-                  </a:txBody>
-                  <a:tcPr/>
-                </a:tc>
-                <a:tc>
-                  <a:txBody>
-                    <a:bodyPr/>
-                    <a:lstStyle/>
-                    <a:p>
-                      <a:pPr marL="0" marR="0" indent="0" algn="l" defTabSz="914400" rtl="0" eaLnBrk="1" fontAlgn="auto" latinLnBrk="0" hangingPunct="1">
-                        <a:lnSpc>
-                          <a:spcPct val="100000"/>
-                        </a:lnSpc>
-                        <a:spcBef>
-                          <a:spcPts val="0"/>
-                        </a:spcBef>
-                        <a:spcAft>
-                          <a:spcPts val="0"/>
-                        </a:spcAft>
-                        <a:buClrTx/>
-                        <a:buSzTx/>
-                        <a:buFontTx/>
-                        <a:buNone/>
-                        <a:tabLst/>
-                        <a:defRPr/>
-                      </a:pPr>
-                      <a:r>
-                        <a:rPr lang="en-US" sz="1200" dirty="0" smtClean="0"/>
-                        <a:t>–</a:t>
-                      </a:r>
-                    </a:p>
-                    <a:p>
-                      <a:endParaRPr lang="en-US" sz="1200" dirty="0"/>
-                    </a:p>
-                  </a:txBody>
-                  <a:tcPr/>
-                </a:tc>
-                <a:tc>
-                  <a:txBody>
-                    <a:bodyPr/>
-                    <a:lstStyle/>
-                    <a:p>
-                      <a:pPr marL="0" marR="0" indent="0" algn="l" defTabSz="914400" rtl="0" eaLnBrk="1" fontAlgn="auto" latinLnBrk="0" hangingPunct="1">
-                        <a:lnSpc>
-                          <a:spcPct val="100000"/>
-                        </a:lnSpc>
-                        <a:spcBef>
-                          <a:spcPts val="0"/>
-                        </a:spcBef>
-                        <a:spcAft>
-                          <a:spcPts val="0"/>
-                        </a:spcAft>
-                        <a:buClrTx/>
-                        <a:buSzTx/>
-                        <a:buFontTx/>
-                        <a:buNone/>
-                        <a:tabLst/>
-                        <a:defRPr/>
-                      </a:pPr>
-                      <a:r>
-                        <a:rPr lang="en-US" sz="1200" dirty="0" smtClean="0"/>
-                        <a:t>1.0</a:t>
-                      </a:r>
-                    </a:p>
-                  </a:txBody>
-                  <a:tcPr/>
-                </a:tc>
-                <a:tc>
-                  <a:txBody>
-                    <a:bodyPr/>
-                    <a:lstStyle/>
-                    <a:p>
-                      <a:pPr marL="0" marR="0" indent="0" algn="l" defTabSz="914400" rtl="0" eaLnBrk="1" fontAlgn="auto" latinLnBrk="0" hangingPunct="1">
-                        <a:lnSpc>
-                          <a:spcPct val="100000"/>
-                        </a:lnSpc>
-                        <a:spcBef>
-                          <a:spcPts val="0"/>
-                        </a:spcBef>
-                        <a:spcAft>
-                          <a:spcPts val="0"/>
-                        </a:spcAft>
-                        <a:buClrTx/>
-                        <a:buSzTx/>
-                        <a:buFontTx/>
-                        <a:buNone/>
-                        <a:tabLst/>
-                        <a:defRPr/>
-                      </a:pPr>
-                      <a:r>
-                        <a:rPr lang="en-US" sz="1200" dirty="0" smtClean="0">
-                          <a:solidFill>
-                            <a:schemeClr val="tx1"/>
-                          </a:solidFill>
-                        </a:rPr>
-                        <a:t>Repast</a:t>
-                      </a:r>
-                      <a:endParaRPr lang="en-US" sz="1200" dirty="0" smtClean="0"/>
-                    </a:p>
-                  </a:txBody>
-                  <a:tcPr/>
-                </a:tc>
-                <a:tc>
-                  <a:txBody>
-                    <a:bodyPr/>
-                    <a:lstStyle/>
-                    <a:p>
-                      <a:r>
-                        <a:rPr lang="en-US" sz="1200" dirty="0" smtClean="0"/>
-                        <a:t>7.0</a:t>
-                      </a:r>
-                      <a:endParaRPr lang="en-US" sz="1200" dirty="0"/>
-                    </a:p>
-                  </a:txBody>
-                  <a:tcPr/>
-                </a:tc>
-                <a:tc>
-                  <a:txBody>
-                    <a:bodyPr/>
-                    <a:lstStyle/>
-                    <a:p>
-                      <a:endParaRPr lang="en-US" sz="1200" dirty="0"/>
-                    </a:p>
-                  </a:txBody>
-                  <a:tcPr/>
-                </a:tc>
-                <a:tc>
-                  <a:txBody>
-                    <a:bodyPr/>
-                    <a:lstStyle/>
-                    <a:p>
-                      <a:endParaRPr lang="en-US" sz="1200" dirty="0"/>
-                    </a:p>
-                  </a:txBody>
-                  <a:tcPr/>
-                </a:tc>
-                <a:tc>
-                  <a:txBody>
-                    <a:bodyPr/>
-                    <a:lstStyle/>
-                    <a:p>
-                      <a:r>
-                        <a:rPr lang="en-US" sz="1200" dirty="0" smtClean="0"/>
-                        <a:t>Landscape</a:t>
-                      </a:r>
-                      <a:r>
-                        <a:rPr lang="en-US" sz="1200" baseline="0" dirty="0" smtClean="0"/>
-                        <a:t> scripts ported from GRASS 6.4 to 7.0</a:t>
-                      </a:r>
-                      <a:endParaRPr lang="en-US" sz="1200" dirty="0"/>
-                    </a:p>
-                  </a:txBody>
-                  <a:tcPr/>
-                </a:tc>
-                <a:tc>
-                  <a:txBody>
-                    <a:bodyPr/>
-                    <a:lstStyle/>
-                    <a:p>
-                      <a:r>
-                        <a:rPr lang="en-US" sz="1200" dirty="0" smtClean="0"/>
-                        <a:t>June 2016</a:t>
-                      </a:r>
-                      <a:endParaRPr lang="en-US" sz="1200" dirty="0"/>
-                    </a:p>
-                  </a:txBody>
-                  <a:tcPr/>
-                </a:tc>
-              </a:tr>
-              <a:tr h="370840">
-                <a:tc>
-                  <a:txBody>
-                    <a:bodyPr/>
-                    <a:lstStyle/>
-                    <a:p>
-                      <a:r>
-                        <a:rPr lang="en-US" sz="1200" dirty="0" smtClean="0"/>
-                        <a:t>5.5</a:t>
-                      </a:r>
-                      <a:endParaRPr lang="en-US" sz="1200" dirty="0"/>
-                    </a:p>
-                  </a:txBody>
-                  <a:tcPr/>
-                </a:tc>
-                <a:tc>
-                  <a:txBody>
-                    <a:bodyPr/>
-                    <a:lstStyle/>
-                    <a:p>
-                      <a:endParaRPr lang="en-US" sz="1200" dirty="0"/>
-                    </a:p>
-                  </a:txBody>
-                  <a:tcPr/>
-                </a:tc>
-                <a:tc>
-                  <a:txBody>
-                    <a:bodyPr/>
-                    <a:lstStyle/>
-                    <a:p>
-                      <a:r>
-                        <a:rPr lang="en-US" sz="1200" dirty="0" smtClean="0"/>
-                        <a:t>3.0</a:t>
-                      </a:r>
-                      <a:endParaRPr lang="en-US" sz="1200" dirty="0"/>
-                    </a:p>
-                  </a:txBody>
-                  <a:tcPr/>
-                </a:tc>
-                <a:tc>
-                  <a:txBody>
-                    <a:bodyPr/>
-                    <a:lstStyle/>
-                    <a:p>
-                      <a:r>
-                        <a:rPr lang="en-US" sz="1200" dirty="0" smtClean="0"/>
-                        <a:t>0.1</a:t>
-                      </a:r>
-                      <a:endParaRPr lang="en-US" sz="1200" dirty="0"/>
-                    </a:p>
-                  </a:txBody>
-                  <a:tcPr/>
-                </a:tc>
-                <a:tc>
-                  <a:txBody>
-                    <a:bodyPr/>
-                    <a:lstStyle/>
-                    <a:p>
-                      <a:r>
-                        <a:rPr lang="en-US" sz="1200" dirty="0" smtClean="0"/>
-                        <a:t>2.0</a:t>
-                      </a:r>
-                      <a:endParaRPr lang="en-US" sz="1200" dirty="0"/>
-                    </a:p>
-                  </a:txBody>
-                  <a:tcPr/>
-                </a:tc>
-                <a:tc>
-                  <a:txBody>
-                    <a:bodyPr/>
-                    <a:lstStyle/>
-                    <a:p>
-                      <a:pPr marL="0" marR="0" indent="0" algn="l" defTabSz="914400" rtl="0" eaLnBrk="1" fontAlgn="auto" latinLnBrk="0" hangingPunct="1">
-                        <a:lnSpc>
-                          <a:spcPct val="100000"/>
-                        </a:lnSpc>
-                        <a:spcBef>
-                          <a:spcPts val="0"/>
-                        </a:spcBef>
-                        <a:spcAft>
-                          <a:spcPts val="0"/>
-                        </a:spcAft>
-                        <a:buClrTx/>
-                        <a:buSzTx/>
-                        <a:buFontTx/>
-                        <a:buNone/>
-                        <a:tabLst/>
-                        <a:defRPr/>
-                      </a:pPr>
-                      <a:r>
-                        <a:rPr lang="en-US" sz="1200" dirty="0" smtClean="0">
-                          <a:solidFill>
-                            <a:schemeClr val="tx1"/>
-                          </a:solidFill>
-                        </a:rPr>
-                        <a:t>Repast</a:t>
-                      </a:r>
-                      <a:endParaRPr lang="en-US" sz="1200" dirty="0" smtClean="0"/>
-                    </a:p>
-                  </a:txBody>
-                  <a:tcPr/>
-                </a:tc>
-                <a:tc>
-                  <a:txBody>
-                    <a:bodyPr/>
-                    <a:lstStyle/>
-                    <a:p>
-                      <a:r>
-                        <a:rPr lang="en-US" sz="1200" dirty="0" smtClean="0"/>
-                        <a:t>7.0</a:t>
-                      </a:r>
-                      <a:endParaRPr lang="en-US" sz="1200" dirty="0"/>
-                    </a:p>
-                  </a:txBody>
-                  <a:tcPr/>
-                </a:tc>
-                <a:tc>
-                  <a:txBody>
-                    <a:bodyPr/>
-                    <a:lstStyle/>
-                    <a:p>
-                      <a:endParaRPr lang="en-US" sz="1200" dirty="0"/>
-                    </a:p>
-                  </a:txBody>
-                  <a:tcPr/>
-                </a:tc>
-                <a:tc>
-                  <a:txBody>
-                    <a:bodyPr/>
-                    <a:lstStyle/>
-                    <a:p>
-                      <a:endParaRPr lang="en-US" sz="1200" dirty="0"/>
-                    </a:p>
-                  </a:txBody>
-                  <a:tcPr/>
-                </a:tc>
-                <a:tc>
-                  <a:txBody>
-                    <a:bodyPr/>
-                    <a:lstStyle/>
-                    <a:p>
-                      <a:r>
-                        <a:rPr lang="en-US" sz="1200" dirty="0" smtClean="0"/>
-                        <a:t>New Veg + new KIB</a:t>
-                      </a:r>
-                      <a:endParaRPr lang="en-US" sz="1200" dirty="0"/>
-                    </a:p>
-                  </a:txBody>
-                  <a:tcPr/>
-                </a:tc>
-                <a:tc>
-                  <a:txBody>
-                    <a:bodyPr/>
-                    <a:lstStyle/>
-                    <a:p>
-                      <a:endParaRPr lang="en-US" sz="1200" dirty="0"/>
-                    </a:p>
-                  </a:txBody>
-                  <a:tcPr/>
-                </a:tc>
-              </a:tr>
-              <a:tr h="370840">
-                <a:tc>
-                  <a:txBody>
-                    <a:bodyPr/>
-                    <a:lstStyle/>
-                    <a:p>
-                      <a:r>
-                        <a:rPr lang="en-US" sz="1200" dirty="0" smtClean="0"/>
-                        <a:t>6.0</a:t>
-                      </a:r>
-                      <a:endParaRPr lang="en-US" sz="1200" dirty="0"/>
-                    </a:p>
-                  </a:txBody>
-                  <a:tcPr/>
-                </a:tc>
-                <a:tc>
-                  <a:txBody>
-                    <a:bodyPr/>
-                    <a:lstStyle/>
-                    <a:p>
-                      <a:endParaRPr lang="en-US" sz="1200" dirty="0"/>
-                    </a:p>
-                  </a:txBody>
-                  <a:tcPr/>
-                </a:tc>
-                <a:tc>
-                  <a:txBody>
-                    <a:bodyPr/>
-                    <a:lstStyle/>
-                    <a:p>
-                      <a:r>
-                        <a:rPr lang="en-US" sz="1200" dirty="0" smtClean="0"/>
-                        <a:t>4.0</a:t>
-                      </a:r>
-                      <a:endParaRPr lang="en-US" sz="1200" dirty="0"/>
-                    </a:p>
-                  </a:txBody>
-                  <a:tcPr/>
-                </a:tc>
-                <a:tc>
-                  <a:txBody>
-                    <a:bodyPr/>
-                    <a:lstStyle/>
-                    <a:p>
-                      <a:pPr marL="0" marR="0" indent="0" algn="l" defTabSz="914400" rtl="0" eaLnBrk="1" fontAlgn="auto" latinLnBrk="0" hangingPunct="1">
-                        <a:lnSpc>
-                          <a:spcPct val="100000"/>
-                        </a:lnSpc>
-                        <a:spcBef>
-                          <a:spcPts val="0"/>
-                        </a:spcBef>
-                        <a:spcAft>
-                          <a:spcPts val="0"/>
-                        </a:spcAft>
-                        <a:buClrTx/>
-                        <a:buSzTx/>
-                        <a:buFontTx/>
-                        <a:buNone/>
-                        <a:tabLst/>
-                        <a:defRPr/>
-                      </a:pPr>
-                      <a:r>
-                        <a:rPr lang="en-US" sz="1200" dirty="0" smtClean="0"/>
-                        <a:t>1.0</a:t>
-                      </a:r>
-                    </a:p>
-                  </a:txBody>
-                  <a:tcPr/>
-                </a:tc>
-                <a:tc>
-                  <a:txBody>
-                    <a:bodyPr/>
-                    <a:lstStyle/>
-                    <a:p>
-                      <a:r>
-                        <a:rPr lang="en-US" sz="1200" dirty="0" smtClean="0"/>
-                        <a:t>2.0</a:t>
-                      </a:r>
-                      <a:endParaRPr lang="en-US" sz="1200" dirty="0"/>
-                    </a:p>
-                  </a:txBody>
-                  <a:tcPr/>
-                </a:tc>
-                <a:tc>
-                  <a:txBody>
-                    <a:bodyPr/>
-                    <a:lstStyle/>
-                    <a:p>
-                      <a:pPr marL="0" marR="0" indent="0" algn="l" defTabSz="914400" rtl="0" eaLnBrk="1" fontAlgn="auto" latinLnBrk="0" hangingPunct="1">
-                        <a:lnSpc>
-                          <a:spcPct val="100000"/>
-                        </a:lnSpc>
-                        <a:spcBef>
-                          <a:spcPts val="0"/>
-                        </a:spcBef>
-                        <a:spcAft>
-                          <a:spcPts val="0"/>
-                        </a:spcAft>
-                        <a:buClrTx/>
-                        <a:buSzTx/>
-                        <a:buFontTx/>
-                        <a:buNone/>
-                        <a:tabLst/>
-                        <a:defRPr/>
-                      </a:pPr>
-                      <a:r>
-                        <a:rPr lang="en-US" sz="1200" dirty="0" smtClean="0">
-                          <a:solidFill>
-                            <a:schemeClr val="tx1"/>
-                          </a:solidFill>
-                        </a:rPr>
-                        <a:t>Repast</a:t>
-                      </a:r>
-                      <a:endParaRPr lang="en-US" sz="1200" dirty="0" smtClean="0"/>
-                    </a:p>
-                  </a:txBody>
-                  <a:tcPr/>
-                </a:tc>
-                <a:tc>
-                  <a:txBody>
-                    <a:bodyPr/>
-                    <a:lstStyle/>
-                    <a:p>
-                      <a:r>
-                        <a:rPr lang="en-US" sz="1200" dirty="0" smtClean="0"/>
-                        <a:t>7.0</a:t>
-                      </a:r>
-                      <a:endParaRPr lang="en-US" sz="1200" dirty="0"/>
-                    </a:p>
-                  </a:txBody>
-                  <a:tcPr/>
-                </a:tc>
-                <a:tc>
-                  <a:txBody>
-                    <a:bodyPr/>
-                    <a:lstStyle/>
-                    <a:p>
-                      <a:endParaRPr lang="en-US" sz="1200" dirty="0"/>
-                    </a:p>
-                  </a:txBody>
-                  <a:tcPr/>
-                </a:tc>
-                <a:tc>
-                  <a:txBody>
-                    <a:bodyPr/>
-                    <a:lstStyle/>
-                    <a:p>
-                      <a:endParaRPr lang="en-US" sz="1200" dirty="0"/>
-                    </a:p>
-                  </a:txBody>
-                  <a:tcPr/>
-                </a:tc>
-                <a:tc>
-                  <a:txBody>
-                    <a:bodyPr/>
-                    <a:lstStyle/>
-                    <a:p>
-                      <a:pPr marL="0" marR="0" indent="0" algn="l" defTabSz="914400" rtl="0" eaLnBrk="1" fontAlgn="auto" latinLnBrk="0" hangingPunct="1">
-                        <a:lnSpc>
-                          <a:spcPct val="100000"/>
-                        </a:lnSpc>
-                        <a:spcBef>
-                          <a:spcPts val="0"/>
-                        </a:spcBef>
-                        <a:spcAft>
-                          <a:spcPts val="0"/>
-                        </a:spcAft>
-                        <a:buClrTx/>
-                        <a:buSzTx/>
-                        <a:buFontTx/>
-                        <a:buNone/>
-                        <a:tabLst/>
-                        <a:defRPr/>
-                      </a:pPr>
-                      <a:r>
-                        <a:rPr lang="en-US" sz="1200" dirty="0" smtClean="0"/>
-                        <a:t>New GRASS scripts;</a:t>
-                      </a:r>
-                      <a:r>
-                        <a:rPr lang="en-US" sz="1200" baseline="0" dirty="0" smtClean="0"/>
-                        <a:t> added test suites for these GRASS scripts</a:t>
-                      </a:r>
-                      <a:endParaRPr lang="en-US" sz="1200" dirty="0" smtClean="0"/>
-                    </a:p>
-                  </a:txBody>
-                  <a:tcPr/>
-                </a:tc>
-                <a:tc>
-                  <a:txBody>
-                    <a:bodyPr/>
-                    <a:lstStyle/>
-                    <a:p>
-                      <a:endParaRPr lang="en-US" sz="1200" dirty="0"/>
-                    </a:p>
-                  </a:txBody>
-                  <a:tcPr/>
-                </a:tc>
-              </a:tr>
-              <a:tr h="370840">
-                <a:tc>
-                  <a:txBody>
-                    <a:bodyPr/>
-                    <a:lstStyle/>
-                    <a:p>
-                      <a:endParaRPr lang="en-US" sz="1200" dirty="0"/>
-                    </a:p>
-                  </a:txBody>
-                  <a:tcPr/>
-                </a:tc>
-                <a:tc>
-                  <a:txBody>
-                    <a:bodyPr/>
-                    <a:lstStyle/>
-                    <a:p>
-                      <a:endParaRPr lang="en-US" sz="1200" dirty="0"/>
-                    </a:p>
-                  </a:txBody>
-                  <a:tcPr/>
-                </a:tc>
-                <a:tc>
-                  <a:txBody>
-                    <a:bodyPr/>
-                    <a:lstStyle/>
-                    <a:p>
-                      <a:endParaRPr lang="en-US" sz="1200" dirty="0"/>
-                    </a:p>
-                  </a:txBody>
-                  <a:tcPr/>
-                </a:tc>
-                <a:tc>
-                  <a:txBody>
-                    <a:bodyPr/>
-                    <a:lstStyle/>
-                    <a:p>
-                      <a:pPr marL="0" marR="0" indent="0" algn="l" defTabSz="914400" rtl="0" eaLnBrk="1" fontAlgn="auto" latinLnBrk="0" hangingPunct="1">
-                        <a:lnSpc>
-                          <a:spcPct val="100000"/>
-                        </a:lnSpc>
-                        <a:spcBef>
-                          <a:spcPts val="0"/>
-                        </a:spcBef>
-                        <a:spcAft>
-                          <a:spcPts val="0"/>
-                        </a:spcAft>
-                        <a:buClrTx/>
-                        <a:buSzTx/>
-                        <a:buFontTx/>
-                        <a:buNone/>
-                        <a:tabLst/>
-                        <a:defRPr/>
-                      </a:pPr>
-                      <a:endParaRPr lang="en-US" sz="1200" dirty="0" smtClean="0"/>
-                    </a:p>
-                  </a:txBody>
-                  <a:tcPr/>
-                </a:tc>
-                <a:tc>
-                  <a:txBody>
-                    <a:bodyPr/>
-                    <a:lstStyle/>
-                    <a:p>
-                      <a:endParaRPr lang="en-US" sz="1200" dirty="0"/>
-                    </a:p>
-                  </a:txBody>
-                  <a:tcPr/>
-                </a:tc>
-                <a:tc>
-                  <a:txBody>
-                    <a:bodyPr/>
-                    <a:lstStyle/>
-                    <a:p>
-                      <a:pPr marL="0" marR="0" indent="0" algn="l" defTabSz="914400" rtl="0" eaLnBrk="1" fontAlgn="auto" latinLnBrk="0" hangingPunct="1">
-                        <a:lnSpc>
-                          <a:spcPct val="100000"/>
-                        </a:lnSpc>
-                        <a:spcBef>
-                          <a:spcPts val="0"/>
-                        </a:spcBef>
-                        <a:spcAft>
-                          <a:spcPts val="0"/>
-                        </a:spcAft>
-                        <a:buClrTx/>
-                        <a:buSzTx/>
-                        <a:buFontTx/>
-                        <a:buNone/>
-                        <a:tabLst/>
-                        <a:defRPr/>
-                      </a:pPr>
-                      <a:endParaRPr lang="en-US" sz="1200" dirty="0" smtClean="0"/>
-                    </a:p>
-                  </a:txBody>
-                  <a:tcPr/>
-                </a:tc>
-                <a:tc>
-                  <a:txBody>
-                    <a:bodyPr/>
-                    <a:lstStyle/>
-                    <a:p>
-                      <a:endParaRPr lang="en-US" sz="1200" dirty="0"/>
-                    </a:p>
-                  </a:txBody>
-                  <a:tcPr/>
-                </a:tc>
-                <a:tc>
-                  <a:txBody>
-                    <a:bodyPr/>
-                    <a:lstStyle/>
-                    <a:p>
-                      <a:endParaRPr lang="en-US" sz="1200" dirty="0"/>
-                    </a:p>
-                  </a:txBody>
-                  <a:tcPr/>
-                </a:tc>
-                <a:tc>
-                  <a:txBody>
-                    <a:bodyPr/>
-                    <a:lstStyle/>
-                    <a:p>
-                      <a:endParaRPr lang="en-US" sz="1200" dirty="0"/>
-                    </a:p>
-                  </a:txBody>
-                  <a:tcPr/>
-                </a:tc>
-                <a:tc>
-                  <a:txBody>
-                    <a:bodyPr/>
-                    <a:lstStyle/>
-                    <a:p>
-                      <a:endParaRPr lang="en-US" sz="1200" dirty="0"/>
-                    </a:p>
-                  </a:txBody>
-                  <a:tcPr/>
-                </a:tc>
-                <a:tc>
-                  <a:txBody>
-                    <a:bodyPr/>
-                    <a:lstStyle/>
-                    <a:p>
-                      <a:endParaRPr lang="en-US" sz="1200" dirty="0"/>
+                      <a:endParaRPr lang="en-US" sz="1000" dirty="0" smtClean="0"/>
+                    </a:p>
+                  </a:txBody>
+                  <a:tcPr/>
+                </a:tc>
+                <a:tc>
+                  <a:txBody>
+                    <a:bodyPr/>
+                    <a:lstStyle/>
+                    <a:p>
+                      <a:endParaRPr lang="en-US" sz="1000" dirty="0"/>
+                    </a:p>
+                  </a:txBody>
+                  <a:tcPr/>
+                </a:tc>
+                <a:tc>
+                  <a:txBody>
+                    <a:bodyPr/>
+                    <a:lstStyle/>
+                    <a:p>
+                      <a:endParaRPr lang="en-US" sz="1000" dirty="0"/>
+                    </a:p>
+                  </a:txBody>
+                  <a:tcPr/>
+                </a:tc>
+                <a:tc>
+                  <a:txBody>
+                    <a:bodyPr/>
+                    <a:lstStyle/>
+                    <a:p>
+                      <a:endParaRPr lang="en-US" sz="1000" dirty="0"/>
+                    </a:p>
+                  </a:txBody>
+                  <a:tcPr/>
+                </a:tc>
+                <a:tc>
+                  <a:txBody>
+                    <a:bodyPr/>
+                    <a:lstStyle/>
+                    <a:p>
+                      <a:endParaRPr lang="en-US" sz="1000" dirty="0"/>
+                    </a:p>
+                  </a:txBody>
+                  <a:tcPr/>
+                </a:tc>
+                <a:tc>
+                  <a:txBody>
+                    <a:bodyPr/>
+                    <a:lstStyle/>
+                    <a:p>
+                      <a:endParaRPr lang="en-US" sz="1000" dirty="0"/>
                     </a:p>
                   </a:txBody>
                   <a:tcPr/>
@@ -5843,138 +6463,6 @@
           </a:p>
         </p:txBody>
       </p:sp>
-      <p:cxnSp>
-        <p:nvCxnSpPr>
-          <p:cNvPr id="7" name="Straight Arrow Connector 6"/>
-          <p:cNvCxnSpPr/>
-          <p:nvPr/>
-        </p:nvCxnSpPr>
-        <p:spPr>
-          <a:xfrm>
-            <a:off x="880533" y="3107267"/>
-            <a:ext cx="143934" cy="939800"/>
-          </a:xfrm>
-          <a:prstGeom prst="straightConnector1">
-            <a:avLst/>
-          </a:prstGeom>
-          <a:ln>
-            <a:tailEnd type="triangle"/>
-          </a:ln>
-        </p:spPr>
-        <p:style>
-          <a:lnRef idx="1">
-            <a:schemeClr val="accent1"/>
-          </a:lnRef>
-          <a:fillRef idx="0">
-            <a:schemeClr val="accent1"/>
-          </a:fillRef>
-          <a:effectRef idx="0">
-            <a:schemeClr val="accent1"/>
-          </a:effectRef>
-          <a:fontRef idx="minor">
-            <a:schemeClr val="tx1"/>
-          </a:fontRef>
-        </p:style>
-      </p:cxnSp>
-      <p:cxnSp>
-        <p:nvCxnSpPr>
-          <p:cNvPr id="9" name="Straight Arrow Connector 8"/>
-          <p:cNvCxnSpPr/>
-          <p:nvPr/>
-        </p:nvCxnSpPr>
-        <p:spPr>
-          <a:xfrm flipH="1">
-            <a:off x="914400" y="4030133"/>
-            <a:ext cx="93133" cy="694267"/>
-          </a:xfrm>
-          <a:prstGeom prst="straightConnector1">
-            <a:avLst/>
-          </a:prstGeom>
-          <a:ln>
-            <a:tailEnd type="triangle"/>
-          </a:ln>
-        </p:spPr>
-        <p:style>
-          <a:lnRef idx="1">
-            <a:schemeClr val="accent1"/>
-          </a:lnRef>
-          <a:fillRef idx="0">
-            <a:schemeClr val="accent1"/>
-          </a:fillRef>
-          <a:effectRef idx="0">
-            <a:schemeClr val="accent1"/>
-          </a:effectRef>
-          <a:fontRef idx="minor">
-            <a:schemeClr val="tx1"/>
-          </a:fontRef>
-        </p:style>
-      </p:cxnSp>
-      <p:cxnSp>
-        <p:nvCxnSpPr>
-          <p:cNvPr id="14" name="Straight Arrow Connector 13"/>
-          <p:cNvCxnSpPr/>
-          <p:nvPr/>
-        </p:nvCxnSpPr>
-        <p:spPr>
-          <a:xfrm>
-            <a:off x="1007533" y="5320037"/>
-            <a:ext cx="0" cy="407983"/>
-          </a:xfrm>
-          <a:prstGeom prst="straightConnector1">
-            <a:avLst/>
-          </a:prstGeom>
-          <a:ln>
-            <a:tailEnd type="triangle"/>
-          </a:ln>
-        </p:spPr>
-        <p:style>
-          <a:lnRef idx="1">
-            <a:schemeClr val="accent1"/>
-          </a:lnRef>
-          <a:fillRef idx="0">
-            <a:schemeClr val="accent1"/>
-          </a:fillRef>
-          <a:effectRef idx="0">
-            <a:schemeClr val="accent1"/>
-          </a:effectRef>
-          <a:fontRef idx="minor">
-            <a:schemeClr val="tx1"/>
-          </a:fontRef>
-        </p:style>
-      </p:cxnSp>
-      <p:cxnSp>
-        <p:nvCxnSpPr>
-          <p:cNvPr id="17" name="Straight Arrow Connector 16"/>
-          <p:cNvCxnSpPr/>
-          <p:nvPr/>
-        </p:nvCxnSpPr>
-        <p:spPr>
-          <a:xfrm>
-            <a:off x="1024467" y="4811610"/>
-            <a:ext cx="0" cy="407983"/>
-          </a:xfrm>
-          <a:prstGeom prst="straightConnector1">
-            <a:avLst/>
-          </a:prstGeom>
-          <a:ln>
-            <a:tailEnd type="triangle"/>
-          </a:ln>
-        </p:spPr>
-        <p:style>
-          <a:lnRef idx="1">
-            <a:schemeClr val="accent1"/>
-          </a:lnRef>
-          <a:fillRef idx="0">
-            <a:schemeClr val="accent1"/>
-          </a:fillRef>
-          <a:effectRef idx="0">
-            <a:schemeClr val="accent1"/>
-          </a:effectRef>
-          <a:fontRef idx="minor">
-            <a:schemeClr val="tx1"/>
-          </a:fontRef>
-        </p:style>
-      </p:cxnSp>
     </p:spTree>
     <p:extLst>
       <p:ext uri="{BB962C8B-B14F-4D97-AF65-F5344CB8AC3E}">
@@ -6039,7 +6527,7 @@
             </a:r>
             <a:r>
               <a:rPr lang="en-US" dirty="0" smtClean="0"/>
-              <a:t>4.x </a:t>
+              <a:t>3.x </a:t>
             </a:r>
             <a:endParaRPr lang="en-US" dirty="0"/>
           </a:p>
@@ -6073,644 +6561,19 @@
           <a:p>
             <a:r>
               <a:rPr lang="en-US" dirty="0" smtClean="0"/>
-              <a:t>DEVS and Repast</a:t>
-            </a:r>
+              <a:t>Repast</a:t>
+            </a:r>
+            <a:endParaRPr lang="en-US" dirty="0" smtClean="0"/>
           </a:p>
           <a:p>
             <a:r>
               <a:rPr lang="en-US" dirty="0" smtClean="0"/>
-              <a:t>Bash and Python</a:t>
+              <a:t>Python</a:t>
             </a:r>
             <a:endParaRPr lang="en-US" dirty="0"/>
           </a:p>
         </p:txBody>
       </p:sp>
-      <p:sp>
-        <p:nvSpPr>
-          <p:cNvPr id="3" name="Oval 2"/>
-          <p:cNvSpPr/>
-          <p:nvPr/>
-        </p:nvSpPr>
-        <p:spPr>
-          <a:xfrm>
-            <a:off x="304801" y="3981592"/>
-            <a:ext cx="516466" cy="516466"/>
-          </a:xfrm>
-          <a:prstGeom prst="ellipse">
-            <a:avLst/>
-          </a:prstGeom>
-          <a:solidFill>
-            <a:schemeClr val="accent4">
-              <a:lumMod val="75000"/>
-            </a:schemeClr>
-          </a:solidFill>
-          <a:ln>
-            <a:solidFill>
-              <a:schemeClr val="accent4">
-                <a:lumMod val="50000"/>
-              </a:schemeClr>
-            </a:solidFill>
-          </a:ln>
-        </p:spPr>
-        <p:style>
-          <a:lnRef idx="2">
-            <a:schemeClr val="accent1">
-              <a:shade val="50000"/>
-            </a:schemeClr>
-          </a:lnRef>
-          <a:fillRef idx="1">
-            <a:schemeClr val="accent1"/>
-          </a:fillRef>
-          <a:effectRef idx="0">
-            <a:schemeClr val="accent1"/>
-          </a:effectRef>
-          <a:fontRef idx="minor">
-            <a:schemeClr val="lt1"/>
-          </a:fontRef>
-        </p:style>
-        <p:txBody>
-          <a:bodyPr lIns="0" rIns="0" rtlCol="0" anchor="ctr"/>
-          <a:lstStyle/>
-          <a:p>
-            <a:pPr algn="ctr"/>
-            <a:r>
-              <a:rPr lang="en-US" sz="1200" dirty="0" smtClean="0">
-                <a:solidFill>
-                  <a:schemeClr val="tx1"/>
-                </a:solidFill>
-              </a:rPr>
-              <a:t>MML 1.0</a:t>
-            </a:r>
-            <a:endParaRPr lang="en-US" sz="1200" dirty="0">
-              <a:solidFill>
-                <a:schemeClr val="tx1"/>
-              </a:solidFill>
-            </a:endParaRPr>
-          </a:p>
-        </p:txBody>
-      </p:sp>
-      <p:cxnSp>
-        <p:nvCxnSpPr>
-          <p:cNvPr id="9" name="Straight Arrow Connector 8"/>
-          <p:cNvCxnSpPr/>
-          <p:nvPr/>
-        </p:nvCxnSpPr>
-        <p:spPr>
-          <a:xfrm flipV="1">
-            <a:off x="821267" y="4238696"/>
-            <a:ext cx="873472" cy="2258"/>
-          </a:xfrm>
-          <a:prstGeom prst="straightConnector1">
-            <a:avLst/>
-          </a:prstGeom>
-          <a:ln w="19050">
-            <a:solidFill>
-              <a:schemeClr val="tx1"/>
-            </a:solidFill>
-            <a:prstDash val="solid"/>
-            <a:tailEnd type="triangle"/>
-          </a:ln>
-        </p:spPr>
-        <p:style>
-          <a:lnRef idx="1">
-            <a:schemeClr val="accent1"/>
-          </a:lnRef>
-          <a:fillRef idx="0">
-            <a:schemeClr val="accent1"/>
-          </a:fillRef>
-          <a:effectRef idx="0">
-            <a:schemeClr val="accent1"/>
-          </a:effectRef>
-          <a:fontRef idx="minor">
-            <a:schemeClr val="tx1"/>
-          </a:fontRef>
-        </p:style>
-      </p:cxnSp>
-      <p:sp>
-        <p:nvSpPr>
-          <p:cNvPr id="10" name="Oval 9"/>
-          <p:cNvSpPr/>
-          <p:nvPr/>
-        </p:nvSpPr>
-        <p:spPr>
-          <a:xfrm>
-            <a:off x="2709337" y="5249334"/>
-            <a:ext cx="516466" cy="516466"/>
-          </a:xfrm>
-          <a:prstGeom prst="ellipse">
-            <a:avLst/>
-          </a:prstGeom>
-        </p:spPr>
-        <p:style>
-          <a:lnRef idx="2">
-            <a:schemeClr val="accent1">
-              <a:shade val="50000"/>
-            </a:schemeClr>
-          </a:lnRef>
-          <a:fillRef idx="1">
-            <a:schemeClr val="accent1"/>
-          </a:fillRef>
-          <a:effectRef idx="0">
-            <a:schemeClr val="accent1"/>
-          </a:effectRef>
-          <a:fontRef idx="minor">
-            <a:schemeClr val="lt1"/>
-          </a:fontRef>
-        </p:style>
-        <p:txBody>
-          <a:bodyPr lIns="0" rIns="0" rtlCol="0" anchor="ctr"/>
-          <a:lstStyle/>
-          <a:p>
-            <a:pPr algn="ctr"/>
-            <a:r>
-              <a:rPr lang="en-US" sz="1200" dirty="0" smtClean="0">
-                <a:solidFill>
-                  <a:schemeClr val="tx1"/>
-                </a:solidFill>
-              </a:rPr>
-              <a:t>Land 1.5</a:t>
-            </a:r>
-            <a:endParaRPr lang="en-US" sz="1200" dirty="0">
-              <a:solidFill>
-                <a:schemeClr val="tx1"/>
-              </a:solidFill>
-            </a:endParaRPr>
-          </a:p>
-        </p:txBody>
-      </p:sp>
-      <p:sp>
-        <p:nvSpPr>
-          <p:cNvPr id="11" name="Oval 10"/>
-          <p:cNvSpPr/>
-          <p:nvPr/>
-        </p:nvSpPr>
-        <p:spPr>
-          <a:xfrm>
-            <a:off x="5461004" y="5249334"/>
-            <a:ext cx="516466" cy="516466"/>
-          </a:xfrm>
-          <a:prstGeom prst="ellipse">
-            <a:avLst/>
-          </a:prstGeom>
-        </p:spPr>
-        <p:style>
-          <a:lnRef idx="2">
-            <a:schemeClr val="accent1">
-              <a:shade val="50000"/>
-            </a:schemeClr>
-          </a:lnRef>
-          <a:fillRef idx="1">
-            <a:schemeClr val="accent1"/>
-          </a:fillRef>
-          <a:effectRef idx="0">
-            <a:schemeClr val="accent1"/>
-          </a:effectRef>
-          <a:fontRef idx="minor">
-            <a:schemeClr val="lt1"/>
-          </a:fontRef>
-        </p:style>
-        <p:txBody>
-          <a:bodyPr lIns="0" rIns="0" rtlCol="0" anchor="ctr"/>
-          <a:lstStyle/>
-          <a:p>
-            <a:pPr algn="ctr"/>
-            <a:r>
-              <a:rPr lang="en-US" sz="1200" dirty="0" smtClean="0">
-                <a:solidFill>
-                  <a:schemeClr val="tx1"/>
-                </a:solidFill>
-              </a:rPr>
-              <a:t>Land 2.0</a:t>
-            </a:r>
-            <a:endParaRPr lang="en-US" sz="1200" dirty="0">
-              <a:solidFill>
-                <a:schemeClr val="tx1"/>
-              </a:solidFill>
-            </a:endParaRPr>
-          </a:p>
-        </p:txBody>
-      </p:sp>
-      <p:cxnSp>
-        <p:nvCxnSpPr>
-          <p:cNvPr id="13" name="Straight Arrow Connector 12"/>
-          <p:cNvCxnSpPr>
-            <a:stCxn id="20" idx="5"/>
-            <a:endCxn id="10" idx="1"/>
-          </p:cNvCxnSpPr>
-          <p:nvPr/>
-        </p:nvCxnSpPr>
-        <p:spPr>
-          <a:xfrm>
-            <a:off x="2135570" y="4422423"/>
-            <a:ext cx="649402" cy="902546"/>
-          </a:xfrm>
-          <a:prstGeom prst="straightConnector1">
-            <a:avLst/>
-          </a:prstGeom>
-          <a:ln w="19050">
-            <a:solidFill>
-              <a:schemeClr val="tx1"/>
-            </a:solidFill>
-            <a:tailEnd type="triangle"/>
-          </a:ln>
-        </p:spPr>
-        <p:style>
-          <a:lnRef idx="1">
-            <a:schemeClr val="accent1"/>
-          </a:lnRef>
-          <a:fillRef idx="0">
-            <a:schemeClr val="accent1"/>
-          </a:fillRef>
-          <a:effectRef idx="0">
-            <a:schemeClr val="accent1"/>
-          </a:effectRef>
-          <a:fontRef idx="minor">
-            <a:schemeClr val="tx1"/>
-          </a:fontRef>
-        </p:style>
-      </p:cxnSp>
-      <p:cxnSp>
-        <p:nvCxnSpPr>
-          <p:cNvPr id="17" name="Straight Arrow Connector 16"/>
-          <p:cNvCxnSpPr>
-            <a:stCxn id="10" idx="7"/>
-            <a:endCxn id="14" idx="3"/>
-          </p:cNvCxnSpPr>
-          <p:nvPr/>
-        </p:nvCxnSpPr>
-        <p:spPr>
-          <a:xfrm flipV="1">
-            <a:off x="3150168" y="4422423"/>
-            <a:ext cx="944312" cy="902546"/>
-          </a:xfrm>
-          <a:prstGeom prst="straightConnector1">
-            <a:avLst/>
-          </a:prstGeom>
-          <a:ln w="19050">
-            <a:solidFill>
-              <a:schemeClr val="tx1"/>
-            </a:solidFill>
-            <a:prstDash val="lgDash"/>
-            <a:tailEnd type="triangle"/>
-          </a:ln>
-        </p:spPr>
-        <p:style>
-          <a:lnRef idx="1">
-            <a:schemeClr val="accent1"/>
-          </a:lnRef>
-          <a:fillRef idx="0">
-            <a:schemeClr val="accent1"/>
-          </a:fillRef>
-          <a:effectRef idx="0">
-            <a:schemeClr val="accent1"/>
-          </a:effectRef>
-          <a:fontRef idx="minor">
-            <a:schemeClr val="tx1"/>
-          </a:fontRef>
-        </p:style>
-      </p:cxnSp>
-      <p:sp>
-        <p:nvSpPr>
-          <p:cNvPr id="20" name="Oval 19"/>
-          <p:cNvSpPr/>
-          <p:nvPr/>
-        </p:nvSpPr>
-        <p:spPr>
-          <a:xfrm>
-            <a:off x="1694739" y="3981592"/>
-            <a:ext cx="516466" cy="516466"/>
-          </a:xfrm>
-          <a:prstGeom prst="ellipse">
-            <a:avLst/>
-          </a:prstGeom>
-          <a:solidFill>
-            <a:schemeClr val="accent4">
-              <a:lumMod val="75000"/>
-            </a:schemeClr>
-          </a:solidFill>
-          <a:ln>
-            <a:solidFill>
-              <a:schemeClr val="accent4">
-                <a:lumMod val="50000"/>
-              </a:schemeClr>
-            </a:solidFill>
-          </a:ln>
-        </p:spPr>
-        <p:style>
-          <a:lnRef idx="2">
-            <a:schemeClr val="accent1">
-              <a:shade val="50000"/>
-            </a:schemeClr>
-          </a:lnRef>
-          <a:fillRef idx="1">
-            <a:schemeClr val="accent1"/>
-          </a:fillRef>
-          <a:effectRef idx="0">
-            <a:schemeClr val="accent1"/>
-          </a:effectRef>
-          <a:fontRef idx="minor">
-            <a:schemeClr val="lt1"/>
-          </a:fontRef>
-        </p:style>
-        <p:txBody>
-          <a:bodyPr lIns="0" rIns="0" rtlCol="0" anchor="ctr"/>
-          <a:lstStyle/>
-          <a:p>
-            <a:pPr algn="ctr"/>
-            <a:r>
-              <a:rPr lang="en-US" sz="1200" dirty="0" smtClean="0">
-                <a:solidFill>
-                  <a:schemeClr val="tx1"/>
-                </a:solidFill>
-              </a:rPr>
-              <a:t>MML 2.0</a:t>
-            </a:r>
-            <a:endParaRPr lang="en-US" sz="1200" dirty="0">
-              <a:solidFill>
-                <a:schemeClr val="tx1"/>
-              </a:solidFill>
-            </a:endParaRPr>
-          </a:p>
-        </p:txBody>
-      </p:sp>
-      <p:sp>
-        <p:nvSpPr>
-          <p:cNvPr id="14" name="Oval 13"/>
-          <p:cNvSpPr/>
-          <p:nvPr/>
-        </p:nvSpPr>
-        <p:spPr>
-          <a:xfrm>
-            <a:off x="4018845" y="3981592"/>
-            <a:ext cx="516466" cy="516466"/>
-          </a:xfrm>
-          <a:prstGeom prst="ellipse">
-            <a:avLst/>
-          </a:prstGeom>
-          <a:solidFill>
-            <a:schemeClr val="accent4">
-              <a:lumMod val="75000"/>
-            </a:schemeClr>
-          </a:solidFill>
-          <a:ln>
-            <a:solidFill>
-              <a:schemeClr val="accent4">
-                <a:lumMod val="50000"/>
-              </a:schemeClr>
-            </a:solidFill>
-          </a:ln>
-        </p:spPr>
-        <p:style>
-          <a:lnRef idx="2">
-            <a:schemeClr val="accent1">
-              <a:shade val="50000"/>
-            </a:schemeClr>
-          </a:lnRef>
-          <a:fillRef idx="1">
-            <a:schemeClr val="accent1"/>
-          </a:fillRef>
-          <a:effectRef idx="0">
-            <a:schemeClr val="accent1"/>
-          </a:effectRef>
-          <a:fontRef idx="minor">
-            <a:schemeClr val="lt1"/>
-          </a:fontRef>
-        </p:style>
-        <p:txBody>
-          <a:bodyPr lIns="0" rIns="0" rtlCol="0" anchor="ctr"/>
-          <a:lstStyle/>
-          <a:p>
-            <a:pPr algn="ctr"/>
-            <a:r>
-              <a:rPr lang="en-US" sz="1200" dirty="0" smtClean="0">
-                <a:solidFill>
-                  <a:schemeClr val="tx1"/>
-                </a:solidFill>
-              </a:rPr>
-              <a:t>MML 3.0</a:t>
-            </a:r>
-            <a:endParaRPr lang="en-US" sz="1200" dirty="0">
-              <a:solidFill>
-                <a:schemeClr val="tx1"/>
-              </a:solidFill>
-            </a:endParaRPr>
-          </a:p>
-        </p:txBody>
-      </p:sp>
-      <p:sp>
-        <p:nvSpPr>
-          <p:cNvPr id="18" name="Oval 17"/>
-          <p:cNvSpPr/>
-          <p:nvPr/>
-        </p:nvSpPr>
-        <p:spPr>
-          <a:xfrm>
-            <a:off x="6582556" y="3981592"/>
-            <a:ext cx="516466" cy="516466"/>
-          </a:xfrm>
-          <a:prstGeom prst="ellipse">
-            <a:avLst/>
-          </a:prstGeom>
-          <a:solidFill>
-            <a:schemeClr val="accent4">
-              <a:lumMod val="75000"/>
-            </a:schemeClr>
-          </a:solidFill>
-          <a:ln>
-            <a:solidFill>
-              <a:schemeClr val="accent4">
-                <a:lumMod val="50000"/>
-              </a:schemeClr>
-            </a:solidFill>
-          </a:ln>
-        </p:spPr>
-        <p:style>
-          <a:lnRef idx="2">
-            <a:schemeClr val="accent1">
-              <a:shade val="50000"/>
-            </a:schemeClr>
-          </a:lnRef>
-          <a:fillRef idx="1">
-            <a:schemeClr val="accent1"/>
-          </a:fillRef>
-          <a:effectRef idx="0">
-            <a:schemeClr val="accent1"/>
-          </a:effectRef>
-          <a:fontRef idx="minor">
-            <a:schemeClr val="lt1"/>
-          </a:fontRef>
-        </p:style>
-        <p:txBody>
-          <a:bodyPr lIns="0" rIns="0" rtlCol="0" anchor="ctr"/>
-          <a:lstStyle/>
-          <a:p>
-            <a:pPr algn="ctr"/>
-            <a:r>
-              <a:rPr lang="en-US" sz="1200" dirty="0" smtClean="0">
-                <a:solidFill>
-                  <a:schemeClr val="tx1"/>
-                </a:solidFill>
-              </a:rPr>
-              <a:t>MML 4.0</a:t>
-            </a:r>
-            <a:endParaRPr lang="en-US" sz="1200" dirty="0">
-              <a:solidFill>
-                <a:schemeClr val="tx1"/>
-              </a:solidFill>
-            </a:endParaRPr>
-          </a:p>
-        </p:txBody>
-      </p:sp>
-      <p:cxnSp>
-        <p:nvCxnSpPr>
-          <p:cNvPr id="16" name="Straight Arrow Connector 15"/>
-          <p:cNvCxnSpPr>
-            <a:stCxn id="11" idx="7"/>
-            <a:endCxn id="18" idx="3"/>
-          </p:cNvCxnSpPr>
-          <p:nvPr/>
-        </p:nvCxnSpPr>
-        <p:spPr>
-          <a:xfrm flipV="1">
-            <a:off x="5901835" y="4422423"/>
-            <a:ext cx="756356" cy="902546"/>
-          </a:xfrm>
-          <a:prstGeom prst="straightConnector1">
-            <a:avLst/>
-          </a:prstGeom>
-          <a:ln w="12700">
-            <a:solidFill>
-              <a:schemeClr val="tx1"/>
-            </a:solidFill>
-            <a:tailEnd type="triangle"/>
-          </a:ln>
-        </p:spPr>
-        <p:style>
-          <a:lnRef idx="1">
-            <a:schemeClr val="accent1"/>
-          </a:lnRef>
-          <a:fillRef idx="0">
-            <a:schemeClr val="accent1"/>
-          </a:fillRef>
-          <a:effectRef idx="0">
-            <a:schemeClr val="accent1"/>
-          </a:effectRef>
-          <a:fontRef idx="minor">
-            <a:schemeClr val="tx1"/>
-          </a:fontRef>
-        </p:style>
-      </p:cxnSp>
-      <p:cxnSp>
-        <p:nvCxnSpPr>
-          <p:cNvPr id="21" name="Straight Arrow Connector 20"/>
-          <p:cNvCxnSpPr/>
-          <p:nvPr/>
-        </p:nvCxnSpPr>
-        <p:spPr>
-          <a:xfrm>
-            <a:off x="2211205" y="4239825"/>
-            <a:ext cx="1807640" cy="0"/>
-          </a:xfrm>
-          <a:prstGeom prst="straightConnector1">
-            <a:avLst/>
-          </a:prstGeom>
-          <a:ln w="12700">
-            <a:solidFill>
-              <a:schemeClr val="tx1"/>
-            </a:solidFill>
-            <a:tailEnd type="triangle"/>
-          </a:ln>
-        </p:spPr>
-        <p:style>
-          <a:lnRef idx="1">
-            <a:schemeClr val="accent1"/>
-          </a:lnRef>
-          <a:fillRef idx="0">
-            <a:schemeClr val="accent1"/>
-          </a:fillRef>
-          <a:effectRef idx="0">
-            <a:schemeClr val="accent1"/>
-          </a:effectRef>
-          <a:fontRef idx="minor">
-            <a:schemeClr val="tx1"/>
-          </a:fontRef>
-        </p:style>
-      </p:cxnSp>
-      <p:cxnSp>
-        <p:nvCxnSpPr>
-          <p:cNvPr id="23" name="Straight Arrow Connector 22"/>
-          <p:cNvCxnSpPr/>
-          <p:nvPr/>
-        </p:nvCxnSpPr>
-        <p:spPr>
-          <a:xfrm>
-            <a:off x="4535311" y="4239825"/>
-            <a:ext cx="2047245" cy="0"/>
-          </a:xfrm>
-          <a:prstGeom prst="straightConnector1">
-            <a:avLst/>
-          </a:prstGeom>
-          <a:ln w="12700">
-            <a:solidFill>
-              <a:schemeClr val="tx1"/>
-            </a:solidFill>
-            <a:tailEnd type="triangle"/>
-          </a:ln>
-        </p:spPr>
-        <p:style>
-          <a:lnRef idx="1">
-            <a:schemeClr val="accent1"/>
-          </a:lnRef>
-          <a:fillRef idx="0">
-            <a:schemeClr val="accent1"/>
-          </a:fillRef>
-          <a:effectRef idx="0">
-            <a:schemeClr val="accent1"/>
-          </a:effectRef>
-          <a:fontRef idx="minor">
-            <a:schemeClr val="tx1"/>
-          </a:fontRef>
-        </p:style>
-      </p:cxnSp>
-      <p:cxnSp>
-        <p:nvCxnSpPr>
-          <p:cNvPr id="26" name="Straight Arrow Connector 25"/>
-          <p:cNvCxnSpPr>
-            <a:stCxn id="14" idx="5"/>
-            <a:endCxn id="11" idx="1"/>
-          </p:cNvCxnSpPr>
-          <p:nvPr/>
-        </p:nvCxnSpPr>
-        <p:spPr>
-          <a:xfrm>
-            <a:off x="4459676" y="4422423"/>
-            <a:ext cx="1076963" cy="902546"/>
-          </a:xfrm>
-          <a:prstGeom prst="straightConnector1">
-            <a:avLst/>
-          </a:prstGeom>
-          <a:ln w="12700">
-            <a:solidFill>
-              <a:schemeClr val="tx1"/>
-            </a:solidFill>
-            <a:tailEnd type="triangle"/>
-          </a:ln>
-        </p:spPr>
-        <p:style>
-          <a:lnRef idx="1">
-            <a:schemeClr val="accent1"/>
-          </a:lnRef>
-          <a:fillRef idx="0">
-            <a:schemeClr val="accent1"/>
-          </a:fillRef>
-          <a:effectRef idx="0">
-            <a:schemeClr val="accent1"/>
-          </a:effectRef>
-          <a:fontRef idx="minor">
-            <a:schemeClr val="tx1"/>
-          </a:fontRef>
-        </p:style>
-      </p:cxnSp>
       <p:sp>
         <p:nvSpPr>
           <p:cNvPr id="27" name="Slide Number Placeholder 26"/>
@@ -6734,110 +6597,1225 @@
           </a:p>
         </p:txBody>
       </p:sp>
-      <p:sp>
-        <p:nvSpPr>
-          <p:cNvPr id="19" name="Oval 18"/>
-          <p:cNvSpPr/>
+      <p:grpSp>
+        <p:nvGrpSpPr>
+          <p:cNvPr id="46" name="Group 45"/>
+          <p:cNvGrpSpPr/>
           <p:nvPr/>
-        </p:nvSpPr>
-        <p:spPr>
+        </p:nvGrpSpPr>
+        <p:grpSpPr>
           <a:xfrm>
-            <a:off x="8257117" y="3981592"/>
-            <a:ext cx="516466" cy="516466"/>
+            <a:off x="949672" y="3319006"/>
+            <a:ext cx="7398733" cy="2635179"/>
+            <a:chOff x="712604" y="3979405"/>
+            <a:chExt cx="7398733" cy="2635179"/>
           </a:xfrm>
-          <a:prstGeom prst="ellipse">
-            <a:avLst/>
-          </a:prstGeom>
-          <a:solidFill>
-            <a:schemeClr val="accent4">
-              <a:lumMod val="75000"/>
-            </a:schemeClr>
-          </a:solidFill>
-          <a:ln>
-            <a:solidFill>
-              <a:schemeClr val="accent4">
-                <a:lumMod val="50000"/>
+        </p:grpSpPr>
+        <p:sp>
+          <p:nvSpPr>
+            <p:cNvPr id="10" name="Oval 9"/>
+            <p:cNvSpPr/>
+            <p:nvPr/>
+          </p:nvSpPr>
+          <p:spPr>
+            <a:xfrm>
+              <a:off x="1583270" y="5249334"/>
+              <a:ext cx="516466" cy="516466"/>
+            </a:xfrm>
+            <a:prstGeom prst="ellipse">
+              <a:avLst/>
+            </a:prstGeom>
+          </p:spPr>
+          <p:style>
+            <a:lnRef idx="2">
+              <a:schemeClr val="accent1">
+                <a:shade val="50000"/>
               </a:schemeClr>
-            </a:solidFill>
-          </a:ln>
-        </p:spPr>
-        <p:style>
-          <a:lnRef idx="2">
-            <a:schemeClr val="accent1">
-              <a:shade val="50000"/>
-            </a:schemeClr>
-          </a:lnRef>
-          <a:fillRef idx="1">
-            <a:schemeClr val="accent1"/>
-          </a:fillRef>
-          <a:effectRef idx="0">
-            <a:schemeClr val="accent1"/>
-          </a:effectRef>
-          <a:fontRef idx="minor">
-            <a:schemeClr val="lt1"/>
-          </a:fontRef>
-        </p:style>
-        <p:txBody>
-          <a:bodyPr lIns="0" rIns="0" rtlCol="0" anchor="ctr"/>
-          <a:lstStyle/>
-          <a:p>
-            <a:pPr algn="ctr"/>
-            <a:r>
-              <a:rPr lang="en-US" sz="1200" dirty="0" smtClean="0">
+            </a:lnRef>
+            <a:fillRef idx="1">
+              <a:schemeClr val="accent1"/>
+            </a:fillRef>
+            <a:effectRef idx="0">
+              <a:schemeClr val="accent1"/>
+            </a:effectRef>
+            <a:fontRef idx="minor">
+              <a:schemeClr val="lt1"/>
+            </a:fontRef>
+          </p:style>
+          <p:txBody>
+            <a:bodyPr lIns="0" rIns="0" rtlCol="0" anchor="ctr"/>
+            <a:lstStyle/>
+            <a:p>
+              <a:pPr algn="ctr"/>
+              <a:r>
+                <a:rPr lang="en-US" sz="1200" dirty="0" smtClean="0">
+                  <a:solidFill>
+                    <a:schemeClr val="tx1"/>
+                  </a:solidFill>
+                </a:rPr>
+                <a:t>Land </a:t>
+              </a:r>
+              <a:r>
+                <a:rPr lang="en-US" sz="1200" dirty="0" smtClean="0">
+                  <a:solidFill>
+                    <a:schemeClr val="tx1"/>
+                  </a:solidFill>
+                </a:rPr>
+                <a:t>1.1</a:t>
+              </a:r>
+              <a:endParaRPr lang="en-US" sz="1200" dirty="0">
                 <a:solidFill>
                   <a:schemeClr val="tx1"/>
                 </a:solidFill>
-              </a:rPr>
-              <a:t>MML 4.x</a:t>
-            </a:r>
-            <a:endParaRPr lang="en-US" sz="1200" dirty="0">
+              </a:endParaRPr>
+            </a:p>
+          </p:txBody>
+        </p:sp>
+        <p:sp>
+          <p:nvSpPr>
+            <p:cNvPr id="11" name="Oval 10"/>
+            <p:cNvSpPr/>
+            <p:nvPr/>
+          </p:nvSpPr>
+          <p:spPr>
+            <a:xfrm>
+              <a:off x="3403596" y="5249334"/>
+              <a:ext cx="516466" cy="516466"/>
+            </a:xfrm>
+            <a:prstGeom prst="ellipse">
+              <a:avLst/>
+            </a:prstGeom>
+          </p:spPr>
+          <p:style>
+            <a:lnRef idx="2">
+              <a:schemeClr val="accent1">
+                <a:shade val="50000"/>
+              </a:schemeClr>
+            </a:lnRef>
+            <a:fillRef idx="1">
+              <a:schemeClr val="accent1"/>
+            </a:fillRef>
+            <a:effectRef idx="0">
+              <a:schemeClr val="accent1"/>
+            </a:effectRef>
+            <a:fontRef idx="minor">
+              <a:schemeClr val="lt1"/>
+            </a:fontRef>
+          </p:style>
+          <p:txBody>
+            <a:bodyPr lIns="0" rIns="0" rtlCol="0" anchor="ctr"/>
+            <a:lstStyle/>
+            <a:p>
+              <a:pPr algn="ctr"/>
+              <a:r>
+                <a:rPr lang="en-US" sz="1200" dirty="0" smtClean="0">
+                  <a:solidFill>
+                    <a:schemeClr val="tx1"/>
+                  </a:solidFill>
+                </a:rPr>
+                <a:t>Land </a:t>
+              </a:r>
+              <a:r>
+                <a:rPr lang="en-US" sz="1200" dirty="0" smtClean="0">
+                  <a:solidFill>
+                    <a:schemeClr val="tx1"/>
+                  </a:solidFill>
+                </a:rPr>
+                <a:t>1.2</a:t>
+              </a:r>
+              <a:endParaRPr lang="en-US" sz="1200" dirty="0">
+                <a:solidFill>
+                  <a:schemeClr val="tx1"/>
+                </a:solidFill>
+              </a:endParaRPr>
+            </a:p>
+          </p:txBody>
+        </p:sp>
+        <p:cxnSp>
+          <p:nvCxnSpPr>
+            <p:cNvPr id="13" name="Straight Arrow Connector 12"/>
+            <p:cNvCxnSpPr>
+              <a:stCxn id="20" idx="5"/>
+              <a:endCxn id="10" idx="1"/>
+            </p:cNvCxnSpPr>
+            <p:nvPr/>
+          </p:nvCxnSpPr>
+          <p:spPr>
+            <a:xfrm>
+              <a:off x="1153435" y="4422423"/>
+              <a:ext cx="505470" cy="902546"/>
+            </a:xfrm>
+            <a:prstGeom prst="straightConnector1">
+              <a:avLst/>
+            </a:prstGeom>
+            <a:ln w="19050">
               <a:solidFill>
                 <a:schemeClr val="tx1"/>
               </a:solidFill>
-            </a:endParaRPr>
-          </a:p>
-        </p:txBody>
-      </p:sp>
-      <p:cxnSp>
-        <p:nvCxnSpPr>
-          <p:cNvPr id="4" name="Straight Arrow Connector 3"/>
-          <p:cNvCxnSpPr>
-            <a:stCxn id="18" idx="6"/>
-            <a:endCxn id="19" idx="2"/>
-          </p:cNvCxnSpPr>
-          <p:nvPr/>
-        </p:nvCxnSpPr>
-        <p:spPr>
-          <a:xfrm>
-            <a:off x="7099022" y="4239825"/>
-            <a:ext cx="1158095" cy="0"/>
-          </a:xfrm>
-          <a:prstGeom prst="straightConnector1">
-            <a:avLst/>
-          </a:prstGeom>
-          <a:ln w="12700">
+              <a:tailEnd type="triangle"/>
+            </a:ln>
+          </p:spPr>
+          <p:style>
+            <a:lnRef idx="1">
+              <a:schemeClr val="accent1"/>
+            </a:lnRef>
+            <a:fillRef idx="0">
+              <a:schemeClr val="accent1"/>
+            </a:fillRef>
+            <a:effectRef idx="0">
+              <a:schemeClr val="accent1"/>
+            </a:effectRef>
+            <a:fontRef idx="minor">
+              <a:schemeClr val="tx1"/>
+            </a:fontRef>
+          </p:style>
+        </p:cxnSp>
+        <p:cxnSp>
+          <p:nvCxnSpPr>
+            <p:cNvPr id="17" name="Straight Arrow Connector 16"/>
+            <p:cNvCxnSpPr>
+              <a:stCxn id="10" idx="7"/>
+              <a:endCxn id="14" idx="3"/>
+            </p:cNvCxnSpPr>
+            <p:nvPr/>
+          </p:nvCxnSpPr>
+          <p:spPr>
+            <a:xfrm flipV="1">
+              <a:off x="2024101" y="4422423"/>
+              <a:ext cx="495577" cy="902546"/>
+            </a:xfrm>
+            <a:prstGeom prst="straightConnector1">
+              <a:avLst/>
+            </a:prstGeom>
+            <a:ln w="19050">
+              <a:solidFill>
+                <a:schemeClr val="tx1"/>
+              </a:solidFill>
+              <a:prstDash val="lgDash"/>
+              <a:tailEnd type="triangle"/>
+            </a:ln>
+          </p:spPr>
+          <p:style>
+            <a:lnRef idx="1">
+              <a:schemeClr val="accent1"/>
+            </a:lnRef>
+            <a:fillRef idx="0">
+              <a:schemeClr val="accent1"/>
+            </a:fillRef>
+            <a:effectRef idx="0">
+              <a:schemeClr val="accent1"/>
+            </a:effectRef>
+            <a:fontRef idx="minor">
+              <a:schemeClr val="tx1"/>
+            </a:fontRef>
+          </p:style>
+        </p:cxnSp>
+        <p:sp>
+          <p:nvSpPr>
+            <p:cNvPr id="20" name="Oval 19"/>
+            <p:cNvSpPr/>
+            <p:nvPr/>
+          </p:nvSpPr>
+          <p:spPr>
+            <a:xfrm>
+              <a:off x="712604" y="3981592"/>
+              <a:ext cx="516466" cy="516466"/>
+            </a:xfrm>
+            <a:prstGeom prst="ellipse">
+              <a:avLst/>
+            </a:prstGeom>
             <a:solidFill>
+              <a:schemeClr val="accent4">
+                <a:lumMod val="75000"/>
+              </a:schemeClr>
+            </a:solidFill>
+            <a:ln>
+              <a:solidFill>
+                <a:schemeClr val="accent4">
+                  <a:lumMod val="50000"/>
+                </a:schemeClr>
+              </a:solidFill>
+            </a:ln>
+          </p:spPr>
+          <p:style>
+            <a:lnRef idx="2">
+              <a:schemeClr val="accent1">
+                <a:shade val="50000"/>
+              </a:schemeClr>
+            </a:lnRef>
+            <a:fillRef idx="1">
+              <a:schemeClr val="accent1"/>
+            </a:fillRef>
+            <a:effectRef idx="0">
+              <a:schemeClr val="accent1"/>
+            </a:effectRef>
+            <a:fontRef idx="minor">
+              <a:schemeClr val="lt1"/>
+            </a:fontRef>
+          </p:style>
+          <p:txBody>
+            <a:bodyPr lIns="0" rIns="0" rtlCol="0" anchor="ctr"/>
+            <a:lstStyle/>
+            <a:p>
+              <a:pPr algn="ctr"/>
+              <a:r>
+                <a:rPr lang="en-US" sz="1200" dirty="0" smtClean="0">
+                  <a:solidFill>
+                    <a:schemeClr val="tx1"/>
+                  </a:solidFill>
+                </a:rPr>
+                <a:t>MML </a:t>
+              </a:r>
+              <a:r>
+                <a:rPr lang="en-US" sz="1200" dirty="0" smtClean="0">
+                  <a:solidFill>
+                    <a:schemeClr val="tx1"/>
+                  </a:solidFill>
+                </a:rPr>
+                <a:t>1.0</a:t>
+              </a:r>
+              <a:endParaRPr lang="en-US" sz="1200" dirty="0">
+                <a:solidFill>
+                  <a:schemeClr val="tx1"/>
+                </a:solidFill>
+              </a:endParaRPr>
+            </a:p>
+          </p:txBody>
+        </p:sp>
+        <p:sp>
+          <p:nvSpPr>
+            <p:cNvPr id="14" name="Oval 13"/>
+            <p:cNvSpPr/>
+            <p:nvPr/>
+          </p:nvSpPr>
+          <p:spPr>
+            <a:xfrm>
+              <a:off x="2444043" y="3981592"/>
+              <a:ext cx="516466" cy="516466"/>
+            </a:xfrm>
+            <a:prstGeom prst="ellipse">
+              <a:avLst/>
+            </a:prstGeom>
+            <a:solidFill>
+              <a:schemeClr val="accent4">
+                <a:lumMod val="75000"/>
+              </a:schemeClr>
+            </a:solidFill>
+            <a:ln>
+              <a:solidFill>
+                <a:schemeClr val="accent4">
+                  <a:lumMod val="50000"/>
+                </a:schemeClr>
+              </a:solidFill>
+            </a:ln>
+          </p:spPr>
+          <p:style>
+            <a:lnRef idx="2">
+              <a:schemeClr val="accent1">
+                <a:shade val="50000"/>
+              </a:schemeClr>
+            </a:lnRef>
+            <a:fillRef idx="1">
+              <a:schemeClr val="accent1"/>
+            </a:fillRef>
+            <a:effectRef idx="0">
+              <a:schemeClr val="accent1"/>
+            </a:effectRef>
+            <a:fontRef idx="minor">
+              <a:schemeClr val="lt1"/>
+            </a:fontRef>
+          </p:style>
+          <p:txBody>
+            <a:bodyPr lIns="0" rIns="0" rtlCol="0" anchor="ctr"/>
+            <a:lstStyle/>
+            <a:p>
+              <a:pPr algn="ctr"/>
+              <a:r>
+                <a:rPr lang="en-US" sz="1200" dirty="0" smtClean="0">
+                  <a:solidFill>
+                    <a:schemeClr val="tx1"/>
+                  </a:solidFill>
+                </a:rPr>
+                <a:t>MML </a:t>
+              </a:r>
+              <a:r>
+                <a:rPr lang="en-US" sz="1200" dirty="0" smtClean="0">
+                  <a:solidFill>
+                    <a:schemeClr val="tx1"/>
+                  </a:solidFill>
+                </a:rPr>
+                <a:t>2.0</a:t>
+              </a:r>
+              <a:endParaRPr lang="en-US" sz="1200" dirty="0">
+                <a:solidFill>
+                  <a:schemeClr val="tx1"/>
+                </a:solidFill>
+              </a:endParaRPr>
+            </a:p>
+          </p:txBody>
+        </p:sp>
+        <p:sp>
+          <p:nvSpPr>
+            <p:cNvPr id="18" name="Oval 17"/>
+            <p:cNvSpPr/>
+            <p:nvPr/>
+          </p:nvSpPr>
+          <p:spPr>
+            <a:xfrm>
+              <a:off x="4245749" y="3981592"/>
+              <a:ext cx="516466" cy="516466"/>
+            </a:xfrm>
+            <a:prstGeom prst="ellipse">
+              <a:avLst/>
+            </a:prstGeom>
+            <a:solidFill>
+              <a:schemeClr val="accent4">
+                <a:lumMod val="75000"/>
+              </a:schemeClr>
+            </a:solidFill>
+            <a:ln>
+              <a:solidFill>
+                <a:schemeClr val="accent4">
+                  <a:lumMod val="50000"/>
+                </a:schemeClr>
+              </a:solidFill>
+            </a:ln>
+          </p:spPr>
+          <p:style>
+            <a:lnRef idx="2">
+              <a:schemeClr val="accent1">
+                <a:shade val="50000"/>
+              </a:schemeClr>
+            </a:lnRef>
+            <a:fillRef idx="1">
+              <a:schemeClr val="accent1"/>
+            </a:fillRef>
+            <a:effectRef idx="0">
+              <a:schemeClr val="accent1"/>
+            </a:effectRef>
+            <a:fontRef idx="minor">
+              <a:schemeClr val="lt1"/>
+            </a:fontRef>
+          </p:style>
+          <p:txBody>
+            <a:bodyPr lIns="0" rIns="0" rtlCol="0" anchor="ctr"/>
+            <a:lstStyle/>
+            <a:p>
+              <a:pPr algn="ctr"/>
+              <a:r>
+                <a:rPr lang="en-US" sz="1200" dirty="0" smtClean="0">
+                  <a:solidFill>
+                    <a:schemeClr val="tx1"/>
+                  </a:solidFill>
+                </a:rPr>
+                <a:t>MML </a:t>
+              </a:r>
+              <a:r>
+                <a:rPr lang="en-US" sz="1200" dirty="0" smtClean="0">
+                  <a:solidFill>
+                    <a:schemeClr val="tx1"/>
+                  </a:solidFill>
+                </a:rPr>
+                <a:t>2.1</a:t>
+              </a:r>
+              <a:endParaRPr lang="en-US" sz="1200" dirty="0">
+                <a:solidFill>
+                  <a:schemeClr val="tx1"/>
+                </a:solidFill>
+              </a:endParaRPr>
+            </a:p>
+          </p:txBody>
+        </p:sp>
+        <p:cxnSp>
+          <p:nvCxnSpPr>
+            <p:cNvPr id="16" name="Straight Arrow Connector 15"/>
+            <p:cNvCxnSpPr>
+              <a:stCxn id="11" idx="7"/>
+              <a:endCxn id="18" idx="3"/>
+            </p:cNvCxnSpPr>
+            <p:nvPr/>
+          </p:nvCxnSpPr>
+          <p:spPr>
+            <a:xfrm flipV="1">
+              <a:off x="3844427" y="4422423"/>
+              <a:ext cx="476957" cy="902546"/>
+            </a:xfrm>
+            <a:prstGeom prst="straightConnector1">
+              <a:avLst/>
+            </a:prstGeom>
+            <a:ln w="12700">
+              <a:solidFill>
+                <a:schemeClr val="tx1"/>
+              </a:solidFill>
+              <a:tailEnd type="triangle"/>
+            </a:ln>
+          </p:spPr>
+          <p:style>
+            <a:lnRef idx="1">
+              <a:schemeClr val="accent1"/>
+            </a:lnRef>
+            <a:fillRef idx="0">
+              <a:schemeClr val="accent1"/>
+            </a:fillRef>
+            <a:effectRef idx="0">
+              <a:schemeClr val="accent1"/>
+            </a:effectRef>
+            <a:fontRef idx="minor">
               <a:schemeClr val="tx1"/>
+            </a:fontRef>
+          </p:style>
+        </p:cxnSp>
+        <p:cxnSp>
+          <p:nvCxnSpPr>
+            <p:cNvPr id="21" name="Straight Arrow Connector 20"/>
+            <p:cNvCxnSpPr>
+              <a:stCxn id="20" idx="6"/>
+            </p:cNvCxnSpPr>
+            <p:nvPr/>
+          </p:nvCxnSpPr>
+          <p:spPr>
+            <a:xfrm>
+              <a:off x="1229070" y="4239825"/>
+              <a:ext cx="1214973" cy="0"/>
+            </a:xfrm>
+            <a:prstGeom prst="straightConnector1">
+              <a:avLst/>
+            </a:prstGeom>
+            <a:ln w="12700">
+              <a:solidFill>
+                <a:schemeClr val="tx1"/>
+              </a:solidFill>
+              <a:tailEnd type="triangle"/>
+            </a:ln>
+          </p:spPr>
+          <p:style>
+            <a:lnRef idx="1">
+              <a:schemeClr val="accent1"/>
+            </a:lnRef>
+            <a:fillRef idx="0">
+              <a:schemeClr val="accent1"/>
+            </a:fillRef>
+            <a:effectRef idx="0">
+              <a:schemeClr val="accent1"/>
+            </a:effectRef>
+            <a:fontRef idx="minor">
+              <a:schemeClr val="tx1"/>
+            </a:fontRef>
+          </p:style>
+        </p:cxnSp>
+        <p:cxnSp>
+          <p:nvCxnSpPr>
+            <p:cNvPr id="23" name="Straight Arrow Connector 22"/>
+            <p:cNvCxnSpPr>
+              <a:endCxn id="18" idx="2"/>
+            </p:cNvCxnSpPr>
+            <p:nvPr/>
+          </p:nvCxnSpPr>
+          <p:spPr>
+            <a:xfrm>
+              <a:off x="2960509" y="4239825"/>
+              <a:ext cx="1285240" cy="0"/>
+            </a:xfrm>
+            <a:prstGeom prst="straightConnector1">
+              <a:avLst/>
+            </a:prstGeom>
+            <a:ln w="12700">
+              <a:solidFill>
+                <a:schemeClr val="tx1"/>
+              </a:solidFill>
+              <a:tailEnd type="triangle"/>
+            </a:ln>
+          </p:spPr>
+          <p:style>
+            <a:lnRef idx="1">
+              <a:schemeClr val="accent1"/>
+            </a:lnRef>
+            <a:fillRef idx="0">
+              <a:schemeClr val="accent1"/>
+            </a:fillRef>
+            <a:effectRef idx="0">
+              <a:schemeClr val="accent1"/>
+            </a:effectRef>
+            <a:fontRef idx="minor">
+              <a:schemeClr val="tx1"/>
+            </a:fontRef>
+          </p:style>
+        </p:cxnSp>
+        <p:cxnSp>
+          <p:nvCxnSpPr>
+            <p:cNvPr id="26" name="Straight Arrow Connector 25"/>
+            <p:cNvCxnSpPr>
+              <a:stCxn id="14" idx="5"/>
+              <a:endCxn id="11" idx="1"/>
+            </p:cNvCxnSpPr>
+            <p:nvPr/>
+          </p:nvCxnSpPr>
+          <p:spPr>
+            <a:xfrm>
+              <a:off x="2884874" y="4422423"/>
+              <a:ext cx="594357" cy="902546"/>
+            </a:xfrm>
+            <a:prstGeom prst="straightConnector1">
+              <a:avLst/>
+            </a:prstGeom>
+            <a:ln w="12700">
+              <a:solidFill>
+                <a:schemeClr val="tx1"/>
+              </a:solidFill>
+              <a:tailEnd type="triangle"/>
+            </a:ln>
+          </p:spPr>
+          <p:style>
+            <a:lnRef idx="1">
+              <a:schemeClr val="accent1"/>
+            </a:lnRef>
+            <a:fillRef idx="0">
+              <a:schemeClr val="accent1"/>
+            </a:fillRef>
+            <a:effectRef idx="0">
+              <a:schemeClr val="accent1"/>
+            </a:effectRef>
+            <a:fontRef idx="minor">
+              <a:schemeClr val="tx1"/>
+            </a:fontRef>
+          </p:style>
+        </p:cxnSp>
+        <p:sp>
+          <p:nvSpPr>
+            <p:cNvPr id="19" name="Oval 18"/>
+            <p:cNvSpPr/>
+            <p:nvPr/>
+          </p:nvSpPr>
+          <p:spPr>
+            <a:xfrm>
+              <a:off x="5920310" y="3981592"/>
+              <a:ext cx="516466" cy="516466"/>
+            </a:xfrm>
+            <a:prstGeom prst="ellipse">
+              <a:avLst/>
+            </a:prstGeom>
+            <a:solidFill>
+              <a:schemeClr val="accent4">
+                <a:lumMod val="75000"/>
+              </a:schemeClr>
             </a:solidFill>
-            <a:prstDash val="dash"/>
-            <a:tailEnd type="triangle"/>
-          </a:ln>
-        </p:spPr>
-        <p:style>
-          <a:lnRef idx="1">
-            <a:schemeClr val="accent1"/>
-          </a:lnRef>
-          <a:fillRef idx="0">
-            <a:schemeClr val="accent1"/>
-          </a:fillRef>
-          <a:effectRef idx="0">
-            <a:schemeClr val="accent1"/>
-          </a:effectRef>
-          <a:fontRef idx="minor">
-            <a:schemeClr val="tx1"/>
-          </a:fontRef>
-        </p:style>
-      </p:cxnSp>
+            <a:ln>
+              <a:solidFill>
+                <a:schemeClr val="accent4">
+                  <a:lumMod val="50000"/>
+                </a:schemeClr>
+              </a:solidFill>
+            </a:ln>
+          </p:spPr>
+          <p:style>
+            <a:lnRef idx="2">
+              <a:schemeClr val="accent1">
+                <a:shade val="50000"/>
+              </a:schemeClr>
+            </a:lnRef>
+            <a:fillRef idx="1">
+              <a:schemeClr val="accent1"/>
+            </a:fillRef>
+            <a:effectRef idx="0">
+              <a:schemeClr val="accent1"/>
+            </a:effectRef>
+            <a:fontRef idx="minor">
+              <a:schemeClr val="lt1"/>
+            </a:fontRef>
+          </p:style>
+          <p:txBody>
+            <a:bodyPr lIns="0" rIns="0" rtlCol="0" anchor="ctr"/>
+            <a:lstStyle/>
+            <a:p>
+              <a:pPr algn="ctr"/>
+              <a:r>
+                <a:rPr lang="en-US" sz="1200" dirty="0" smtClean="0">
+                  <a:solidFill>
+                    <a:schemeClr val="tx1"/>
+                  </a:solidFill>
+                </a:rPr>
+                <a:t>MML </a:t>
+              </a:r>
+              <a:r>
+                <a:rPr lang="en-US" sz="1200" dirty="0" smtClean="0">
+                  <a:solidFill>
+                    <a:schemeClr val="tx1"/>
+                  </a:solidFill>
+                </a:rPr>
+                <a:t>3.0</a:t>
+              </a:r>
+              <a:endParaRPr lang="en-US" sz="1200" dirty="0">
+                <a:solidFill>
+                  <a:schemeClr val="tx1"/>
+                </a:solidFill>
+              </a:endParaRPr>
+            </a:p>
+          </p:txBody>
+        </p:sp>
+        <p:sp>
+          <p:nvSpPr>
+            <p:cNvPr id="22" name="Oval 21"/>
+            <p:cNvSpPr/>
+            <p:nvPr/>
+          </p:nvSpPr>
+          <p:spPr>
+            <a:xfrm>
+              <a:off x="3403596" y="6098118"/>
+              <a:ext cx="516466" cy="516466"/>
+            </a:xfrm>
+            <a:prstGeom prst="ellipse">
+              <a:avLst/>
+            </a:prstGeom>
+          </p:spPr>
+          <p:style>
+            <a:lnRef idx="2">
+              <a:schemeClr val="accent1">
+                <a:shade val="50000"/>
+              </a:schemeClr>
+            </a:lnRef>
+            <a:fillRef idx="1">
+              <a:schemeClr val="accent1"/>
+            </a:fillRef>
+            <a:effectRef idx="0">
+              <a:schemeClr val="accent1"/>
+            </a:effectRef>
+            <a:fontRef idx="minor">
+              <a:schemeClr val="lt1"/>
+            </a:fontRef>
+          </p:style>
+          <p:txBody>
+            <a:bodyPr lIns="0" rIns="0" rtlCol="0" anchor="ctr"/>
+            <a:lstStyle/>
+            <a:p>
+              <a:pPr algn="ctr"/>
+              <a:r>
+                <a:rPr lang="en-US" sz="1200" dirty="0" smtClean="0">
+                  <a:solidFill>
+                    <a:schemeClr val="tx1"/>
+                  </a:solidFill>
+                </a:rPr>
+                <a:t>KIB </a:t>
+              </a:r>
+              <a:r>
+                <a:rPr lang="en-US" sz="1200" dirty="0" smtClean="0">
+                  <a:solidFill>
+                    <a:schemeClr val="tx1"/>
+                  </a:solidFill>
+                </a:rPr>
+                <a:t>1.1</a:t>
+              </a:r>
+              <a:endParaRPr lang="en-US" sz="1200" dirty="0">
+                <a:solidFill>
+                  <a:schemeClr val="tx1"/>
+                </a:solidFill>
+              </a:endParaRPr>
+            </a:p>
+          </p:txBody>
+        </p:sp>
+        <p:cxnSp>
+          <p:nvCxnSpPr>
+            <p:cNvPr id="5" name="Straight Arrow Connector 4"/>
+            <p:cNvCxnSpPr>
+              <a:stCxn id="14" idx="5"/>
+              <a:endCxn id="22" idx="2"/>
+            </p:cNvCxnSpPr>
+            <p:nvPr/>
+          </p:nvCxnSpPr>
+          <p:spPr>
+            <a:xfrm>
+              <a:off x="2884874" y="4422423"/>
+              <a:ext cx="518722" cy="1933928"/>
+            </a:xfrm>
+            <a:prstGeom prst="straightConnector1">
+              <a:avLst/>
+            </a:prstGeom>
+            <a:ln w="12700">
+              <a:solidFill>
+                <a:schemeClr val="tx1"/>
+              </a:solidFill>
+              <a:tailEnd type="triangle"/>
+            </a:ln>
+          </p:spPr>
+          <p:style>
+            <a:lnRef idx="1">
+              <a:schemeClr val="accent1"/>
+            </a:lnRef>
+            <a:fillRef idx="0">
+              <a:schemeClr val="accent1"/>
+            </a:fillRef>
+            <a:effectRef idx="0">
+              <a:schemeClr val="accent1"/>
+            </a:effectRef>
+            <a:fontRef idx="minor">
+              <a:schemeClr val="tx1"/>
+            </a:fontRef>
+          </p:style>
+        </p:cxnSp>
+        <p:cxnSp>
+          <p:nvCxnSpPr>
+            <p:cNvPr id="12" name="Straight Arrow Connector 11"/>
+            <p:cNvCxnSpPr>
+              <a:stCxn id="22" idx="6"/>
+              <a:endCxn id="18" idx="3"/>
+            </p:cNvCxnSpPr>
+            <p:nvPr/>
+          </p:nvCxnSpPr>
+          <p:spPr>
+            <a:xfrm flipV="1">
+              <a:off x="3920062" y="4422423"/>
+              <a:ext cx="401322" cy="1933928"/>
+            </a:xfrm>
+            <a:prstGeom prst="straightConnector1">
+              <a:avLst/>
+            </a:prstGeom>
+            <a:ln w="12700">
+              <a:solidFill>
+                <a:schemeClr val="tx1"/>
+              </a:solidFill>
+              <a:tailEnd type="triangle"/>
+            </a:ln>
+          </p:spPr>
+          <p:style>
+            <a:lnRef idx="1">
+              <a:schemeClr val="accent1"/>
+            </a:lnRef>
+            <a:fillRef idx="0">
+              <a:schemeClr val="accent1"/>
+            </a:fillRef>
+            <a:effectRef idx="0">
+              <a:schemeClr val="accent1"/>
+            </a:effectRef>
+            <a:fontRef idx="minor">
+              <a:schemeClr val="tx1"/>
+            </a:fontRef>
+          </p:style>
+        </p:cxnSp>
+        <p:sp>
+          <p:nvSpPr>
+            <p:cNvPr id="28" name="Oval 27"/>
+            <p:cNvSpPr/>
+            <p:nvPr/>
+          </p:nvSpPr>
+          <p:spPr>
+            <a:xfrm>
+              <a:off x="5213344" y="5249334"/>
+              <a:ext cx="516466" cy="516466"/>
+            </a:xfrm>
+            <a:prstGeom prst="ellipse">
+              <a:avLst/>
+            </a:prstGeom>
+          </p:spPr>
+          <p:style>
+            <a:lnRef idx="2">
+              <a:schemeClr val="accent1">
+                <a:shade val="50000"/>
+              </a:schemeClr>
+            </a:lnRef>
+            <a:fillRef idx="1">
+              <a:schemeClr val="accent1"/>
+            </a:fillRef>
+            <a:effectRef idx="0">
+              <a:schemeClr val="accent1"/>
+            </a:effectRef>
+            <a:fontRef idx="minor">
+              <a:schemeClr val="lt1"/>
+            </a:fontRef>
+          </p:style>
+          <p:txBody>
+            <a:bodyPr lIns="0" rIns="0" rtlCol="0" anchor="ctr"/>
+            <a:lstStyle/>
+            <a:p>
+              <a:pPr algn="ctr"/>
+              <a:r>
+                <a:rPr lang="en-US" sz="1200" dirty="0" smtClean="0">
+                  <a:solidFill>
+                    <a:schemeClr val="tx1"/>
+                  </a:solidFill>
+                </a:rPr>
+                <a:t>Land </a:t>
+              </a:r>
+              <a:r>
+                <a:rPr lang="en-US" sz="1200" dirty="0" smtClean="0">
+                  <a:solidFill>
+                    <a:schemeClr val="tx1"/>
+                  </a:solidFill>
+                </a:rPr>
+                <a:t>2.0</a:t>
+              </a:r>
+              <a:endParaRPr lang="en-US" sz="1200" dirty="0">
+                <a:solidFill>
+                  <a:schemeClr val="tx1"/>
+                </a:solidFill>
+              </a:endParaRPr>
+            </a:p>
+          </p:txBody>
+        </p:sp>
+        <p:cxnSp>
+          <p:nvCxnSpPr>
+            <p:cNvPr id="30" name="Straight Arrow Connector 29"/>
+            <p:cNvCxnSpPr>
+              <a:stCxn id="18" idx="6"/>
+              <a:endCxn id="19" idx="2"/>
+            </p:cNvCxnSpPr>
+            <p:nvPr/>
+          </p:nvCxnSpPr>
+          <p:spPr>
+            <a:xfrm>
+              <a:off x="4762215" y="4239825"/>
+              <a:ext cx="1158095" cy="0"/>
+            </a:xfrm>
+            <a:prstGeom prst="straightConnector1">
+              <a:avLst/>
+            </a:prstGeom>
+            <a:ln w="12700">
+              <a:solidFill>
+                <a:schemeClr val="tx1"/>
+              </a:solidFill>
+              <a:tailEnd type="triangle"/>
+            </a:ln>
+          </p:spPr>
+          <p:style>
+            <a:lnRef idx="1">
+              <a:schemeClr val="accent1"/>
+            </a:lnRef>
+            <a:fillRef idx="0">
+              <a:schemeClr val="accent1"/>
+            </a:fillRef>
+            <a:effectRef idx="0">
+              <a:schemeClr val="accent1"/>
+            </a:effectRef>
+            <a:fontRef idx="minor">
+              <a:schemeClr val="tx1"/>
+            </a:fontRef>
+          </p:style>
+        </p:cxnSp>
+        <p:cxnSp>
+          <p:nvCxnSpPr>
+            <p:cNvPr id="32" name="Straight Arrow Connector 31"/>
+            <p:cNvCxnSpPr>
+              <a:stCxn id="28" idx="7"/>
+              <a:endCxn id="19" idx="3"/>
+            </p:cNvCxnSpPr>
+            <p:nvPr/>
+          </p:nvCxnSpPr>
+          <p:spPr>
+            <a:xfrm flipV="1">
+              <a:off x="5654175" y="4422423"/>
+              <a:ext cx="341770" cy="902546"/>
+            </a:xfrm>
+            <a:prstGeom prst="straightConnector1">
+              <a:avLst/>
+            </a:prstGeom>
+            <a:ln w="12700">
+              <a:solidFill>
+                <a:schemeClr val="tx1"/>
+              </a:solidFill>
+              <a:tailEnd type="triangle"/>
+            </a:ln>
+          </p:spPr>
+          <p:style>
+            <a:lnRef idx="1">
+              <a:schemeClr val="accent1"/>
+            </a:lnRef>
+            <a:fillRef idx="0">
+              <a:schemeClr val="accent1"/>
+            </a:fillRef>
+            <a:effectRef idx="0">
+              <a:schemeClr val="accent1"/>
+            </a:effectRef>
+            <a:fontRef idx="minor">
+              <a:schemeClr val="tx1"/>
+            </a:fontRef>
+          </p:style>
+        </p:cxnSp>
+        <p:cxnSp>
+          <p:nvCxnSpPr>
+            <p:cNvPr id="33" name="Straight Arrow Connector 32"/>
+            <p:cNvCxnSpPr>
+              <a:stCxn id="18" idx="5"/>
+              <a:endCxn id="28" idx="1"/>
+            </p:cNvCxnSpPr>
+            <p:nvPr/>
+          </p:nvCxnSpPr>
+          <p:spPr>
+            <a:xfrm>
+              <a:off x="4686580" y="4422423"/>
+              <a:ext cx="602399" cy="902546"/>
+            </a:xfrm>
+            <a:prstGeom prst="straightConnector1">
+              <a:avLst/>
+            </a:prstGeom>
+            <a:ln w="12700">
+              <a:solidFill>
+                <a:schemeClr val="tx1"/>
+              </a:solidFill>
+              <a:tailEnd type="triangle"/>
+            </a:ln>
+          </p:spPr>
+          <p:style>
+            <a:lnRef idx="1">
+              <a:schemeClr val="accent1"/>
+            </a:lnRef>
+            <a:fillRef idx="0">
+              <a:schemeClr val="accent1"/>
+            </a:fillRef>
+            <a:effectRef idx="0">
+              <a:schemeClr val="accent1"/>
+            </a:effectRef>
+            <a:fontRef idx="minor">
+              <a:schemeClr val="tx1"/>
+            </a:fontRef>
+          </p:style>
+        </p:cxnSp>
+        <p:sp>
+          <p:nvSpPr>
+            <p:cNvPr id="38" name="Oval 37"/>
+            <p:cNvSpPr/>
+            <p:nvPr/>
+          </p:nvSpPr>
+          <p:spPr>
+            <a:xfrm>
+              <a:off x="7594871" y="3979405"/>
+              <a:ext cx="516466" cy="516466"/>
+            </a:xfrm>
+            <a:prstGeom prst="ellipse">
+              <a:avLst/>
+            </a:prstGeom>
+            <a:solidFill>
+              <a:schemeClr val="accent4">
+                <a:lumMod val="75000"/>
+              </a:schemeClr>
+            </a:solidFill>
+            <a:ln>
+              <a:solidFill>
+                <a:schemeClr val="accent4">
+                  <a:lumMod val="50000"/>
+                </a:schemeClr>
+              </a:solidFill>
+            </a:ln>
+          </p:spPr>
+          <p:style>
+            <a:lnRef idx="2">
+              <a:schemeClr val="accent1">
+                <a:shade val="50000"/>
+              </a:schemeClr>
+            </a:lnRef>
+            <a:fillRef idx="1">
+              <a:schemeClr val="accent1"/>
+            </a:fillRef>
+            <a:effectRef idx="0">
+              <a:schemeClr val="accent1"/>
+            </a:effectRef>
+            <a:fontRef idx="minor">
+              <a:schemeClr val="lt1"/>
+            </a:fontRef>
+          </p:style>
+          <p:txBody>
+            <a:bodyPr lIns="0" rIns="0" rtlCol="0" anchor="ctr"/>
+            <a:lstStyle/>
+            <a:p>
+              <a:pPr algn="ctr"/>
+              <a:r>
+                <a:rPr lang="en-US" sz="1200" dirty="0" smtClean="0">
+                  <a:solidFill>
+                    <a:schemeClr val="tx1"/>
+                  </a:solidFill>
+                </a:rPr>
+                <a:t>MML </a:t>
+              </a:r>
+              <a:r>
+                <a:rPr lang="en-US" sz="1200" dirty="0" smtClean="0">
+                  <a:solidFill>
+                    <a:schemeClr val="tx1"/>
+                  </a:solidFill>
+                </a:rPr>
+                <a:t>3.1</a:t>
+              </a:r>
+              <a:endParaRPr lang="en-US" sz="1200" dirty="0">
+                <a:solidFill>
+                  <a:schemeClr val="tx1"/>
+                </a:solidFill>
+              </a:endParaRPr>
+            </a:p>
+          </p:txBody>
+        </p:sp>
+        <p:sp>
+          <p:nvSpPr>
+            <p:cNvPr id="39" name="Oval 38"/>
+            <p:cNvSpPr/>
+            <p:nvPr/>
+          </p:nvSpPr>
+          <p:spPr>
+            <a:xfrm>
+              <a:off x="6887905" y="5247147"/>
+              <a:ext cx="516466" cy="516466"/>
+            </a:xfrm>
+            <a:prstGeom prst="ellipse">
+              <a:avLst/>
+            </a:prstGeom>
+          </p:spPr>
+          <p:style>
+            <a:lnRef idx="2">
+              <a:schemeClr val="accent1">
+                <a:shade val="50000"/>
+              </a:schemeClr>
+            </a:lnRef>
+            <a:fillRef idx="1">
+              <a:schemeClr val="accent1"/>
+            </a:fillRef>
+            <a:effectRef idx="0">
+              <a:schemeClr val="accent1"/>
+            </a:effectRef>
+            <a:fontRef idx="minor">
+              <a:schemeClr val="lt1"/>
+            </a:fontRef>
+          </p:style>
+          <p:txBody>
+            <a:bodyPr lIns="0" rIns="0" rtlCol="0" anchor="ctr"/>
+            <a:lstStyle/>
+            <a:p>
+              <a:pPr algn="ctr"/>
+              <a:r>
+                <a:rPr lang="en-US" sz="1200" dirty="0" smtClean="0">
+                  <a:solidFill>
+                    <a:schemeClr val="tx1"/>
+                  </a:solidFill>
+                </a:rPr>
+                <a:t>Land </a:t>
+              </a:r>
+              <a:r>
+                <a:rPr lang="en-US" sz="1200" dirty="0" smtClean="0">
+                  <a:solidFill>
+                    <a:schemeClr val="tx1"/>
+                  </a:solidFill>
+                </a:rPr>
+                <a:t>2.1</a:t>
+              </a:r>
+              <a:endParaRPr lang="en-US" sz="1200" dirty="0">
+                <a:solidFill>
+                  <a:schemeClr val="tx1"/>
+                </a:solidFill>
+              </a:endParaRPr>
+            </a:p>
+          </p:txBody>
+        </p:sp>
+        <p:cxnSp>
+          <p:nvCxnSpPr>
+            <p:cNvPr id="40" name="Straight Arrow Connector 39"/>
+            <p:cNvCxnSpPr>
+              <a:endCxn id="38" idx="2"/>
+            </p:cNvCxnSpPr>
+            <p:nvPr/>
+          </p:nvCxnSpPr>
+          <p:spPr>
+            <a:xfrm>
+              <a:off x="6436776" y="4237638"/>
+              <a:ext cx="1158095" cy="0"/>
+            </a:xfrm>
+            <a:prstGeom prst="straightConnector1">
+              <a:avLst/>
+            </a:prstGeom>
+            <a:ln w="12700">
+              <a:solidFill>
+                <a:schemeClr val="tx1"/>
+              </a:solidFill>
+              <a:tailEnd type="triangle"/>
+            </a:ln>
+          </p:spPr>
+          <p:style>
+            <a:lnRef idx="1">
+              <a:schemeClr val="accent1"/>
+            </a:lnRef>
+            <a:fillRef idx="0">
+              <a:schemeClr val="accent1"/>
+            </a:fillRef>
+            <a:effectRef idx="0">
+              <a:schemeClr val="accent1"/>
+            </a:effectRef>
+            <a:fontRef idx="minor">
+              <a:schemeClr val="tx1"/>
+            </a:fontRef>
+          </p:style>
+        </p:cxnSp>
+        <p:cxnSp>
+          <p:nvCxnSpPr>
+            <p:cNvPr id="41" name="Straight Arrow Connector 40"/>
+            <p:cNvCxnSpPr>
+              <a:stCxn id="39" idx="7"/>
+              <a:endCxn id="38" idx="3"/>
+            </p:cNvCxnSpPr>
+            <p:nvPr/>
+          </p:nvCxnSpPr>
+          <p:spPr>
+            <a:xfrm flipV="1">
+              <a:off x="7328736" y="4420236"/>
+              <a:ext cx="341770" cy="902546"/>
+            </a:xfrm>
+            <a:prstGeom prst="straightConnector1">
+              <a:avLst/>
+            </a:prstGeom>
+            <a:ln w="12700">
+              <a:solidFill>
+                <a:schemeClr val="tx1"/>
+              </a:solidFill>
+              <a:tailEnd type="triangle"/>
+            </a:ln>
+          </p:spPr>
+          <p:style>
+            <a:lnRef idx="1">
+              <a:schemeClr val="accent1"/>
+            </a:lnRef>
+            <a:fillRef idx="0">
+              <a:schemeClr val="accent1"/>
+            </a:fillRef>
+            <a:effectRef idx="0">
+              <a:schemeClr val="accent1"/>
+            </a:effectRef>
+            <a:fontRef idx="minor">
+              <a:schemeClr val="tx1"/>
+            </a:fontRef>
+          </p:style>
+        </p:cxnSp>
+        <p:cxnSp>
+          <p:nvCxnSpPr>
+            <p:cNvPr id="42" name="Straight Arrow Connector 41"/>
+            <p:cNvCxnSpPr>
+              <a:stCxn id="19" idx="5"/>
+              <a:endCxn id="39" idx="1"/>
+            </p:cNvCxnSpPr>
+            <p:nvPr/>
+          </p:nvCxnSpPr>
+          <p:spPr>
+            <a:xfrm>
+              <a:off x="6361141" y="4422423"/>
+              <a:ext cx="602399" cy="900359"/>
+            </a:xfrm>
+            <a:prstGeom prst="straightConnector1">
+              <a:avLst/>
+            </a:prstGeom>
+            <a:ln w="12700">
+              <a:solidFill>
+                <a:schemeClr val="tx1"/>
+              </a:solidFill>
+              <a:tailEnd type="triangle"/>
+            </a:ln>
+          </p:spPr>
+          <p:style>
+            <a:lnRef idx="1">
+              <a:schemeClr val="accent1"/>
+            </a:lnRef>
+            <a:fillRef idx="0">
+              <a:schemeClr val="accent1"/>
+            </a:fillRef>
+            <a:effectRef idx="0">
+              <a:schemeClr val="accent1"/>
+            </a:effectRef>
+            <a:fontRef idx="minor">
+              <a:schemeClr val="tx1"/>
+            </a:fontRef>
+          </p:style>
+        </p:cxnSp>
+      </p:grpSp>
     </p:spTree>
     <p:extLst>
       <p:ext uri="{BB962C8B-B14F-4D97-AF65-F5344CB8AC3E}">
@@ -6925,7 +7903,11 @@
           <a:p>
             <a:r>
               <a:rPr lang="en-US" dirty="0" smtClean="0"/>
-              <a:t>MML 5.5 will have  </a:t>
+              <a:t>MMLv5.5 </a:t>
+            </a:r>
+            <a:r>
+              <a:rPr lang="en-US" dirty="0" smtClean="0"/>
+              <a:t>will have  </a:t>
             </a:r>
           </a:p>
           <a:p>
@@ -6999,7 +7981,15 @@
                   <a:schemeClr val="tx1"/>
                 </a:solidFill>
               </a:rPr>
-              <a:t>MML 5.0</a:t>
+              <a:t>MML </a:t>
+            </a:r>
+            <a:r>
+              <a:rPr lang="en-US" sz="1200" dirty="0" smtClean="0">
+                <a:solidFill>
+                  <a:schemeClr val="tx1"/>
+                </a:solidFill>
+              </a:rPr>
+              <a:t>3.1</a:t>
             </a:r>
             <a:endParaRPr lang="en-US" sz="1200" dirty="0">
               <a:solidFill>
@@ -7272,8 +8262,12 @@
               <a:t> </a:t>
             </a:r>
             <a:r>
+              <a:rPr lang="en-US" dirty="0" err="1" smtClean="0"/>
+              <a:t>x.x</a:t>
+            </a:r>
+            <a:r>
               <a:rPr lang="en-US" dirty="0" smtClean="0"/>
-              <a:t>7.x </a:t>
+              <a:t> </a:t>
             </a:r>
             <a:endParaRPr lang="en-US" dirty="0"/>
           </a:p>
@@ -7303,8 +8297,12 @@
               <a:buNone/>
             </a:pPr>
             <a:r>
+              <a:rPr lang="en-US" dirty="0" smtClean="0"/>
+              <a:t>MMLv5.5 </a:t>
+            </a:r>
+            <a:r>
               <a:rPr lang="en-US" dirty="0"/>
-              <a:t>MML 5.5 will have </a:t>
+              <a:t>will have </a:t>
             </a:r>
             <a:endParaRPr lang="en-US" dirty="0" smtClean="0"/>
           </a:p>
@@ -7565,7 +8563,15 @@
                   <a:schemeClr val="tx1"/>
                 </a:solidFill>
               </a:rPr>
-              <a:t>MML 4.0</a:t>
+              <a:t>MML </a:t>
+            </a:r>
+            <a:r>
+              <a:rPr lang="en-US" sz="1200" dirty="0" smtClean="0">
+                <a:solidFill>
+                  <a:schemeClr val="tx1"/>
+                </a:solidFill>
+              </a:rPr>
+              <a:t>3.1</a:t>
             </a:r>
             <a:endParaRPr lang="en-US" sz="1200" dirty="0">
               <a:solidFill>
@@ -7962,7 +8968,15 @@
                   <a:schemeClr val="tx1"/>
                 </a:solidFill>
               </a:rPr>
-              <a:t>MML 6.0</a:t>
+              <a:t>MML </a:t>
+            </a:r>
+            <a:r>
+              <a:rPr lang="en-US" sz="1200" dirty="0" err="1" smtClean="0">
+                <a:solidFill>
+                  <a:schemeClr val="tx1"/>
+                </a:solidFill>
+              </a:rPr>
+              <a:t>x.x</a:t>
             </a:r>
             <a:endParaRPr lang="en-US" sz="1200" dirty="0">
               <a:solidFill>
@@ -8605,6 +9619,54 @@
         <p:spPr>
           <a:xfrm>
             <a:off x="4780360" y="4833482"/>
+            <a:ext cx="184417" cy="296260"/>
+          </a:xfrm>
+          <a:prstGeom prst="upDownArrow">
+            <a:avLst/>
+          </a:prstGeom>
+          <a:solidFill>
+            <a:schemeClr val="accent2"/>
+          </a:solidFill>
+          <a:ln>
+            <a:solidFill>
+              <a:srgbClr val="FF0000"/>
+            </a:solidFill>
+          </a:ln>
+        </p:spPr>
+        <p:style>
+          <a:lnRef idx="2">
+            <a:schemeClr val="accent1">
+              <a:shade val="50000"/>
+            </a:schemeClr>
+          </a:lnRef>
+          <a:fillRef idx="1">
+            <a:schemeClr val="accent1"/>
+          </a:fillRef>
+          <a:effectRef idx="0">
+            <a:schemeClr val="accent1"/>
+          </a:effectRef>
+          <a:fontRef idx="minor">
+            <a:schemeClr val="lt1"/>
+          </a:fontRef>
+        </p:style>
+        <p:txBody>
+          <a:bodyPr rtlCol="0" anchor="ctr"/>
+          <a:lstStyle/>
+          <a:p>
+            <a:pPr algn="ctr"/>
+            <a:endParaRPr lang="en-US"/>
+          </a:p>
+        </p:txBody>
+      </p:sp>
+      <p:sp>
+        <p:nvSpPr>
+          <p:cNvPr id="41" name="Up-Down Arrow 40"/>
+          <p:cNvSpPr/>
+          <p:nvPr/>
+        </p:nvSpPr>
+        <p:spPr>
+          <a:xfrm>
+            <a:off x="6581090" y="4821502"/>
             <a:ext cx="184417" cy="296260"/>
           </a:xfrm>
           <a:prstGeom prst="upDownArrow">

--- a/MDH.pptx
+++ b/MDH.pptx
@@ -203,7 +203,7 @@
           <a:p>
             <a:fld id="{196709AC-FC2E-4BF6-8D2C-6C61CA027DC1}" type="datetimeFigureOut">
               <a:rPr lang="en-US" smtClean="0"/>
-              <a:t>6/16/2016</a:t>
+              <a:t>6/17/2016</a:t>
             </a:fld>
             <a:endParaRPr lang="en-US"/>
           </a:p>
@@ -686,7 +686,7 @@
           <a:p>
             <a:fld id="{1A18742E-3986-419B-AAAB-707D01EF3526}" type="datetime1">
               <a:rPr lang="en-US" smtClean="0"/>
-              <a:t>6/16/2016</a:t>
+              <a:t>6/17/2016</a:t>
             </a:fld>
             <a:endParaRPr lang="en-US"/>
           </a:p>
@@ -856,7 +856,7 @@
           <a:p>
             <a:fld id="{D595EB35-2AC0-41E0-930C-25D80640CC50}" type="datetime1">
               <a:rPr lang="en-US" smtClean="0"/>
-              <a:t>6/16/2016</a:t>
+              <a:t>6/17/2016</a:t>
             </a:fld>
             <a:endParaRPr lang="en-US"/>
           </a:p>
@@ -1036,7 +1036,7 @@
           <a:p>
             <a:fld id="{F34EAE34-AEBE-4C4F-9BA3-1A6F6D14BDDC}" type="datetime1">
               <a:rPr lang="en-US" smtClean="0"/>
-              <a:t>6/16/2016</a:t>
+              <a:t>6/17/2016</a:t>
             </a:fld>
             <a:endParaRPr lang="en-US"/>
           </a:p>
@@ -1206,7 +1206,7 @@
           <a:p>
             <a:fld id="{2095AD4C-B5EF-4041-9271-A2A5C5E6220B}" type="datetime1">
               <a:rPr lang="en-US" smtClean="0"/>
-              <a:t>6/16/2016</a:t>
+              <a:t>6/17/2016</a:t>
             </a:fld>
             <a:endParaRPr lang="en-US"/>
           </a:p>
@@ -1450,7 +1450,7 @@
           <a:p>
             <a:fld id="{60EAA367-1030-4DFD-9E7F-A96A5D5751DF}" type="datetime1">
               <a:rPr lang="en-US" smtClean="0"/>
-              <a:t>6/16/2016</a:t>
+              <a:t>6/17/2016</a:t>
             </a:fld>
             <a:endParaRPr lang="en-US"/>
           </a:p>
@@ -1682,7 +1682,7 @@
           <a:p>
             <a:fld id="{61D02A1E-D37A-44D7-AD02-E46859AAB817}" type="datetime1">
               <a:rPr lang="en-US" smtClean="0"/>
-              <a:t>6/16/2016</a:t>
+              <a:t>6/17/2016</a:t>
             </a:fld>
             <a:endParaRPr lang="en-US"/>
           </a:p>
@@ -2049,7 +2049,7 @@
           <a:p>
             <a:fld id="{365E885D-9505-411C-899B-667B1377DE43}" type="datetime1">
               <a:rPr lang="en-US" smtClean="0"/>
-              <a:t>6/16/2016</a:t>
+              <a:t>6/17/2016</a:t>
             </a:fld>
             <a:endParaRPr lang="en-US"/>
           </a:p>
@@ -2167,7 +2167,7 @@
           <a:p>
             <a:fld id="{C17691AC-1A9C-4CC0-86D2-4478B7A00F03}" type="datetime1">
               <a:rPr lang="en-US" smtClean="0"/>
-              <a:t>6/16/2016</a:t>
+              <a:t>6/17/2016</a:t>
             </a:fld>
             <a:endParaRPr lang="en-US"/>
           </a:p>
@@ -2262,7 +2262,7 @@
           <a:p>
             <a:fld id="{A6AEA082-C9CE-49BC-A53D-53E47D6469E9}" type="datetime1">
               <a:rPr lang="en-US" smtClean="0"/>
-              <a:t>6/16/2016</a:t>
+              <a:t>6/17/2016</a:t>
             </a:fld>
             <a:endParaRPr lang="en-US"/>
           </a:p>
@@ -2539,7 +2539,7 @@
           <a:p>
             <a:fld id="{67EB36F3-B534-4F8A-82F2-1363AA134D86}" type="datetime1">
               <a:rPr lang="en-US" smtClean="0"/>
-              <a:t>6/16/2016</a:t>
+              <a:t>6/17/2016</a:t>
             </a:fld>
             <a:endParaRPr lang="en-US"/>
           </a:p>
@@ -2796,7 +2796,7 @@
           <a:p>
             <a:fld id="{AA885096-A76C-411A-812C-8C0BC44FF8D3}" type="datetime1">
               <a:rPr lang="en-US" smtClean="0"/>
-              <a:t>6/16/2016</a:t>
+              <a:t>6/17/2016</a:t>
             </a:fld>
             <a:endParaRPr lang="en-US"/>
           </a:p>
@@ -3009,7 +3009,7 @@
           <a:p>
             <a:fld id="{4B1782B5-F21E-4619-AD36-E9E75BE1CB2F}" type="datetime1">
               <a:rPr lang="en-US" smtClean="0"/>
-              <a:t>6/16/2016</a:t>
+              <a:t>6/17/2016</a:t>
             </a:fld>
             <a:endParaRPr lang="en-US"/>
           </a:p>
@@ -3473,11 +3473,7 @@
           <a:p>
             <a:r>
               <a:rPr lang="en-US" dirty="0" smtClean="0"/>
-              <a:t>June 11, </a:t>
-            </a:r>
-            <a:r>
-              <a:rPr lang="en-US" dirty="0" smtClean="0"/>
-              <a:t>2016</a:t>
+              <a:t>June 11, 2016</a:t>
             </a:r>
           </a:p>
           <a:p>
@@ -3801,13 +3797,13 @@
           <p:nvPr>
             <p:extLst>
               <p:ext uri="{D42A27DB-BD31-4B8C-83A1-F6EECF244321}">
-                <p14:modId xmlns:p14="http://schemas.microsoft.com/office/powerpoint/2010/main" val="4012671154"/>
+                <p14:modId xmlns:p14="http://schemas.microsoft.com/office/powerpoint/2010/main" val="1976145765"/>
               </p:ext>
             </p:extLst>
           </p:nvPr>
         </p:nvGraphicFramePr>
         <p:xfrm>
-          <a:off x="315619" y="1097280"/>
+          <a:off x="316030" y="932286"/>
           <a:ext cx="8511940" cy="5606627"/>
         </p:xfrm>
         <a:graphic>
@@ -4408,7 +4404,7 @@
                       <a:pPr algn="ctr"/>
                       <a:r>
                         <a:rPr lang="en-US" sz="1000" dirty="0" smtClean="0"/>
-                        <a:t>1.0</a:t>
+                        <a:t>1.0 R</a:t>
                       </a:r>
                       <a:endParaRPr lang="en-US" sz="1000" dirty="0"/>
                     </a:p>
@@ -4441,7 +4437,6 @@
                         <a:rPr lang="en-US" sz="1000" dirty="0" smtClean="0"/>
                         <a:t>–</a:t>
                       </a:r>
-                      <a:endParaRPr lang="en-US" sz="1000" dirty="0" smtClean="0"/>
                     </a:p>
                   </a:txBody>
                   <a:tcPr/>
@@ -4531,11 +4526,7 @@
                       </a:r>
                       <a:r>
                         <a:rPr lang="en-US" sz="1000" baseline="0" dirty="0" smtClean="0"/>
-                        <a:t> </a:t>
-                      </a:r>
-                      <a:r>
-                        <a:rPr lang="en-US" sz="1000" baseline="0" dirty="0" smtClean="0"/>
-                        <a:t>-&gt; Python</a:t>
+                        <a:t> -&gt; Python</a:t>
                       </a:r>
                       <a:endParaRPr lang="en-US" sz="1000" dirty="0"/>
                     </a:p>
@@ -4637,7 +4628,7 @@
                       </a:pPr>
                       <a:r>
                         <a:rPr lang="en-US" sz="1000" dirty="0" smtClean="0"/>
-                        <a:t>1.1</a:t>
+                        <a:t>1.1 – </a:t>
                       </a:r>
                       <a:endParaRPr lang="en-US" sz="1000" dirty="0" smtClean="0"/>
                     </a:p>
@@ -4909,7 +4900,7 @@
                       </a:pPr>
                       <a:r>
                         <a:rPr lang="en-US" sz="1000" dirty="0" smtClean="0"/>
-                        <a:t>1.2</a:t>
+                        <a:t>1.2 R</a:t>
                       </a:r>
                       <a:endParaRPr lang="en-US" sz="1000" dirty="0" smtClean="0"/>
                     </a:p>
@@ -5054,15 +5045,7 @@
                     <a:p>
                       <a:r>
                         <a:rPr lang="en-US" sz="1000" baseline="0" dirty="0" smtClean="0"/>
-                        <a:t>~</a:t>
-                      </a:r>
-                      <a:r>
-                        <a:rPr lang="en-US" sz="1000" baseline="0" dirty="0" smtClean="0"/>
-                        <a:t>35% </a:t>
-                      </a:r>
-                      <a:r>
-                        <a:rPr lang="en-US" sz="1000" baseline="0" dirty="0" smtClean="0"/>
-                        <a:t>speedup</a:t>
+                        <a:t>~35% speedup</a:t>
                       </a:r>
                       <a:endParaRPr lang="en-US" sz="1000" dirty="0"/>
                     </a:p>
@@ -5177,8 +5160,9 @@
                       </a:pPr>
                       <a:r>
                         <a:rPr lang="en-US" sz="1000" dirty="0" smtClean="0"/>
-                        <a:t>2.0</a:t>
-                      </a:r>
+                        <a:t>2.0 R</a:t>
+                      </a:r>
+                      <a:endParaRPr lang="en-US" sz="1000" dirty="0" smtClean="0"/>
                     </a:p>
                   </a:txBody>
                   <a:tcPr/>
@@ -5380,11 +5364,7 @@
                       </a:r>
                       <a:r>
                         <a:rPr lang="en-US" sz="800" baseline="0" dirty="0" smtClean="0"/>
-                        <a:t>” (Dec. </a:t>
-                      </a:r>
-                      <a:r>
-                        <a:rPr lang="en-US" sz="800" baseline="0" dirty="0" smtClean="0"/>
-                        <a:t>2015, lab computer)</a:t>
+                        <a:t>” (Dec. 2015, lab computer)</a:t>
                       </a:r>
                       <a:endParaRPr lang="en-US" sz="800" dirty="0" smtClean="0"/>
                     </a:p>
@@ -5444,7 +5424,7 @@
                       </a:pPr>
                       <a:r>
                         <a:rPr lang="en-US" sz="1000" dirty="0" smtClean="0"/>
-                        <a:t>2.1</a:t>
+                        <a:t>2.1 –</a:t>
                       </a:r>
                       <a:endParaRPr lang="en-US" sz="1000" dirty="0" smtClean="0"/>
                     </a:p>
@@ -5711,10 +5691,10 @@
                     <a:bodyPr/>
                     <a:lstStyle/>
                     <a:p>
-                      <a:pPr algn="ctr"/>
+                      <a:pPr algn="r"/>
                       <a:r>
                         <a:rPr lang="en-US" sz="1000" dirty="0" smtClean="0"/>
-                        <a:t>3.0</a:t>
+                        <a:t>3.0 </a:t>
                       </a:r>
                       <a:endParaRPr lang="en-US" sz="1000" dirty="0"/>
                     </a:p>
@@ -5779,7 +5759,7 @@
                       </a:pPr>
                       <a:r>
                         <a:rPr lang="en-US" sz="1000" dirty="0" smtClean="0"/>
-                        <a:t>1.1</a:t>
+                        <a:t>1.2</a:t>
                       </a:r>
                       <a:endParaRPr lang="en-US" sz="1000" dirty="0" smtClean="0"/>
                     </a:p>
@@ -6460,6 +6440,44 @@
               <a:t>4</a:t>
             </a:fld>
             <a:endParaRPr lang="en-US"/>
+          </a:p>
+        </p:txBody>
+      </p:sp>
+      <p:sp>
+        <p:nvSpPr>
+          <p:cNvPr id="5" name="TextBox 4"/>
+          <p:cNvSpPr txBox="1"/>
+          <p:nvPr/>
+        </p:nvSpPr>
+        <p:spPr>
+          <a:xfrm>
+            <a:off x="59267" y="6215747"/>
+            <a:ext cx="1388713" cy="646331"/>
+          </a:xfrm>
+          <a:prstGeom prst="rect">
+            <a:avLst/>
+          </a:prstGeom>
+          <a:solidFill>
+            <a:schemeClr val="accent2"/>
+          </a:solidFill>
+        </p:spPr>
+        <p:txBody>
+          <a:bodyPr wrap="none" rtlCol="0">
+            <a:spAutoFit/>
+          </a:bodyPr>
+          <a:lstStyle/>
+          <a:p>
+            <a:r>
+              <a:rPr lang="en-US" dirty="0" smtClean="0"/>
+              <a:t>R: release</a:t>
+            </a:r>
+          </a:p>
+          <a:p>
+            <a:r>
+              <a:rPr lang="en-US" dirty="0" smtClean="0"/>
+              <a:t>–: no release</a:t>
+            </a:r>
+            <a:endParaRPr lang="en-US" dirty="0"/>
           </a:p>
         </p:txBody>
       </p:sp>
@@ -6563,7 +6581,6 @@
               <a:rPr lang="en-US" dirty="0" smtClean="0"/>
               <a:t>Repast</a:t>
             </a:r>
-            <a:endParaRPr lang="en-US" dirty="0" smtClean="0"/>
           </a:p>
           <a:p>
             <a:r>
@@ -6653,15 +6670,7 @@
                     <a:schemeClr val="tx1"/>
                   </a:solidFill>
                 </a:rPr>
-                <a:t>Land </a:t>
-              </a:r>
-              <a:r>
-                <a:rPr lang="en-US" sz="1200" dirty="0" smtClean="0">
-                  <a:solidFill>
-                    <a:schemeClr val="tx1"/>
-                  </a:solidFill>
-                </a:rPr>
-                <a:t>1.1</a:t>
+                <a:t>Land 1.1</a:t>
               </a:r>
               <a:endParaRPr lang="en-US" sz="1200" dirty="0">
                 <a:solidFill>
@@ -6713,15 +6722,7 @@
                     <a:schemeClr val="tx1"/>
                   </a:solidFill>
                 </a:rPr>
-                <a:t>Land </a:t>
-              </a:r>
-              <a:r>
-                <a:rPr lang="en-US" sz="1200" dirty="0" smtClean="0">
-                  <a:solidFill>
-                    <a:schemeClr val="tx1"/>
-                  </a:solidFill>
-                </a:rPr>
-                <a:t>1.2</a:t>
+                <a:t>Land 1.2</a:t>
               </a:r>
               <a:endParaRPr lang="en-US" sz="1200" dirty="0">
                 <a:solidFill>
@@ -6864,15 +6865,7 @@
                     <a:schemeClr val="tx1"/>
                   </a:solidFill>
                 </a:rPr>
-                <a:t>MML </a:t>
-              </a:r>
-              <a:r>
-                <a:rPr lang="en-US" sz="1200" dirty="0" smtClean="0">
-                  <a:solidFill>
-                    <a:schemeClr val="tx1"/>
-                  </a:solidFill>
-                </a:rPr>
-                <a:t>1.0</a:t>
+                <a:t>MML 1.0</a:t>
               </a:r>
               <a:endParaRPr lang="en-US" sz="1200" dirty="0">
                 <a:solidFill>
@@ -6936,15 +6929,7 @@
                     <a:schemeClr val="tx1"/>
                   </a:solidFill>
                 </a:rPr>
-                <a:t>MML </a:t>
-              </a:r>
-              <a:r>
-                <a:rPr lang="en-US" sz="1200" dirty="0" smtClean="0">
-                  <a:solidFill>
-                    <a:schemeClr val="tx1"/>
-                  </a:solidFill>
-                </a:rPr>
-                <a:t>2.0</a:t>
+                <a:t>MML 2.0</a:t>
               </a:r>
               <a:endParaRPr lang="en-US" sz="1200" dirty="0">
                 <a:solidFill>
@@ -7008,15 +6993,7 @@
                     <a:schemeClr val="tx1"/>
                   </a:solidFill>
                 </a:rPr>
-                <a:t>MML </a:t>
-              </a:r>
-              <a:r>
-                <a:rPr lang="en-US" sz="1200" dirty="0" smtClean="0">
-                  <a:solidFill>
-                    <a:schemeClr val="tx1"/>
-                  </a:solidFill>
-                </a:rPr>
-                <a:t>2.1</a:t>
+                <a:t>MML 2.1</a:t>
               </a:r>
               <a:endParaRPr lang="en-US" sz="1200" dirty="0">
                 <a:solidFill>
@@ -7234,15 +7211,7 @@
                     <a:schemeClr val="tx1"/>
                   </a:solidFill>
                 </a:rPr>
-                <a:t>MML </a:t>
-              </a:r>
-              <a:r>
-                <a:rPr lang="en-US" sz="1200" dirty="0" smtClean="0">
-                  <a:solidFill>
-                    <a:schemeClr val="tx1"/>
-                  </a:solidFill>
-                </a:rPr>
-                <a:t>3.0</a:t>
+                <a:t>MML 3.0</a:t>
               </a:r>
               <a:endParaRPr lang="en-US" sz="1200" dirty="0">
                 <a:solidFill>
@@ -7294,15 +7263,7 @@
                     <a:schemeClr val="tx1"/>
                   </a:solidFill>
                 </a:rPr>
-                <a:t>KIB </a:t>
-              </a:r>
-              <a:r>
-                <a:rPr lang="en-US" sz="1200" dirty="0" smtClean="0">
-                  <a:solidFill>
-                    <a:schemeClr val="tx1"/>
-                  </a:solidFill>
-                </a:rPr>
-                <a:t>1.1</a:t>
+                <a:t>KIB 1.1</a:t>
               </a:r>
               <a:endParaRPr lang="en-US" sz="1200" dirty="0">
                 <a:solidFill>
@@ -7432,15 +7393,7 @@
                     <a:schemeClr val="tx1"/>
                   </a:solidFill>
                 </a:rPr>
-                <a:t>Land </a:t>
-              </a:r>
-              <a:r>
-                <a:rPr lang="en-US" sz="1200" dirty="0" smtClean="0">
-                  <a:solidFill>
-                    <a:schemeClr val="tx1"/>
-                  </a:solidFill>
-                </a:rPr>
-                <a:t>2.0</a:t>
+                <a:t>Land 2.0</a:t>
               </a:r>
               <a:endParaRPr lang="en-US" sz="1200" dirty="0">
                 <a:solidFill>
@@ -7621,15 +7574,7 @@
                     <a:schemeClr val="tx1"/>
                   </a:solidFill>
                 </a:rPr>
-                <a:t>MML </a:t>
-              </a:r>
-              <a:r>
-                <a:rPr lang="en-US" sz="1200" dirty="0" smtClean="0">
-                  <a:solidFill>
-                    <a:schemeClr val="tx1"/>
-                  </a:solidFill>
-                </a:rPr>
-                <a:t>3.1</a:t>
+                <a:t>MML 3.1</a:t>
               </a:r>
               <a:endParaRPr lang="en-US" sz="1200" dirty="0">
                 <a:solidFill>
@@ -7681,15 +7626,7 @@
                     <a:schemeClr val="tx1"/>
                   </a:solidFill>
                 </a:rPr>
-                <a:t>Land </a:t>
-              </a:r>
-              <a:r>
-                <a:rPr lang="en-US" sz="1200" dirty="0" smtClean="0">
-                  <a:solidFill>
-                    <a:schemeClr val="tx1"/>
-                  </a:solidFill>
-                </a:rPr>
-                <a:t>2.1</a:t>
+                <a:t>Land 2.1</a:t>
               </a:r>
               <a:endParaRPr lang="en-US" sz="1200" dirty="0">
                 <a:solidFill>
@@ -7903,11 +7840,7 @@
           <a:p>
             <a:r>
               <a:rPr lang="en-US" dirty="0" smtClean="0"/>
-              <a:t>MMLv5.5 </a:t>
-            </a:r>
-            <a:r>
-              <a:rPr lang="en-US" dirty="0" smtClean="0"/>
-              <a:t>will have  </a:t>
+              <a:t>MMLv5.5 will have  </a:t>
             </a:r>
           </a:p>
           <a:p>
@@ -7981,15 +7914,7 @@
                   <a:schemeClr val="tx1"/>
                 </a:solidFill>
               </a:rPr>
-              <a:t>MML </a:t>
-            </a:r>
-            <a:r>
-              <a:rPr lang="en-US" sz="1200" dirty="0" smtClean="0">
-                <a:solidFill>
-                  <a:schemeClr val="tx1"/>
-                </a:solidFill>
-              </a:rPr>
-              <a:t>3.1</a:t>
+              <a:t>MML 3.1</a:t>
             </a:r>
             <a:endParaRPr lang="en-US" sz="1200" dirty="0">
               <a:solidFill>
@@ -8563,15 +8488,7 @@
                   <a:schemeClr val="tx1"/>
                 </a:solidFill>
               </a:rPr>
-              <a:t>MML </a:t>
-            </a:r>
-            <a:r>
-              <a:rPr lang="en-US" sz="1200" dirty="0" smtClean="0">
-                <a:solidFill>
-                  <a:schemeClr val="tx1"/>
-                </a:solidFill>
-              </a:rPr>
-              <a:t>3.1</a:t>
+              <a:t>MML 3.1</a:t>
             </a:r>
             <a:endParaRPr lang="en-US" sz="1200" dirty="0">
               <a:solidFill>

--- a/MDH.pptx
+++ b/MDH.pptx
@@ -17,7 +17,7 @@
     <p:sldId id="262" r:id="rId8"/>
   </p:sldIdLst>
   <p:sldSz cx="9144000" cy="6858000" type="screen4x3"/>
-  <p:notesSz cx="6858000" cy="9144000"/>
+  <p:notesSz cx="7010400" cy="9236075"/>
   <p:defaultTextStyle>
     <a:defPPr>
       <a:defRPr lang="en-US"/>
@@ -156,7 +156,7 @@
         <p:spPr>
           <a:xfrm>
             <a:off x="0" y="0"/>
-            <a:ext cx="2971800" cy="458788"/>
+            <a:ext cx="3037840" cy="463407"/>
           </a:xfrm>
           <a:prstGeom prst="rect">
             <a:avLst/>
@@ -186,8 +186,8 @@
         </p:nvSpPr>
         <p:spPr>
           <a:xfrm>
-            <a:off x="3884613" y="0"/>
-            <a:ext cx="2971800" cy="458788"/>
+            <a:off x="3970938" y="0"/>
+            <a:ext cx="3037840" cy="463407"/>
           </a:xfrm>
           <a:prstGeom prst="rect">
             <a:avLst/>
@@ -203,7 +203,7 @@
           <a:p>
             <a:fld id="{196709AC-FC2E-4BF6-8D2C-6C61CA027DC1}" type="datetimeFigureOut">
               <a:rPr lang="en-US" smtClean="0"/>
-              <a:t>6/13/2016</a:t>
+              <a:t>6/20/2016</a:t>
             </a:fld>
             <a:endParaRPr lang="en-US"/>
           </a:p>
@@ -221,8 +221,8 @@
         </p:nvSpPr>
         <p:spPr>
           <a:xfrm>
-            <a:off x="1371600" y="1143000"/>
-            <a:ext cx="4114800" cy="3086100"/>
+            <a:off x="1427163" y="1154113"/>
+            <a:ext cx="4156075" cy="3116262"/>
           </a:xfrm>
           <a:prstGeom prst="rect">
             <a:avLst/>
@@ -254,8 +254,8 @@
         </p:nvSpPr>
         <p:spPr>
           <a:xfrm>
-            <a:off x="685800" y="4400550"/>
-            <a:ext cx="5486400" cy="3600450"/>
+            <a:off x="701040" y="4444861"/>
+            <a:ext cx="5608320" cy="3636705"/>
           </a:xfrm>
           <a:prstGeom prst="rect">
             <a:avLst/>
@@ -314,8 +314,8 @@
         </p:nvSpPr>
         <p:spPr>
           <a:xfrm>
-            <a:off x="0" y="8685213"/>
-            <a:ext cx="2971800" cy="458787"/>
+            <a:off x="0" y="8772669"/>
+            <a:ext cx="3037840" cy="463406"/>
           </a:xfrm>
           <a:prstGeom prst="rect">
             <a:avLst/>
@@ -345,8 +345,8 @@
         </p:nvSpPr>
         <p:spPr>
           <a:xfrm>
-            <a:off x="3884613" y="8685213"/>
-            <a:ext cx="2971800" cy="458787"/>
+            <a:off x="3970938" y="8772669"/>
+            <a:ext cx="3037840" cy="463406"/>
           </a:xfrm>
           <a:prstGeom prst="rect">
             <a:avLst/>
@@ -686,7 +686,7 @@
           <a:p>
             <a:fld id="{1A18742E-3986-419B-AAAB-707D01EF3526}" type="datetime1">
               <a:rPr lang="en-US" smtClean="0"/>
-              <a:t>6/13/2016</a:t>
+              <a:t>6/20/2016</a:t>
             </a:fld>
             <a:endParaRPr lang="en-US"/>
           </a:p>
@@ -856,7 +856,7 @@
           <a:p>
             <a:fld id="{D595EB35-2AC0-41E0-930C-25D80640CC50}" type="datetime1">
               <a:rPr lang="en-US" smtClean="0"/>
-              <a:t>6/13/2016</a:t>
+              <a:t>6/20/2016</a:t>
             </a:fld>
             <a:endParaRPr lang="en-US"/>
           </a:p>
@@ -1036,7 +1036,7 @@
           <a:p>
             <a:fld id="{F34EAE34-AEBE-4C4F-9BA3-1A6F6D14BDDC}" type="datetime1">
               <a:rPr lang="en-US" smtClean="0"/>
-              <a:t>6/13/2016</a:t>
+              <a:t>6/20/2016</a:t>
             </a:fld>
             <a:endParaRPr lang="en-US"/>
           </a:p>
@@ -1206,7 +1206,7 @@
           <a:p>
             <a:fld id="{2095AD4C-B5EF-4041-9271-A2A5C5E6220B}" type="datetime1">
               <a:rPr lang="en-US" smtClean="0"/>
-              <a:t>6/13/2016</a:t>
+              <a:t>6/20/2016</a:t>
             </a:fld>
             <a:endParaRPr lang="en-US"/>
           </a:p>
@@ -1450,7 +1450,7 @@
           <a:p>
             <a:fld id="{60EAA367-1030-4DFD-9E7F-A96A5D5751DF}" type="datetime1">
               <a:rPr lang="en-US" smtClean="0"/>
-              <a:t>6/13/2016</a:t>
+              <a:t>6/20/2016</a:t>
             </a:fld>
             <a:endParaRPr lang="en-US"/>
           </a:p>
@@ -1682,7 +1682,7 @@
           <a:p>
             <a:fld id="{61D02A1E-D37A-44D7-AD02-E46859AAB817}" type="datetime1">
               <a:rPr lang="en-US" smtClean="0"/>
-              <a:t>6/13/2016</a:t>
+              <a:t>6/20/2016</a:t>
             </a:fld>
             <a:endParaRPr lang="en-US"/>
           </a:p>
@@ -2049,7 +2049,7 @@
           <a:p>
             <a:fld id="{365E885D-9505-411C-899B-667B1377DE43}" type="datetime1">
               <a:rPr lang="en-US" smtClean="0"/>
-              <a:t>6/13/2016</a:t>
+              <a:t>6/20/2016</a:t>
             </a:fld>
             <a:endParaRPr lang="en-US"/>
           </a:p>
@@ -2167,7 +2167,7 @@
           <a:p>
             <a:fld id="{C17691AC-1A9C-4CC0-86D2-4478B7A00F03}" type="datetime1">
               <a:rPr lang="en-US" smtClean="0"/>
-              <a:t>6/13/2016</a:t>
+              <a:t>6/20/2016</a:t>
             </a:fld>
             <a:endParaRPr lang="en-US"/>
           </a:p>
@@ -2262,7 +2262,7 @@
           <a:p>
             <a:fld id="{A6AEA082-C9CE-49BC-A53D-53E47D6469E9}" type="datetime1">
               <a:rPr lang="en-US" smtClean="0"/>
-              <a:t>6/13/2016</a:t>
+              <a:t>6/20/2016</a:t>
             </a:fld>
             <a:endParaRPr lang="en-US"/>
           </a:p>
@@ -2539,7 +2539,7 @@
           <a:p>
             <a:fld id="{67EB36F3-B534-4F8A-82F2-1363AA134D86}" type="datetime1">
               <a:rPr lang="en-US" smtClean="0"/>
-              <a:t>6/13/2016</a:t>
+              <a:t>6/20/2016</a:t>
             </a:fld>
             <a:endParaRPr lang="en-US"/>
           </a:p>
@@ -2796,7 +2796,7 @@
           <a:p>
             <a:fld id="{AA885096-A76C-411A-812C-8C0BC44FF8D3}" type="datetime1">
               <a:rPr lang="en-US" smtClean="0"/>
-              <a:t>6/13/2016</a:t>
+              <a:t>6/20/2016</a:t>
             </a:fld>
             <a:endParaRPr lang="en-US"/>
           </a:p>
@@ -3009,7 +3009,7 @@
           <a:p>
             <a:fld id="{4B1782B5-F21E-4619-AD36-E9E75BE1CB2F}" type="datetime1">
               <a:rPr lang="en-US" smtClean="0"/>
-              <a:t>6/13/2016</a:t>
+              <a:t>6/20/2016</a:t>
             </a:fld>
             <a:endParaRPr lang="en-US"/>
           </a:p>
@@ -3463,7 +3463,9 @@
         </p:nvSpPr>
         <p:spPr/>
         <p:txBody>
-          <a:bodyPr/>
+          <a:bodyPr>
+            <a:normAutofit lnSpcReduction="10000"/>
+          </a:bodyPr>
           <a:lstStyle/>
           <a:p>
             <a:endParaRPr lang="en-US" dirty="0" smtClean="0"/>
@@ -3472,6 +3474,18 @@
             <a:r>
               <a:rPr lang="en-US" dirty="0" smtClean="0"/>
               <a:t>June 11, 2016</a:t>
+            </a:r>
+          </a:p>
+          <a:p>
+            <a:r>
+              <a:rPr lang="en-US" dirty="0" smtClean="0"/>
+              <a:t>H.S. Sarjoughian</a:t>
+            </a:r>
+          </a:p>
+          <a:p>
+            <a:r>
+              <a:rPr lang="en-US" dirty="0" smtClean="0"/>
+              <a:t>W.A. Boyd</a:t>
             </a:r>
             <a:endParaRPr lang="en-US" dirty="0"/>
           </a:p>
@@ -3783,14 +3797,14 @@
           <p:nvPr>
             <p:extLst>
               <p:ext uri="{D42A27DB-BD31-4B8C-83A1-F6EECF244321}">
-                <p14:modId xmlns:p14="http://schemas.microsoft.com/office/powerpoint/2010/main" val="3013903216"/>
+                <p14:modId xmlns:p14="http://schemas.microsoft.com/office/powerpoint/2010/main" val="994801723"/>
               </p:ext>
             </p:extLst>
           </p:nvPr>
         </p:nvGraphicFramePr>
         <p:xfrm>
-          <a:off x="531413" y="1397001"/>
-          <a:ext cx="8190140" cy="5098627"/>
+          <a:off x="316030" y="932286"/>
+          <a:ext cx="8511940" cy="5606627"/>
         </p:xfrm>
         <a:graphic>
           <a:graphicData uri="http://schemas.openxmlformats.org/drawingml/2006/table">
@@ -3799,17 +3813,18 @@
                 <a:tableStyleId>{5C22544A-7EE6-4342-B048-85BDC9FD1C3A}</a:tableStyleId>
               </a:tblPr>
               <a:tblGrid>
-                <a:gridCol w="655955"/>
-                <a:gridCol w="733640"/>
-                <a:gridCol w="697897"/>
-                <a:gridCol w="609600"/>
-                <a:gridCol w="625480"/>
-                <a:gridCol w="664227"/>
-                <a:gridCol w="611098"/>
-                <a:gridCol w="772121"/>
-                <a:gridCol w="496479"/>
-                <a:gridCol w="1575443"/>
-                <a:gridCol w="748200"/>
+                <a:gridCol w="681927"/>
+                <a:gridCol w="700405"/>
+                <a:gridCol w="679239"/>
+                <a:gridCol w="646147"/>
+                <a:gridCol w="564397"/>
+                <a:gridCol w="579099"/>
+                <a:gridCol w="614973"/>
+                <a:gridCol w="600393"/>
+                <a:gridCol w="886206"/>
+                <a:gridCol w="407813"/>
+                <a:gridCol w="1458621"/>
+                <a:gridCol w="692720"/>
               </a:tblGrid>
               <a:tr h="370840">
                 <a:tc>
@@ -3818,14 +3833,6 @@
                     <a:lstStyle/>
                     <a:p>
                       <a:pPr algn="ctr"/>
-                      <a:r>
-                        <a:rPr lang="en-US" sz="1100" dirty="0" smtClean="0">
-                          <a:solidFill>
-                            <a:schemeClr val="tx1"/>
-                          </a:solidFill>
-                        </a:rPr>
-                        <a:t>Version</a:t>
-                      </a:r>
                       <a:endParaRPr lang="en-US" sz="1100" dirty="0">
                         <a:solidFill>
                           <a:schemeClr val="tx1"/>
@@ -3853,15 +3860,36 @@
                             <a:schemeClr val="tx1"/>
                           </a:solidFill>
                         </a:rPr>
-                        <a:t>Human </a:t>
-                      </a:r>
+                        <a:t>Version</a:t>
+                      </a:r>
+                      <a:endParaRPr lang="en-US" sz="1100" dirty="0">
+                        <a:solidFill>
+                          <a:schemeClr val="tx1"/>
+                        </a:solidFill>
+                      </a:endParaRPr>
+                    </a:p>
+                  </a:txBody>
+                  <a:tcPr>
+                    <a:solidFill>
+                      <a:schemeClr val="bg1">
+                        <a:lumMod val="50000"/>
+                      </a:schemeClr>
+                    </a:solidFill>
+                  </a:tcPr>
+                </a:tc>
+                <a:tc>
+                  <a:txBody>
+                    <a:bodyPr/>
+                    <a:lstStyle/>
+                    <a:p>
+                      <a:pPr algn="ctr"/>
                       <a:r>
                         <a:rPr lang="en-US" sz="1100" dirty="0" smtClean="0">
                           <a:solidFill>
                             <a:schemeClr val="tx1"/>
                           </a:solidFill>
                         </a:rPr>
-                        <a:t>(Agents)</a:t>
+                        <a:t>Human (Agents)</a:t>
                       </a:r>
                       <a:endParaRPr lang="en-US" sz="1100" dirty="0">
                         <a:solidFill>
@@ -3892,11 +3920,6 @@
                         </a:rPr>
                         <a:t>Land</a:t>
                       </a:r>
-                      <a:endParaRPr lang="en-US" sz="1100" dirty="0" smtClean="0">
-                        <a:solidFill>
-                          <a:schemeClr val="tx1"/>
-                        </a:solidFill>
-                      </a:endParaRPr>
                     </a:p>
                     <a:p>
                       <a:pPr algn="ctr"/>
@@ -3908,11 +3931,6 @@
                         </a:rPr>
                         <a:t>(GRASS)</a:t>
                       </a:r>
-                      <a:endParaRPr lang="en-US" sz="1100" dirty="0" smtClean="0">
-                        <a:solidFill>
-                          <a:schemeClr val="tx1"/>
-                        </a:solidFill>
-                      </a:endParaRPr>
                     </a:p>
                   </a:txBody>
                   <a:tcPr>
@@ -4159,151 +4177,168 @@
                     <a:bodyPr/>
                     <a:lstStyle/>
                     <a:p>
-                      <a:r>
-                        <a:rPr lang="en-US" sz="1200" dirty="0" smtClean="0"/>
+                      <a:endParaRPr lang="en-US" sz="800" strike="sngStrike" dirty="0"/>
+                    </a:p>
+                  </a:txBody>
+                  <a:tcPr/>
+                </a:tc>
+                <a:tc>
+                  <a:txBody>
+                    <a:bodyPr/>
+                    <a:lstStyle/>
+                    <a:p>
+                      <a:r>
+                        <a:rPr lang="en-US" sz="1000" strike="sngStrike" dirty="0" smtClean="0"/>
                         <a:t>1.0</a:t>
                       </a:r>
-                      <a:endParaRPr lang="en-US" sz="1200" dirty="0"/>
-                    </a:p>
-                  </a:txBody>
-                  <a:tcPr/>
-                </a:tc>
-                <a:tc>
-                  <a:txBody>
-                    <a:bodyPr/>
-                    <a:lstStyle/>
-                    <a:p>
-                      <a:r>
-                        <a:rPr lang="en-US" sz="1200" dirty="0" smtClean="0"/>
-                        <a:t>1.0</a:t>
-                      </a:r>
-                      <a:endParaRPr lang="en-US" sz="1200" dirty="0"/>
-                    </a:p>
-                  </a:txBody>
-                  <a:tcPr/>
-                </a:tc>
-                <a:tc>
-                  <a:txBody>
-                    <a:bodyPr/>
-                    <a:lstStyle/>
-                    <a:p>
-                      <a:r>
-                        <a:rPr lang="en-US" sz="1200" dirty="0" smtClean="0"/>
-                        <a:t>1.0</a:t>
-                      </a:r>
-                      <a:endParaRPr lang="en-US" sz="1200" dirty="0"/>
-                    </a:p>
-                  </a:txBody>
-                  <a:tcPr/>
-                </a:tc>
-                <a:tc>
-                  <a:txBody>
-                    <a:bodyPr/>
-                    <a:lstStyle/>
-                    <a:p>
-                      <a:r>
-                        <a:rPr lang="en-US" sz="1200" dirty="0" smtClean="0"/>
+                      <a:endParaRPr lang="en-US" sz="1000" strike="sngStrike" dirty="0"/>
+                    </a:p>
+                  </a:txBody>
+                  <a:tcPr/>
+                </a:tc>
+                <a:tc>
+                  <a:txBody>
+                    <a:bodyPr/>
+                    <a:lstStyle/>
+                    <a:p>
+                      <a:pPr algn="ctr"/>
+                      <a:r>
+                        <a:rPr lang="en-US" sz="1000" strike="sngStrike" dirty="0" smtClean="0"/>
+                        <a:t>0.5</a:t>
+                      </a:r>
+                      <a:endParaRPr lang="en-US" sz="1000" strike="sngStrike" dirty="0"/>
+                    </a:p>
+                  </a:txBody>
+                  <a:tcPr/>
+                </a:tc>
+                <a:tc>
+                  <a:txBody>
+                    <a:bodyPr/>
+                    <a:lstStyle/>
+                    <a:p>
+                      <a:pPr algn="ctr"/>
+                      <a:r>
+                        <a:rPr lang="en-US" sz="1000" strike="sngStrike" dirty="0" smtClean="0"/>
+                        <a:t>0.5</a:t>
+                      </a:r>
+                      <a:endParaRPr lang="en-US" sz="1000" strike="sngStrike" dirty="0"/>
+                    </a:p>
+                  </a:txBody>
+                  <a:tcPr/>
+                </a:tc>
+                <a:tc>
+                  <a:txBody>
+                    <a:bodyPr/>
+                    <a:lstStyle/>
+                    <a:p>
+                      <a:pPr algn="ctr"/>
+                      <a:r>
+                        <a:rPr lang="en-US" sz="1000" strike="sngStrike" dirty="0" smtClean="0"/>
                         <a:t>–</a:t>
                       </a:r>
-                      <a:endParaRPr lang="en-US" sz="1200" dirty="0"/>
-                    </a:p>
-                  </a:txBody>
-                  <a:tcPr/>
-                </a:tc>
-                <a:tc>
-                  <a:txBody>
-                    <a:bodyPr/>
-                    <a:lstStyle/>
-                    <a:p>
-                      <a:r>
-                        <a:rPr lang="en-US" sz="1200" dirty="0" smtClean="0"/>
-                        <a:t>1.0</a:t>
-                      </a:r>
-                      <a:endParaRPr lang="en-US" sz="1200" dirty="0"/>
-                    </a:p>
-                  </a:txBody>
-                  <a:tcPr/>
-                </a:tc>
-                <a:tc>
-                  <a:txBody>
-                    <a:bodyPr/>
-                    <a:lstStyle/>
-                    <a:p>
-                      <a:r>
-                        <a:rPr lang="en-US" sz="1200" dirty="0" smtClean="0"/>
+                      <a:endParaRPr lang="en-US" sz="1000" strike="sngStrike" dirty="0"/>
+                    </a:p>
+                  </a:txBody>
+                  <a:tcPr/>
+                </a:tc>
+                <a:tc>
+                  <a:txBody>
+                    <a:bodyPr/>
+                    <a:lstStyle/>
+                    <a:p>
+                      <a:pPr algn="ctr"/>
+                      <a:r>
+                        <a:rPr lang="en-US" sz="1000" strike="sngStrike" dirty="0" smtClean="0"/>
+                        <a:t>0.5</a:t>
+                      </a:r>
+                      <a:endParaRPr lang="en-US" sz="1000" strike="sngStrike" dirty="0"/>
+                    </a:p>
+                  </a:txBody>
+                  <a:tcPr/>
+                </a:tc>
+                <a:tc>
+                  <a:txBody>
+                    <a:bodyPr/>
+                    <a:lstStyle/>
+                    <a:p>
+                      <a:pPr algn="ctr"/>
+                      <a:r>
+                        <a:rPr lang="en-US" sz="1000" strike="sngStrike" dirty="0" smtClean="0"/>
                         <a:t>DEVS</a:t>
                       </a:r>
-                      <a:endParaRPr lang="en-US" sz="1200" dirty="0"/>
-                    </a:p>
-                  </a:txBody>
-                  <a:tcPr/>
-                </a:tc>
-                <a:tc>
-                  <a:txBody>
-                    <a:bodyPr/>
-                    <a:lstStyle/>
-                    <a:p>
-                      <a:r>
-                        <a:rPr lang="en-US" sz="1200" dirty="0" smtClean="0"/>
+                      <a:endParaRPr lang="en-US" sz="1000" strike="sngStrike" dirty="0"/>
+                    </a:p>
+                  </a:txBody>
+                  <a:tcPr/>
+                </a:tc>
+                <a:tc>
+                  <a:txBody>
+                    <a:bodyPr/>
+                    <a:lstStyle/>
+                    <a:p>
+                      <a:pPr algn="ctr"/>
+                      <a:r>
+                        <a:rPr lang="en-US" sz="1000" strike="sngStrike" dirty="0" smtClean="0"/>
                         <a:t>6.4</a:t>
                       </a:r>
-                      <a:endParaRPr lang="en-US" sz="1200" dirty="0"/>
-                    </a:p>
-                  </a:txBody>
-                  <a:tcPr/>
-                </a:tc>
-                <a:tc>
-                  <a:txBody>
-                    <a:bodyPr/>
-                    <a:lstStyle/>
-                    <a:p>
-                      <a:r>
-                        <a:rPr lang="en-US" sz="1200" dirty="0" smtClean="0"/>
+                      <a:endParaRPr lang="en-US" sz="1000" strike="sngStrike" dirty="0"/>
+                    </a:p>
+                  </a:txBody>
+                  <a:tcPr/>
+                </a:tc>
+                <a:tc>
+                  <a:txBody>
+                    <a:bodyPr/>
+                    <a:lstStyle/>
+                    <a:p>
+                      <a:pPr algn="ctr"/>
+                      <a:r>
+                        <a:rPr lang="en-US" sz="1000" strike="sngStrike" dirty="0" smtClean="0"/>
                         <a:t>Bash ?</a:t>
                       </a:r>
-                      <a:endParaRPr lang="en-US" sz="1200" dirty="0"/>
-                    </a:p>
-                  </a:txBody>
-                  <a:tcPr/>
-                </a:tc>
-                <a:tc>
-                  <a:txBody>
-                    <a:bodyPr/>
-                    <a:lstStyle/>
-                    <a:p>
-                      <a:endParaRPr lang="en-US" sz="1200" dirty="0"/>
-                    </a:p>
-                  </a:txBody>
-                  <a:tcPr/>
-                </a:tc>
-                <a:tc>
-                  <a:txBody>
-                    <a:bodyPr/>
-                    <a:lstStyle/>
-                    <a:p>
-                      <a:r>
-                        <a:rPr lang="en-US" sz="1200" dirty="0" smtClean="0"/>
+                      <a:endParaRPr lang="en-US" sz="1000" strike="sngStrike" dirty="0"/>
+                    </a:p>
+                  </a:txBody>
+                  <a:tcPr/>
+                </a:tc>
+                <a:tc>
+                  <a:txBody>
+                    <a:bodyPr/>
+                    <a:lstStyle/>
+                    <a:p>
+                      <a:endParaRPr lang="en-US" sz="1000" strike="sngStrike" dirty="0"/>
+                    </a:p>
+                  </a:txBody>
+                  <a:tcPr/>
+                </a:tc>
+                <a:tc>
+                  <a:txBody>
+                    <a:bodyPr/>
+                    <a:lstStyle/>
+                    <a:p>
+                      <a:r>
+                        <a:rPr lang="en-US" sz="1000" strike="sngStrike" dirty="0" smtClean="0"/>
                         <a:t>DEVSJAVA</a:t>
                       </a:r>
                       <a:r>
-                        <a:rPr lang="en-US" sz="1200" baseline="0" dirty="0" smtClean="0"/>
+                        <a:rPr lang="en-US" sz="1000" strike="sngStrike" baseline="0" dirty="0" smtClean="0"/>
                         <a:t> 2.1, JRE 4-7</a:t>
                       </a:r>
-                      <a:endParaRPr lang="en-US" sz="1200" dirty="0"/>
-                    </a:p>
-                  </a:txBody>
-                  <a:tcPr/>
-                </a:tc>
-                <a:tc>
-                  <a:txBody>
-                    <a:bodyPr/>
-                    <a:lstStyle/>
-                    <a:p>
-                      <a:r>
-                        <a:rPr lang="en-US" sz="1200" dirty="0" smtClean="0"/>
+                      <a:endParaRPr lang="en-US" sz="1000" strike="sngStrike" dirty="0"/>
+                    </a:p>
+                  </a:txBody>
+                  <a:tcPr/>
+                </a:tc>
+                <a:tc>
+                  <a:txBody>
+                    <a:bodyPr/>
+                    <a:lstStyle/>
+                    <a:p>
+                      <a:r>
+                        <a:rPr lang="en-US" sz="1000" strike="sngStrike" dirty="0" smtClean="0"/>
                         <a:t>2009</a:t>
                       </a:r>
-                      <a:endParaRPr lang="en-US" sz="1200" dirty="0"/>
+                      <a:endParaRPr lang="en-US" sz="1000" strike="sngStrike" dirty="0"/>
                     </a:p>
                   </a:txBody>
                   <a:tcPr/>
@@ -4316,38 +4351,424 @@
                     <a:lstStyle/>
                     <a:p>
                       <a:r>
-                        <a:rPr lang="en-US" sz="1200" dirty="0" smtClean="0"/>
-                        <a:t>2.0</a:t>
-                      </a:r>
-                      <a:endParaRPr lang="en-US" sz="1200" dirty="0"/>
-                    </a:p>
-                  </a:txBody>
-                  <a:tcPr/>
-                </a:tc>
-                <a:tc>
-                  <a:txBody>
-                    <a:bodyPr/>
-                    <a:lstStyle/>
-                    <a:p>
-                      <a:r>
-                        <a:rPr lang="en-US" sz="1200" dirty="0" smtClean="0"/>
+                        <a:rPr lang="en-US" sz="800" dirty="0" smtClean="0"/>
+                        <a:t>MMLv1 (</a:t>
+                      </a:r>
+                      <a:r>
+                        <a:rPr lang="en-US" sz="800" dirty="0" err="1" smtClean="0"/>
+                        <a:t>Git</a:t>
+                      </a:r>
+                      <a:r>
+                        <a:rPr lang="en-US" sz="800" dirty="0" smtClean="0"/>
+                        <a:t>)</a:t>
+                      </a:r>
+                      <a:endParaRPr lang="en-US" sz="800" dirty="0"/>
+                    </a:p>
+                  </a:txBody>
+                  <a:tcPr/>
+                </a:tc>
+                <a:tc>
+                  <a:txBody>
+                    <a:bodyPr/>
+                    <a:lstStyle/>
+                    <a:p>
+                      <a:r>
+                        <a:rPr lang="en-US" sz="1000" dirty="0" smtClean="0"/>
+                        <a:t>MMLv1.0</a:t>
+                      </a:r>
+                      <a:endParaRPr lang="en-US" sz="1000" dirty="0"/>
+                    </a:p>
+                  </a:txBody>
+                  <a:tcPr/>
+                </a:tc>
+                <a:tc>
+                  <a:txBody>
+                    <a:bodyPr/>
+                    <a:lstStyle/>
+                    <a:p>
+                      <a:pPr algn="ctr"/>
+                      <a:r>
+                        <a:rPr lang="en-US" sz="1000" dirty="0" smtClean="0"/>
                         <a:t>1.0</a:t>
                       </a:r>
-                      <a:endParaRPr lang="en-US" sz="1200" dirty="0"/>
-                    </a:p>
-                  </a:txBody>
-                  <a:tcPr/>
-                </a:tc>
-                <a:tc>
-                  <a:txBody>
-                    <a:bodyPr/>
-                    <a:lstStyle/>
-                    <a:p>
-                      <a:r>
-                        <a:rPr lang="en-US" sz="1200" dirty="0" smtClean="0"/>
+                      <a:endParaRPr lang="en-US" sz="1000" dirty="0"/>
+                    </a:p>
+                  </a:txBody>
+                  <a:tcPr/>
+                </a:tc>
+                <a:tc>
+                  <a:txBody>
+                    <a:bodyPr/>
+                    <a:lstStyle/>
+                    <a:p>
+                      <a:pPr algn="ctr"/>
+                      <a:r>
+                        <a:rPr lang="en-US" sz="1000" dirty="0" smtClean="0"/>
+                        <a:t>1.0 R</a:t>
+                      </a:r>
+                      <a:endParaRPr lang="en-US" sz="1000" dirty="0"/>
+                    </a:p>
+                  </a:txBody>
+                  <a:tcPr/>
+                </a:tc>
+                <a:tc>
+                  <a:txBody>
+                    <a:bodyPr/>
+                    <a:lstStyle/>
+                    <a:p>
+                      <a:pPr marL="0" marR="0" indent="0" algn="ctr" defTabSz="914400" rtl="0" eaLnBrk="1" fontAlgn="auto" latinLnBrk="0" hangingPunct="1">
+                        <a:lnSpc>
+                          <a:spcPct val="100000"/>
+                        </a:lnSpc>
+                        <a:spcBef>
+                          <a:spcPts val="0"/>
+                        </a:spcBef>
+                        <a:spcAft>
+                          <a:spcPts val="0"/>
+                        </a:spcAft>
+                        <a:buClrTx/>
+                        <a:buSzTx/>
+                        <a:buFontTx/>
+                        <a:buNone/>
+                        <a:tabLst/>
+                        <a:defRPr/>
+                      </a:pPr>
+                      <a:r>
+                        <a:rPr lang="en-US" sz="1000" dirty="0" smtClean="0"/>
+                        <a:t>–</a:t>
+                      </a:r>
+                    </a:p>
+                  </a:txBody>
+                  <a:tcPr/>
+                </a:tc>
+                <a:tc>
+                  <a:txBody>
+                    <a:bodyPr/>
+                    <a:lstStyle/>
+                    <a:p>
+                      <a:pPr algn="ctr"/>
+                      <a:r>
+                        <a:rPr lang="en-US" sz="1000" dirty="0" smtClean="0"/>
                         <a:t>1.0</a:t>
                       </a:r>
-                      <a:endParaRPr lang="en-US" sz="1200" dirty="0"/>
+                      <a:endParaRPr lang="en-US" sz="1000" dirty="0"/>
+                    </a:p>
+                  </a:txBody>
+                  <a:tcPr/>
+                </a:tc>
+                <a:tc>
+                  <a:txBody>
+                    <a:bodyPr/>
+                    <a:lstStyle/>
+                    <a:p>
+                      <a:pPr algn="ctr"/>
+                      <a:r>
+                        <a:rPr lang="en-US" sz="1000" dirty="0" smtClean="0">
+                          <a:solidFill>
+                            <a:schemeClr val="tx1"/>
+                          </a:solidFill>
+                        </a:rPr>
+                        <a:t>Repast</a:t>
+                      </a:r>
+                      <a:endParaRPr lang="en-US" sz="1000" dirty="0"/>
+                    </a:p>
+                  </a:txBody>
+                  <a:tcPr/>
+                </a:tc>
+                <a:tc>
+                  <a:txBody>
+                    <a:bodyPr/>
+                    <a:lstStyle/>
+                    <a:p>
+                      <a:pPr algn="ctr"/>
+                      <a:r>
+                        <a:rPr lang="en-US" sz="1000" dirty="0" smtClean="0"/>
+                        <a:t>6.4</a:t>
+                      </a:r>
+                      <a:endParaRPr lang="en-US" sz="1000" dirty="0"/>
+                    </a:p>
+                  </a:txBody>
+                  <a:tcPr/>
+                </a:tc>
+                <a:tc>
+                  <a:txBody>
+                    <a:bodyPr/>
+                    <a:lstStyle/>
+                    <a:p>
+                      <a:pPr algn="ctr"/>
+                      <a:r>
+                        <a:rPr lang="en-US" sz="1000" dirty="0" smtClean="0"/>
+                        <a:t>Python 2.7</a:t>
+                      </a:r>
+                      <a:endParaRPr lang="en-US" sz="1000" dirty="0"/>
+                    </a:p>
+                  </a:txBody>
+                  <a:tcPr/>
+                </a:tc>
+                <a:tc>
+                  <a:txBody>
+                    <a:bodyPr/>
+                    <a:lstStyle/>
+                    <a:p>
+                      <a:endParaRPr lang="en-US" sz="1000"/>
+                    </a:p>
+                  </a:txBody>
+                  <a:tcPr/>
+                </a:tc>
+                <a:tc>
+                  <a:txBody>
+                    <a:bodyPr/>
+                    <a:lstStyle/>
+                    <a:p>
+                      <a:r>
+                        <a:rPr lang="en-US" sz="1000" dirty="0" smtClean="0"/>
+                        <a:t>Bash</a:t>
+                      </a:r>
+                      <a:r>
+                        <a:rPr lang="en-US" sz="1000" baseline="0" dirty="0" smtClean="0"/>
+                        <a:t> -&gt; Python</a:t>
+                      </a:r>
+                      <a:endParaRPr lang="en-US" sz="1000" dirty="0"/>
+                    </a:p>
+                  </a:txBody>
+                  <a:tcPr/>
+                </a:tc>
+                <a:tc>
+                  <a:txBody>
+                    <a:bodyPr/>
+                    <a:lstStyle/>
+                    <a:p>
+                      <a:r>
+                        <a:rPr lang="en-US" sz="1000" dirty="0" smtClean="0"/>
+                        <a:t>2013</a:t>
+                      </a:r>
+                      <a:endParaRPr lang="en-US" sz="1000" dirty="0"/>
+                    </a:p>
+                  </a:txBody>
+                  <a:tcPr/>
+                </a:tc>
+              </a:tr>
+              <a:tr h="370840">
+                <a:tc>
+                  <a:txBody>
+                    <a:bodyPr/>
+                    <a:lstStyle/>
+                    <a:p>
+                      <a:r>
+                        <a:rPr lang="en-US" sz="800" dirty="0" err="1" smtClean="0"/>
+                        <a:t>StupidModel</a:t>
+                      </a:r>
+                      <a:r>
+                        <a:rPr lang="en-US" sz="800" baseline="0" dirty="0" smtClean="0"/>
+                        <a:t> (Sep. 2014, </a:t>
+                      </a:r>
+                      <a:r>
+                        <a:rPr lang="en-US" sz="800" baseline="0" dirty="0" err="1" smtClean="0"/>
+                        <a:t>Git</a:t>
+                      </a:r>
+                      <a:r>
+                        <a:rPr lang="en-US" sz="800" baseline="0" dirty="0" smtClean="0"/>
+                        <a:t>)</a:t>
+                      </a:r>
+                      <a:endParaRPr lang="en-US" sz="800" dirty="0"/>
+                    </a:p>
+                  </a:txBody>
+                  <a:tcPr/>
+                </a:tc>
+                <a:tc>
+                  <a:txBody>
+                    <a:bodyPr/>
+                    <a:lstStyle/>
+                    <a:p>
+                      <a:r>
+                        <a:rPr lang="en-US" sz="1000" dirty="0" smtClean="0"/>
+                        <a:t>MMLv2.0</a:t>
+                      </a:r>
+                      <a:endParaRPr lang="en-US" sz="1000" dirty="0"/>
+                    </a:p>
+                  </a:txBody>
+                  <a:tcPr/>
+                </a:tc>
+                <a:tc>
+                  <a:txBody>
+                    <a:bodyPr/>
+                    <a:lstStyle/>
+                    <a:p>
+                      <a:pPr algn="ctr"/>
+                      <a:r>
+                        <a:rPr lang="en-US" sz="1000" dirty="0" smtClean="0"/>
+                        <a:t>1.0</a:t>
+                      </a:r>
+                      <a:endParaRPr lang="en-US" sz="1000" dirty="0"/>
+                    </a:p>
+                  </a:txBody>
+                  <a:tcPr/>
+                </a:tc>
+                <a:tc>
+                  <a:txBody>
+                    <a:bodyPr/>
+                    <a:lstStyle/>
+                    <a:p>
+                      <a:pPr marL="0" marR="0" indent="0" algn="ctr" defTabSz="914400" rtl="0" eaLnBrk="1" fontAlgn="auto" latinLnBrk="0" hangingPunct="1">
+                        <a:lnSpc>
+                          <a:spcPct val="100000"/>
+                        </a:lnSpc>
+                        <a:spcBef>
+                          <a:spcPts val="0"/>
+                        </a:spcBef>
+                        <a:spcAft>
+                          <a:spcPts val="0"/>
+                        </a:spcAft>
+                        <a:buClrTx/>
+                        <a:buSzTx/>
+                        <a:buFontTx/>
+                        <a:buNone/>
+                        <a:tabLst/>
+                        <a:defRPr/>
+                      </a:pPr>
+                      <a:r>
+                        <a:rPr lang="en-US" sz="1000" dirty="0" smtClean="0"/>
+                        <a:t>1.1 – </a:t>
+                      </a:r>
+                    </a:p>
+                    <a:p>
+                      <a:pPr algn="ctr"/>
+                      <a:endParaRPr lang="en-US" sz="1000" dirty="0"/>
+                    </a:p>
+                  </a:txBody>
+                  <a:tcPr/>
+                </a:tc>
+                <a:tc>
+                  <a:txBody>
+                    <a:bodyPr/>
+                    <a:lstStyle/>
+                    <a:p>
+                      <a:pPr marL="0" marR="0" indent="0" algn="ctr" defTabSz="914400" rtl="0" eaLnBrk="1" fontAlgn="auto" latinLnBrk="0" hangingPunct="1">
+                        <a:lnSpc>
+                          <a:spcPct val="100000"/>
+                        </a:lnSpc>
+                        <a:spcBef>
+                          <a:spcPts val="0"/>
+                        </a:spcBef>
+                        <a:spcAft>
+                          <a:spcPts val="0"/>
+                        </a:spcAft>
+                        <a:buClrTx/>
+                        <a:buSzTx/>
+                        <a:buFontTx/>
+                        <a:buNone/>
+                        <a:tabLst/>
+                        <a:defRPr/>
+                      </a:pPr>
+                      <a:r>
+                        <a:rPr lang="en-US" sz="1000" dirty="0" smtClean="0"/>
+                        <a:t>–</a:t>
+                      </a:r>
+                    </a:p>
+                    <a:p>
+                      <a:pPr algn="ctr"/>
+                      <a:endParaRPr lang="en-US" sz="1000" dirty="0"/>
+                    </a:p>
+                  </a:txBody>
+                  <a:tcPr/>
+                </a:tc>
+                <a:tc>
+                  <a:txBody>
+                    <a:bodyPr/>
+                    <a:lstStyle/>
+                    <a:p>
+                      <a:pPr algn="ctr"/>
+                      <a:r>
+                        <a:rPr lang="en-US" sz="1000" dirty="0" smtClean="0"/>
+                        <a:t>1.0</a:t>
+                      </a:r>
+                      <a:endParaRPr lang="en-US" sz="1000" dirty="0"/>
+                    </a:p>
+                  </a:txBody>
+                  <a:tcPr/>
+                </a:tc>
+                <a:tc>
+                  <a:txBody>
+                    <a:bodyPr/>
+                    <a:lstStyle/>
+                    <a:p>
+                      <a:pPr marL="0" marR="0" indent="0" algn="ctr" defTabSz="914400" rtl="0" eaLnBrk="1" fontAlgn="auto" latinLnBrk="0" hangingPunct="1">
+                        <a:lnSpc>
+                          <a:spcPct val="100000"/>
+                        </a:lnSpc>
+                        <a:spcBef>
+                          <a:spcPts val="0"/>
+                        </a:spcBef>
+                        <a:spcAft>
+                          <a:spcPts val="0"/>
+                        </a:spcAft>
+                        <a:buClrTx/>
+                        <a:buSzTx/>
+                        <a:buFontTx/>
+                        <a:buNone/>
+                        <a:tabLst/>
+                        <a:defRPr/>
+                      </a:pPr>
+                      <a:r>
+                        <a:rPr lang="en-US" sz="1000" dirty="0" smtClean="0">
+                          <a:solidFill>
+                            <a:schemeClr val="tx1"/>
+                          </a:solidFill>
+                        </a:rPr>
+                        <a:t>Repast</a:t>
+                      </a:r>
+                      <a:endParaRPr lang="en-US" sz="1000" dirty="0" smtClean="0"/>
+                    </a:p>
+                  </a:txBody>
+                  <a:tcPr/>
+                </a:tc>
+                <a:tc>
+                  <a:txBody>
+                    <a:bodyPr/>
+                    <a:lstStyle/>
+                    <a:p>
+                      <a:pPr marL="0" marR="0" indent="0" algn="ctr" defTabSz="914400" rtl="0" eaLnBrk="1" fontAlgn="auto" latinLnBrk="0" hangingPunct="1">
+                        <a:lnSpc>
+                          <a:spcPct val="100000"/>
+                        </a:lnSpc>
+                        <a:spcBef>
+                          <a:spcPts val="0"/>
+                        </a:spcBef>
+                        <a:spcAft>
+                          <a:spcPts val="0"/>
+                        </a:spcAft>
+                        <a:buClrTx/>
+                        <a:buSzTx/>
+                        <a:buFontTx/>
+                        <a:buNone/>
+                        <a:tabLst/>
+                        <a:defRPr/>
+                      </a:pPr>
+                      <a:r>
+                        <a:rPr lang="en-US" sz="1000" dirty="0" smtClean="0"/>
+                        <a:t>6.4</a:t>
+                      </a:r>
+                    </a:p>
+                  </a:txBody>
+                  <a:tcPr/>
+                </a:tc>
+                <a:tc>
+                  <a:txBody>
+                    <a:bodyPr/>
+                    <a:lstStyle/>
+                    <a:p>
+                      <a:pPr algn="ctr"/>
+                      <a:endParaRPr lang="en-US" sz="1000" dirty="0"/>
+                    </a:p>
+                  </a:txBody>
+                  <a:tcPr/>
+                </a:tc>
+                <a:tc>
+                  <a:txBody>
+                    <a:bodyPr/>
+                    <a:lstStyle/>
+                    <a:p>
+                      <a:endParaRPr lang="en-US" sz="1000" dirty="0"/>
                     </a:p>
                   </a:txBody>
                   <a:tcPr/>
@@ -4375,86 +4796,276 @@
                         <a:defRPr/>
                       </a:pPr>
                       <a:r>
-                        <a:rPr lang="en-US" sz="1200" dirty="0" smtClean="0"/>
+                        <a:rPr lang="en-US" sz="1000" dirty="0" smtClean="0"/>
+                        <a:t>DEVS -&gt; Repast,</a:t>
+                      </a:r>
+                      <a:r>
+                        <a:rPr lang="en-US" sz="1000" baseline="0" dirty="0" smtClean="0"/>
+                        <a:t> JRE 4-7</a:t>
+                      </a:r>
+                      <a:endParaRPr lang="en-US" sz="1000" dirty="0" smtClean="0"/>
+                    </a:p>
+                  </a:txBody>
+                  <a:tcPr/>
+                </a:tc>
+                <a:tc>
+                  <a:txBody>
+                    <a:bodyPr/>
+                    <a:lstStyle/>
+                    <a:p>
+                      <a:r>
+                        <a:rPr lang="en-US" sz="1000" dirty="0" smtClean="0"/>
+                        <a:t>2014</a:t>
+                      </a:r>
+                      <a:endParaRPr lang="en-US" sz="1000" dirty="0"/>
+                    </a:p>
+                  </a:txBody>
+                  <a:tcPr/>
+                </a:tc>
+              </a:tr>
+              <a:tr h="370840">
+                <a:tc>
+                  <a:txBody>
+                    <a:bodyPr/>
+                    <a:lstStyle/>
+                    <a:p>
+                      <a:r>
+                        <a:rPr lang="en-US" sz="800" dirty="0" smtClean="0"/>
+                        <a:t>“</a:t>
+                      </a:r>
+                      <a:r>
+                        <a:rPr lang="en-US" sz="800" dirty="0" err="1" smtClean="0"/>
+                        <a:t>StupidModel</a:t>
+                      </a:r>
+                      <a:r>
+                        <a:rPr lang="en-US" sz="800" baseline="0" dirty="0" smtClean="0"/>
+                        <a:t>” (Dec. 2014, lab computer)</a:t>
+                      </a:r>
+                      <a:endParaRPr lang="en-US" sz="800" dirty="0"/>
+                    </a:p>
+                  </a:txBody>
+                  <a:tcPr/>
+                </a:tc>
+                <a:tc>
+                  <a:txBody>
+                    <a:bodyPr/>
+                    <a:lstStyle/>
+                    <a:p>
+                      <a:r>
+                        <a:rPr lang="en-US" sz="1000" dirty="0" smtClean="0"/>
+                        <a:t>MMLv2.1</a:t>
+                      </a:r>
+                      <a:endParaRPr lang="en-US" sz="1000" dirty="0"/>
+                    </a:p>
+                  </a:txBody>
+                  <a:tcPr/>
+                </a:tc>
+                <a:tc>
+                  <a:txBody>
+                    <a:bodyPr/>
+                    <a:lstStyle/>
+                    <a:p>
+                      <a:pPr algn="ctr"/>
+                      <a:r>
+                        <a:rPr lang="en-US" sz="1000" dirty="0" smtClean="0"/>
+                        <a:t>1.0</a:t>
+                      </a:r>
+                      <a:endParaRPr lang="en-US" sz="1000" dirty="0"/>
+                    </a:p>
+                  </a:txBody>
+                  <a:tcPr/>
+                </a:tc>
+                <a:tc>
+                  <a:txBody>
+                    <a:bodyPr/>
+                    <a:lstStyle/>
+                    <a:p>
+                      <a:pPr marL="0" marR="0" indent="0" algn="ctr" defTabSz="914400" rtl="0" eaLnBrk="1" fontAlgn="auto" latinLnBrk="0" hangingPunct="1">
+                        <a:lnSpc>
+                          <a:spcPct val="100000"/>
+                        </a:lnSpc>
+                        <a:spcBef>
+                          <a:spcPts val="0"/>
+                        </a:spcBef>
+                        <a:spcAft>
+                          <a:spcPts val="0"/>
+                        </a:spcAft>
+                        <a:buClrTx/>
+                        <a:buSzTx/>
+                        <a:buFontTx/>
+                        <a:buNone/>
+                        <a:tabLst/>
+                        <a:defRPr/>
+                      </a:pPr>
+                      <a:r>
+                        <a:rPr lang="en-US" sz="1000" dirty="0" smtClean="0"/>
+                        <a:t>1.2 R</a:t>
+                      </a:r>
+                    </a:p>
+                  </a:txBody>
+                  <a:tcPr/>
+                </a:tc>
+                <a:tc>
+                  <a:txBody>
+                    <a:bodyPr/>
+                    <a:lstStyle/>
+                    <a:p>
+                      <a:pPr marL="0" marR="0" indent="0" algn="ctr" defTabSz="914400" rtl="0" eaLnBrk="1" fontAlgn="auto" latinLnBrk="0" hangingPunct="1">
+                        <a:lnSpc>
+                          <a:spcPct val="100000"/>
+                        </a:lnSpc>
+                        <a:spcBef>
+                          <a:spcPts val="0"/>
+                        </a:spcBef>
+                        <a:spcAft>
+                          <a:spcPts val="0"/>
+                        </a:spcAft>
+                        <a:buClrTx/>
+                        <a:buSzTx/>
+                        <a:buFontTx/>
+                        <a:buNone/>
+                        <a:tabLst/>
+                        <a:defRPr/>
+                      </a:pPr>
+                      <a:r>
+                        <a:rPr lang="en-US" sz="1000" dirty="0" smtClean="0"/>
                         <a:t>–</a:t>
                       </a:r>
                     </a:p>
-                    <a:p>
-                      <a:endParaRPr lang="en-US" sz="1200" dirty="0"/>
-                    </a:p>
-                  </a:txBody>
-                  <a:tcPr/>
-                </a:tc>
-                <a:tc>
-                  <a:txBody>
-                    <a:bodyPr/>
-                    <a:lstStyle/>
-                    <a:p>
-                      <a:r>
-                        <a:rPr lang="en-US" sz="1200" dirty="0" smtClean="0"/>
-                        <a:t>1.0</a:t>
-                      </a:r>
-                      <a:endParaRPr lang="en-US" sz="1200" dirty="0"/>
-                    </a:p>
-                  </a:txBody>
-                  <a:tcPr/>
-                </a:tc>
-                <a:tc>
-                  <a:txBody>
-                    <a:bodyPr/>
-                    <a:lstStyle/>
-                    <a:p>
-                      <a:r>
-                        <a:rPr lang="en-US" sz="1200" dirty="0" smtClean="0">
+                  </a:txBody>
+                  <a:tcPr/>
+                </a:tc>
+                <a:tc>
+                  <a:txBody>
+                    <a:bodyPr/>
+                    <a:lstStyle/>
+                    <a:p>
+                      <a:pPr algn="ctr"/>
+                      <a:r>
+                        <a:rPr lang="en-US" sz="1000" dirty="0" smtClean="0"/>
+                        <a:t>1.1</a:t>
+                      </a:r>
+                      <a:endParaRPr lang="en-US" sz="1000" dirty="0"/>
+                    </a:p>
+                  </a:txBody>
+                  <a:tcPr/>
+                </a:tc>
+                <a:tc>
+                  <a:txBody>
+                    <a:bodyPr/>
+                    <a:lstStyle/>
+                    <a:p>
+                      <a:pPr marL="0" marR="0" indent="0" algn="ctr" defTabSz="914400" rtl="0" eaLnBrk="1" fontAlgn="auto" latinLnBrk="0" hangingPunct="1">
+                        <a:lnSpc>
+                          <a:spcPct val="100000"/>
+                        </a:lnSpc>
+                        <a:spcBef>
+                          <a:spcPts val="0"/>
+                        </a:spcBef>
+                        <a:spcAft>
+                          <a:spcPts val="0"/>
+                        </a:spcAft>
+                        <a:buClrTx/>
+                        <a:buSzTx/>
+                        <a:buFontTx/>
+                        <a:buNone/>
+                        <a:tabLst/>
+                        <a:defRPr/>
+                      </a:pPr>
+                      <a:r>
+                        <a:rPr lang="en-US" sz="1000" dirty="0" smtClean="0">
                           <a:solidFill>
                             <a:schemeClr val="tx1"/>
                           </a:solidFill>
                         </a:rPr>
                         <a:t>Repast</a:t>
                       </a:r>
-                      <a:endParaRPr lang="en-US" sz="1200" dirty="0"/>
-                    </a:p>
-                  </a:txBody>
-                  <a:tcPr/>
-                </a:tc>
-                <a:tc>
-                  <a:txBody>
-                    <a:bodyPr/>
-                    <a:lstStyle/>
-                    <a:p>
-                      <a:r>
-                        <a:rPr lang="en-US" sz="1200" dirty="0" smtClean="0"/>
+                      <a:endParaRPr lang="en-US" sz="1000" dirty="0" smtClean="0"/>
+                    </a:p>
+                  </a:txBody>
+                  <a:tcPr/>
+                </a:tc>
+                <a:tc>
+                  <a:txBody>
+                    <a:bodyPr/>
+                    <a:lstStyle/>
+                    <a:p>
+                      <a:pPr marL="0" marR="0" indent="0" algn="ctr" defTabSz="914400" rtl="0" eaLnBrk="1" fontAlgn="auto" latinLnBrk="0" hangingPunct="1">
+                        <a:lnSpc>
+                          <a:spcPct val="100000"/>
+                        </a:lnSpc>
+                        <a:spcBef>
+                          <a:spcPts val="0"/>
+                        </a:spcBef>
+                        <a:spcAft>
+                          <a:spcPts val="0"/>
+                        </a:spcAft>
+                        <a:buClrTx/>
+                        <a:buSzTx/>
+                        <a:buFontTx/>
+                        <a:buNone/>
+                        <a:tabLst/>
+                        <a:defRPr/>
+                      </a:pPr>
+                      <a:r>
+                        <a:rPr lang="en-US" sz="1000" dirty="0" smtClean="0"/>
                         <a:t>6.4</a:t>
                       </a:r>
-                      <a:endParaRPr lang="en-US" sz="1200" dirty="0"/>
-                    </a:p>
-                  </a:txBody>
-                  <a:tcPr/>
-                </a:tc>
-                <a:tc>
-                  <a:txBody>
-                    <a:bodyPr/>
-                    <a:lstStyle/>
-                    <a:p>
-                      <a:r>
-                        <a:rPr lang="en-US" sz="1200" dirty="0" smtClean="0"/>
-                        <a:t>Python 2.7</a:t>
-                      </a:r>
-                      <a:endParaRPr lang="en-US" sz="1200" dirty="0"/>
-                    </a:p>
-                  </a:txBody>
-                  <a:tcPr/>
-                </a:tc>
-                <a:tc>
-                  <a:txBody>
-                    <a:bodyPr/>
-                    <a:lstStyle/>
-                    <a:p>
-                      <a:endParaRPr lang="en-US" sz="1200"/>
-                    </a:p>
-                  </a:txBody>
-                  <a:tcPr/>
-                </a:tc>
+                    </a:p>
+                  </a:txBody>
+                  <a:tcPr/>
+                </a:tc>
+                <a:tc>
+                  <a:txBody>
+                    <a:bodyPr/>
+                    <a:lstStyle/>
+                    <a:p>
+                      <a:pPr algn="ctr"/>
+                      <a:endParaRPr lang="en-US" sz="1000" dirty="0"/>
+                    </a:p>
+                  </a:txBody>
+                  <a:tcPr/>
+                </a:tc>
+                <a:tc>
+                  <a:txBody>
+                    <a:bodyPr/>
+                    <a:lstStyle/>
+                    <a:p>
+                      <a:endParaRPr lang="en-US" sz="1000" dirty="0"/>
+                    </a:p>
+                  </a:txBody>
+                  <a:tcPr/>
+                </a:tc>
+                <a:tc>
+                  <a:txBody>
+                    <a:bodyPr/>
+                    <a:lstStyle/>
+                    <a:p>
+                      <a:r>
+                        <a:rPr lang="en-US" sz="1000" baseline="0" dirty="0" smtClean="0"/>
+                        <a:t>+~35% speedup</a:t>
+                      </a:r>
+                      <a:endParaRPr lang="en-US" sz="1000" dirty="0"/>
+                    </a:p>
+                  </a:txBody>
+                  <a:tcPr/>
+                </a:tc>
+                <a:tc>
+                  <a:txBody>
+                    <a:bodyPr/>
+                    <a:lstStyle/>
+                    <a:p>
+                      <a:r>
+                        <a:rPr lang="en-US" sz="1000" dirty="0" smtClean="0"/>
+                        <a:t>2014</a:t>
+                      </a:r>
+                      <a:endParaRPr lang="en-US" sz="1000" dirty="0"/>
+                    </a:p>
+                  </a:txBody>
+                  <a:tcPr/>
+                </a:tc>
+              </a:tr>
+              <a:tr h="370840">
                 <a:tc>
                   <a:txBody>
                     <a:bodyPr/>
@@ -4478,77 +5089,246 @@
                         <a:defRPr/>
                       </a:pPr>
                       <a:r>
-                        <a:rPr lang="en-US" sz="1200" dirty="0" smtClean="0"/>
-                        <a:t>DEVS -&gt; </a:t>
-                      </a:r>
-                      <a:r>
-                        <a:rPr lang="en-US" sz="1200" dirty="0" smtClean="0"/>
-                        <a:t>Repast, </a:t>
-                      </a:r>
-                      <a:r>
-                        <a:rPr lang="en-US" sz="1200" baseline="0" dirty="0" smtClean="0"/>
-                        <a:t>, JRE 4-7</a:t>
-                      </a:r>
-                      <a:endParaRPr lang="en-US" sz="1200" dirty="0" smtClean="0"/>
-                    </a:p>
-                    <a:p>
-                      <a:r>
-                        <a:rPr lang="en-US" sz="1200" dirty="0" smtClean="0"/>
-                        <a:t>Bash</a:t>
-                      </a:r>
-                      <a:r>
-                        <a:rPr lang="en-US" sz="1200" baseline="0" dirty="0" smtClean="0"/>
-                        <a:t> -&gt; Python</a:t>
-                      </a:r>
-                      <a:endParaRPr lang="en-US" sz="1200" dirty="0"/>
-                    </a:p>
-                  </a:txBody>
-                  <a:tcPr/>
-                </a:tc>
-                <a:tc>
-                  <a:txBody>
-                    <a:bodyPr/>
-                    <a:lstStyle/>
-                    <a:p>
-                      <a:r>
-                        <a:rPr lang="en-US" sz="1200" dirty="0" smtClean="0"/>
-                        <a:t>2013</a:t>
-                      </a:r>
-                      <a:endParaRPr lang="en-US" sz="1200" dirty="0"/>
+                        <a:rPr lang="en-US" sz="800" dirty="0" smtClean="0"/>
+                        <a:t>“</a:t>
+                      </a:r>
+                      <a:r>
+                        <a:rPr lang="en-US" sz="800" dirty="0" err="1" smtClean="0"/>
+                        <a:t>StupidModel</a:t>
+                      </a:r>
+                      <a:r>
+                        <a:rPr lang="en-US" sz="800" baseline="0" dirty="0" smtClean="0"/>
+                        <a:t>” (Aug. 2015, lab computer)</a:t>
+                      </a:r>
+                      <a:endParaRPr lang="en-US" sz="800" dirty="0" smtClean="0"/>
+                    </a:p>
+                  </a:txBody>
+                  <a:tcPr/>
+                </a:tc>
+                <a:tc>
+                  <a:txBody>
+                    <a:bodyPr/>
+                    <a:lstStyle/>
+                    <a:p>
+                      <a:r>
+                        <a:rPr lang="en-US" sz="1000" dirty="0" smtClean="0"/>
+                        <a:t>MMLv3.0</a:t>
+                      </a:r>
+                      <a:endParaRPr lang="en-US" sz="1000" dirty="0"/>
+                    </a:p>
+                  </a:txBody>
+                  <a:tcPr/>
+                </a:tc>
+                <a:tc>
+                  <a:txBody>
+                    <a:bodyPr/>
+                    <a:lstStyle/>
+                    <a:p>
+                      <a:pPr algn="ctr"/>
+                      <a:r>
+                        <a:rPr lang="en-US" sz="1000" dirty="0" smtClean="0"/>
+                        <a:t>1.0</a:t>
+                      </a:r>
+                      <a:endParaRPr lang="en-US" sz="1000" dirty="0"/>
+                    </a:p>
+                  </a:txBody>
+                  <a:tcPr/>
+                </a:tc>
+                <a:tc>
+                  <a:txBody>
+                    <a:bodyPr/>
+                    <a:lstStyle/>
+                    <a:p>
+                      <a:pPr marL="0" marR="0" indent="0" algn="ctr" defTabSz="914400" rtl="0" eaLnBrk="1" fontAlgn="auto" latinLnBrk="0" hangingPunct="1">
+                        <a:lnSpc>
+                          <a:spcPct val="100000"/>
+                        </a:lnSpc>
+                        <a:spcBef>
+                          <a:spcPts val="0"/>
+                        </a:spcBef>
+                        <a:spcAft>
+                          <a:spcPts val="0"/>
+                        </a:spcAft>
+                        <a:buClrTx/>
+                        <a:buSzTx/>
+                        <a:buFontTx/>
+                        <a:buNone/>
+                        <a:tabLst/>
+                        <a:defRPr/>
+                      </a:pPr>
+                      <a:r>
+                        <a:rPr lang="en-US" sz="1000" dirty="0" smtClean="0"/>
+                        <a:t>2.0 R</a:t>
+                      </a:r>
+                    </a:p>
+                  </a:txBody>
+                  <a:tcPr/>
+                </a:tc>
+                <a:tc>
+                  <a:txBody>
+                    <a:bodyPr/>
+                    <a:lstStyle/>
+                    <a:p>
+                      <a:pPr marL="0" marR="0" indent="0" algn="ctr" defTabSz="914400" rtl="0" eaLnBrk="1" fontAlgn="auto" latinLnBrk="0" hangingPunct="1">
+                        <a:lnSpc>
+                          <a:spcPct val="100000"/>
+                        </a:lnSpc>
+                        <a:spcBef>
+                          <a:spcPts val="0"/>
+                        </a:spcBef>
+                        <a:spcAft>
+                          <a:spcPts val="0"/>
+                        </a:spcAft>
+                        <a:buClrTx/>
+                        <a:buSzTx/>
+                        <a:buFontTx/>
+                        <a:buNone/>
+                        <a:tabLst/>
+                        <a:defRPr/>
+                      </a:pPr>
+                      <a:r>
+                        <a:rPr lang="en-US" sz="1000" dirty="0" smtClean="0"/>
+                        <a:t>–</a:t>
+                      </a:r>
+                    </a:p>
+                  </a:txBody>
+                  <a:tcPr/>
+                </a:tc>
+                <a:tc>
+                  <a:txBody>
+                    <a:bodyPr/>
+                    <a:lstStyle/>
+                    <a:p>
+                      <a:pPr algn="ctr"/>
+                      <a:r>
+                        <a:rPr lang="en-US" sz="1000" baseline="0" dirty="0" smtClean="0"/>
+                        <a:t>1.1</a:t>
+                      </a:r>
+                      <a:endParaRPr lang="en-US" sz="1000" dirty="0"/>
+                    </a:p>
+                  </a:txBody>
+                  <a:tcPr/>
+                </a:tc>
+                <a:tc>
+                  <a:txBody>
+                    <a:bodyPr/>
+                    <a:lstStyle/>
+                    <a:p>
+                      <a:pPr marL="0" marR="0" indent="0" algn="ctr" defTabSz="914400" rtl="0" eaLnBrk="1" fontAlgn="auto" latinLnBrk="0" hangingPunct="1">
+                        <a:lnSpc>
+                          <a:spcPct val="100000"/>
+                        </a:lnSpc>
+                        <a:spcBef>
+                          <a:spcPts val="0"/>
+                        </a:spcBef>
+                        <a:spcAft>
+                          <a:spcPts val="0"/>
+                        </a:spcAft>
+                        <a:buClrTx/>
+                        <a:buSzTx/>
+                        <a:buFontTx/>
+                        <a:buNone/>
+                        <a:tabLst/>
+                        <a:defRPr/>
+                      </a:pPr>
+                      <a:r>
+                        <a:rPr lang="en-US" sz="1000" dirty="0" smtClean="0">
+                          <a:solidFill>
+                            <a:schemeClr val="tx1"/>
+                          </a:solidFill>
+                        </a:rPr>
+                        <a:t>Repast</a:t>
+                      </a:r>
+                      <a:endParaRPr lang="en-US" sz="1000" dirty="0" smtClean="0"/>
+                    </a:p>
+                  </a:txBody>
+                  <a:tcPr/>
+                </a:tc>
+                <a:tc>
+                  <a:txBody>
+                    <a:bodyPr/>
+                    <a:lstStyle/>
+                    <a:p>
+                      <a:pPr marL="0" marR="0" indent="0" algn="ctr" defTabSz="914400" rtl="0" eaLnBrk="1" fontAlgn="auto" latinLnBrk="0" hangingPunct="1">
+                        <a:lnSpc>
+                          <a:spcPct val="100000"/>
+                        </a:lnSpc>
+                        <a:spcBef>
+                          <a:spcPts val="0"/>
+                        </a:spcBef>
+                        <a:spcAft>
+                          <a:spcPts val="0"/>
+                        </a:spcAft>
+                        <a:buClrTx/>
+                        <a:buSzTx/>
+                        <a:buFontTx/>
+                        <a:buNone/>
+                        <a:tabLst/>
+                        <a:defRPr/>
+                      </a:pPr>
+                      <a:r>
+                        <a:rPr lang="en-US" sz="1000" dirty="0" smtClean="0"/>
+                        <a:t>6.4</a:t>
+                      </a:r>
+                    </a:p>
+                  </a:txBody>
+                  <a:tcPr/>
+                </a:tc>
+                <a:tc>
+                  <a:txBody>
+                    <a:bodyPr/>
+                    <a:lstStyle/>
+                    <a:p>
+                      <a:pPr algn="ctr"/>
+                      <a:endParaRPr lang="en-US" sz="1000" dirty="0"/>
+                    </a:p>
+                  </a:txBody>
+                  <a:tcPr/>
+                </a:tc>
+                <a:tc>
+                  <a:txBody>
+                    <a:bodyPr/>
+                    <a:lstStyle/>
+                    <a:p>
+                      <a:endParaRPr lang="en-US" sz="1000" dirty="0"/>
+                    </a:p>
+                  </a:txBody>
+                  <a:tcPr/>
+                </a:tc>
+                <a:tc>
+                  <a:txBody>
+                    <a:bodyPr/>
+                    <a:lstStyle/>
+                    <a:p>
+                      <a:r>
+                        <a:rPr lang="en-US" sz="1000" dirty="0" smtClean="0"/>
+                        <a:t>New GRASS scripts;</a:t>
+                      </a:r>
+                      <a:r>
+                        <a:rPr lang="en-US" sz="1000" baseline="0" dirty="0" smtClean="0"/>
+                        <a:t> added test suites for these GRASS scripts</a:t>
+                      </a:r>
+                      <a:endParaRPr lang="en-US" sz="1000" dirty="0"/>
+                    </a:p>
+                  </a:txBody>
+                  <a:tcPr/>
+                </a:tc>
+                <a:tc>
+                  <a:txBody>
+                    <a:bodyPr/>
+                    <a:lstStyle/>
+                    <a:p>
+                      <a:r>
+                        <a:rPr lang="en-US" sz="1000" dirty="0" smtClean="0"/>
+                        <a:t>2015</a:t>
+                      </a:r>
+                      <a:endParaRPr lang="en-US" sz="1000" dirty="0"/>
                     </a:p>
                   </a:txBody>
                   <a:tcPr/>
                 </a:tc>
               </a:tr>
               <a:tr h="370840">
-                <a:tc>
-                  <a:txBody>
-                    <a:bodyPr/>
-                    <a:lstStyle/>
-                    <a:p>
-                      <a:r>
-                        <a:rPr lang="en-US" sz="1200" dirty="0" smtClean="0"/>
-                        <a:t>3.0</a:t>
-                      </a:r>
-                      <a:endParaRPr lang="en-US" sz="1200" dirty="0"/>
-                    </a:p>
-                  </a:txBody>
-                  <a:tcPr/>
-                </a:tc>
-                <a:tc>
-                  <a:txBody>
-                    <a:bodyPr/>
-                    <a:lstStyle/>
-                    <a:p>
-                      <a:r>
-                        <a:rPr lang="en-US" sz="1200" dirty="0" smtClean="0"/>
-                        <a:t>1.0</a:t>
-                      </a:r>
-                      <a:endParaRPr lang="en-US" sz="1200" dirty="0"/>
-                    </a:p>
-                  </a:txBody>
-                  <a:tcPr/>
-                </a:tc>
                 <a:tc>
                   <a:txBody>
                     <a:bodyPr/>
@@ -4572,16 +5352,246 @@
                         <a:defRPr/>
                       </a:pPr>
                       <a:r>
-                        <a:rPr lang="en-US" sz="1200" dirty="0" smtClean="0"/>
-                        <a:t>1.5</a:t>
-                      </a:r>
-                    </a:p>
-                    <a:p>
-                      <a:endParaRPr lang="en-US" sz="1200" dirty="0"/>
-                    </a:p>
-                  </a:txBody>
-                  <a:tcPr/>
-                </a:tc>
+                        <a:rPr lang="en-US" sz="800" dirty="0" smtClean="0"/>
+                        <a:t>“</a:t>
+                      </a:r>
+                      <a:r>
+                        <a:rPr lang="en-US" sz="800" dirty="0" err="1" smtClean="0"/>
+                        <a:t>StupidModel</a:t>
+                      </a:r>
+                      <a:r>
+                        <a:rPr lang="en-US" sz="800" baseline="0" dirty="0" smtClean="0"/>
+                        <a:t>” (Dec. 2015, lab computer)</a:t>
+                      </a:r>
+                      <a:endParaRPr lang="en-US" sz="800" dirty="0" smtClean="0"/>
+                    </a:p>
+                  </a:txBody>
+                  <a:tcPr/>
+                </a:tc>
+                <a:tc>
+                  <a:txBody>
+                    <a:bodyPr/>
+                    <a:lstStyle/>
+                    <a:p>
+                      <a:r>
+                        <a:rPr lang="en-US" sz="1000" dirty="0" smtClean="0"/>
+                        <a:t>MMLv3.1</a:t>
+                      </a:r>
+                      <a:endParaRPr lang="en-US" sz="1000" dirty="0"/>
+                    </a:p>
+                  </a:txBody>
+                  <a:tcPr/>
+                </a:tc>
+                <a:tc>
+                  <a:txBody>
+                    <a:bodyPr/>
+                    <a:lstStyle/>
+                    <a:p>
+                      <a:pPr algn="ctr"/>
+                      <a:r>
+                        <a:rPr lang="en-US" sz="1000" dirty="0" smtClean="0"/>
+                        <a:t>1.0</a:t>
+                      </a:r>
+                      <a:endParaRPr lang="en-US" sz="1000" dirty="0"/>
+                    </a:p>
+                  </a:txBody>
+                  <a:tcPr/>
+                </a:tc>
+                <a:tc>
+                  <a:txBody>
+                    <a:bodyPr/>
+                    <a:lstStyle/>
+                    <a:p>
+                      <a:pPr marL="0" marR="0" indent="0" algn="ctr" defTabSz="914400" rtl="0" eaLnBrk="1" fontAlgn="auto" latinLnBrk="0" hangingPunct="1">
+                        <a:lnSpc>
+                          <a:spcPct val="100000"/>
+                        </a:lnSpc>
+                        <a:spcBef>
+                          <a:spcPts val="0"/>
+                        </a:spcBef>
+                        <a:spcAft>
+                          <a:spcPts val="0"/>
+                        </a:spcAft>
+                        <a:buClrTx/>
+                        <a:buSzTx/>
+                        <a:buFontTx/>
+                        <a:buNone/>
+                        <a:tabLst/>
+                        <a:defRPr/>
+                      </a:pPr>
+                      <a:r>
+                        <a:rPr lang="en-US" sz="1000" dirty="0" smtClean="0"/>
+                        <a:t>2.1 –</a:t>
+                      </a:r>
+                    </a:p>
+                  </a:txBody>
+                  <a:tcPr/>
+                </a:tc>
+                <a:tc>
+                  <a:txBody>
+                    <a:bodyPr/>
+                    <a:lstStyle/>
+                    <a:p>
+                      <a:pPr marL="0" marR="0" indent="0" algn="ctr" defTabSz="914400" rtl="0" eaLnBrk="1" fontAlgn="auto" latinLnBrk="0" hangingPunct="1">
+                        <a:lnSpc>
+                          <a:spcPct val="100000"/>
+                        </a:lnSpc>
+                        <a:spcBef>
+                          <a:spcPts val="0"/>
+                        </a:spcBef>
+                        <a:spcAft>
+                          <a:spcPts val="0"/>
+                        </a:spcAft>
+                        <a:buClrTx/>
+                        <a:buSzTx/>
+                        <a:buFontTx/>
+                        <a:buNone/>
+                        <a:tabLst/>
+                        <a:defRPr/>
+                      </a:pPr>
+                      <a:r>
+                        <a:rPr lang="en-US" sz="1000" dirty="0" smtClean="0"/>
+                        <a:t>–</a:t>
+                      </a:r>
+                    </a:p>
+                  </a:txBody>
+                  <a:tcPr/>
+                </a:tc>
+                <a:tc>
+                  <a:txBody>
+                    <a:bodyPr/>
+                    <a:lstStyle/>
+                    <a:p>
+                      <a:pPr algn="ctr"/>
+                      <a:r>
+                        <a:rPr lang="en-US" sz="1000" baseline="0" dirty="0" smtClean="0"/>
+                        <a:t>1.1</a:t>
+                      </a:r>
+                      <a:endParaRPr lang="en-US" sz="1000" dirty="0"/>
+                    </a:p>
+                  </a:txBody>
+                  <a:tcPr/>
+                </a:tc>
+                <a:tc>
+                  <a:txBody>
+                    <a:bodyPr/>
+                    <a:lstStyle/>
+                    <a:p>
+                      <a:pPr marL="0" marR="0" indent="0" algn="ctr" defTabSz="914400" rtl="0" eaLnBrk="1" fontAlgn="auto" latinLnBrk="0" hangingPunct="1">
+                        <a:lnSpc>
+                          <a:spcPct val="100000"/>
+                        </a:lnSpc>
+                        <a:spcBef>
+                          <a:spcPts val="0"/>
+                        </a:spcBef>
+                        <a:spcAft>
+                          <a:spcPts val="0"/>
+                        </a:spcAft>
+                        <a:buClrTx/>
+                        <a:buSzTx/>
+                        <a:buFontTx/>
+                        <a:buNone/>
+                        <a:tabLst/>
+                        <a:defRPr/>
+                      </a:pPr>
+                      <a:r>
+                        <a:rPr lang="en-US" sz="1000" dirty="0" smtClean="0">
+                          <a:solidFill>
+                            <a:schemeClr val="tx1"/>
+                          </a:solidFill>
+                        </a:rPr>
+                        <a:t>Repast</a:t>
+                      </a:r>
+                      <a:endParaRPr lang="en-US" sz="1000" dirty="0" smtClean="0"/>
+                    </a:p>
+                  </a:txBody>
+                  <a:tcPr/>
+                </a:tc>
+                <a:tc>
+                  <a:txBody>
+                    <a:bodyPr/>
+                    <a:lstStyle/>
+                    <a:p>
+                      <a:pPr marL="0" marR="0" indent="0" algn="ctr" defTabSz="914400" rtl="0" eaLnBrk="1" fontAlgn="auto" latinLnBrk="0" hangingPunct="1">
+                        <a:lnSpc>
+                          <a:spcPct val="100000"/>
+                        </a:lnSpc>
+                        <a:spcBef>
+                          <a:spcPts val="0"/>
+                        </a:spcBef>
+                        <a:spcAft>
+                          <a:spcPts val="0"/>
+                        </a:spcAft>
+                        <a:buClrTx/>
+                        <a:buSzTx/>
+                        <a:buFontTx/>
+                        <a:buNone/>
+                        <a:tabLst/>
+                        <a:defRPr/>
+                      </a:pPr>
+                      <a:r>
+                        <a:rPr lang="en-US" sz="1000" dirty="0" smtClean="0"/>
+                        <a:t>6.4</a:t>
+                      </a:r>
+                    </a:p>
+                  </a:txBody>
+                  <a:tcPr/>
+                </a:tc>
+                <a:tc>
+                  <a:txBody>
+                    <a:bodyPr/>
+                    <a:lstStyle/>
+                    <a:p>
+                      <a:pPr algn="ctr"/>
+                      <a:endParaRPr lang="en-US" sz="1000" dirty="0"/>
+                    </a:p>
+                  </a:txBody>
+                  <a:tcPr/>
+                </a:tc>
+                <a:tc>
+                  <a:txBody>
+                    <a:bodyPr/>
+                    <a:lstStyle/>
+                    <a:p>
+                      <a:endParaRPr lang="en-US" sz="1000" dirty="0"/>
+                    </a:p>
+                  </a:txBody>
+                  <a:tcPr/>
+                </a:tc>
+                <a:tc>
+                  <a:txBody>
+                    <a:bodyPr/>
+                    <a:lstStyle/>
+                    <a:p>
+                      <a:r>
+                        <a:rPr lang="en-US" sz="1000" dirty="0" smtClean="0"/>
+                        <a:t>New GRASS scripts;</a:t>
+                      </a:r>
+                      <a:r>
+                        <a:rPr lang="en-US" sz="1000" baseline="0" dirty="0" smtClean="0"/>
+                        <a:t> added test suites for these GRASS scripts</a:t>
+                      </a:r>
+                      <a:endParaRPr lang="en-US" sz="1000" dirty="0"/>
+                    </a:p>
+                  </a:txBody>
+                  <a:tcPr/>
+                </a:tc>
+                <a:tc>
+                  <a:txBody>
+                    <a:bodyPr/>
+                    <a:lstStyle/>
+                    <a:p>
+                      <a:r>
+                        <a:rPr lang="en-US" sz="1000" dirty="0" smtClean="0"/>
+                        <a:t>2015</a:t>
+                      </a:r>
+                      <a:endParaRPr lang="en-US" sz="1000" dirty="0"/>
+                    </a:p>
+                  </a:txBody>
+                  <a:tcPr/>
+                </a:tc>
+              </a:tr>
+              <a:tr h="411480">
                 <a:tc>
                   <a:txBody>
                     <a:bodyPr/>
@@ -4605,26 +5615,596 @@
                         <a:defRPr/>
                       </a:pPr>
                       <a:r>
-                        <a:rPr lang="en-US" sz="1200" dirty="0" smtClean="0"/>
+                        <a:rPr lang="en-US" sz="800" dirty="0" smtClean="0"/>
+                        <a:t>“</a:t>
+                      </a:r>
+                      <a:r>
+                        <a:rPr lang="en-US" sz="800" dirty="0" err="1" smtClean="0"/>
+                        <a:t>StupidModel</a:t>
+                      </a:r>
+                      <a:r>
+                        <a:rPr lang="en-US" sz="800" baseline="0" dirty="0" smtClean="0"/>
+                        <a:t>” (May 2016, lab computer)</a:t>
+                      </a:r>
+                      <a:endParaRPr lang="en-US" sz="800" dirty="0" smtClean="0"/>
+                    </a:p>
+                    <a:p>
+                      <a:endParaRPr lang="en-US" sz="800" dirty="0"/>
+                    </a:p>
+                  </a:txBody>
+                  <a:tcPr/>
+                </a:tc>
+                <a:tc>
+                  <a:txBody>
+                    <a:bodyPr/>
+                    <a:lstStyle/>
+                    <a:p>
+                      <a:r>
+                        <a:rPr lang="en-US" sz="1000" dirty="0" smtClean="0"/>
+                        <a:t>MMLv5.0</a:t>
+                      </a:r>
+                      <a:endParaRPr lang="en-US" sz="1000" dirty="0"/>
+                    </a:p>
+                  </a:txBody>
+                  <a:tcPr/>
+                </a:tc>
+                <a:tc>
+                  <a:txBody>
+                    <a:bodyPr/>
+                    <a:lstStyle/>
+                    <a:p>
+                      <a:pPr marL="0" marR="0" indent="0" algn="ctr" defTabSz="914400" rtl="0" eaLnBrk="1" fontAlgn="auto" latinLnBrk="0" hangingPunct="1">
+                        <a:lnSpc>
+                          <a:spcPct val="100000"/>
+                        </a:lnSpc>
+                        <a:spcBef>
+                          <a:spcPts val="0"/>
+                        </a:spcBef>
+                        <a:spcAft>
+                          <a:spcPts val="0"/>
+                        </a:spcAft>
+                        <a:buClrTx/>
+                        <a:buSzTx/>
+                        <a:buFontTx/>
+                        <a:buNone/>
+                        <a:tabLst/>
+                        <a:defRPr/>
+                      </a:pPr>
+                      <a:r>
+                        <a:rPr lang="en-US" sz="1000" dirty="0" smtClean="0"/>
+                        <a:t>1.0</a:t>
+                      </a:r>
+                    </a:p>
+                    <a:p>
+                      <a:pPr algn="ctr"/>
+                      <a:endParaRPr lang="en-US" sz="1000" dirty="0"/>
+                    </a:p>
+                  </a:txBody>
+                  <a:tcPr/>
+                </a:tc>
+                <a:tc>
+                  <a:txBody>
+                    <a:bodyPr/>
+                    <a:lstStyle/>
+                    <a:p>
+                      <a:pPr algn="ctr"/>
+                      <a:r>
+                        <a:rPr lang="en-US" sz="1000" dirty="0" smtClean="0"/>
+                        <a:t>3.0 </a:t>
+                      </a:r>
+                      <a:endParaRPr lang="en-US" sz="1000" dirty="0"/>
+                    </a:p>
+                  </a:txBody>
+                  <a:tcPr/>
+                </a:tc>
+                <a:tc>
+                  <a:txBody>
+                    <a:bodyPr/>
+                    <a:lstStyle/>
+                    <a:p>
+                      <a:pPr marL="0" marR="0" indent="0" algn="ctr" defTabSz="914400" rtl="0" eaLnBrk="1" fontAlgn="auto" latinLnBrk="0" hangingPunct="1">
+                        <a:lnSpc>
+                          <a:spcPct val="100000"/>
+                        </a:lnSpc>
+                        <a:spcBef>
+                          <a:spcPts val="0"/>
+                        </a:spcBef>
+                        <a:spcAft>
+                          <a:spcPts val="0"/>
+                        </a:spcAft>
+                        <a:buClrTx/>
+                        <a:buSzTx/>
+                        <a:buFontTx/>
+                        <a:buNone/>
+                        <a:tabLst/>
+                        <a:defRPr/>
+                      </a:pPr>
+                      <a:r>
+                        <a:rPr lang="en-US" sz="1000" dirty="0" smtClean="0"/>
                         <a:t>–</a:t>
                       </a:r>
                     </a:p>
                     <a:p>
-                      <a:endParaRPr lang="en-US" sz="1200" dirty="0"/>
-                    </a:p>
-                  </a:txBody>
-                  <a:tcPr/>
-                </a:tc>
-                <a:tc>
-                  <a:txBody>
-                    <a:bodyPr/>
-                    <a:lstStyle/>
-                    <a:p>
-                      <a:r>
-                        <a:rPr lang="en-US" sz="1200" dirty="0" smtClean="0"/>
+                      <a:pPr algn="ctr"/>
+                      <a:endParaRPr lang="en-US" sz="1000" dirty="0"/>
+                    </a:p>
+                  </a:txBody>
+                  <a:tcPr/>
+                </a:tc>
+                <a:tc>
+                  <a:txBody>
+                    <a:bodyPr/>
+                    <a:lstStyle/>
+                    <a:p>
+                      <a:pPr marL="0" marR="0" indent="0" algn="ctr" defTabSz="914400" rtl="0" eaLnBrk="1" fontAlgn="auto" latinLnBrk="0" hangingPunct="1">
+                        <a:lnSpc>
+                          <a:spcPct val="100000"/>
+                        </a:lnSpc>
+                        <a:spcBef>
+                          <a:spcPts val="0"/>
+                        </a:spcBef>
+                        <a:spcAft>
+                          <a:spcPts val="0"/>
+                        </a:spcAft>
+                        <a:buClrTx/>
+                        <a:buSzTx/>
+                        <a:buFontTx/>
+                        <a:buNone/>
+                        <a:tabLst/>
+                        <a:defRPr/>
+                      </a:pPr>
+                      <a:r>
+                        <a:rPr lang="en-US" sz="1000" dirty="0" smtClean="0"/>
+                        <a:t>1.2</a:t>
+                      </a:r>
+                    </a:p>
+                  </a:txBody>
+                  <a:tcPr/>
+                </a:tc>
+                <a:tc>
+                  <a:txBody>
+                    <a:bodyPr/>
+                    <a:lstStyle/>
+                    <a:p>
+                      <a:pPr marL="0" marR="0" indent="0" algn="ctr" defTabSz="914400" rtl="0" eaLnBrk="1" fontAlgn="auto" latinLnBrk="0" hangingPunct="1">
+                        <a:lnSpc>
+                          <a:spcPct val="100000"/>
+                        </a:lnSpc>
+                        <a:spcBef>
+                          <a:spcPts val="0"/>
+                        </a:spcBef>
+                        <a:spcAft>
+                          <a:spcPts val="0"/>
+                        </a:spcAft>
+                        <a:buClrTx/>
+                        <a:buSzTx/>
+                        <a:buFontTx/>
+                        <a:buNone/>
+                        <a:tabLst/>
+                        <a:defRPr/>
+                      </a:pPr>
+                      <a:r>
+                        <a:rPr lang="en-US" sz="1000" dirty="0" smtClean="0">
+                          <a:solidFill>
+                            <a:schemeClr val="tx1"/>
+                          </a:solidFill>
+                        </a:rPr>
+                        <a:t>Repast</a:t>
+                      </a:r>
+                      <a:endParaRPr lang="en-US" sz="1000" dirty="0" smtClean="0"/>
+                    </a:p>
+                  </a:txBody>
+                  <a:tcPr/>
+                </a:tc>
+                <a:tc>
+                  <a:txBody>
+                    <a:bodyPr/>
+                    <a:lstStyle/>
+                    <a:p>
+                      <a:pPr algn="ctr"/>
+                      <a:r>
+                        <a:rPr lang="en-US" sz="1000" dirty="0" smtClean="0"/>
+                        <a:t>7.0</a:t>
+                      </a:r>
+                      <a:endParaRPr lang="en-US" sz="1000" dirty="0"/>
+                    </a:p>
+                  </a:txBody>
+                  <a:tcPr/>
+                </a:tc>
+                <a:tc>
+                  <a:txBody>
+                    <a:bodyPr/>
+                    <a:lstStyle/>
+                    <a:p>
+                      <a:pPr algn="ctr"/>
+                      <a:endParaRPr lang="en-US" sz="1000" dirty="0"/>
+                    </a:p>
+                  </a:txBody>
+                  <a:tcPr/>
+                </a:tc>
+                <a:tc>
+                  <a:txBody>
+                    <a:bodyPr/>
+                    <a:lstStyle/>
+                    <a:p>
+                      <a:endParaRPr lang="en-US" sz="1000" dirty="0"/>
+                    </a:p>
+                  </a:txBody>
+                  <a:tcPr/>
+                </a:tc>
+                <a:tc>
+                  <a:txBody>
+                    <a:bodyPr/>
+                    <a:lstStyle/>
+                    <a:p>
+                      <a:r>
+                        <a:rPr lang="en-US" sz="1000" dirty="0" smtClean="0"/>
+                        <a:t>Landscape</a:t>
+                      </a:r>
+                      <a:r>
+                        <a:rPr lang="en-US" sz="1000" baseline="0" dirty="0" smtClean="0"/>
+                        <a:t> scripts ported from GRASS 6.4 to 7.0</a:t>
+                      </a:r>
+                      <a:endParaRPr lang="en-US" sz="1000" dirty="0"/>
+                    </a:p>
+                  </a:txBody>
+                  <a:tcPr/>
+                </a:tc>
+                <a:tc>
+                  <a:txBody>
+                    <a:bodyPr/>
+                    <a:lstStyle/>
+                    <a:p>
+                      <a:r>
+                        <a:rPr lang="en-US" sz="1000" dirty="0" smtClean="0"/>
+                        <a:t>June 2016</a:t>
+                      </a:r>
+                      <a:endParaRPr lang="en-US" sz="1000" dirty="0"/>
+                    </a:p>
+                  </a:txBody>
+                  <a:tcPr/>
+                </a:tc>
+              </a:tr>
+              <a:tr h="370840">
+                <a:tc>
+                  <a:txBody>
+                    <a:bodyPr/>
+                    <a:lstStyle/>
+                    <a:p>
+                      <a:endParaRPr lang="en-US" sz="800" dirty="0"/>
+                    </a:p>
+                  </a:txBody>
+                  <a:tcPr/>
+                </a:tc>
+                <a:tc>
+                  <a:txBody>
+                    <a:bodyPr/>
+                    <a:lstStyle/>
+                    <a:p>
+                      <a:r>
+                        <a:rPr lang="en-US" sz="1000" dirty="0" smtClean="0"/>
+                        <a:t>MMLv5.5</a:t>
+                      </a:r>
+                      <a:endParaRPr lang="en-US" sz="1000" dirty="0"/>
+                    </a:p>
+                  </a:txBody>
+                  <a:tcPr/>
+                </a:tc>
+                <a:tc>
+                  <a:txBody>
+                    <a:bodyPr/>
+                    <a:lstStyle/>
+                    <a:p>
+                      <a:pPr algn="ctr"/>
+                      <a:endParaRPr lang="en-US" sz="1000" dirty="0"/>
+                    </a:p>
+                  </a:txBody>
+                  <a:tcPr/>
+                </a:tc>
+                <a:tc>
+                  <a:txBody>
+                    <a:bodyPr/>
+                    <a:lstStyle/>
+                    <a:p>
+                      <a:pPr algn="ctr"/>
+                      <a:r>
+                        <a:rPr lang="en-US" sz="1000" dirty="0" smtClean="0"/>
+                        <a:t>3.0</a:t>
+                      </a:r>
+                      <a:endParaRPr lang="en-US" sz="1000" dirty="0"/>
+                    </a:p>
+                  </a:txBody>
+                  <a:tcPr/>
+                </a:tc>
+                <a:tc>
+                  <a:txBody>
+                    <a:bodyPr/>
+                    <a:lstStyle/>
+                    <a:p>
+                      <a:pPr algn="ctr"/>
+                      <a:r>
+                        <a:rPr lang="en-US" sz="1000" dirty="0" smtClean="0"/>
+                        <a:t>0.1</a:t>
+                      </a:r>
+                      <a:endParaRPr lang="en-US" sz="1000" dirty="0"/>
+                    </a:p>
+                  </a:txBody>
+                  <a:tcPr/>
+                </a:tc>
+                <a:tc>
+                  <a:txBody>
+                    <a:bodyPr/>
+                    <a:lstStyle/>
+                    <a:p>
+                      <a:pPr algn="ctr"/>
+                      <a:r>
+                        <a:rPr lang="en-US" sz="1000" dirty="0" smtClean="0"/>
+                        <a:t>2.0</a:t>
+                      </a:r>
+                      <a:endParaRPr lang="en-US" sz="1000" dirty="0"/>
+                    </a:p>
+                  </a:txBody>
+                  <a:tcPr/>
+                </a:tc>
+                <a:tc>
+                  <a:txBody>
+                    <a:bodyPr/>
+                    <a:lstStyle/>
+                    <a:p>
+                      <a:pPr marL="0" marR="0" indent="0" algn="ctr" defTabSz="914400" rtl="0" eaLnBrk="1" fontAlgn="auto" latinLnBrk="0" hangingPunct="1">
+                        <a:lnSpc>
+                          <a:spcPct val="100000"/>
+                        </a:lnSpc>
+                        <a:spcBef>
+                          <a:spcPts val="0"/>
+                        </a:spcBef>
+                        <a:spcAft>
+                          <a:spcPts val="0"/>
+                        </a:spcAft>
+                        <a:buClrTx/>
+                        <a:buSzTx/>
+                        <a:buFontTx/>
+                        <a:buNone/>
+                        <a:tabLst/>
+                        <a:defRPr/>
+                      </a:pPr>
+                      <a:r>
+                        <a:rPr lang="en-US" sz="1000" dirty="0" smtClean="0">
+                          <a:solidFill>
+                            <a:schemeClr val="tx1"/>
+                          </a:solidFill>
+                        </a:rPr>
+                        <a:t>Repast</a:t>
+                      </a:r>
+                      <a:endParaRPr lang="en-US" sz="1000" dirty="0" smtClean="0"/>
+                    </a:p>
+                  </a:txBody>
+                  <a:tcPr/>
+                </a:tc>
+                <a:tc>
+                  <a:txBody>
+                    <a:bodyPr/>
+                    <a:lstStyle/>
+                    <a:p>
+                      <a:pPr algn="ctr"/>
+                      <a:r>
+                        <a:rPr lang="en-US" sz="1000" dirty="0" smtClean="0"/>
+                        <a:t>7.0</a:t>
+                      </a:r>
+                      <a:endParaRPr lang="en-US" sz="1000" dirty="0"/>
+                    </a:p>
+                  </a:txBody>
+                  <a:tcPr/>
+                </a:tc>
+                <a:tc>
+                  <a:txBody>
+                    <a:bodyPr/>
+                    <a:lstStyle/>
+                    <a:p>
+                      <a:pPr algn="ctr"/>
+                      <a:endParaRPr lang="en-US" sz="1000" dirty="0"/>
+                    </a:p>
+                  </a:txBody>
+                  <a:tcPr/>
+                </a:tc>
+                <a:tc>
+                  <a:txBody>
+                    <a:bodyPr/>
+                    <a:lstStyle/>
+                    <a:p>
+                      <a:endParaRPr lang="en-US" sz="1000" dirty="0"/>
+                    </a:p>
+                  </a:txBody>
+                  <a:tcPr/>
+                </a:tc>
+                <a:tc>
+                  <a:txBody>
+                    <a:bodyPr/>
+                    <a:lstStyle/>
+                    <a:p>
+                      <a:r>
+                        <a:rPr lang="en-US" sz="1000" dirty="0" smtClean="0"/>
+                        <a:t>New Veg + new KIB</a:t>
+                      </a:r>
+                      <a:endParaRPr lang="en-US" sz="1000" dirty="0"/>
+                    </a:p>
+                  </a:txBody>
+                  <a:tcPr/>
+                </a:tc>
+                <a:tc>
+                  <a:txBody>
+                    <a:bodyPr/>
+                    <a:lstStyle/>
+                    <a:p>
+                      <a:endParaRPr lang="en-US" sz="1000" dirty="0"/>
+                    </a:p>
+                  </a:txBody>
+                  <a:tcPr/>
+                </a:tc>
+              </a:tr>
+              <a:tr h="370840">
+                <a:tc>
+                  <a:txBody>
+                    <a:bodyPr/>
+                    <a:lstStyle/>
+                    <a:p>
+                      <a:endParaRPr lang="en-US" sz="800" dirty="0"/>
+                    </a:p>
+                  </a:txBody>
+                  <a:tcPr/>
+                </a:tc>
+                <a:tc>
+                  <a:txBody>
+                    <a:bodyPr/>
+                    <a:lstStyle/>
+                    <a:p>
+                      <a:r>
+                        <a:rPr lang="en-US" sz="1000" dirty="0" err="1" smtClean="0"/>
+                        <a:t>MMLvx.x</a:t>
+                      </a:r>
+                      <a:endParaRPr lang="en-US" sz="1000" dirty="0"/>
+                    </a:p>
+                  </a:txBody>
+                  <a:tcPr/>
+                </a:tc>
+                <a:tc>
+                  <a:txBody>
+                    <a:bodyPr/>
+                    <a:lstStyle/>
+                    <a:p>
+                      <a:pPr algn="ctr"/>
+                      <a:endParaRPr lang="en-US" sz="1000" dirty="0"/>
+                    </a:p>
+                  </a:txBody>
+                  <a:tcPr/>
+                </a:tc>
+                <a:tc>
+                  <a:txBody>
+                    <a:bodyPr/>
+                    <a:lstStyle/>
+                    <a:p>
+                      <a:pPr algn="ctr"/>
+                      <a:r>
+                        <a:rPr lang="en-US" sz="1000" dirty="0" smtClean="0"/>
+                        <a:t>4.0</a:t>
+                      </a:r>
+                      <a:endParaRPr lang="en-US" sz="1000" dirty="0"/>
+                    </a:p>
+                  </a:txBody>
+                  <a:tcPr/>
+                </a:tc>
+                <a:tc>
+                  <a:txBody>
+                    <a:bodyPr/>
+                    <a:lstStyle/>
+                    <a:p>
+                      <a:pPr marL="0" marR="0" indent="0" algn="ctr" defTabSz="914400" rtl="0" eaLnBrk="1" fontAlgn="auto" latinLnBrk="0" hangingPunct="1">
+                        <a:lnSpc>
+                          <a:spcPct val="100000"/>
+                        </a:lnSpc>
+                        <a:spcBef>
+                          <a:spcPts val="0"/>
+                        </a:spcBef>
+                        <a:spcAft>
+                          <a:spcPts val="0"/>
+                        </a:spcAft>
+                        <a:buClrTx/>
+                        <a:buSzTx/>
+                        <a:buFontTx/>
+                        <a:buNone/>
+                        <a:tabLst/>
+                        <a:defRPr/>
+                      </a:pPr>
+                      <a:r>
+                        <a:rPr lang="en-US" sz="1000" dirty="0" smtClean="0"/>
                         <a:t>1.0</a:t>
                       </a:r>
-                      <a:endParaRPr lang="en-US" sz="1200" dirty="0"/>
+                    </a:p>
+                  </a:txBody>
+                  <a:tcPr/>
+                </a:tc>
+                <a:tc>
+                  <a:txBody>
+                    <a:bodyPr/>
+                    <a:lstStyle/>
+                    <a:p>
+                      <a:pPr algn="ctr"/>
+                      <a:r>
+                        <a:rPr lang="en-US" sz="1000" dirty="0" smtClean="0"/>
+                        <a:t>2.0</a:t>
+                      </a:r>
+                      <a:endParaRPr lang="en-US" sz="1000" dirty="0"/>
+                    </a:p>
+                  </a:txBody>
+                  <a:tcPr/>
+                </a:tc>
+                <a:tc>
+                  <a:txBody>
+                    <a:bodyPr/>
+                    <a:lstStyle/>
+                    <a:p>
+                      <a:pPr marL="0" marR="0" indent="0" algn="ctr" defTabSz="914400" rtl="0" eaLnBrk="1" fontAlgn="auto" latinLnBrk="0" hangingPunct="1">
+                        <a:lnSpc>
+                          <a:spcPct val="100000"/>
+                        </a:lnSpc>
+                        <a:spcBef>
+                          <a:spcPts val="0"/>
+                        </a:spcBef>
+                        <a:spcAft>
+                          <a:spcPts val="0"/>
+                        </a:spcAft>
+                        <a:buClrTx/>
+                        <a:buSzTx/>
+                        <a:buFontTx/>
+                        <a:buNone/>
+                        <a:tabLst/>
+                        <a:defRPr/>
+                      </a:pPr>
+                      <a:r>
+                        <a:rPr lang="en-US" sz="1000" dirty="0" smtClean="0">
+                          <a:solidFill>
+                            <a:schemeClr val="tx1"/>
+                          </a:solidFill>
+                        </a:rPr>
+                        <a:t>Repast</a:t>
+                      </a:r>
+                      <a:endParaRPr lang="en-US" sz="1000" dirty="0" smtClean="0"/>
+                    </a:p>
+                  </a:txBody>
+                  <a:tcPr/>
+                </a:tc>
+                <a:tc>
+                  <a:txBody>
+                    <a:bodyPr/>
+                    <a:lstStyle/>
+                    <a:p>
+                      <a:pPr algn="ctr"/>
+                      <a:r>
+                        <a:rPr lang="en-US" sz="1000" dirty="0" smtClean="0"/>
+                        <a:t>7.0</a:t>
+                      </a:r>
+                      <a:endParaRPr lang="en-US" sz="1000" dirty="0"/>
+                    </a:p>
+                  </a:txBody>
+                  <a:tcPr/>
+                </a:tc>
+                <a:tc>
+                  <a:txBody>
+                    <a:bodyPr/>
+                    <a:lstStyle/>
+                    <a:p>
+                      <a:pPr algn="ctr"/>
+                      <a:endParaRPr lang="en-US" sz="1000" dirty="0"/>
+                    </a:p>
+                  </a:txBody>
+                  <a:tcPr/>
+                </a:tc>
+                <a:tc>
+                  <a:txBody>
+                    <a:bodyPr/>
+                    <a:lstStyle/>
+                    <a:p>
+                      <a:endParaRPr lang="en-US" sz="1000" dirty="0"/>
                     </a:p>
                   </a:txBody>
                   <a:tcPr/>
@@ -4652,14 +6232,66 @@
                         <a:defRPr/>
                       </a:pPr>
                       <a:r>
-                        <a:rPr lang="en-US" sz="1200" dirty="0" smtClean="0">
-                          <a:solidFill>
-                            <a:schemeClr val="tx1"/>
-                          </a:solidFill>
-                        </a:rPr>
-                        <a:t>Repast</a:t>
-                      </a:r>
-                      <a:endParaRPr lang="en-US" sz="1200" dirty="0" smtClean="0"/>
+                        <a:rPr lang="en-US" sz="1000" dirty="0" smtClean="0"/>
+                        <a:t>New GRASS scripts;</a:t>
+                      </a:r>
+                      <a:r>
+                        <a:rPr lang="en-US" sz="1000" baseline="0" dirty="0" smtClean="0"/>
+                        <a:t> added test suites for these GRASS scripts</a:t>
+                      </a:r>
+                      <a:endParaRPr lang="en-US" sz="1000" dirty="0" smtClean="0"/>
+                    </a:p>
+                  </a:txBody>
+                  <a:tcPr/>
+                </a:tc>
+                <a:tc>
+                  <a:txBody>
+                    <a:bodyPr/>
+                    <a:lstStyle/>
+                    <a:p>
+                      <a:endParaRPr lang="en-US" sz="1000" dirty="0"/>
+                    </a:p>
+                  </a:txBody>
+                  <a:tcPr/>
+                </a:tc>
+              </a:tr>
+              <a:tr h="370840">
+                <a:tc>
+                  <a:txBody>
+                    <a:bodyPr/>
+                    <a:lstStyle/>
+                    <a:p>
+                      <a:endParaRPr lang="en-US" sz="800" dirty="0"/>
+                    </a:p>
+                  </a:txBody>
+                  <a:tcPr/>
+                </a:tc>
+                <a:tc>
+                  <a:txBody>
+                    <a:bodyPr/>
+                    <a:lstStyle/>
+                    <a:p>
+                      <a:endParaRPr lang="en-US" sz="1000" dirty="0"/>
+                    </a:p>
+                  </a:txBody>
+                  <a:tcPr/>
+                </a:tc>
+                <a:tc>
+                  <a:txBody>
+                    <a:bodyPr/>
+                    <a:lstStyle/>
+                    <a:p>
+                      <a:endParaRPr lang="en-US" sz="1000" dirty="0"/>
+                    </a:p>
+                  </a:txBody>
+                  <a:tcPr/>
+                </a:tc>
+                <a:tc>
+                  <a:txBody>
+                    <a:bodyPr/>
+                    <a:lstStyle/>
+                    <a:p>
+                      <a:endParaRPr lang="en-US" sz="1000" dirty="0"/>
                     </a:p>
                   </a:txBody>
                   <a:tcPr/>
@@ -4686,92 +6318,17 @@
                         <a:tabLst/>
                         <a:defRPr/>
                       </a:pPr>
-                      <a:r>
-                        <a:rPr lang="en-US" sz="1200" dirty="0" smtClean="0"/>
-                        <a:t>6.4</a:t>
-                      </a:r>
-                    </a:p>
-                  </a:txBody>
-                  <a:tcPr/>
-                </a:tc>
-                <a:tc>
-                  <a:txBody>
-                    <a:bodyPr/>
-                    <a:lstStyle/>
-                    <a:p>
-                      <a:endParaRPr lang="en-US" sz="1200" dirty="0"/>
-                    </a:p>
-                  </a:txBody>
-                  <a:tcPr/>
-                </a:tc>
-                <a:tc>
-                  <a:txBody>
-                    <a:bodyPr/>
-                    <a:lstStyle/>
-                    <a:p>
-                      <a:endParaRPr lang="en-US" sz="1200" dirty="0"/>
-                    </a:p>
-                  </a:txBody>
-                  <a:tcPr/>
-                </a:tc>
-                <a:tc>
-                  <a:txBody>
-                    <a:bodyPr/>
-                    <a:lstStyle/>
-                    <a:p>
-                      <a:r>
-                        <a:rPr lang="en-US" sz="1200" dirty="0" smtClean="0"/>
-                        <a:t>Scripts optimized</a:t>
-                      </a:r>
-                      <a:r>
-                        <a:rPr lang="en-US" sz="1200" baseline="0" dirty="0" smtClean="0"/>
-                        <a:t> (~35% speedup)</a:t>
-                      </a:r>
-                      <a:endParaRPr lang="en-US" sz="1200" dirty="0"/>
-                    </a:p>
-                  </a:txBody>
-                  <a:tcPr/>
-                </a:tc>
-                <a:tc>
-                  <a:txBody>
-                    <a:bodyPr/>
-                    <a:lstStyle/>
-                    <a:p>
-                      <a:r>
-                        <a:rPr lang="en-US" sz="1200" dirty="0" smtClean="0"/>
-                        <a:t>2014</a:t>
-                      </a:r>
-                      <a:endParaRPr lang="en-US" sz="1200" dirty="0"/>
-                    </a:p>
-                  </a:txBody>
-                  <a:tcPr/>
-                </a:tc>
-              </a:tr>
-              <a:tr h="370840">
-                <a:tc>
-                  <a:txBody>
-                    <a:bodyPr/>
-                    <a:lstStyle/>
-                    <a:p>
-                      <a:r>
-                        <a:rPr lang="en-US" sz="1200" dirty="0" smtClean="0"/>
-                        <a:t>4.0</a:t>
-                      </a:r>
-                      <a:endParaRPr lang="en-US" sz="1200" dirty="0"/>
-                    </a:p>
-                  </a:txBody>
-                  <a:tcPr/>
-                </a:tc>
-                <a:tc>
-                  <a:txBody>
-                    <a:bodyPr/>
-                    <a:lstStyle/>
-                    <a:p>
-                      <a:r>
-                        <a:rPr lang="en-US" sz="1200" dirty="0" smtClean="0"/>
-                        <a:t>1.0</a:t>
-                      </a:r>
-                      <a:endParaRPr lang="en-US" sz="1200" dirty="0"/>
+                      <a:endParaRPr lang="en-US" sz="1000" dirty="0" smtClean="0"/>
+                    </a:p>
+                  </a:txBody>
+                  <a:tcPr/>
+                </a:tc>
+                <a:tc>
+                  <a:txBody>
+                    <a:bodyPr/>
+                    <a:lstStyle/>
+                    <a:p>
+                      <a:endParaRPr lang="en-US" sz="1000" dirty="0"/>
                     </a:p>
                   </a:txBody>
                   <a:tcPr/>
@@ -4798,1043 +6355,57 @@
                         <a:tabLst/>
                         <a:defRPr/>
                       </a:pPr>
-                      <a:r>
-                        <a:rPr lang="en-US" sz="1200" dirty="0" smtClean="0"/>
-                        <a:t>2.0</a:t>
-                      </a:r>
-                      <a:endParaRPr lang="en-US" sz="1200" dirty="0" smtClean="0"/>
-                    </a:p>
-                    <a:p>
-                      <a:endParaRPr lang="en-US" sz="1200" dirty="0"/>
-                    </a:p>
-                  </a:txBody>
-                  <a:tcPr/>
-                </a:tc>
-                <a:tc>
-                  <a:txBody>
-                    <a:bodyPr/>
-                    <a:lstStyle/>
-                    <a:p>
-                      <a:pPr marL="0" marR="0" indent="0" algn="l" defTabSz="914400" rtl="0" eaLnBrk="1" fontAlgn="auto" latinLnBrk="0" hangingPunct="1">
-                        <a:lnSpc>
-                          <a:spcPct val="100000"/>
-                        </a:lnSpc>
-                        <a:spcBef>
-                          <a:spcPts val="0"/>
-                        </a:spcBef>
-                        <a:spcAft>
-                          <a:spcPts val="0"/>
-                        </a:spcAft>
-                        <a:buClrTx/>
-                        <a:buSzTx/>
-                        <a:buFontTx/>
-                        <a:buNone/>
-                        <a:tabLst/>
-                        <a:defRPr/>
-                      </a:pPr>
-                      <a:r>
-                        <a:rPr lang="en-US" sz="1200" dirty="0" smtClean="0"/>
-                        <a:t>–</a:t>
-                      </a:r>
-                    </a:p>
-                    <a:p>
-                      <a:endParaRPr lang="en-US" sz="1200" dirty="0"/>
-                    </a:p>
-                  </a:txBody>
-                  <a:tcPr/>
-                </a:tc>
-                <a:tc>
-                  <a:txBody>
-                    <a:bodyPr/>
-                    <a:lstStyle/>
-                    <a:p>
-                      <a:r>
-                        <a:rPr lang="en-US" sz="1200" baseline="0" dirty="0" smtClean="0"/>
-                        <a:t>1.0</a:t>
-                      </a:r>
-                      <a:endParaRPr lang="en-US" sz="1200" dirty="0"/>
-                    </a:p>
-                  </a:txBody>
-                  <a:tcPr/>
-                </a:tc>
-                <a:tc>
-                  <a:txBody>
-                    <a:bodyPr/>
-                    <a:lstStyle/>
-                    <a:p>
-                      <a:pPr marL="0" marR="0" indent="0" algn="l" defTabSz="914400" rtl="0" eaLnBrk="1" fontAlgn="auto" latinLnBrk="0" hangingPunct="1">
-                        <a:lnSpc>
-                          <a:spcPct val="100000"/>
-                        </a:lnSpc>
-                        <a:spcBef>
-                          <a:spcPts val="0"/>
-                        </a:spcBef>
-                        <a:spcAft>
-                          <a:spcPts val="0"/>
-                        </a:spcAft>
-                        <a:buClrTx/>
-                        <a:buSzTx/>
-                        <a:buFontTx/>
-                        <a:buNone/>
-                        <a:tabLst/>
-                        <a:defRPr/>
-                      </a:pPr>
-                      <a:r>
-                        <a:rPr lang="en-US" sz="1200" dirty="0" smtClean="0">
-                          <a:solidFill>
-                            <a:schemeClr val="tx1"/>
-                          </a:solidFill>
-                        </a:rPr>
-                        <a:t>Repast</a:t>
-                      </a:r>
-                      <a:endParaRPr lang="en-US" sz="1200" dirty="0" smtClean="0"/>
-                    </a:p>
-                  </a:txBody>
-                  <a:tcPr/>
-                </a:tc>
-                <a:tc>
-                  <a:txBody>
-                    <a:bodyPr/>
-                    <a:lstStyle/>
-                    <a:p>
-                      <a:pPr marL="0" marR="0" indent="0" algn="l" defTabSz="914400" rtl="0" eaLnBrk="1" fontAlgn="auto" latinLnBrk="0" hangingPunct="1">
-                        <a:lnSpc>
-                          <a:spcPct val="100000"/>
-                        </a:lnSpc>
-                        <a:spcBef>
-                          <a:spcPts val="0"/>
-                        </a:spcBef>
-                        <a:spcAft>
-                          <a:spcPts val="0"/>
-                        </a:spcAft>
-                        <a:buClrTx/>
-                        <a:buSzTx/>
-                        <a:buFontTx/>
-                        <a:buNone/>
-                        <a:tabLst/>
-                        <a:defRPr/>
-                      </a:pPr>
-                      <a:r>
-                        <a:rPr lang="en-US" sz="1200" dirty="0" smtClean="0"/>
-                        <a:t>6.4</a:t>
-                      </a:r>
-                    </a:p>
-                  </a:txBody>
-                  <a:tcPr/>
-                </a:tc>
-                <a:tc>
-                  <a:txBody>
-                    <a:bodyPr/>
-                    <a:lstStyle/>
-                    <a:p>
-                      <a:endParaRPr lang="en-US" sz="1200" dirty="0"/>
-                    </a:p>
-                  </a:txBody>
-                  <a:tcPr/>
-                </a:tc>
-                <a:tc>
-                  <a:txBody>
-                    <a:bodyPr/>
-                    <a:lstStyle/>
-                    <a:p>
-                      <a:endParaRPr lang="en-US" sz="1200" dirty="0"/>
-                    </a:p>
-                  </a:txBody>
-                  <a:tcPr/>
-                </a:tc>
-                <a:tc>
-                  <a:txBody>
-                    <a:bodyPr/>
-                    <a:lstStyle/>
-                    <a:p>
-                      <a:r>
-                        <a:rPr lang="en-US" sz="1200" dirty="0" smtClean="0"/>
-                        <a:t>New GRASS scripts;</a:t>
-                      </a:r>
-                      <a:r>
-                        <a:rPr lang="en-US" sz="1200" baseline="0" dirty="0" smtClean="0"/>
-                        <a:t> added test suites for these GRASS scripts</a:t>
-                      </a:r>
-                      <a:endParaRPr lang="en-US" sz="1200" dirty="0"/>
-                    </a:p>
-                  </a:txBody>
-                  <a:tcPr/>
-                </a:tc>
-                <a:tc>
-                  <a:txBody>
-                    <a:bodyPr/>
-                    <a:lstStyle/>
-                    <a:p>
-                      <a:r>
-                        <a:rPr lang="en-US" sz="1200" dirty="0" smtClean="0"/>
-                        <a:t>2015</a:t>
-                      </a:r>
-                      <a:endParaRPr lang="en-US" sz="1200" dirty="0"/>
-                    </a:p>
-                  </a:txBody>
-                  <a:tcPr/>
-                </a:tc>
-              </a:tr>
-              <a:tr h="370840">
-                <a:tc>
-                  <a:txBody>
-                    <a:bodyPr/>
-                    <a:lstStyle/>
-                    <a:p>
-                      <a:endParaRPr lang="en-US" sz="1200" dirty="0"/>
-                    </a:p>
-                  </a:txBody>
-                  <a:tcPr/>
-                </a:tc>
-                <a:tc>
-                  <a:txBody>
-                    <a:bodyPr/>
-                    <a:lstStyle/>
-                    <a:p>
-                      <a:endParaRPr lang="en-US" sz="1200" dirty="0"/>
-                    </a:p>
-                  </a:txBody>
-                  <a:tcPr/>
-                </a:tc>
-                <a:tc>
-                  <a:txBody>
-                    <a:bodyPr/>
-                    <a:lstStyle/>
-                    <a:p>
-                      <a:endParaRPr lang="en-US" sz="1200" dirty="0"/>
-                    </a:p>
-                  </a:txBody>
-                  <a:tcPr/>
-                </a:tc>
-                <a:tc>
-                  <a:txBody>
-                    <a:bodyPr/>
-                    <a:lstStyle/>
-                    <a:p>
-                      <a:pPr marL="0" marR="0" indent="0" algn="l" defTabSz="914400" rtl="0" eaLnBrk="1" fontAlgn="auto" latinLnBrk="0" hangingPunct="1">
-                        <a:lnSpc>
-                          <a:spcPct val="100000"/>
-                        </a:lnSpc>
-                        <a:spcBef>
-                          <a:spcPts val="0"/>
-                        </a:spcBef>
-                        <a:spcAft>
-                          <a:spcPts val="0"/>
-                        </a:spcAft>
-                        <a:buClrTx/>
-                        <a:buSzTx/>
-                        <a:buFontTx/>
-                        <a:buNone/>
-                        <a:tabLst/>
-                        <a:defRPr/>
-                      </a:pPr>
-                      <a:endParaRPr lang="en-US" sz="1200" dirty="0" smtClean="0"/>
-                    </a:p>
-                    <a:p>
-                      <a:endParaRPr lang="en-US" sz="1200" dirty="0"/>
-                    </a:p>
-                  </a:txBody>
-                  <a:tcPr/>
-                </a:tc>
-                <a:tc>
-                  <a:txBody>
-                    <a:bodyPr/>
-                    <a:lstStyle/>
-                    <a:p>
-                      <a:endParaRPr lang="en-US" sz="1200" dirty="0"/>
-                    </a:p>
-                  </a:txBody>
-                  <a:tcPr/>
-                </a:tc>
-                <a:tc>
-                  <a:txBody>
-                    <a:bodyPr/>
-                    <a:lstStyle/>
-                    <a:p>
-                      <a:endParaRPr lang="en-US" sz="1200" dirty="0"/>
-                    </a:p>
-                  </a:txBody>
-                  <a:tcPr/>
-                </a:tc>
-                <a:tc>
-                  <a:txBody>
-                    <a:bodyPr/>
-                    <a:lstStyle/>
-                    <a:p>
-                      <a:endParaRPr lang="en-US" sz="1200" dirty="0"/>
-                    </a:p>
-                  </a:txBody>
-                  <a:tcPr/>
-                </a:tc>
-                <a:tc>
-                  <a:txBody>
-                    <a:bodyPr/>
-                    <a:lstStyle/>
-                    <a:p>
-                      <a:endParaRPr lang="en-US" sz="1200" dirty="0"/>
-                    </a:p>
-                  </a:txBody>
-                  <a:tcPr/>
-                </a:tc>
-                <a:tc>
-                  <a:txBody>
-                    <a:bodyPr/>
-                    <a:lstStyle/>
-                    <a:p>
-                      <a:endParaRPr lang="en-US" sz="1200" dirty="0"/>
-                    </a:p>
-                  </a:txBody>
-                  <a:tcPr/>
-                </a:tc>
-                <a:tc>
-                  <a:txBody>
-                    <a:bodyPr/>
-                    <a:lstStyle/>
-                    <a:p>
-                      <a:endParaRPr lang="en-US" sz="1200" dirty="0"/>
-                    </a:p>
-                  </a:txBody>
-                  <a:tcPr/>
-                </a:tc>
-                <a:tc>
-                  <a:txBody>
-                    <a:bodyPr/>
-                    <a:lstStyle/>
-                    <a:p>
-                      <a:endParaRPr lang="en-US" sz="1200" dirty="0"/>
-                    </a:p>
-                  </a:txBody>
-                  <a:tcPr/>
-                </a:tc>
-              </a:tr>
-              <a:tr h="411480">
-                <a:tc>
-                  <a:txBody>
-                    <a:bodyPr/>
-                    <a:lstStyle/>
-                    <a:p>
-                      <a:r>
-                        <a:rPr lang="en-US" sz="1200" dirty="0" smtClean="0"/>
-                        <a:t>5.0</a:t>
-                      </a:r>
-                      <a:endParaRPr lang="en-US" sz="1200" dirty="0"/>
-                    </a:p>
-                  </a:txBody>
-                  <a:tcPr/>
-                </a:tc>
-                <a:tc>
-                  <a:txBody>
-                    <a:bodyPr/>
-                    <a:lstStyle/>
-                    <a:p>
-                      <a:pPr marL="0" marR="0" indent="0" algn="l" defTabSz="914400" rtl="0" eaLnBrk="1" fontAlgn="auto" latinLnBrk="0" hangingPunct="1">
-                        <a:lnSpc>
-                          <a:spcPct val="100000"/>
-                        </a:lnSpc>
-                        <a:spcBef>
-                          <a:spcPts val="0"/>
-                        </a:spcBef>
-                        <a:spcAft>
-                          <a:spcPts val="0"/>
-                        </a:spcAft>
-                        <a:buClrTx/>
-                        <a:buSzTx/>
-                        <a:buFontTx/>
-                        <a:buNone/>
-                        <a:tabLst/>
-                        <a:defRPr/>
-                      </a:pPr>
-                      <a:r>
-                        <a:rPr lang="en-US" sz="1200" dirty="0" smtClean="0"/>
-                        <a:t>1.0</a:t>
-                      </a:r>
-                    </a:p>
-                    <a:p>
-                      <a:endParaRPr lang="en-US" sz="1200" dirty="0"/>
-                    </a:p>
-                  </a:txBody>
-                  <a:tcPr/>
-                </a:tc>
-                <a:tc>
-                  <a:txBody>
-                    <a:bodyPr/>
-                    <a:lstStyle/>
-                    <a:p>
-                      <a:r>
-                        <a:rPr lang="en-US" sz="1200" dirty="0" smtClean="0"/>
-                        <a:t>3.0</a:t>
-                      </a:r>
-                      <a:endParaRPr lang="en-US" sz="1200" dirty="0"/>
-                    </a:p>
-                  </a:txBody>
-                  <a:tcPr/>
-                </a:tc>
-                <a:tc>
-                  <a:txBody>
-                    <a:bodyPr/>
-                    <a:lstStyle/>
-                    <a:p>
-                      <a:pPr marL="0" marR="0" indent="0" algn="l" defTabSz="914400" rtl="0" eaLnBrk="1" fontAlgn="auto" latinLnBrk="0" hangingPunct="1">
-                        <a:lnSpc>
-                          <a:spcPct val="100000"/>
-                        </a:lnSpc>
-                        <a:spcBef>
-                          <a:spcPts val="0"/>
-                        </a:spcBef>
-                        <a:spcAft>
-                          <a:spcPts val="0"/>
-                        </a:spcAft>
-                        <a:buClrTx/>
-                        <a:buSzTx/>
-                        <a:buFontTx/>
-                        <a:buNone/>
-                        <a:tabLst/>
-                        <a:defRPr/>
-                      </a:pPr>
-                      <a:r>
-                        <a:rPr lang="en-US" sz="1200" dirty="0" smtClean="0"/>
-                        <a:t>–</a:t>
-                      </a:r>
-                    </a:p>
-                    <a:p>
-                      <a:endParaRPr lang="en-US" sz="1200" dirty="0"/>
-                    </a:p>
-                  </a:txBody>
-                  <a:tcPr/>
-                </a:tc>
-                <a:tc>
-                  <a:txBody>
-                    <a:bodyPr/>
-                    <a:lstStyle/>
-                    <a:p>
-                      <a:pPr marL="0" marR="0" indent="0" algn="l" defTabSz="914400" rtl="0" eaLnBrk="1" fontAlgn="auto" latinLnBrk="0" hangingPunct="1">
-                        <a:lnSpc>
-                          <a:spcPct val="100000"/>
-                        </a:lnSpc>
-                        <a:spcBef>
-                          <a:spcPts val="0"/>
-                        </a:spcBef>
-                        <a:spcAft>
-                          <a:spcPts val="0"/>
-                        </a:spcAft>
-                        <a:buClrTx/>
-                        <a:buSzTx/>
-                        <a:buFontTx/>
-                        <a:buNone/>
-                        <a:tabLst/>
-                        <a:defRPr/>
-                      </a:pPr>
-                      <a:r>
-                        <a:rPr lang="en-US" sz="1200" dirty="0" smtClean="0"/>
-                        <a:t>1.0</a:t>
-                      </a:r>
-                      <a:endParaRPr lang="en-US" sz="1200" dirty="0" smtClean="0"/>
-                    </a:p>
-                  </a:txBody>
-                  <a:tcPr/>
-                </a:tc>
-                <a:tc>
-                  <a:txBody>
-                    <a:bodyPr/>
-                    <a:lstStyle/>
-                    <a:p>
-                      <a:pPr marL="0" marR="0" indent="0" algn="l" defTabSz="914400" rtl="0" eaLnBrk="1" fontAlgn="auto" latinLnBrk="0" hangingPunct="1">
-                        <a:lnSpc>
-                          <a:spcPct val="100000"/>
-                        </a:lnSpc>
-                        <a:spcBef>
-                          <a:spcPts val="0"/>
-                        </a:spcBef>
-                        <a:spcAft>
-                          <a:spcPts val="0"/>
-                        </a:spcAft>
-                        <a:buClrTx/>
-                        <a:buSzTx/>
-                        <a:buFontTx/>
-                        <a:buNone/>
-                        <a:tabLst/>
-                        <a:defRPr/>
-                      </a:pPr>
-                      <a:r>
-                        <a:rPr lang="en-US" sz="1200" dirty="0" smtClean="0">
-                          <a:solidFill>
-                            <a:schemeClr val="tx1"/>
-                          </a:solidFill>
-                        </a:rPr>
-                        <a:t>Repast</a:t>
-                      </a:r>
-                      <a:endParaRPr lang="en-US" sz="1200" dirty="0" smtClean="0"/>
-                    </a:p>
-                  </a:txBody>
-                  <a:tcPr/>
-                </a:tc>
-                <a:tc>
-                  <a:txBody>
-                    <a:bodyPr/>
-                    <a:lstStyle/>
-                    <a:p>
-                      <a:r>
-                        <a:rPr lang="en-US" sz="1200" dirty="0" smtClean="0"/>
-                        <a:t>7.0</a:t>
-                      </a:r>
-                      <a:endParaRPr lang="en-US" sz="1200" dirty="0"/>
-                    </a:p>
-                  </a:txBody>
-                  <a:tcPr/>
-                </a:tc>
-                <a:tc>
-                  <a:txBody>
-                    <a:bodyPr/>
-                    <a:lstStyle/>
-                    <a:p>
-                      <a:endParaRPr lang="en-US" sz="1200" dirty="0"/>
-                    </a:p>
-                  </a:txBody>
-                  <a:tcPr/>
-                </a:tc>
-                <a:tc>
-                  <a:txBody>
-                    <a:bodyPr/>
-                    <a:lstStyle/>
-                    <a:p>
-                      <a:endParaRPr lang="en-US" sz="1200" dirty="0"/>
-                    </a:p>
-                  </a:txBody>
-                  <a:tcPr/>
-                </a:tc>
-                <a:tc>
-                  <a:txBody>
-                    <a:bodyPr/>
-                    <a:lstStyle/>
-                    <a:p>
-                      <a:r>
-                        <a:rPr lang="en-US" sz="1200" dirty="0" smtClean="0"/>
-                        <a:t>Landscape</a:t>
-                      </a:r>
-                      <a:r>
-                        <a:rPr lang="en-US" sz="1200" baseline="0" dirty="0" smtClean="0"/>
-                        <a:t> scripts ported from GRASS 6.4 to 7.0</a:t>
-                      </a:r>
-                      <a:endParaRPr lang="en-US" sz="1200" dirty="0"/>
-                    </a:p>
-                  </a:txBody>
-                  <a:tcPr/>
-                </a:tc>
-                <a:tc>
-                  <a:txBody>
-                    <a:bodyPr/>
-                    <a:lstStyle/>
-                    <a:p>
-                      <a:r>
-                        <a:rPr lang="en-US" sz="1200" dirty="0" smtClean="0"/>
-                        <a:t>June 2016</a:t>
-                      </a:r>
-                      <a:endParaRPr lang="en-US" sz="1200" dirty="0"/>
-                    </a:p>
-                  </a:txBody>
-                  <a:tcPr/>
-                </a:tc>
-              </a:tr>
-              <a:tr h="370840">
-                <a:tc>
-                  <a:txBody>
-                    <a:bodyPr/>
-                    <a:lstStyle/>
-                    <a:p>
-                      <a:r>
-                        <a:rPr lang="en-US" sz="1200" dirty="0" smtClean="0"/>
-                        <a:t>5.5</a:t>
-                      </a:r>
-                      <a:endParaRPr lang="en-US" sz="1200" dirty="0"/>
-                    </a:p>
-                  </a:txBody>
-                  <a:tcPr/>
-                </a:tc>
-                <a:tc>
-                  <a:txBody>
-                    <a:bodyPr/>
-                    <a:lstStyle/>
-                    <a:p>
-                      <a:endParaRPr lang="en-US" sz="1200" dirty="0"/>
-                    </a:p>
-                  </a:txBody>
-                  <a:tcPr/>
-                </a:tc>
-                <a:tc>
-                  <a:txBody>
-                    <a:bodyPr/>
-                    <a:lstStyle/>
-                    <a:p>
-                      <a:r>
-                        <a:rPr lang="en-US" sz="1200" dirty="0" smtClean="0"/>
-                        <a:t>3.0</a:t>
-                      </a:r>
-                      <a:endParaRPr lang="en-US" sz="1200" dirty="0"/>
-                    </a:p>
-                  </a:txBody>
-                  <a:tcPr/>
-                </a:tc>
-                <a:tc>
-                  <a:txBody>
-                    <a:bodyPr/>
-                    <a:lstStyle/>
-                    <a:p>
-                      <a:r>
-                        <a:rPr lang="en-US" sz="1200" dirty="0" smtClean="0"/>
-                        <a:t>0.1</a:t>
-                      </a:r>
-                      <a:endParaRPr lang="en-US" sz="1200" dirty="0"/>
-                    </a:p>
-                  </a:txBody>
-                  <a:tcPr/>
-                </a:tc>
-                <a:tc>
-                  <a:txBody>
-                    <a:bodyPr/>
-                    <a:lstStyle/>
-                    <a:p>
-                      <a:r>
-                        <a:rPr lang="en-US" sz="1200" dirty="0" smtClean="0"/>
-                        <a:t>2.0</a:t>
-                      </a:r>
-                      <a:endParaRPr lang="en-US" sz="1200" dirty="0"/>
-                    </a:p>
-                  </a:txBody>
-                  <a:tcPr/>
-                </a:tc>
-                <a:tc>
-                  <a:txBody>
-                    <a:bodyPr/>
-                    <a:lstStyle/>
-                    <a:p>
-                      <a:pPr marL="0" marR="0" indent="0" algn="l" defTabSz="914400" rtl="0" eaLnBrk="1" fontAlgn="auto" latinLnBrk="0" hangingPunct="1">
-                        <a:lnSpc>
-                          <a:spcPct val="100000"/>
-                        </a:lnSpc>
-                        <a:spcBef>
-                          <a:spcPts val="0"/>
-                        </a:spcBef>
-                        <a:spcAft>
-                          <a:spcPts val="0"/>
-                        </a:spcAft>
-                        <a:buClrTx/>
-                        <a:buSzTx/>
-                        <a:buFontTx/>
-                        <a:buNone/>
-                        <a:tabLst/>
-                        <a:defRPr/>
-                      </a:pPr>
-                      <a:r>
-                        <a:rPr lang="en-US" sz="1200" dirty="0" smtClean="0">
-                          <a:solidFill>
-                            <a:schemeClr val="tx1"/>
-                          </a:solidFill>
-                        </a:rPr>
-                        <a:t>Repast</a:t>
-                      </a:r>
-                      <a:endParaRPr lang="en-US" sz="1200" dirty="0" smtClean="0"/>
-                    </a:p>
-                  </a:txBody>
-                  <a:tcPr/>
-                </a:tc>
-                <a:tc>
-                  <a:txBody>
-                    <a:bodyPr/>
-                    <a:lstStyle/>
-                    <a:p>
-                      <a:r>
-                        <a:rPr lang="en-US" sz="1200" dirty="0" smtClean="0"/>
-                        <a:t>7.0</a:t>
-                      </a:r>
-                      <a:endParaRPr lang="en-US" sz="1200" dirty="0"/>
-                    </a:p>
-                  </a:txBody>
-                  <a:tcPr/>
-                </a:tc>
-                <a:tc>
-                  <a:txBody>
-                    <a:bodyPr/>
-                    <a:lstStyle/>
-                    <a:p>
-                      <a:endParaRPr lang="en-US" sz="1200" dirty="0"/>
-                    </a:p>
-                  </a:txBody>
-                  <a:tcPr/>
-                </a:tc>
-                <a:tc>
-                  <a:txBody>
-                    <a:bodyPr/>
-                    <a:lstStyle/>
-                    <a:p>
-                      <a:endParaRPr lang="en-US" sz="1200" dirty="0"/>
-                    </a:p>
-                  </a:txBody>
-                  <a:tcPr/>
-                </a:tc>
-                <a:tc>
-                  <a:txBody>
-                    <a:bodyPr/>
-                    <a:lstStyle/>
-                    <a:p>
-                      <a:r>
-                        <a:rPr lang="en-US" sz="1200" dirty="0" smtClean="0"/>
-                        <a:t>New Veg + new KIB</a:t>
-                      </a:r>
-                      <a:endParaRPr lang="en-US" sz="1200" dirty="0"/>
-                    </a:p>
-                  </a:txBody>
-                  <a:tcPr/>
-                </a:tc>
-                <a:tc>
-                  <a:txBody>
-                    <a:bodyPr/>
-                    <a:lstStyle/>
-                    <a:p>
-                      <a:endParaRPr lang="en-US" sz="1200" dirty="0"/>
-                    </a:p>
-                  </a:txBody>
-                  <a:tcPr/>
-                </a:tc>
-              </a:tr>
-              <a:tr h="370840">
-                <a:tc>
-                  <a:txBody>
-                    <a:bodyPr/>
-                    <a:lstStyle/>
-                    <a:p>
-                      <a:r>
-                        <a:rPr lang="en-US" sz="1200" dirty="0" smtClean="0"/>
-                        <a:t>6.0</a:t>
-                      </a:r>
-                      <a:endParaRPr lang="en-US" sz="1200" dirty="0"/>
-                    </a:p>
-                  </a:txBody>
-                  <a:tcPr/>
-                </a:tc>
-                <a:tc>
-                  <a:txBody>
-                    <a:bodyPr/>
-                    <a:lstStyle/>
-                    <a:p>
-                      <a:endParaRPr lang="en-US" sz="1200" dirty="0"/>
-                    </a:p>
-                  </a:txBody>
-                  <a:tcPr/>
-                </a:tc>
-                <a:tc>
-                  <a:txBody>
-                    <a:bodyPr/>
-                    <a:lstStyle/>
-                    <a:p>
-                      <a:r>
-                        <a:rPr lang="en-US" sz="1200" dirty="0" smtClean="0"/>
-                        <a:t>4.0</a:t>
-                      </a:r>
-                      <a:endParaRPr lang="en-US" sz="1200" dirty="0"/>
-                    </a:p>
-                  </a:txBody>
-                  <a:tcPr/>
-                </a:tc>
-                <a:tc>
-                  <a:txBody>
-                    <a:bodyPr/>
-                    <a:lstStyle/>
-                    <a:p>
-                      <a:pPr marL="0" marR="0" indent="0" algn="l" defTabSz="914400" rtl="0" eaLnBrk="1" fontAlgn="auto" latinLnBrk="0" hangingPunct="1">
-                        <a:lnSpc>
-                          <a:spcPct val="100000"/>
-                        </a:lnSpc>
-                        <a:spcBef>
-                          <a:spcPts val="0"/>
-                        </a:spcBef>
-                        <a:spcAft>
-                          <a:spcPts val="0"/>
-                        </a:spcAft>
-                        <a:buClrTx/>
-                        <a:buSzTx/>
-                        <a:buFontTx/>
-                        <a:buNone/>
-                        <a:tabLst/>
-                        <a:defRPr/>
-                      </a:pPr>
-                      <a:r>
-                        <a:rPr lang="en-US" sz="1200" dirty="0" smtClean="0"/>
-                        <a:t>1.0</a:t>
-                      </a:r>
-                    </a:p>
-                  </a:txBody>
-                  <a:tcPr/>
-                </a:tc>
-                <a:tc>
-                  <a:txBody>
-                    <a:bodyPr/>
-                    <a:lstStyle/>
-                    <a:p>
-                      <a:r>
-                        <a:rPr lang="en-US" sz="1200" dirty="0" smtClean="0"/>
-                        <a:t>2.0</a:t>
-                      </a:r>
-                      <a:endParaRPr lang="en-US" sz="1200" dirty="0"/>
-                    </a:p>
-                  </a:txBody>
-                  <a:tcPr/>
-                </a:tc>
-                <a:tc>
-                  <a:txBody>
-                    <a:bodyPr/>
-                    <a:lstStyle/>
-                    <a:p>
-                      <a:pPr marL="0" marR="0" indent="0" algn="l" defTabSz="914400" rtl="0" eaLnBrk="1" fontAlgn="auto" latinLnBrk="0" hangingPunct="1">
-                        <a:lnSpc>
-                          <a:spcPct val="100000"/>
-                        </a:lnSpc>
-                        <a:spcBef>
-                          <a:spcPts val="0"/>
-                        </a:spcBef>
-                        <a:spcAft>
-                          <a:spcPts val="0"/>
-                        </a:spcAft>
-                        <a:buClrTx/>
-                        <a:buSzTx/>
-                        <a:buFontTx/>
-                        <a:buNone/>
-                        <a:tabLst/>
-                        <a:defRPr/>
-                      </a:pPr>
-                      <a:r>
-                        <a:rPr lang="en-US" sz="1200" dirty="0" smtClean="0">
-                          <a:solidFill>
-                            <a:schemeClr val="tx1"/>
-                          </a:solidFill>
-                        </a:rPr>
-                        <a:t>Repast</a:t>
-                      </a:r>
-                      <a:endParaRPr lang="en-US" sz="1200" dirty="0" smtClean="0"/>
-                    </a:p>
-                  </a:txBody>
-                  <a:tcPr/>
-                </a:tc>
-                <a:tc>
-                  <a:txBody>
-                    <a:bodyPr/>
-                    <a:lstStyle/>
-                    <a:p>
-                      <a:r>
-                        <a:rPr lang="en-US" sz="1200" dirty="0" smtClean="0"/>
-                        <a:t>7.0</a:t>
-                      </a:r>
-                      <a:endParaRPr lang="en-US" sz="1200" dirty="0"/>
-                    </a:p>
-                  </a:txBody>
-                  <a:tcPr/>
-                </a:tc>
-                <a:tc>
-                  <a:txBody>
-                    <a:bodyPr/>
-                    <a:lstStyle/>
-                    <a:p>
-                      <a:endParaRPr lang="en-US" sz="1200" dirty="0"/>
-                    </a:p>
-                  </a:txBody>
-                  <a:tcPr/>
-                </a:tc>
-                <a:tc>
-                  <a:txBody>
-                    <a:bodyPr/>
-                    <a:lstStyle/>
-                    <a:p>
-                      <a:endParaRPr lang="en-US" sz="1200" dirty="0"/>
-                    </a:p>
-                  </a:txBody>
-                  <a:tcPr/>
-                </a:tc>
-                <a:tc>
-                  <a:txBody>
-                    <a:bodyPr/>
-                    <a:lstStyle/>
-                    <a:p>
-                      <a:pPr marL="0" marR="0" indent="0" algn="l" defTabSz="914400" rtl="0" eaLnBrk="1" fontAlgn="auto" latinLnBrk="0" hangingPunct="1">
-                        <a:lnSpc>
-                          <a:spcPct val="100000"/>
-                        </a:lnSpc>
-                        <a:spcBef>
-                          <a:spcPts val="0"/>
-                        </a:spcBef>
-                        <a:spcAft>
-                          <a:spcPts val="0"/>
-                        </a:spcAft>
-                        <a:buClrTx/>
-                        <a:buSzTx/>
-                        <a:buFontTx/>
-                        <a:buNone/>
-                        <a:tabLst/>
-                        <a:defRPr/>
-                      </a:pPr>
-                      <a:r>
-                        <a:rPr lang="en-US" sz="1200" dirty="0" smtClean="0"/>
-                        <a:t>New GRASS scripts;</a:t>
-                      </a:r>
-                      <a:r>
-                        <a:rPr lang="en-US" sz="1200" baseline="0" dirty="0" smtClean="0"/>
-                        <a:t> added test suites for these GRASS scripts</a:t>
-                      </a:r>
-                      <a:endParaRPr lang="en-US" sz="1200" dirty="0" smtClean="0"/>
-                    </a:p>
-                  </a:txBody>
-                  <a:tcPr/>
-                </a:tc>
-                <a:tc>
-                  <a:txBody>
-                    <a:bodyPr/>
-                    <a:lstStyle/>
-                    <a:p>
-                      <a:endParaRPr lang="en-US" sz="1200" dirty="0"/>
-                    </a:p>
-                  </a:txBody>
-                  <a:tcPr/>
-                </a:tc>
-              </a:tr>
-              <a:tr h="370840">
-                <a:tc>
-                  <a:txBody>
-                    <a:bodyPr/>
-                    <a:lstStyle/>
-                    <a:p>
-                      <a:endParaRPr lang="en-US" sz="1200" dirty="0"/>
-                    </a:p>
-                  </a:txBody>
-                  <a:tcPr/>
-                </a:tc>
-                <a:tc>
-                  <a:txBody>
-                    <a:bodyPr/>
-                    <a:lstStyle/>
-                    <a:p>
-                      <a:endParaRPr lang="en-US" sz="1200" dirty="0"/>
-                    </a:p>
-                  </a:txBody>
-                  <a:tcPr/>
-                </a:tc>
-                <a:tc>
-                  <a:txBody>
-                    <a:bodyPr/>
-                    <a:lstStyle/>
-                    <a:p>
-                      <a:endParaRPr lang="en-US" sz="1200" dirty="0"/>
-                    </a:p>
-                  </a:txBody>
-                  <a:tcPr/>
-                </a:tc>
-                <a:tc>
-                  <a:txBody>
-                    <a:bodyPr/>
-                    <a:lstStyle/>
-                    <a:p>
-                      <a:pPr marL="0" marR="0" indent="0" algn="l" defTabSz="914400" rtl="0" eaLnBrk="1" fontAlgn="auto" latinLnBrk="0" hangingPunct="1">
-                        <a:lnSpc>
-                          <a:spcPct val="100000"/>
-                        </a:lnSpc>
-                        <a:spcBef>
-                          <a:spcPts val="0"/>
-                        </a:spcBef>
-                        <a:spcAft>
-                          <a:spcPts val="0"/>
-                        </a:spcAft>
-                        <a:buClrTx/>
-                        <a:buSzTx/>
-                        <a:buFontTx/>
-                        <a:buNone/>
-                        <a:tabLst/>
-                        <a:defRPr/>
-                      </a:pPr>
-                      <a:endParaRPr lang="en-US" sz="1200" dirty="0" smtClean="0"/>
-                    </a:p>
-                  </a:txBody>
-                  <a:tcPr/>
-                </a:tc>
-                <a:tc>
-                  <a:txBody>
-                    <a:bodyPr/>
-                    <a:lstStyle/>
-                    <a:p>
-                      <a:endParaRPr lang="en-US" sz="1200" dirty="0"/>
-                    </a:p>
-                  </a:txBody>
-                  <a:tcPr/>
-                </a:tc>
-                <a:tc>
-                  <a:txBody>
-                    <a:bodyPr/>
-                    <a:lstStyle/>
-                    <a:p>
-                      <a:pPr marL="0" marR="0" indent="0" algn="l" defTabSz="914400" rtl="0" eaLnBrk="1" fontAlgn="auto" latinLnBrk="0" hangingPunct="1">
-                        <a:lnSpc>
-                          <a:spcPct val="100000"/>
-                        </a:lnSpc>
-                        <a:spcBef>
-                          <a:spcPts val="0"/>
-                        </a:spcBef>
-                        <a:spcAft>
-                          <a:spcPts val="0"/>
-                        </a:spcAft>
-                        <a:buClrTx/>
-                        <a:buSzTx/>
-                        <a:buFontTx/>
-                        <a:buNone/>
-                        <a:tabLst/>
-                        <a:defRPr/>
-                      </a:pPr>
-                      <a:endParaRPr lang="en-US" sz="1200" dirty="0" smtClean="0"/>
-                    </a:p>
-                  </a:txBody>
-                  <a:tcPr/>
-                </a:tc>
-                <a:tc>
-                  <a:txBody>
-                    <a:bodyPr/>
-                    <a:lstStyle/>
-                    <a:p>
-                      <a:endParaRPr lang="en-US" sz="1200" dirty="0"/>
-                    </a:p>
-                  </a:txBody>
-                  <a:tcPr/>
-                </a:tc>
-                <a:tc>
-                  <a:txBody>
-                    <a:bodyPr/>
-                    <a:lstStyle/>
-                    <a:p>
-                      <a:endParaRPr lang="en-US" sz="1200" dirty="0"/>
-                    </a:p>
-                  </a:txBody>
-                  <a:tcPr/>
-                </a:tc>
-                <a:tc>
-                  <a:txBody>
-                    <a:bodyPr/>
-                    <a:lstStyle/>
-                    <a:p>
-                      <a:endParaRPr lang="en-US" sz="1200" dirty="0"/>
-                    </a:p>
-                  </a:txBody>
-                  <a:tcPr/>
-                </a:tc>
-                <a:tc>
-                  <a:txBody>
-                    <a:bodyPr/>
-                    <a:lstStyle/>
-                    <a:p>
-                      <a:endParaRPr lang="en-US" sz="1200" dirty="0"/>
-                    </a:p>
-                  </a:txBody>
-                  <a:tcPr/>
-                </a:tc>
-                <a:tc>
-                  <a:txBody>
-                    <a:bodyPr/>
-                    <a:lstStyle/>
-                    <a:p>
-                      <a:endParaRPr lang="en-US" sz="1200" dirty="0"/>
+                      <a:endParaRPr lang="en-US" sz="1000" dirty="0" smtClean="0"/>
+                    </a:p>
+                  </a:txBody>
+                  <a:tcPr/>
+                </a:tc>
+                <a:tc>
+                  <a:txBody>
+                    <a:bodyPr/>
+                    <a:lstStyle/>
+                    <a:p>
+                      <a:endParaRPr lang="en-US" sz="1000" dirty="0"/>
+                    </a:p>
+                  </a:txBody>
+                  <a:tcPr/>
+                </a:tc>
+                <a:tc>
+                  <a:txBody>
+                    <a:bodyPr/>
+                    <a:lstStyle/>
+                    <a:p>
+                      <a:endParaRPr lang="en-US" sz="1000" dirty="0"/>
+                    </a:p>
+                  </a:txBody>
+                  <a:tcPr/>
+                </a:tc>
+                <a:tc>
+                  <a:txBody>
+                    <a:bodyPr/>
+                    <a:lstStyle/>
+                    <a:p>
+                      <a:endParaRPr lang="en-US" sz="1000" dirty="0"/>
+                    </a:p>
+                  </a:txBody>
+                  <a:tcPr/>
+                </a:tc>
+                <a:tc>
+                  <a:txBody>
+                    <a:bodyPr/>
+                    <a:lstStyle/>
+                    <a:p>
+                      <a:endParaRPr lang="en-US" sz="1000" dirty="0"/>
+                    </a:p>
+                  </a:txBody>
+                  <a:tcPr/>
+                </a:tc>
+                <a:tc>
+                  <a:txBody>
+                    <a:bodyPr/>
+                    <a:lstStyle/>
+                    <a:p>
+                      <a:endParaRPr lang="en-US" sz="1000" dirty="0"/>
                     </a:p>
                   </a:txBody>
                   <a:tcPr/>
@@ -5867,138 +6438,44 @@
           </a:p>
         </p:txBody>
       </p:sp>
-      <p:cxnSp>
-        <p:nvCxnSpPr>
-          <p:cNvPr id="7" name="Straight Arrow Connector 6"/>
-          <p:cNvCxnSpPr/>
+      <p:sp>
+        <p:nvSpPr>
+          <p:cNvPr id="5" name="TextBox 4"/>
+          <p:cNvSpPr txBox="1"/>
           <p:nvPr/>
-        </p:nvCxnSpPr>
+        </p:nvSpPr>
         <p:spPr>
           <a:xfrm>
-            <a:off x="880533" y="3107267"/>
-            <a:ext cx="143934" cy="939800"/>
+            <a:off x="59267" y="6215747"/>
+            <a:ext cx="1388713" cy="646331"/>
           </a:xfrm>
-          <a:prstGeom prst="straightConnector1">
+          <a:prstGeom prst="rect">
             <a:avLst/>
           </a:prstGeom>
-          <a:ln>
-            <a:tailEnd type="triangle"/>
-          </a:ln>
+          <a:solidFill>
+            <a:schemeClr val="accent2"/>
+          </a:solidFill>
         </p:spPr>
-        <p:style>
-          <a:lnRef idx="1">
-            <a:schemeClr val="accent1"/>
-          </a:lnRef>
-          <a:fillRef idx="0">
-            <a:schemeClr val="accent1"/>
-          </a:fillRef>
-          <a:effectRef idx="0">
-            <a:schemeClr val="accent1"/>
-          </a:effectRef>
-          <a:fontRef idx="minor">
-            <a:schemeClr val="tx1"/>
-          </a:fontRef>
-        </p:style>
-      </p:cxnSp>
-      <p:cxnSp>
-        <p:nvCxnSpPr>
-          <p:cNvPr id="9" name="Straight Arrow Connector 8"/>
-          <p:cNvCxnSpPr/>
-          <p:nvPr/>
-        </p:nvCxnSpPr>
-        <p:spPr>
-          <a:xfrm flipH="1">
-            <a:off x="914400" y="4030133"/>
-            <a:ext cx="93133" cy="694267"/>
-          </a:xfrm>
-          <a:prstGeom prst="straightConnector1">
-            <a:avLst/>
-          </a:prstGeom>
-          <a:ln>
-            <a:tailEnd type="triangle"/>
-          </a:ln>
-        </p:spPr>
-        <p:style>
-          <a:lnRef idx="1">
-            <a:schemeClr val="accent1"/>
-          </a:lnRef>
-          <a:fillRef idx="0">
-            <a:schemeClr val="accent1"/>
-          </a:fillRef>
-          <a:effectRef idx="0">
-            <a:schemeClr val="accent1"/>
-          </a:effectRef>
-          <a:fontRef idx="minor">
-            <a:schemeClr val="tx1"/>
-          </a:fontRef>
-        </p:style>
-      </p:cxnSp>
-      <p:cxnSp>
-        <p:nvCxnSpPr>
-          <p:cNvPr id="14" name="Straight Arrow Connector 13"/>
-          <p:cNvCxnSpPr/>
-          <p:nvPr/>
-        </p:nvCxnSpPr>
-        <p:spPr>
-          <a:xfrm>
-            <a:off x="1007533" y="5320037"/>
-            <a:ext cx="0" cy="407983"/>
-          </a:xfrm>
-          <a:prstGeom prst="straightConnector1">
-            <a:avLst/>
-          </a:prstGeom>
-          <a:ln>
-            <a:tailEnd type="triangle"/>
-          </a:ln>
-        </p:spPr>
-        <p:style>
-          <a:lnRef idx="1">
-            <a:schemeClr val="accent1"/>
-          </a:lnRef>
-          <a:fillRef idx="0">
-            <a:schemeClr val="accent1"/>
-          </a:fillRef>
-          <a:effectRef idx="0">
-            <a:schemeClr val="accent1"/>
-          </a:effectRef>
-          <a:fontRef idx="minor">
-            <a:schemeClr val="tx1"/>
-          </a:fontRef>
-        </p:style>
-      </p:cxnSp>
-      <p:cxnSp>
-        <p:nvCxnSpPr>
-          <p:cNvPr id="17" name="Straight Arrow Connector 16"/>
-          <p:cNvCxnSpPr/>
-          <p:nvPr/>
-        </p:nvCxnSpPr>
-        <p:spPr>
-          <a:xfrm>
-            <a:off x="1024467" y="4811610"/>
-            <a:ext cx="0" cy="407983"/>
-          </a:xfrm>
-          <a:prstGeom prst="straightConnector1">
-            <a:avLst/>
-          </a:prstGeom>
-          <a:ln>
-            <a:tailEnd type="triangle"/>
-          </a:ln>
-        </p:spPr>
-        <p:style>
-          <a:lnRef idx="1">
-            <a:schemeClr val="accent1"/>
-          </a:lnRef>
-          <a:fillRef idx="0">
-            <a:schemeClr val="accent1"/>
-          </a:fillRef>
-          <a:effectRef idx="0">
-            <a:schemeClr val="accent1"/>
-          </a:effectRef>
-          <a:fontRef idx="minor">
-            <a:schemeClr val="tx1"/>
-          </a:fontRef>
-        </p:style>
-      </p:cxnSp>
+        <p:txBody>
+          <a:bodyPr wrap="none" rtlCol="0">
+            <a:spAutoFit/>
+          </a:bodyPr>
+          <a:lstStyle/>
+          <a:p>
+            <a:r>
+              <a:rPr lang="en-US" dirty="0" smtClean="0"/>
+              <a:t>R: release</a:t>
+            </a:r>
+          </a:p>
+          <a:p>
+            <a:r>
+              <a:rPr lang="en-US" dirty="0" smtClean="0"/>
+              <a:t>–: no release</a:t>
+            </a:r>
+            <a:endParaRPr lang="en-US" dirty="0"/>
+          </a:p>
+        </p:txBody>
+      </p:sp>
     </p:spTree>
     <p:extLst>
       <p:ext uri="{BB962C8B-B14F-4D97-AF65-F5344CB8AC3E}">
@@ -6063,7 +6540,7 @@
             </a:r>
             <a:r>
               <a:rPr lang="en-US" dirty="0" smtClean="0"/>
-              <a:t>4.x </a:t>
+              <a:t>3.x </a:t>
             </a:r>
             <a:endParaRPr lang="en-US" dirty="0"/>
           </a:p>
@@ -6097,652 +6574,18 @@
           <a:p>
             <a:r>
               <a:rPr lang="en-US" dirty="0" smtClean="0"/>
-              <a:t>DEVS and Repast</a:t>
+              <a:t>Repast</a:t>
             </a:r>
           </a:p>
           <a:p>
             <a:r>
               <a:rPr lang="en-US" dirty="0" smtClean="0"/>
-              <a:t>Bash and Python</a:t>
+              <a:t>Python</a:t>
             </a:r>
             <a:endParaRPr lang="en-US" dirty="0"/>
           </a:p>
         </p:txBody>
       </p:sp>
-      <p:sp>
-        <p:nvSpPr>
-          <p:cNvPr id="3" name="Oval 2"/>
-          <p:cNvSpPr/>
-          <p:nvPr/>
-        </p:nvSpPr>
-        <p:spPr>
-          <a:xfrm>
-            <a:off x="304801" y="3981592"/>
-            <a:ext cx="516466" cy="516466"/>
-          </a:xfrm>
-          <a:prstGeom prst="ellipse">
-            <a:avLst/>
-          </a:prstGeom>
-          <a:solidFill>
-            <a:schemeClr val="accent4">
-              <a:lumMod val="75000"/>
-            </a:schemeClr>
-          </a:solidFill>
-          <a:ln>
-            <a:solidFill>
-              <a:schemeClr val="accent4">
-                <a:lumMod val="50000"/>
-              </a:schemeClr>
-            </a:solidFill>
-          </a:ln>
-        </p:spPr>
-        <p:style>
-          <a:lnRef idx="2">
-            <a:schemeClr val="accent1">
-              <a:shade val="50000"/>
-            </a:schemeClr>
-          </a:lnRef>
-          <a:fillRef idx="1">
-            <a:schemeClr val="accent1"/>
-          </a:fillRef>
-          <a:effectRef idx="0">
-            <a:schemeClr val="accent1"/>
-          </a:effectRef>
-          <a:fontRef idx="minor">
-            <a:schemeClr val="lt1"/>
-          </a:fontRef>
-        </p:style>
-        <p:txBody>
-          <a:bodyPr lIns="0" rIns="0" rtlCol="0" anchor="ctr"/>
-          <a:lstStyle/>
-          <a:p>
-            <a:pPr algn="ctr"/>
-            <a:r>
-              <a:rPr lang="en-US" sz="1200" dirty="0" smtClean="0">
-                <a:solidFill>
-                  <a:schemeClr val="tx1"/>
-                </a:solidFill>
-              </a:rPr>
-              <a:t>MML 1.0</a:t>
-            </a:r>
-            <a:endParaRPr lang="en-US" sz="1200" dirty="0">
-              <a:solidFill>
-                <a:schemeClr val="tx1"/>
-              </a:solidFill>
-            </a:endParaRPr>
-          </a:p>
-        </p:txBody>
-      </p:sp>
-      <p:cxnSp>
-        <p:nvCxnSpPr>
-          <p:cNvPr id="9" name="Straight Arrow Connector 8"/>
-          <p:cNvCxnSpPr/>
-          <p:nvPr/>
-        </p:nvCxnSpPr>
-        <p:spPr>
-          <a:xfrm flipV="1">
-            <a:off x="821267" y="4238696"/>
-            <a:ext cx="873472" cy="2258"/>
-          </a:xfrm>
-          <a:prstGeom prst="straightConnector1">
-            <a:avLst/>
-          </a:prstGeom>
-          <a:ln w="19050">
-            <a:solidFill>
-              <a:schemeClr val="tx1"/>
-            </a:solidFill>
-            <a:prstDash val="solid"/>
-            <a:tailEnd type="triangle"/>
-          </a:ln>
-        </p:spPr>
-        <p:style>
-          <a:lnRef idx="1">
-            <a:schemeClr val="accent1"/>
-          </a:lnRef>
-          <a:fillRef idx="0">
-            <a:schemeClr val="accent1"/>
-          </a:fillRef>
-          <a:effectRef idx="0">
-            <a:schemeClr val="accent1"/>
-          </a:effectRef>
-          <a:fontRef idx="minor">
-            <a:schemeClr val="tx1"/>
-          </a:fontRef>
-        </p:style>
-      </p:cxnSp>
-      <p:sp>
-        <p:nvSpPr>
-          <p:cNvPr id="10" name="Oval 9"/>
-          <p:cNvSpPr/>
-          <p:nvPr/>
-        </p:nvSpPr>
-        <p:spPr>
-          <a:xfrm>
-            <a:off x="2709337" y="5249334"/>
-            <a:ext cx="516466" cy="516466"/>
-          </a:xfrm>
-          <a:prstGeom prst="ellipse">
-            <a:avLst/>
-          </a:prstGeom>
-        </p:spPr>
-        <p:style>
-          <a:lnRef idx="2">
-            <a:schemeClr val="accent1">
-              <a:shade val="50000"/>
-            </a:schemeClr>
-          </a:lnRef>
-          <a:fillRef idx="1">
-            <a:schemeClr val="accent1"/>
-          </a:fillRef>
-          <a:effectRef idx="0">
-            <a:schemeClr val="accent1"/>
-          </a:effectRef>
-          <a:fontRef idx="minor">
-            <a:schemeClr val="lt1"/>
-          </a:fontRef>
-        </p:style>
-        <p:txBody>
-          <a:bodyPr lIns="0" rIns="0" rtlCol="0" anchor="ctr"/>
-          <a:lstStyle/>
-          <a:p>
-            <a:pPr algn="ctr"/>
-            <a:r>
-              <a:rPr lang="en-US" sz="1200" dirty="0" smtClean="0">
-                <a:solidFill>
-                  <a:schemeClr val="tx1"/>
-                </a:solidFill>
-              </a:rPr>
-              <a:t>Land 1.5</a:t>
-            </a:r>
-            <a:endParaRPr lang="en-US" sz="1200" dirty="0">
-              <a:solidFill>
-                <a:schemeClr val="tx1"/>
-              </a:solidFill>
-            </a:endParaRPr>
-          </a:p>
-        </p:txBody>
-      </p:sp>
-      <p:sp>
-        <p:nvSpPr>
-          <p:cNvPr id="11" name="Oval 10"/>
-          <p:cNvSpPr/>
-          <p:nvPr/>
-        </p:nvSpPr>
-        <p:spPr>
-          <a:xfrm>
-            <a:off x="5461004" y="5249334"/>
-            <a:ext cx="516466" cy="516466"/>
-          </a:xfrm>
-          <a:prstGeom prst="ellipse">
-            <a:avLst/>
-          </a:prstGeom>
-        </p:spPr>
-        <p:style>
-          <a:lnRef idx="2">
-            <a:schemeClr val="accent1">
-              <a:shade val="50000"/>
-            </a:schemeClr>
-          </a:lnRef>
-          <a:fillRef idx="1">
-            <a:schemeClr val="accent1"/>
-          </a:fillRef>
-          <a:effectRef idx="0">
-            <a:schemeClr val="accent1"/>
-          </a:effectRef>
-          <a:fontRef idx="minor">
-            <a:schemeClr val="lt1"/>
-          </a:fontRef>
-        </p:style>
-        <p:txBody>
-          <a:bodyPr lIns="0" rIns="0" rtlCol="0" anchor="ctr"/>
-          <a:lstStyle/>
-          <a:p>
-            <a:pPr algn="ctr"/>
-            <a:r>
-              <a:rPr lang="en-US" sz="1200" dirty="0" smtClean="0">
-                <a:solidFill>
-                  <a:schemeClr val="tx1"/>
-                </a:solidFill>
-              </a:rPr>
-              <a:t>Land </a:t>
-            </a:r>
-            <a:r>
-              <a:rPr lang="en-US" sz="1200" dirty="0" smtClean="0">
-                <a:solidFill>
-                  <a:schemeClr val="tx1"/>
-                </a:solidFill>
-              </a:rPr>
-              <a:t>2.0</a:t>
-            </a:r>
-            <a:endParaRPr lang="en-US" sz="1200" dirty="0">
-              <a:solidFill>
-                <a:schemeClr val="tx1"/>
-              </a:solidFill>
-            </a:endParaRPr>
-          </a:p>
-        </p:txBody>
-      </p:sp>
-      <p:cxnSp>
-        <p:nvCxnSpPr>
-          <p:cNvPr id="13" name="Straight Arrow Connector 12"/>
-          <p:cNvCxnSpPr>
-            <a:stCxn id="20" idx="5"/>
-            <a:endCxn id="10" idx="1"/>
-          </p:cNvCxnSpPr>
-          <p:nvPr/>
-        </p:nvCxnSpPr>
-        <p:spPr>
-          <a:xfrm>
-            <a:off x="2135570" y="4422423"/>
-            <a:ext cx="649402" cy="902546"/>
-          </a:xfrm>
-          <a:prstGeom prst="straightConnector1">
-            <a:avLst/>
-          </a:prstGeom>
-          <a:ln w="19050">
-            <a:solidFill>
-              <a:schemeClr val="tx1"/>
-            </a:solidFill>
-            <a:tailEnd type="triangle"/>
-          </a:ln>
-        </p:spPr>
-        <p:style>
-          <a:lnRef idx="1">
-            <a:schemeClr val="accent1"/>
-          </a:lnRef>
-          <a:fillRef idx="0">
-            <a:schemeClr val="accent1"/>
-          </a:fillRef>
-          <a:effectRef idx="0">
-            <a:schemeClr val="accent1"/>
-          </a:effectRef>
-          <a:fontRef idx="minor">
-            <a:schemeClr val="tx1"/>
-          </a:fontRef>
-        </p:style>
-      </p:cxnSp>
-      <p:cxnSp>
-        <p:nvCxnSpPr>
-          <p:cNvPr id="17" name="Straight Arrow Connector 16"/>
-          <p:cNvCxnSpPr>
-            <a:stCxn id="10" idx="7"/>
-            <a:endCxn id="14" idx="3"/>
-          </p:cNvCxnSpPr>
-          <p:nvPr/>
-        </p:nvCxnSpPr>
-        <p:spPr>
-          <a:xfrm flipV="1">
-            <a:off x="3150168" y="4422423"/>
-            <a:ext cx="944312" cy="902546"/>
-          </a:xfrm>
-          <a:prstGeom prst="straightConnector1">
-            <a:avLst/>
-          </a:prstGeom>
-          <a:ln w="19050">
-            <a:solidFill>
-              <a:schemeClr val="tx1"/>
-            </a:solidFill>
-            <a:prstDash val="lgDash"/>
-            <a:tailEnd type="triangle"/>
-          </a:ln>
-        </p:spPr>
-        <p:style>
-          <a:lnRef idx="1">
-            <a:schemeClr val="accent1"/>
-          </a:lnRef>
-          <a:fillRef idx="0">
-            <a:schemeClr val="accent1"/>
-          </a:fillRef>
-          <a:effectRef idx="0">
-            <a:schemeClr val="accent1"/>
-          </a:effectRef>
-          <a:fontRef idx="minor">
-            <a:schemeClr val="tx1"/>
-          </a:fontRef>
-        </p:style>
-      </p:cxnSp>
-      <p:sp>
-        <p:nvSpPr>
-          <p:cNvPr id="20" name="Oval 19"/>
-          <p:cNvSpPr/>
-          <p:nvPr/>
-        </p:nvSpPr>
-        <p:spPr>
-          <a:xfrm>
-            <a:off x="1694739" y="3981592"/>
-            <a:ext cx="516466" cy="516466"/>
-          </a:xfrm>
-          <a:prstGeom prst="ellipse">
-            <a:avLst/>
-          </a:prstGeom>
-          <a:solidFill>
-            <a:schemeClr val="accent4">
-              <a:lumMod val="75000"/>
-            </a:schemeClr>
-          </a:solidFill>
-          <a:ln>
-            <a:solidFill>
-              <a:schemeClr val="accent4">
-                <a:lumMod val="50000"/>
-              </a:schemeClr>
-            </a:solidFill>
-          </a:ln>
-        </p:spPr>
-        <p:style>
-          <a:lnRef idx="2">
-            <a:schemeClr val="accent1">
-              <a:shade val="50000"/>
-            </a:schemeClr>
-          </a:lnRef>
-          <a:fillRef idx="1">
-            <a:schemeClr val="accent1"/>
-          </a:fillRef>
-          <a:effectRef idx="0">
-            <a:schemeClr val="accent1"/>
-          </a:effectRef>
-          <a:fontRef idx="minor">
-            <a:schemeClr val="lt1"/>
-          </a:fontRef>
-        </p:style>
-        <p:txBody>
-          <a:bodyPr lIns="0" rIns="0" rtlCol="0" anchor="ctr"/>
-          <a:lstStyle/>
-          <a:p>
-            <a:pPr algn="ctr"/>
-            <a:r>
-              <a:rPr lang="en-US" sz="1200" dirty="0" smtClean="0">
-                <a:solidFill>
-                  <a:schemeClr val="tx1"/>
-                </a:solidFill>
-              </a:rPr>
-              <a:t>MML 2.0</a:t>
-            </a:r>
-            <a:endParaRPr lang="en-US" sz="1200" dirty="0">
-              <a:solidFill>
-                <a:schemeClr val="tx1"/>
-              </a:solidFill>
-            </a:endParaRPr>
-          </a:p>
-        </p:txBody>
-      </p:sp>
-      <p:sp>
-        <p:nvSpPr>
-          <p:cNvPr id="14" name="Oval 13"/>
-          <p:cNvSpPr/>
-          <p:nvPr/>
-        </p:nvSpPr>
-        <p:spPr>
-          <a:xfrm>
-            <a:off x="4018845" y="3981592"/>
-            <a:ext cx="516466" cy="516466"/>
-          </a:xfrm>
-          <a:prstGeom prst="ellipse">
-            <a:avLst/>
-          </a:prstGeom>
-          <a:solidFill>
-            <a:schemeClr val="accent4">
-              <a:lumMod val="75000"/>
-            </a:schemeClr>
-          </a:solidFill>
-          <a:ln>
-            <a:solidFill>
-              <a:schemeClr val="accent4">
-                <a:lumMod val="50000"/>
-              </a:schemeClr>
-            </a:solidFill>
-          </a:ln>
-        </p:spPr>
-        <p:style>
-          <a:lnRef idx="2">
-            <a:schemeClr val="accent1">
-              <a:shade val="50000"/>
-            </a:schemeClr>
-          </a:lnRef>
-          <a:fillRef idx="1">
-            <a:schemeClr val="accent1"/>
-          </a:fillRef>
-          <a:effectRef idx="0">
-            <a:schemeClr val="accent1"/>
-          </a:effectRef>
-          <a:fontRef idx="minor">
-            <a:schemeClr val="lt1"/>
-          </a:fontRef>
-        </p:style>
-        <p:txBody>
-          <a:bodyPr lIns="0" rIns="0" rtlCol="0" anchor="ctr"/>
-          <a:lstStyle/>
-          <a:p>
-            <a:pPr algn="ctr"/>
-            <a:r>
-              <a:rPr lang="en-US" sz="1200" dirty="0" smtClean="0">
-                <a:solidFill>
-                  <a:schemeClr val="tx1"/>
-                </a:solidFill>
-              </a:rPr>
-              <a:t>MML 3.0</a:t>
-            </a:r>
-            <a:endParaRPr lang="en-US" sz="1200" dirty="0">
-              <a:solidFill>
-                <a:schemeClr val="tx1"/>
-              </a:solidFill>
-            </a:endParaRPr>
-          </a:p>
-        </p:txBody>
-      </p:sp>
-      <p:sp>
-        <p:nvSpPr>
-          <p:cNvPr id="18" name="Oval 17"/>
-          <p:cNvSpPr/>
-          <p:nvPr/>
-        </p:nvSpPr>
-        <p:spPr>
-          <a:xfrm>
-            <a:off x="6582556" y="3981592"/>
-            <a:ext cx="516466" cy="516466"/>
-          </a:xfrm>
-          <a:prstGeom prst="ellipse">
-            <a:avLst/>
-          </a:prstGeom>
-          <a:solidFill>
-            <a:schemeClr val="accent4">
-              <a:lumMod val="75000"/>
-            </a:schemeClr>
-          </a:solidFill>
-          <a:ln>
-            <a:solidFill>
-              <a:schemeClr val="accent4">
-                <a:lumMod val="50000"/>
-              </a:schemeClr>
-            </a:solidFill>
-          </a:ln>
-        </p:spPr>
-        <p:style>
-          <a:lnRef idx="2">
-            <a:schemeClr val="accent1">
-              <a:shade val="50000"/>
-            </a:schemeClr>
-          </a:lnRef>
-          <a:fillRef idx="1">
-            <a:schemeClr val="accent1"/>
-          </a:fillRef>
-          <a:effectRef idx="0">
-            <a:schemeClr val="accent1"/>
-          </a:effectRef>
-          <a:fontRef idx="minor">
-            <a:schemeClr val="lt1"/>
-          </a:fontRef>
-        </p:style>
-        <p:txBody>
-          <a:bodyPr lIns="0" rIns="0" rtlCol="0" anchor="ctr"/>
-          <a:lstStyle/>
-          <a:p>
-            <a:pPr algn="ctr"/>
-            <a:r>
-              <a:rPr lang="en-US" sz="1200" dirty="0" smtClean="0">
-                <a:solidFill>
-                  <a:schemeClr val="tx1"/>
-                </a:solidFill>
-              </a:rPr>
-              <a:t>MML 4.0</a:t>
-            </a:r>
-            <a:endParaRPr lang="en-US" sz="1200" dirty="0">
-              <a:solidFill>
-                <a:schemeClr val="tx1"/>
-              </a:solidFill>
-            </a:endParaRPr>
-          </a:p>
-        </p:txBody>
-      </p:sp>
-      <p:cxnSp>
-        <p:nvCxnSpPr>
-          <p:cNvPr id="16" name="Straight Arrow Connector 15"/>
-          <p:cNvCxnSpPr>
-            <a:stCxn id="11" idx="7"/>
-            <a:endCxn id="18" idx="3"/>
-          </p:cNvCxnSpPr>
-          <p:nvPr/>
-        </p:nvCxnSpPr>
-        <p:spPr>
-          <a:xfrm flipV="1">
-            <a:off x="5901835" y="4422423"/>
-            <a:ext cx="756356" cy="902546"/>
-          </a:xfrm>
-          <a:prstGeom prst="straightConnector1">
-            <a:avLst/>
-          </a:prstGeom>
-          <a:ln w="12700">
-            <a:solidFill>
-              <a:schemeClr val="tx1"/>
-            </a:solidFill>
-            <a:tailEnd type="triangle"/>
-          </a:ln>
-        </p:spPr>
-        <p:style>
-          <a:lnRef idx="1">
-            <a:schemeClr val="accent1"/>
-          </a:lnRef>
-          <a:fillRef idx="0">
-            <a:schemeClr val="accent1"/>
-          </a:fillRef>
-          <a:effectRef idx="0">
-            <a:schemeClr val="accent1"/>
-          </a:effectRef>
-          <a:fontRef idx="minor">
-            <a:schemeClr val="tx1"/>
-          </a:fontRef>
-        </p:style>
-      </p:cxnSp>
-      <p:cxnSp>
-        <p:nvCxnSpPr>
-          <p:cNvPr id="21" name="Straight Arrow Connector 20"/>
-          <p:cNvCxnSpPr/>
-          <p:nvPr/>
-        </p:nvCxnSpPr>
-        <p:spPr>
-          <a:xfrm>
-            <a:off x="2211205" y="4239825"/>
-            <a:ext cx="1807640" cy="0"/>
-          </a:xfrm>
-          <a:prstGeom prst="straightConnector1">
-            <a:avLst/>
-          </a:prstGeom>
-          <a:ln w="12700">
-            <a:solidFill>
-              <a:schemeClr val="tx1"/>
-            </a:solidFill>
-            <a:tailEnd type="triangle"/>
-          </a:ln>
-        </p:spPr>
-        <p:style>
-          <a:lnRef idx="1">
-            <a:schemeClr val="accent1"/>
-          </a:lnRef>
-          <a:fillRef idx="0">
-            <a:schemeClr val="accent1"/>
-          </a:fillRef>
-          <a:effectRef idx="0">
-            <a:schemeClr val="accent1"/>
-          </a:effectRef>
-          <a:fontRef idx="minor">
-            <a:schemeClr val="tx1"/>
-          </a:fontRef>
-        </p:style>
-      </p:cxnSp>
-      <p:cxnSp>
-        <p:nvCxnSpPr>
-          <p:cNvPr id="23" name="Straight Arrow Connector 22"/>
-          <p:cNvCxnSpPr/>
-          <p:nvPr/>
-        </p:nvCxnSpPr>
-        <p:spPr>
-          <a:xfrm>
-            <a:off x="4535311" y="4239825"/>
-            <a:ext cx="2047245" cy="0"/>
-          </a:xfrm>
-          <a:prstGeom prst="straightConnector1">
-            <a:avLst/>
-          </a:prstGeom>
-          <a:ln w="12700">
-            <a:solidFill>
-              <a:schemeClr val="tx1"/>
-            </a:solidFill>
-            <a:tailEnd type="triangle"/>
-          </a:ln>
-        </p:spPr>
-        <p:style>
-          <a:lnRef idx="1">
-            <a:schemeClr val="accent1"/>
-          </a:lnRef>
-          <a:fillRef idx="0">
-            <a:schemeClr val="accent1"/>
-          </a:fillRef>
-          <a:effectRef idx="0">
-            <a:schemeClr val="accent1"/>
-          </a:effectRef>
-          <a:fontRef idx="minor">
-            <a:schemeClr val="tx1"/>
-          </a:fontRef>
-        </p:style>
-      </p:cxnSp>
-      <p:cxnSp>
-        <p:nvCxnSpPr>
-          <p:cNvPr id="26" name="Straight Arrow Connector 25"/>
-          <p:cNvCxnSpPr>
-            <a:stCxn id="14" idx="5"/>
-            <a:endCxn id="11" idx="1"/>
-          </p:cNvCxnSpPr>
-          <p:nvPr/>
-        </p:nvCxnSpPr>
-        <p:spPr>
-          <a:xfrm>
-            <a:off x="4459676" y="4422423"/>
-            <a:ext cx="1076963" cy="902546"/>
-          </a:xfrm>
-          <a:prstGeom prst="straightConnector1">
-            <a:avLst/>
-          </a:prstGeom>
-          <a:ln w="12700">
-            <a:solidFill>
-              <a:schemeClr val="tx1"/>
-            </a:solidFill>
-            <a:tailEnd type="triangle"/>
-          </a:ln>
-        </p:spPr>
-        <p:style>
-          <a:lnRef idx="1">
-            <a:schemeClr val="accent1"/>
-          </a:lnRef>
-          <a:fillRef idx="0">
-            <a:schemeClr val="accent1"/>
-          </a:fillRef>
-          <a:effectRef idx="0">
-            <a:schemeClr val="accent1"/>
-          </a:effectRef>
-          <a:fontRef idx="minor">
-            <a:schemeClr val="tx1"/>
-          </a:fontRef>
-        </p:style>
-      </p:cxnSp>
       <p:sp>
         <p:nvSpPr>
           <p:cNvPr id="27" name="Slide Number Placeholder 26"/>
@@ -6762,114 +6605,1218 @@
               <a:rPr lang="en-US" smtClean="0"/>
               <a:t>5</a:t>
             </a:fld>
-            <a:endParaRPr lang="en-US"/>
-          </a:p>
-        </p:txBody>
-      </p:sp>
-      <p:sp>
-        <p:nvSpPr>
-          <p:cNvPr id="19" name="Oval 18"/>
-          <p:cNvSpPr/>
+            <a:endParaRPr lang="en-US" dirty="0"/>
+          </a:p>
+        </p:txBody>
+      </p:sp>
+      <p:grpSp>
+        <p:nvGrpSpPr>
+          <p:cNvPr id="46" name="Group 45"/>
+          <p:cNvGrpSpPr/>
           <p:nvPr/>
-        </p:nvSpPr>
-        <p:spPr>
+        </p:nvGrpSpPr>
+        <p:grpSpPr>
           <a:xfrm>
-            <a:off x="8257117" y="3981592"/>
-            <a:ext cx="516466" cy="516466"/>
+            <a:off x="1550806" y="3319006"/>
+            <a:ext cx="7398733" cy="2960865"/>
+            <a:chOff x="712604" y="3979405"/>
+            <a:chExt cx="7398733" cy="2960865"/>
           </a:xfrm>
-          <a:prstGeom prst="ellipse">
-            <a:avLst/>
-          </a:prstGeom>
-          <a:solidFill>
-            <a:schemeClr val="accent4">
-              <a:lumMod val="75000"/>
-            </a:schemeClr>
-          </a:solidFill>
-          <a:ln>
-            <a:solidFill>
-              <a:schemeClr val="accent4">
-                <a:lumMod val="50000"/>
+        </p:grpSpPr>
+        <p:sp>
+          <p:nvSpPr>
+            <p:cNvPr id="10" name="Oval 9"/>
+            <p:cNvSpPr/>
+            <p:nvPr/>
+          </p:nvSpPr>
+          <p:spPr>
+            <a:xfrm>
+              <a:off x="1583270" y="5249334"/>
+              <a:ext cx="516466" cy="516466"/>
+            </a:xfrm>
+            <a:prstGeom prst="ellipse">
+              <a:avLst/>
+            </a:prstGeom>
+          </p:spPr>
+          <p:style>
+            <a:lnRef idx="2">
+              <a:schemeClr val="accent1">
+                <a:shade val="50000"/>
               </a:schemeClr>
-            </a:solidFill>
-          </a:ln>
-        </p:spPr>
-        <p:style>
-          <a:lnRef idx="2">
-            <a:schemeClr val="accent1">
-              <a:shade val="50000"/>
-            </a:schemeClr>
-          </a:lnRef>
-          <a:fillRef idx="1">
-            <a:schemeClr val="accent1"/>
-          </a:fillRef>
-          <a:effectRef idx="0">
-            <a:schemeClr val="accent1"/>
-          </a:effectRef>
-          <a:fontRef idx="minor">
-            <a:schemeClr val="lt1"/>
-          </a:fontRef>
-        </p:style>
-        <p:txBody>
-          <a:bodyPr lIns="0" rIns="0" rtlCol="0" anchor="ctr"/>
-          <a:lstStyle/>
-          <a:p>
-            <a:pPr algn="ctr"/>
-            <a:r>
-              <a:rPr lang="en-US" sz="1200" dirty="0" smtClean="0">
+            </a:lnRef>
+            <a:fillRef idx="1">
+              <a:schemeClr val="accent1"/>
+            </a:fillRef>
+            <a:effectRef idx="0">
+              <a:schemeClr val="accent1"/>
+            </a:effectRef>
+            <a:fontRef idx="minor">
+              <a:schemeClr val="lt1"/>
+            </a:fontRef>
+          </p:style>
+          <p:txBody>
+            <a:bodyPr lIns="0" rIns="0" rtlCol="0" anchor="ctr"/>
+            <a:lstStyle/>
+            <a:p>
+              <a:pPr algn="ctr"/>
+              <a:r>
+                <a:rPr lang="en-US" sz="1200" dirty="0" smtClean="0">
+                  <a:solidFill>
+                    <a:schemeClr val="tx1"/>
+                  </a:solidFill>
+                </a:rPr>
+                <a:t>Land 1.1</a:t>
+              </a:r>
+              <a:endParaRPr lang="en-US" sz="1200" dirty="0">
                 <a:solidFill>
                   <a:schemeClr val="tx1"/>
                 </a:solidFill>
-              </a:rPr>
-              <a:t>MML 4.x</a:t>
-            </a:r>
-            <a:endParaRPr lang="en-US" sz="1200" dirty="0">
+              </a:endParaRPr>
+            </a:p>
+          </p:txBody>
+        </p:sp>
+        <p:sp>
+          <p:nvSpPr>
+            <p:cNvPr id="11" name="Oval 10"/>
+            <p:cNvSpPr/>
+            <p:nvPr/>
+          </p:nvSpPr>
+          <p:spPr>
+            <a:xfrm>
+              <a:off x="3456370" y="5249334"/>
+              <a:ext cx="516466" cy="516466"/>
+            </a:xfrm>
+            <a:prstGeom prst="ellipse">
+              <a:avLst/>
+            </a:prstGeom>
+          </p:spPr>
+          <p:style>
+            <a:lnRef idx="2">
+              <a:schemeClr val="accent1">
+                <a:shade val="50000"/>
+              </a:schemeClr>
+            </a:lnRef>
+            <a:fillRef idx="1">
+              <a:schemeClr val="accent1"/>
+            </a:fillRef>
+            <a:effectRef idx="0">
+              <a:schemeClr val="accent1"/>
+            </a:effectRef>
+            <a:fontRef idx="minor">
+              <a:schemeClr val="lt1"/>
+            </a:fontRef>
+          </p:style>
+          <p:txBody>
+            <a:bodyPr lIns="0" rIns="0" rtlCol="0" anchor="ctr"/>
+            <a:lstStyle/>
+            <a:p>
+              <a:pPr algn="ctr"/>
+              <a:r>
+                <a:rPr lang="en-US" sz="1200" dirty="0" smtClean="0">
+                  <a:solidFill>
+                    <a:schemeClr val="tx1"/>
+                  </a:solidFill>
+                </a:rPr>
+                <a:t>Land 1.2</a:t>
+              </a:r>
+              <a:endParaRPr lang="en-US" sz="1200" dirty="0">
+                <a:solidFill>
+                  <a:schemeClr val="tx1"/>
+                </a:solidFill>
+              </a:endParaRPr>
+            </a:p>
+          </p:txBody>
+        </p:sp>
+        <p:cxnSp>
+          <p:nvCxnSpPr>
+            <p:cNvPr id="13" name="Straight Arrow Connector 12"/>
+            <p:cNvCxnSpPr>
+              <a:stCxn id="20" idx="5"/>
+              <a:endCxn id="10" idx="1"/>
+            </p:cNvCxnSpPr>
+            <p:nvPr/>
+          </p:nvCxnSpPr>
+          <p:spPr>
+            <a:xfrm>
+              <a:off x="1153435" y="4422423"/>
+              <a:ext cx="505470" cy="902546"/>
+            </a:xfrm>
+            <a:prstGeom prst="straightConnector1">
+              <a:avLst/>
+            </a:prstGeom>
+            <a:ln w="19050">
               <a:solidFill>
                 <a:schemeClr val="tx1"/>
               </a:solidFill>
-            </a:endParaRPr>
-          </a:p>
-        </p:txBody>
-      </p:sp>
-      <p:cxnSp>
-        <p:nvCxnSpPr>
-          <p:cNvPr id="4" name="Straight Arrow Connector 3"/>
-          <p:cNvCxnSpPr>
-            <a:stCxn id="18" idx="6"/>
-            <a:endCxn id="19" idx="2"/>
-          </p:cNvCxnSpPr>
+              <a:tailEnd type="triangle"/>
+            </a:ln>
+          </p:spPr>
+          <p:style>
+            <a:lnRef idx="1">
+              <a:schemeClr val="accent1"/>
+            </a:lnRef>
+            <a:fillRef idx="0">
+              <a:schemeClr val="accent1"/>
+            </a:fillRef>
+            <a:effectRef idx="0">
+              <a:schemeClr val="accent1"/>
+            </a:effectRef>
+            <a:fontRef idx="minor">
+              <a:schemeClr val="tx1"/>
+            </a:fontRef>
+          </p:style>
+        </p:cxnSp>
+        <p:cxnSp>
+          <p:nvCxnSpPr>
+            <p:cNvPr id="17" name="Straight Arrow Connector 16"/>
+            <p:cNvCxnSpPr>
+              <a:stCxn id="10" idx="7"/>
+              <a:endCxn id="14" idx="3"/>
+            </p:cNvCxnSpPr>
+            <p:nvPr/>
+          </p:nvCxnSpPr>
+          <p:spPr>
+            <a:xfrm flipV="1">
+              <a:off x="2024101" y="4422423"/>
+              <a:ext cx="495577" cy="902546"/>
+            </a:xfrm>
+            <a:prstGeom prst="straightConnector1">
+              <a:avLst/>
+            </a:prstGeom>
+            <a:ln w="19050">
+              <a:solidFill>
+                <a:schemeClr val="tx1"/>
+              </a:solidFill>
+              <a:prstDash val="lgDash"/>
+              <a:tailEnd type="triangle"/>
+            </a:ln>
+          </p:spPr>
+          <p:style>
+            <a:lnRef idx="1">
+              <a:schemeClr val="accent1"/>
+            </a:lnRef>
+            <a:fillRef idx="0">
+              <a:schemeClr val="accent1"/>
+            </a:fillRef>
+            <a:effectRef idx="0">
+              <a:schemeClr val="accent1"/>
+            </a:effectRef>
+            <a:fontRef idx="minor">
+              <a:schemeClr val="tx1"/>
+            </a:fontRef>
+          </p:style>
+        </p:cxnSp>
+        <p:sp>
+          <p:nvSpPr>
+            <p:cNvPr id="20" name="Oval 19"/>
+            <p:cNvSpPr/>
+            <p:nvPr/>
+          </p:nvSpPr>
+          <p:spPr>
+            <a:xfrm>
+              <a:off x="712604" y="3981592"/>
+              <a:ext cx="516466" cy="516466"/>
+            </a:xfrm>
+            <a:prstGeom prst="ellipse">
+              <a:avLst/>
+            </a:prstGeom>
+            <a:solidFill>
+              <a:schemeClr val="accent4">
+                <a:lumMod val="75000"/>
+              </a:schemeClr>
+            </a:solidFill>
+            <a:ln>
+              <a:solidFill>
+                <a:schemeClr val="accent4">
+                  <a:lumMod val="50000"/>
+                </a:schemeClr>
+              </a:solidFill>
+            </a:ln>
+          </p:spPr>
+          <p:style>
+            <a:lnRef idx="2">
+              <a:schemeClr val="accent1">
+                <a:shade val="50000"/>
+              </a:schemeClr>
+            </a:lnRef>
+            <a:fillRef idx="1">
+              <a:schemeClr val="accent1"/>
+            </a:fillRef>
+            <a:effectRef idx="0">
+              <a:schemeClr val="accent1"/>
+            </a:effectRef>
+            <a:fontRef idx="minor">
+              <a:schemeClr val="lt1"/>
+            </a:fontRef>
+          </p:style>
+          <p:txBody>
+            <a:bodyPr lIns="0" rIns="0" rtlCol="0" anchor="ctr"/>
+            <a:lstStyle/>
+            <a:p>
+              <a:pPr algn="ctr"/>
+              <a:r>
+                <a:rPr lang="en-US" sz="1200" dirty="0" smtClean="0">
+                  <a:solidFill>
+                    <a:schemeClr val="tx1"/>
+                  </a:solidFill>
+                </a:rPr>
+                <a:t>MML 1.0</a:t>
+              </a:r>
+              <a:endParaRPr lang="en-US" sz="1200" dirty="0">
+                <a:solidFill>
+                  <a:schemeClr val="tx1"/>
+                </a:solidFill>
+              </a:endParaRPr>
+            </a:p>
+          </p:txBody>
+        </p:sp>
+        <p:sp>
+          <p:nvSpPr>
+            <p:cNvPr id="14" name="Oval 13"/>
+            <p:cNvSpPr/>
+            <p:nvPr/>
+          </p:nvSpPr>
+          <p:spPr>
+            <a:xfrm>
+              <a:off x="2444043" y="3981592"/>
+              <a:ext cx="516466" cy="516466"/>
+            </a:xfrm>
+            <a:prstGeom prst="ellipse">
+              <a:avLst/>
+            </a:prstGeom>
+            <a:solidFill>
+              <a:schemeClr val="accent4">
+                <a:lumMod val="75000"/>
+              </a:schemeClr>
+            </a:solidFill>
+            <a:ln>
+              <a:solidFill>
+                <a:schemeClr val="accent4">
+                  <a:lumMod val="50000"/>
+                </a:schemeClr>
+              </a:solidFill>
+            </a:ln>
+          </p:spPr>
+          <p:style>
+            <a:lnRef idx="2">
+              <a:schemeClr val="accent1">
+                <a:shade val="50000"/>
+              </a:schemeClr>
+            </a:lnRef>
+            <a:fillRef idx="1">
+              <a:schemeClr val="accent1"/>
+            </a:fillRef>
+            <a:effectRef idx="0">
+              <a:schemeClr val="accent1"/>
+            </a:effectRef>
+            <a:fontRef idx="minor">
+              <a:schemeClr val="lt1"/>
+            </a:fontRef>
+          </p:style>
+          <p:txBody>
+            <a:bodyPr lIns="0" rIns="0" rtlCol="0" anchor="ctr"/>
+            <a:lstStyle/>
+            <a:p>
+              <a:pPr algn="ctr"/>
+              <a:r>
+                <a:rPr lang="en-US" sz="1200" dirty="0" smtClean="0">
+                  <a:solidFill>
+                    <a:schemeClr val="tx1"/>
+                  </a:solidFill>
+                </a:rPr>
+                <a:t>MML 2.0</a:t>
+              </a:r>
+              <a:endParaRPr lang="en-US" sz="1200" dirty="0">
+                <a:solidFill>
+                  <a:schemeClr val="tx1"/>
+                </a:solidFill>
+              </a:endParaRPr>
+            </a:p>
+          </p:txBody>
+        </p:sp>
+        <p:sp>
+          <p:nvSpPr>
+            <p:cNvPr id="18" name="Oval 17"/>
+            <p:cNvSpPr/>
+            <p:nvPr/>
+          </p:nvSpPr>
+          <p:spPr>
+            <a:xfrm>
+              <a:off x="4245749" y="3981592"/>
+              <a:ext cx="516466" cy="516466"/>
+            </a:xfrm>
+            <a:prstGeom prst="ellipse">
+              <a:avLst/>
+            </a:prstGeom>
+            <a:solidFill>
+              <a:schemeClr val="accent4">
+                <a:lumMod val="75000"/>
+              </a:schemeClr>
+            </a:solidFill>
+            <a:ln>
+              <a:solidFill>
+                <a:schemeClr val="accent4">
+                  <a:lumMod val="50000"/>
+                </a:schemeClr>
+              </a:solidFill>
+            </a:ln>
+          </p:spPr>
+          <p:style>
+            <a:lnRef idx="2">
+              <a:schemeClr val="accent1">
+                <a:shade val="50000"/>
+              </a:schemeClr>
+            </a:lnRef>
+            <a:fillRef idx="1">
+              <a:schemeClr val="accent1"/>
+            </a:fillRef>
+            <a:effectRef idx="0">
+              <a:schemeClr val="accent1"/>
+            </a:effectRef>
+            <a:fontRef idx="minor">
+              <a:schemeClr val="lt1"/>
+            </a:fontRef>
+          </p:style>
+          <p:txBody>
+            <a:bodyPr lIns="0" rIns="0" rtlCol="0" anchor="ctr"/>
+            <a:lstStyle/>
+            <a:p>
+              <a:pPr algn="ctr"/>
+              <a:r>
+                <a:rPr lang="en-US" sz="1200" dirty="0" smtClean="0">
+                  <a:solidFill>
+                    <a:schemeClr val="tx1"/>
+                  </a:solidFill>
+                </a:rPr>
+                <a:t>MML 2.1</a:t>
+              </a:r>
+              <a:endParaRPr lang="en-US" sz="1200" dirty="0">
+                <a:solidFill>
+                  <a:schemeClr val="tx1"/>
+                </a:solidFill>
+              </a:endParaRPr>
+            </a:p>
+          </p:txBody>
+        </p:sp>
+        <p:cxnSp>
+          <p:nvCxnSpPr>
+            <p:cNvPr id="16" name="Straight Arrow Connector 15"/>
+            <p:cNvCxnSpPr>
+              <a:stCxn id="11" idx="7"/>
+              <a:endCxn id="18" idx="3"/>
+            </p:cNvCxnSpPr>
+            <p:nvPr/>
+          </p:nvCxnSpPr>
+          <p:spPr>
+            <a:xfrm flipV="1">
+              <a:off x="3897201" y="4422423"/>
+              <a:ext cx="424183" cy="902546"/>
+            </a:xfrm>
+            <a:prstGeom prst="straightConnector1">
+              <a:avLst/>
+            </a:prstGeom>
+            <a:ln w="12700">
+              <a:solidFill>
+                <a:schemeClr val="tx1"/>
+              </a:solidFill>
+              <a:tailEnd type="triangle"/>
+            </a:ln>
+          </p:spPr>
+          <p:style>
+            <a:lnRef idx="1">
+              <a:schemeClr val="accent1"/>
+            </a:lnRef>
+            <a:fillRef idx="0">
+              <a:schemeClr val="accent1"/>
+            </a:fillRef>
+            <a:effectRef idx="0">
+              <a:schemeClr val="accent1"/>
+            </a:effectRef>
+            <a:fontRef idx="minor">
+              <a:schemeClr val="tx1"/>
+            </a:fontRef>
+          </p:style>
+        </p:cxnSp>
+        <p:cxnSp>
+          <p:nvCxnSpPr>
+            <p:cNvPr id="21" name="Straight Arrow Connector 20"/>
+            <p:cNvCxnSpPr>
+              <a:stCxn id="20" idx="6"/>
+            </p:cNvCxnSpPr>
+            <p:nvPr/>
+          </p:nvCxnSpPr>
+          <p:spPr>
+            <a:xfrm>
+              <a:off x="1229070" y="4239825"/>
+              <a:ext cx="1214973" cy="0"/>
+            </a:xfrm>
+            <a:prstGeom prst="straightConnector1">
+              <a:avLst/>
+            </a:prstGeom>
+            <a:ln w="12700">
+              <a:solidFill>
+                <a:schemeClr val="tx1"/>
+              </a:solidFill>
+              <a:tailEnd type="triangle"/>
+            </a:ln>
+          </p:spPr>
+          <p:style>
+            <a:lnRef idx="1">
+              <a:schemeClr val="accent1"/>
+            </a:lnRef>
+            <a:fillRef idx="0">
+              <a:schemeClr val="accent1"/>
+            </a:fillRef>
+            <a:effectRef idx="0">
+              <a:schemeClr val="accent1"/>
+            </a:effectRef>
+            <a:fontRef idx="minor">
+              <a:schemeClr val="tx1"/>
+            </a:fontRef>
+          </p:style>
+        </p:cxnSp>
+        <p:cxnSp>
+          <p:nvCxnSpPr>
+            <p:cNvPr id="23" name="Straight Arrow Connector 22"/>
+            <p:cNvCxnSpPr>
+              <a:endCxn id="18" idx="2"/>
+            </p:cNvCxnSpPr>
+            <p:nvPr/>
+          </p:nvCxnSpPr>
+          <p:spPr>
+            <a:xfrm>
+              <a:off x="2960509" y="4239825"/>
+              <a:ext cx="1285240" cy="0"/>
+            </a:xfrm>
+            <a:prstGeom prst="straightConnector1">
+              <a:avLst/>
+            </a:prstGeom>
+            <a:ln w="12700">
+              <a:solidFill>
+                <a:schemeClr val="tx1"/>
+              </a:solidFill>
+              <a:tailEnd type="triangle"/>
+            </a:ln>
+          </p:spPr>
+          <p:style>
+            <a:lnRef idx="1">
+              <a:schemeClr val="accent1"/>
+            </a:lnRef>
+            <a:fillRef idx="0">
+              <a:schemeClr val="accent1"/>
+            </a:fillRef>
+            <a:effectRef idx="0">
+              <a:schemeClr val="accent1"/>
+            </a:effectRef>
+            <a:fontRef idx="minor">
+              <a:schemeClr val="tx1"/>
+            </a:fontRef>
+          </p:style>
+        </p:cxnSp>
+        <p:cxnSp>
+          <p:nvCxnSpPr>
+            <p:cNvPr id="26" name="Straight Arrow Connector 25"/>
+            <p:cNvCxnSpPr>
+              <a:stCxn id="14" idx="5"/>
+              <a:endCxn id="11" idx="1"/>
+            </p:cNvCxnSpPr>
+            <p:nvPr/>
+          </p:nvCxnSpPr>
+          <p:spPr>
+            <a:xfrm>
+              <a:off x="2884874" y="4422423"/>
+              <a:ext cx="647131" cy="902546"/>
+            </a:xfrm>
+            <a:prstGeom prst="straightConnector1">
+              <a:avLst/>
+            </a:prstGeom>
+            <a:ln w="12700">
+              <a:solidFill>
+                <a:schemeClr val="tx1"/>
+              </a:solidFill>
+              <a:tailEnd type="triangle"/>
+            </a:ln>
+          </p:spPr>
+          <p:style>
+            <a:lnRef idx="1">
+              <a:schemeClr val="accent1"/>
+            </a:lnRef>
+            <a:fillRef idx="0">
+              <a:schemeClr val="accent1"/>
+            </a:fillRef>
+            <a:effectRef idx="0">
+              <a:schemeClr val="accent1"/>
+            </a:effectRef>
+            <a:fontRef idx="minor">
+              <a:schemeClr val="tx1"/>
+            </a:fontRef>
+          </p:style>
+        </p:cxnSp>
+        <p:sp>
+          <p:nvSpPr>
+            <p:cNvPr id="19" name="Oval 18"/>
+            <p:cNvSpPr/>
+            <p:nvPr/>
+          </p:nvSpPr>
+          <p:spPr>
+            <a:xfrm>
+              <a:off x="5920310" y="3981592"/>
+              <a:ext cx="516466" cy="516466"/>
+            </a:xfrm>
+            <a:prstGeom prst="ellipse">
+              <a:avLst/>
+            </a:prstGeom>
+            <a:solidFill>
+              <a:schemeClr val="accent4">
+                <a:lumMod val="75000"/>
+              </a:schemeClr>
+            </a:solidFill>
+            <a:ln>
+              <a:solidFill>
+                <a:schemeClr val="accent4">
+                  <a:lumMod val="50000"/>
+                </a:schemeClr>
+              </a:solidFill>
+            </a:ln>
+          </p:spPr>
+          <p:style>
+            <a:lnRef idx="2">
+              <a:schemeClr val="accent1">
+                <a:shade val="50000"/>
+              </a:schemeClr>
+            </a:lnRef>
+            <a:fillRef idx="1">
+              <a:schemeClr val="accent1"/>
+            </a:fillRef>
+            <a:effectRef idx="0">
+              <a:schemeClr val="accent1"/>
+            </a:effectRef>
+            <a:fontRef idx="minor">
+              <a:schemeClr val="lt1"/>
+            </a:fontRef>
+          </p:style>
+          <p:txBody>
+            <a:bodyPr lIns="0" rIns="0" rtlCol="0" anchor="ctr"/>
+            <a:lstStyle/>
+            <a:p>
+              <a:pPr algn="ctr"/>
+              <a:r>
+                <a:rPr lang="en-US" sz="1200" dirty="0" smtClean="0">
+                  <a:solidFill>
+                    <a:schemeClr val="tx1"/>
+                  </a:solidFill>
+                </a:rPr>
+                <a:t>MML 3.0</a:t>
+              </a:r>
+              <a:endParaRPr lang="en-US" sz="1200" dirty="0">
+                <a:solidFill>
+                  <a:schemeClr val="tx1"/>
+                </a:solidFill>
+              </a:endParaRPr>
+            </a:p>
+          </p:txBody>
+        </p:sp>
+        <p:sp>
+          <p:nvSpPr>
+            <p:cNvPr id="22" name="Oval 21"/>
+            <p:cNvSpPr/>
+            <p:nvPr/>
+          </p:nvSpPr>
+          <p:spPr>
+            <a:xfrm>
+              <a:off x="3293527" y="6098117"/>
+              <a:ext cx="842153" cy="842153"/>
+            </a:xfrm>
+            <a:prstGeom prst="ellipse">
+              <a:avLst/>
+            </a:prstGeom>
+          </p:spPr>
+          <p:style>
+            <a:lnRef idx="2">
+              <a:schemeClr val="accent1">
+                <a:shade val="50000"/>
+              </a:schemeClr>
+            </a:lnRef>
+            <a:fillRef idx="1">
+              <a:schemeClr val="accent1"/>
+            </a:fillRef>
+            <a:effectRef idx="0">
+              <a:schemeClr val="accent1"/>
+            </a:effectRef>
+            <a:fontRef idx="minor">
+              <a:schemeClr val="lt1"/>
+            </a:fontRef>
+          </p:style>
+          <p:txBody>
+            <a:bodyPr lIns="0" rIns="0" rtlCol="0" anchor="ctr"/>
+            <a:lstStyle/>
+            <a:p>
+              <a:pPr algn="ctr"/>
+              <a:r>
+                <a:rPr lang="en-US" sz="1200" dirty="0" err="1" smtClean="0">
+                  <a:solidFill>
+                    <a:schemeClr val="tx1"/>
+                  </a:solidFill>
+                </a:rPr>
+                <a:t>Human+KIB</a:t>
+              </a:r>
+              <a:r>
+                <a:rPr lang="en-US" sz="1200" dirty="0" smtClean="0">
+                  <a:solidFill>
+                    <a:schemeClr val="tx1"/>
+                  </a:solidFill>
+                </a:rPr>
+                <a:t> </a:t>
+              </a:r>
+              <a:r>
+                <a:rPr lang="en-US" sz="1200" dirty="0" smtClean="0">
+                  <a:solidFill>
+                    <a:schemeClr val="tx1"/>
+                  </a:solidFill>
+                </a:rPr>
+                <a:t>1.1</a:t>
+              </a:r>
+              <a:endParaRPr lang="en-US" sz="1200" dirty="0">
+                <a:solidFill>
+                  <a:schemeClr val="tx1"/>
+                </a:solidFill>
+              </a:endParaRPr>
+            </a:p>
+          </p:txBody>
+        </p:sp>
+        <p:cxnSp>
+          <p:nvCxnSpPr>
+            <p:cNvPr id="5" name="Straight Arrow Connector 4"/>
+            <p:cNvCxnSpPr>
+              <a:stCxn id="14" idx="5"/>
+              <a:endCxn id="22" idx="2"/>
+            </p:cNvCxnSpPr>
+            <p:nvPr/>
+          </p:nvCxnSpPr>
+          <p:spPr>
+            <a:xfrm>
+              <a:off x="2884874" y="4422423"/>
+              <a:ext cx="408653" cy="2096771"/>
+            </a:xfrm>
+            <a:prstGeom prst="straightConnector1">
+              <a:avLst/>
+            </a:prstGeom>
+            <a:ln w="12700">
+              <a:solidFill>
+                <a:schemeClr val="tx1"/>
+              </a:solidFill>
+              <a:tailEnd type="triangle"/>
+            </a:ln>
+          </p:spPr>
+          <p:style>
+            <a:lnRef idx="1">
+              <a:schemeClr val="accent1"/>
+            </a:lnRef>
+            <a:fillRef idx="0">
+              <a:schemeClr val="accent1"/>
+            </a:fillRef>
+            <a:effectRef idx="0">
+              <a:schemeClr val="accent1"/>
+            </a:effectRef>
+            <a:fontRef idx="minor">
+              <a:schemeClr val="tx1"/>
+            </a:fontRef>
+          </p:style>
+        </p:cxnSp>
+        <p:cxnSp>
+          <p:nvCxnSpPr>
+            <p:cNvPr id="12" name="Straight Arrow Connector 11"/>
+            <p:cNvCxnSpPr>
+              <a:stCxn id="22" idx="6"/>
+              <a:endCxn id="18" idx="3"/>
+            </p:cNvCxnSpPr>
+            <p:nvPr/>
+          </p:nvCxnSpPr>
+          <p:spPr>
+            <a:xfrm flipV="1">
+              <a:off x="4135680" y="4422423"/>
+              <a:ext cx="185704" cy="2096771"/>
+            </a:xfrm>
+            <a:prstGeom prst="straightConnector1">
+              <a:avLst/>
+            </a:prstGeom>
+            <a:ln w="12700">
+              <a:solidFill>
+                <a:schemeClr val="tx1"/>
+              </a:solidFill>
+              <a:tailEnd type="triangle"/>
+            </a:ln>
+          </p:spPr>
+          <p:style>
+            <a:lnRef idx="1">
+              <a:schemeClr val="accent1"/>
+            </a:lnRef>
+            <a:fillRef idx="0">
+              <a:schemeClr val="accent1"/>
+            </a:fillRef>
+            <a:effectRef idx="0">
+              <a:schemeClr val="accent1"/>
+            </a:effectRef>
+            <a:fontRef idx="minor">
+              <a:schemeClr val="tx1"/>
+            </a:fontRef>
+          </p:style>
+        </p:cxnSp>
+        <p:sp>
+          <p:nvSpPr>
+            <p:cNvPr id="28" name="Oval 27"/>
+            <p:cNvSpPr/>
+            <p:nvPr/>
+          </p:nvSpPr>
+          <p:spPr>
+            <a:xfrm>
+              <a:off x="5213344" y="5249334"/>
+              <a:ext cx="516466" cy="516466"/>
+            </a:xfrm>
+            <a:prstGeom prst="ellipse">
+              <a:avLst/>
+            </a:prstGeom>
+          </p:spPr>
+          <p:style>
+            <a:lnRef idx="2">
+              <a:schemeClr val="accent1">
+                <a:shade val="50000"/>
+              </a:schemeClr>
+            </a:lnRef>
+            <a:fillRef idx="1">
+              <a:schemeClr val="accent1"/>
+            </a:fillRef>
+            <a:effectRef idx="0">
+              <a:schemeClr val="accent1"/>
+            </a:effectRef>
+            <a:fontRef idx="minor">
+              <a:schemeClr val="lt1"/>
+            </a:fontRef>
+          </p:style>
+          <p:txBody>
+            <a:bodyPr lIns="0" rIns="0" rtlCol="0" anchor="ctr"/>
+            <a:lstStyle/>
+            <a:p>
+              <a:pPr algn="ctr"/>
+              <a:r>
+                <a:rPr lang="en-US" sz="1200" dirty="0" smtClean="0">
+                  <a:solidFill>
+                    <a:schemeClr val="tx1"/>
+                  </a:solidFill>
+                </a:rPr>
+                <a:t>Land 2.0</a:t>
+              </a:r>
+              <a:endParaRPr lang="en-US" sz="1200" dirty="0">
+                <a:solidFill>
+                  <a:schemeClr val="tx1"/>
+                </a:solidFill>
+              </a:endParaRPr>
+            </a:p>
+          </p:txBody>
+        </p:sp>
+        <p:cxnSp>
+          <p:nvCxnSpPr>
+            <p:cNvPr id="30" name="Straight Arrow Connector 29"/>
+            <p:cNvCxnSpPr>
+              <a:stCxn id="18" idx="6"/>
+              <a:endCxn id="19" idx="2"/>
+            </p:cNvCxnSpPr>
+            <p:nvPr/>
+          </p:nvCxnSpPr>
+          <p:spPr>
+            <a:xfrm>
+              <a:off x="4762215" y="4239825"/>
+              <a:ext cx="1158095" cy="0"/>
+            </a:xfrm>
+            <a:prstGeom prst="straightConnector1">
+              <a:avLst/>
+            </a:prstGeom>
+            <a:ln w="12700">
+              <a:solidFill>
+                <a:schemeClr val="tx1"/>
+              </a:solidFill>
+              <a:tailEnd type="triangle"/>
+            </a:ln>
+          </p:spPr>
+          <p:style>
+            <a:lnRef idx="1">
+              <a:schemeClr val="accent1"/>
+            </a:lnRef>
+            <a:fillRef idx="0">
+              <a:schemeClr val="accent1"/>
+            </a:fillRef>
+            <a:effectRef idx="0">
+              <a:schemeClr val="accent1"/>
+            </a:effectRef>
+            <a:fontRef idx="minor">
+              <a:schemeClr val="tx1"/>
+            </a:fontRef>
+          </p:style>
+        </p:cxnSp>
+        <p:cxnSp>
+          <p:nvCxnSpPr>
+            <p:cNvPr id="32" name="Straight Arrow Connector 31"/>
+            <p:cNvCxnSpPr>
+              <a:stCxn id="28" idx="7"/>
+              <a:endCxn id="19" idx="3"/>
+            </p:cNvCxnSpPr>
+            <p:nvPr/>
+          </p:nvCxnSpPr>
+          <p:spPr>
+            <a:xfrm flipV="1">
+              <a:off x="5654175" y="4422423"/>
+              <a:ext cx="341770" cy="902546"/>
+            </a:xfrm>
+            <a:prstGeom prst="straightConnector1">
+              <a:avLst/>
+            </a:prstGeom>
+            <a:ln w="12700">
+              <a:solidFill>
+                <a:schemeClr val="tx1"/>
+              </a:solidFill>
+              <a:tailEnd type="triangle"/>
+            </a:ln>
+          </p:spPr>
+          <p:style>
+            <a:lnRef idx="1">
+              <a:schemeClr val="accent1"/>
+            </a:lnRef>
+            <a:fillRef idx="0">
+              <a:schemeClr val="accent1"/>
+            </a:fillRef>
+            <a:effectRef idx="0">
+              <a:schemeClr val="accent1"/>
+            </a:effectRef>
+            <a:fontRef idx="minor">
+              <a:schemeClr val="tx1"/>
+            </a:fontRef>
+          </p:style>
+        </p:cxnSp>
+        <p:cxnSp>
+          <p:nvCxnSpPr>
+            <p:cNvPr id="33" name="Straight Arrow Connector 32"/>
+            <p:cNvCxnSpPr>
+              <a:stCxn id="18" idx="5"/>
+              <a:endCxn id="28" idx="1"/>
+            </p:cNvCxnSpPr>
+            <p:nvPr/>
+          </p:nvCxnSpPr>
+          <p:spPr>
+            <a:xfrm>
+              <a:off x="4686580" y="4422423"/>
+              <a:ext cx="602399" cy="902546"/>
+            </a:xfrm>
+            <a:prstGeom prst="straightConnector1">
+              <a:avLst/>
+            </a:prstGeom>
+            <a:ln w="12700">
+              <a:solidFill>
+                <a:schemeClr val="tx1"/>
+              </a:solidFill>
+              <a:tailEnd type="triangle"/>
+            </a:ln>
+          </p:spPr>
+          <p:style>
+            <a:lnRef idx="1">
+              <a:schemeClr val="accent1"/>
+            </a:lnRef>
+            <a:fillRef idx="0">
+              <a:schemeClr val="accent1"/>
+            </a:fillRef>
+            <a:effectRef idx="0">
+              <a:schemeClr val="accent1"/>
+            </a:effectRef>
+            <a:fontRef idx="minor">
+              <a:schemeClr val="tx1"/>
+            </a:fontRef>
+          </p:style>
+        </p:cxnSp>
+        <p:sp>
+          <p:nvSpPr>
+            <p:cNvPr id="38" name="Oval 37"/>
+            <p:cNvSpPr/>
+            <p:nvPr/>
+          </p:nvSpPr>
+          <p:spPr>
+            <a:xfrm>
+              <a:off x="7594871" y="3979405"/>
+              <a:ext cx="516466" cy="516466"/>
+            </a:xfrm>
+            <a:prstGeom prst="ellipse">
+              <a:avLst/>
+            </a:prstGeom>
+            <a:solidFill>
+              <a:schemeClr val="accent4">
+                <a:lumMod val="75000"/>
+              </a:schemeClr>
+            </a:solidFill>
+            <a:ln>
+              <a:solidFill>
+                <a:schemeClr val="accent4">
+                  <a:lumMod val="50000"/>
+                </a:schemeClr>
+              </a:solidFill>
+            </a:ln>
+          </p:spPr>
+          <p:style>
+            <a:lnRef idx="2">
+              <a:schemeClr val="accent1">
+                <a:shade val="50000"/>
+              </a:schemeClr>
+            </a:lnRef>
+            <a:fillRef idx="1">
+              <a:schemeClr val="accent1"/>
+            </a:fillRef>
+            <a:effectRef idx="0">
+              <a:schemeClr val="accent1"/>
+            </a:effectRef>
+            <a:fontRef idx="minor">
+              <a:schemeClr val="lt1"/>
+            </a:fontRef>
+          </p:style>
+          <p:txBody>
+            <a:bodyPr lIns="0" rIns="0" rtlCol="0" anchor="ctr"/>
+            <a:lstStyle/>
+            <a:p>
+              <a:pPr algn="ctr"/>
+              <a:r>
+                <a:rPr lang="en-US" sz="1200" dirty="0" smtClean="0">
+                  <a:solidFill>
+                    <a:schemeClr val="tx1"/>
+                  </a:solidFill>
+                </a:rPr>
+                <a:t>MML 3.1</a:t>
+              </a:r>
+              <a:endParaRPr lang="en-US" sz="1200" dirty="0">
+                <a:solidFill>
+                  <a:schemeClr val="tx1"/>
+                </a:solidFill>
+              </a:endParaRPr>
+            </a:p>
+          </p:txBody>
+        </p:sp>
+        <p:sp>
+          <p:nvSpPr>
+            <p:cNvPr id="39" name="Oval 38"/>
+            <p:cNvSpPr/>
+            <p:nvPr/>
+          </p:nvSpPr>
+          <p:spPr>
+            <a:xfrm>
+              <a:off x="6887905" y="5247147"/>
+              <a:ext cx="516466" cy="516466"/>
+            </a:xfrm>
+            <a:prstGeom prst="ellipse">
+              <a:avLst/>
+            </a:prstGeom>
+          </p:spPr>
+          <p:style>
+            <a:lnRef idx="2">
+              <a:schemeClr val="accent1">
+                <a:shade val="50000"/>
+              </a:schemeClr>
+            </a:lnRef>
+            <a:fillRef idx="1">
+              <a:schemeClr val="accent1"/>
+            </a:fillRef>
+            <a:effectRef idx="0">
+              <a:schemeClr val="accent1"/>
+            </a:effectRef>
+            <a:fontRef idx="minor">
+              <a:schemeClr val="lt1"/>
+            </a:fontRef>
+          </p:style>
+          <p:txBody>
+            <a:bodyPr lIns="0" rIns="0" rtlCol="0" anchor="ctr"/>
+            <a:lstStyle/>
+            <a:p>
+              <a:pPr algn="ctr"/>
+              <a:r>
+                <a:rPr lang="en-US" sz="1200" dirty="0" smtClean="0">
+                  <a:solidFill>
+                    <a:schemeClr val="tx1"/>
+                  </a:solidFill>
+                </a:rPr>
+                <a:t>Land 2.1</a:t>
+              </a:r>
+              <a:endParaRPr lang="en-US" sz="1200" dirty="0">
+                <a:solidFill>
+                  <a:schemeClr val="tx1"/>
+                </a:solidFill>
+              </a:endParaRPr>
+            </a:p>
+          </p:txBody>
+        </p:sp>
+        <p:cxnSp>
+          <p:nvCxnSpPr>
+            <p:cNvPr id="40" name="Straight Arrow Connector 39"/>
+            <p:cNvCxnSpPr>
+              <a:endCxn id="38" idx="2"/>
+            </p:cNvCxnSpPr>
+            <p:nvPr/>
+          </p:nvCxnSpPr>
+          <p:spPr>
+            <a:xfrm>
+              <a:off x="6436776" y="4237638"/>
+              <a:ext cx="1158095" cy="0"/>
+            </a:xfrm>
+            <a:prstGeom prst="straightConnector1">
+              <a:avLst/>
+            </a:prstGeom>
+            <a:ln w="12700">
+              <a:solidFill>
+                <a:schemeClr val="tx1"/>
+              </a:solidFill>
+              <a:tailEnd type="triangle"/>
+            </a:ln>
+          </p:spPr>
+          <p:style>
+            <a:lnRef idx="1">
+              <a:schemeClr val="accent1"/>
+            </a:lnRef>
+            <a:fillRef idx="0">
+              <a:schemeClr val="accent1"/>
+            </a:fillRef>
+            <a:effectRef idx="0">
+              <a:schemeClr val="accent1"/>
+            </a:effectRef>
+            <a:fontRef idx="minor">
+              <a:schemeClr val="tx1"/>
+            </a:fontRef>
+          </p:style>
+        </p:cxnSp>
+        <p:cxnSp>
+          <p:nvCxnSpPr>
+            <p:cNvPr id="41" name="Straight Arrow Connector 40"/>
+            <p:cNvCxnSpPr>
+              <a:stCxn id="39" idx="7"/>
+              <a:endCxn id="38" idx="3"/>
+            </p:cNvCxnSpPr>
+            <p:nvPr/>
+          </p:nvCxnSpPr>
+          <p:spPr>
+            <a:xfrm flipV="1">
+              <a:off x="7328736" y="4420236"/>
+              <a:ext cx="341770" cy="902546"/>
+            </a:xfrm>
+            <a:prstGeom prst="straightConnector1">
+              <a:avLst/>
+            </a:prstGeom>
+            <a:ln w="12700">
+              <a:solidFill>
+                <a:schemeClr val="tx1"/>
+              </a:solidFill>
+              <a:tailEnd type="triangle"/>
+            </a:ln>
+          </p:spPr>
+          <p:style>
+            <a:lnRef idx="1">
+              <a:schemeClr val="accent1"/>
+            </a:lnRef>
+            <a:fillRef idx="0">
+              <a:schemeClr val="accent1"/>
+            </a:fillRef>
+            <a:effectRef idx="0">
+              <a:schemeClr val="accent1"/>
+            </a:effectRef>
+            <a:fontRef idx="minor">
+              <a:schemeClr val="tx1"/>
+            </a:fontRef>
+          </p:style>
+        </p:cxnSp>
+        <p:cxnSp>
+          <p:nvCxnSpPr>
+            <p:cNvPr id="42" name="Straight Arrow Connector 41"/>
+            <p:cNvCxnSpPr>
+              <a:stCxn id="19" idx="5"/>
+              <a:endCxn id="39" idx="1"/>
+            </p:cNvCxnSpPr>
+            <p:nvPr/>
+          </p:nvCxnSpPr>
+          <p:spPr>
+            <a:xfrm>
+              <a:off x="6361141" y="4422423"/>
+              <a:ext cx="602399" cy="900359"/>
+            </a:xfrm>
+            <a:prstGeom prst="straightConnector1">
+              <a:avLst/>
+            </a:prstGeom>
+            <a:ln w="12700">
+              <a:solidFill>
+                <a:schemeClr val="tx1"/>
+              </a:solidFill>
+              <a:tailEnd type="triangle"/>
+            </a:ln>
+          </p:spPr>
+          <p:style>
+            <a:lnRef idx="1">
+              <a:schemeClr val="accent1"/>
+            </a:lnRef>
+            <a:fillRef idx="0">
+              <a:schemeClr val="accent1"/>
+            </a:fillRef>
+            <a:effectRef idx="0">
+              <a:schemeClr val="accent1"/>
+            </a:effectRef>
+            <a:fontRef idx="minor">
+              <a:schemeClr val="tx1"/>
+            </a:fontRef>
+          </p:style>
+        </p:cxnSp>
+      </p:grpSp>
+      <p:sp>
+        <p:nvSpPr>
+          <p:cNvPr id="4" name="TextBox 3"/>
+          <p:cNvSpPr txBox="1"/>
           <p:nvPr/>
-        </p:nvCxnSpPr>
+        </p:nvSpPr>
         <p:spPr>
           <a:xfrm>
-            <a:off x="7099022" y="4239825"/>
-            <a:ext cx="1158095" cy="0"/>
+            <a:off x="115202" y="5858794"/>
+            <a:ext cx="3340786" cy="738664"/>
           </a:xfrm>
-          <a:prstGeom prst="straightConnector1">
+          <a:prstGeom prst="rect">
             <a:avLst/>
           </a:prstGeom>
-          <a:ln w="12700">
-            <a:solidFill>
-              <a:schemeClr val="tx1"/>
-            </a:solidFill>
-            <a:prstDash val="dash"/>
-            <a:tailEnd type="triangle"/>
-          </a:ln>
+          <a:noFill/>
         </p:spPr>
-        <p:style>
-          <a:lnRef idx="1">
-            <a:schemeClr val="accent1"/>
-          </a:lnRef>
-          <a:fillRef idx="0">
-            <a:schemeClr val="accent1"/>
-          </a:fillRef>
-          <a:effectRef idx="0">
-            <a:schemeClr val="accent1"/>
-          </a:effectRef>
-          <a:fontRef idx="minor">
-            <a:schemeClr val="tx1"/>
-          </a:fontRef>
-        </p:style>
-      </p:cxnSp>
+        <p:txBody>
+          <a:bodyPr wrap="none" rtlCol="0">
+            <a:spAutoFit/>
+          </a:bodyPr>
+          <a:lstStyle/>
+          <a:p>
+            <a:r>
+              <a:rPr lang="en-US" sz="1400" dirty="0"/>
+              <a:t>Human: households, </a:t>
+            </a:r>
+            <a:r>
+              <a:rPr lang="en-US" sz="1400" dirty="0" smtClean="0"/>
+              <a:t>farmers</a:t>
+            </a:r>
+          </a:p>
+          <a:p>
+            <a:r>
+              <a:rPr lang="en-US" sz="1400" dirty="0" smtClean="0"/>
+              <a:t>Land: land related processes</a:t>
+            </a:r>
+          </a:p>
+          <a:p>
+            <a:r>
+              <a:rPr lang="en-US" sz="1400" dirty="0" smtClean="0"/>
+              <a:t>KIB</a:t>
+            </a:r>
+            <a:r>
+              <a:rPr lang="en-US" sz="1400" dirty="0" smtClean="0"/>
+              <a:t>: </a:t>
+            </a:r>
+            <a:r>
+              <a:rPr lang="en-US" sz="1400" dirty="0" smtClean="0"/>
+              <a:t>Interactions between Human and Land</a:t>
+            </a:r>
+          </a:p>
+        </p:txBody>
+      </p:sp>
     </p:spTree>
     <p:extLst>
       <p:ext uri="{BB962C8B-B14F-4D97-AF65-F5344CB8AC3E}">
@@ -6957,7 +7904,7 @@
           <a:p>
             <a:r>
               <a:rPr lang="en-US" dirty="0" smtClean="0"/>
-              <a:t>MML 5.5 will have  </a:t>
+              <a:t>MMLv5.5 will have  </a:t>
             </a:r>
           </a:p>
           <a:p>
@@ -7031,7 +7978,7 @@
                   <a:schemeClr val="tx1"/>
                 </a:solidFill>
               </a:rPr>
-              <a:t>MML 5.0</a:t>
+              <a:t>MML 3.1</a:t>
             </a:r>
             <a:endParaRPr lang="en-US" sz="1200" dirty="0">
               <a:solidFill>
@@ -7304,8 +8251,12 @@
               <a:t> </a:t>
             </a:r>
             <a:r>
+              <a:rPr lang="en-US" dirty="0" err="1" smtClean="0"/>
+              <a:t>x.x</a:t>
+            </a:r>
+            <a:r>
               <a:rPr lang="en-US" dirty="0" smtClean="0"/>
-              <a:t>7.x </a:t>
+              <a:t> </a:t>
             </a:r>
             <a:endParaRPr lang="en-US" dirty="0"/>
           </a:p>
@@ -7335,8 +8286,12 @@
               <a:buNone/>
             </a:pPr>
             <a:r>
+              <a:rPr lang="en-US" dirty="0" smtClean="0"/>
+              <a:t>MMLv5.5 </a:t>
+            </a:r>
+            <a:r>
               <a:rPr lang="en-US" dirty="0"/>
-              <a:t>MML 5.5 will have </a:t>
+              <a:t>will have </a:t>
             </a:r>
             <a:endParaRPr lang="en-US" dirty="0" smtClean="0"/>
           </a:p>
@@ -7368,7 +8323,7 @@
         </p:nvSpPr>
         <p:spPr>
           <a:xfrm>
-            <a:off x="1862669" y="4258736"/>
+            <a:off x="1947339" y="3793066"/>
             <a:ext cx="516466" cy="516466"/>
           </a:xfrm>
           <a:prstGeom prst="ellipse">
@@ -7402,15 +8357,7 @@
                   <a:schemeClr val="tx1"/>
                 </a:solidFill>
               </a:rPr>
-              <a:t>Land </a:t>
-            </a:r>
-            <a:r>
-              <a:rPr lang="en-US" sz="1200" dirty="0" smtClean="0">
-                <a:solidFill>
-                  <a:schemeClr val="tx1"/>
-                </a:solidFill>
-              </a:rPr>
-              <a:t>3.0</a:t>
+              <a:t>Land 3.0</a:t>
             </a:r>
             <a:endParaRPr lang="en-US" sz="1200" dirty="0">
               <a:solidFill>
@@ -7428,7 +8375,7 @@
         </p:nvSpPr>
         <p:spPr>
           <a:xfrm>
-            <a:off x="4614336" y="4258736"/>
+            <a:off x="4534137" y="3793066"/>
             <a:ext cx="516466" cy="516466"/>
           </a:xfrm>
           <a:prstGeom prst="ellipse">
@@ -7484,7 +8431,7 @@
         <p:spPr>
           <a:xfrm>
             <a:off x="1288902" y="3431825"/>
-            <a:ext cx="649402" cy="902546"/>
+            <a:ext cx="734072" cy="436876"/>
           </a:xfrm>
           <a:prstGeom prst="straightConnector1">
             <a:avLst/>
@@ -7522,8 +8469,8 @@
         </p:nvCxnSpPr>
         <p:spPr>
           <a:xfrm flipV="1">
-            <a:off x="2303500" y="3431825"/>
-            <a:ext cx="944312" cy="902546"/>
+            <a:off x="2388170" y="3431825"/>
+            <a:ext cx="859642" cy="436876"/>
           </a:xfrm>
           <a:prstGeom prst="straightConnector1">
             <a:avLst/>
@@ -7605,15 +8552,7 @@
                   <a:schemeClr val="tx1"/>
                 </a:solidFill>
               </a:rPr>
-              <a:t>MML </a:t>
-            </a:r>
-            <a:r>
-              <a:rPr lang="en-US" sz="1200" dirty="0" smtClean="0">
-                <a:solidFill>
-                  <a:schemeClr val="tx1"/>
-                </a:solidFill>
-              </a:rPr>
-              <a:t>4.0</a:t>
+              <a:t>MML 3.1</a:t>
             </a:r>
             <a:endParaRPr lang="en-US" sz="1200" dirty="0">
               <a:solidFill>
@@ -7762,8 +8701,8 @@
         </p:nvCxnSpPr>
         <p:spPr>
           <a:xfrm flipV="1">
-            <a:off x="5055167" y="3431825"/>
-            <a:ext cx="756356" cy="902546"/>
+            <a:off x="4974968" y="3431825"/>
+            <a:ext cx="836555" cy="436876"/>
           </a:xfrm>
           <a:prstGeom prst="straightConnector1">
             <a:avLst/>
@@ -7876,7 +8815,7 @@
         <p:spPr>
           <a:xfrm>
             <a:off x="3613008" y="3431825"/>
-            <a:ext cx="1076963" cy="902546"/>
+            <a:ext cx="996764" cy="436876"/>
           </a:xfrm>
           <a:prstGeom prst="straightConnector1">
             <a:avLst/>
@@ -7912,7 +8851,7 @@
         </p:nvSpPr>
         <p:spPr>
           <a:xfrm>
-            <a:off x="4614336" y="5200511"/>
+            <a:off x="4534137" y="4734841"/>
             <a:ext cx="516466" cy="516466"/>
           </a:xfrm>
           <a:prstGeom prst="ellipse">
@@ -8010,7 +8949,15 @@
                   <a:schemeClr val="tx1"/>
                 </a:solidFill>
               </a:rPr>
-              <a:t>MML 6.0</a:t>
+              <a:t>MML </a:t>
+            </a:r>
+            <a:r>
+              <a:rPr lang="en-US" sz="1200" dirty="0" err="1" smtClean="0">
+                <a:solidFill>
+                  <a:schemeClr val="tx1"/>
+                </a:solidFill>
+              </a:rPr>
+              <a:t>x.x</a:t>
             </a:r>
             <a:endParaRPr lang="en-US" sz="1200" dirty="0">
               <a:solidFill>
@@ -8031,8 +8978,8 @@
         </p:nvCxnSpPr>
         <p:spPr>
           <a:xfrm flipV="1">
-            <a:off x="5055167" y="3431825"/>
-            <a:ext cx="756356" cy="1844321"/>
+            <a:off x="4974968" y="3431825"/>
+            <a:ext cx="836555" cy="1378651"/>
           </a:xfrm>
           <a:prstGeom prst="straightConnector1">
             <a:avLst/>
@@ -8072,7 +9019,7 @@
         <p:spPr>
           <a:xfrm>
             <a:off x="3613008" y="3431825"/>
-            <a:ext cx="1076963" cy="1844321"/>
+            <a:ext cx="996764" cy="1378651"/>
           </a:xfrm>
           <a:prstGeom prst="straightConnector1">
             <a:avLst/>
@@ -8108,7 +9055,7 @@
         </p:nvSpPr>
         <p:spPr>
           <a:xfrm>
-            <a:off x="6409983" y="4258736"/>
+            <a:off x="6481592" y="3793066"/>
             <a:ext cx="516466" cy="516466"/>
           </a:xfrm>
           <a:prstGeom prst="ellipse">
@@ -8160,7 +9107,7 @@
         </p:nvSpPr>
         <p:spPr>
           <a:xfrm>
-            <a:off x="6409983" y="5200511"/>
+            <a:off x="6481592" y="4734841"/>
             <a:ext cx="516466" cy="516466"/>
           </a:xfrm>
           <a:prstGeom prst="ellipse">
@@ -8208,14 +9155,15 @@
         <p:nvCxnSpPr>
           <p:cNvPr id="28" name="Straight Arrow Connector 27"/>
           <p:cNvCxnSpPr>
+            <a:stCxn id="11" idx="6"/>
             <a:endCxn id="25" idx="2"/>
           </p:cNvCxnSpPr>
           <p:nvPr/>
         </p:nvCxnSpPr>
         <p:spPr>
           <a:xfrm>
-            <a:off x="5130802" y="4516969"/>
-            <a:ext cx="1279181" cy="0"/>
+            <a:off x="5050603" y="4051299"/>
+            <a:ext cx="1430989" cy="0"/>
           </a:xfrm>
           <a:prstGeom prst="straightConnector1">
             <a:avLst/>
@@ -8247,14 +9195,15 @@
         <p:nvCxnSpPr>
           <p:cNvPr id="30" name="Straight Arrow Connector 29"/>
           <p:cNvCxnSpPr>
+            <a:stCxn id="19" idx="6"/>
             <a:endCxn id="27" idx="2"/>
           </p:cNvCxnSpPr>
           <p:nvPr/>
         </p:nvCxnSpPr>
         <p:spPr>
           <a:xfrm>
-            <a:off x="5130802" y="5458744"/>
-            <a:ext cx="1279181" cy="0"/>
+            <a:off x="5050603" y="4993074"/>
+            <a:ext cx="1430989" cy="0"/>
           </a:xfrm>
           <a:prstGeom prst="straightConnector1">
             <a:avLst/>
@@ -8293,8 +9242,8 @@
         </p:nvCxnSpPr>
         <p:spPr>
           <a:xfrm flipV="1">
-            <a:off x="6850814" y="3431825"/>
-            <a:ext cx="1007954" cy="902546"/>
+            <a:off x="6922423" y="3431825"/>
+            <a:ext cx="936345" cy="436876"/>
           </a:xfrm>
           <a:prstGeom prst="straightConnector1">
             <a:avLst/>
@@ -8333,8 +9282,8 @@
         </p:nvCxnSpPr>
         <p:spPr>
           <a:xfrm flipV="1">
-            <a:off x="6850814" y="3431825"/>
-            <a:ext cx="1007954" cy="1844321"/>
+            <a:off x="6922423" y="3431825"/>
+            <a:ext cx="936345" cy="1378651"/>
           </a:xfrm>
           <a:prstGeom prst="straightConnector1">
             <a:avLst/>
@@ -8433,8 +9382,8 @@
         </p:nvSpPr>
         <p:spPr>
           <a:xfrm>
-            <a:off x="4615526" y="6105838"/>
-            <a:ext cx="516466" cy="516466"/>
+            <a:off x="4462528" y="5479297"/>
+            <a:ext cx="659684" cy="659684"/>
           </a:xfrm>
           <a:prstGeom prst="ellipse">
             <a:avLst/>
@@ -8467,7 +9416,7 @@
                   <a:schemeClr val="tx1"/>
                 </a:solidFill>
               </a:rPr>
-              <a:t>KIB </a:t>
+              <a:t>Human+ </a:t>
             </a:r>
             <a:r>
               <a:rPr lang="en-US" sz="1200" dirty="0" smtClean="0">
@@ -8475,7 +9424,7 @@
                   <a:schemeClr val="tx1"/>
                 </a:solidFill>
               </a:rPr>
-              <a:t>2.0</a:t>
+              <a:t>KIB 2.0</a:t>
             </a:r>
             <a:endParaRPr lang="en-US" sz="1200" dirty="0">
               <a:solidFill>
@@ -8497,7 +9446,7 @@
         <p:spPr>
           <a:xfrm>
             <a:off x="3613008" y="3431825"/>
-            <a:ext cx="1078153" cy="2749648"/>
+            <a:ext cx="946128" cy="2144080"/>
           </a:xfrm>
           <a:prstGeom prst="straightConnector1">
             <a:avLst/>
@@ -8533,8 +9482,8 @@
         </p:nvSpPr>
         <p:spPr>
           <a:xfrm>
-            <a:off x="6409983" y="6105838"/>
-            <a:ext cx="516466" cy="516466"/>
+            <a:off x="6409983" y="5479297"/>
+            <a:ext cx="659684" cy="659684"/>
           </a:xfrm>
           <a:prstGeom prst="ellipse">
             <a:avLst/>
@@ -8562,18 +9511,37 @@
           <a:p>
             <a:pPr algn="ctr"/>
             <a:r>
+              <a:rPr lang="en-US" sz="1200" dirty="0" smtClean="0">
+                <a:solidFill>
+                  <a:schemeClr val="tx1"/>
+                </a:solidFill>
+              </a:rPr>
+              <a:t>Human + </a:t>
+            </a:r>
+            <a:r>
+              <a:rPr lang="en-US" sz="1200" dirty="0" smtClean="0">
+                <a:solidFill>
+                  <a:schemeClr val="tx1"/>
+                </a:solidFill>
+              </a:rPr>
+              <a:t>KIB</a:t>
+            </a:r>
+            <a:r>
+              <a:rPr lang="en-US" sz="1200" dirty="0" smtClean="0">
+                <a:solidFill>
+                  <a:schemeClr val="tx1"/>
+                </a:solidFill>
+              </a:rPr>
+              <a:t> </a:t>
+            </a:r>
+            <a:r>
               <a:rPr lang="en-US" sz="1200" dirty="0">
                 <a:solidFill>
                   <a:schemeClr val="tx1"/>
                 </a:solidFill>
               </a:rPr>
-              <a:t>KIB 2.1</a:t>
-            </a:r>
-            <a:endParaRPr lang="en-US" sz="1200" dirty="0">
-              <a:solidFill>
-                <a:schemeClr val="tx1"/>
-              </a:solidFill>
-            </a:endParaRPr>
+              <a:t>2.1</a:t>
+            </a:r>
           </a:p>
         </p:txBody>
       </p:sp>
@@ -8588,8 +9556,8 @@
         </p:nvCxnSpPr>
         <p:spPr>
           <a:xfrm>
-            <a:off x="5131992" y="6364071"/>
-            <a:ext cx="1277991" cy="0"/>
+            <a:off x="5122212" y="5809139"/>
+            <a:ext cx="1287771" cy="0"/>
           </a:xfrm>
           <a:prstGeom prst="straightConnector1">
             <a:avLst/>
@@ -8628,8 +9596,8 @@
         </p:nvCxnSpPr>
         <p:spPr>
           <a:xfrm flipV="1">
-            <a:off x="6850814" y="3431825"/>
-            <a:ext cx="1007954" cy="2749648"/>
+            <a:off x="6973059" y="3431825"/>
+            <a:ext cx="885709" cy="2144080"/>
           </a:xfrm>
           <a:prstGeom prst="straightConnector1">
             <a:avLst/>
@@ -8665,7 +9633,55 @@
         </p:nvSpPr>
         <p:spPr>
           <a:xfrm>
-            <a:off x="4780360" y="4833482"/>
+            <a:off x="4700162" y="4367812"/>
+            <a:ext cx="184417" cy="296260"/>
+          </a:xfrm>
+          <a:prstGeom prst="upDownArrow">
+            <a:avLst/>
+          </a:prstGeom>
+          <a:solidFill>
+            <a:schemeClr val="accent2"/>
+          </a:solidFill>
+          <a:ln>
+            <a:solidFill>
+              <a:srgbClr val="FF0000"/>
+            </a:solidFill>
+          </a:ln>
+        </p:spPr>
+        <p:style>
+          <a:lnRef idx="2">
+            <a:schemeClr val="accent1">
+              <a:shade val="50000"/>
+            </a:schemeClr>
+          </a:lnRef>
+          <a:fillRef idx="1">
+            <a:schemeClr val="accent1"/>
+          </a:fillRef>
+          <a:effectRef idx="0">
+            <a:schemeClr val="accent1"/>
+          </a:effectRef>
+          <a:fontRef idx="minor">
+            <a:schemeClr val="lt1"/>
+          </a:fontRef>
+        </p:style>
+        <p:txBody>
+          <a:bodyPr rtlCol="0" anchor="ctr"/>
+          <a:lstStyle/>
+          <a:p>
+            <a:pPr algn="ctr"/>
+            <a:endParaRPr lang="en-US"/>
+          </a:p>
+        </p:txBody>
+      </p:sp>
+      <p:sp>
+        <p:nvSpPr>
+          <p:cNvPr id="41" name="Up-Down Arrow 40"/>
+          <p:cNvSpPr/>
+          <p:nvPr/>
+        </p:nvSpPr>
+        <p:spPr>
+          <a:xfrm>
+            <a:off x="6647617" y="4355832"/>
             <a:ext cx="184417" cy="296260"/>
           </a:xfrm>
           <a:prstGeom prst="upDownArrow">

--- a/MDH.pptx
+++ b/MDH.pptx
@@ -3797,14 +3797,14 @@
           <p:nvPr>
             <p:extLst>
               <p:ext uri="{D42A27DB-BD31-4B8C-83A1-F6EECF244321}">
-                <p14:modId xmlns:p14="http://schemas.microsoft.com/office/powerpoint/2010/main" val="994801723"/>
+                <p14:modId xmlns:p14="http://schemas.microsoft.com/office/powerpoint/2010/main" val="3155791566"/>
               </p:ext>
             </p:extLst>
           </p:nvPr>
         </p:nvGraphicFramePr>
         <p:xfrm>
           <a:off x="316030" y="932286"/>
-          <a:ext cx="8511940" cy="5606627"/>
+          <a:ext cx="8551910" cy="5438987"/>
         </p:xfrm>
         <a:graphic>
           <a:graphicData uri="http://schemas.openxmlformats.org/drawingml/2006/table">
@@ -3816,7 +3816,7 @@
                 <a:gridCol w="681927"/>
                 <a:gridCol w="700405"/>
                 <a:gridCol w="679239"/>
-                <a:gridCol w="646147"/>
+                <a:gridCol w="686117"/>
                 <a:gridCol w="564397"/>
                 <a:gridCol w="579099"/>
                 <a:gridCol w="614973"/>
@@ -4510,7 +4510,7 @@
                     <a:bodyPr/>
                     <a:lstStyle/>
                     <a:p>
-                      <a:endParaRPr lang="en-US" sz="1000"/>
+                      <a:endParaRPr lang="en-US" sz="1000" dirty="0"/>
                     </a:p>
                   </a:txBody>
                   <a:tcPr/>
@@ -4597,7 +4597,7 @@
                       <a:pPr algn="ctr"/>
                       <a:r>
                         <a:rPr lang="en-US" sz="1000" dirty="0" smtClean="0"/>
-                        <a:t>1.0</a:t>
+                        <a:t>1.1</a:t>
                       </a:r>
                       <a:endParaRPr lang="en-US" sz="1000" dirty="0"/>
                     </a:p>
@@ -4680,7 +4680,7 @@
                       <a:pPr algn="ctr"/>
                       <a:r>
                         <a:rPr lang="en-US" sz="1000" dirty="0" smtClean="0"/>
-                        <a:t>1.0</a:t>
+                        <a:t>1.1</a:t>
                       </a:r>
                       <a:endParaRPr lang="en-US" sz="1000" dirty="0"/>
                     </a:p>
@@ -4868,7 +4868,7 @@
                       <a:pPr algn="ctr"/>
                       <a:r>
                         <a:rPr lang="en-US" sz="1000" dirty="0" smtClean="0"/>
-                        <a:t>1.0</a:t>
+                        <a:t>1.1</a:t>
                       </a:r>
                       <a:endParaRPr lang="en-US" sz="1000" dirty="0"/>
                     </a:p>
@@ -5127,7 +5127,7 @@
                       <a:pPr algn="ctr"/>
                       <a:r>
                         <a:rPr lang="en-US" sz="1000" dirty="0" smtClean="0"/>
-                        <a:t>1.0</a:t>
+                        <a:t>1.1</a:t>
                       </a:r>
                       <a:endParaRPr lang="en-US" sz="1000" dirty="0"/>
                     </a:p>
@@ -5390,7 +5390,7 @@
                       <a:pPr algn="ctr"/>
                       <a:r>
                         <a:rPr lang="en-US" sz="1000" dirty="0" smtClean="0"/>
-                        <a:t>1.0</a:t>
+                        <a:t>1.1</a:t>
                       </a:r>
                       <a:endParaRPr lang="en-US" sz="1000" dirty="0"/>
                     </a:p>
@@ -5653,26 +5653,10 @@
                     <a:bodyPr/>
                     <a:lstStyle/>
                     <a:p>
-                      <a:pPr marL="0" marR="0" indent="0" algn="ctr" defTabSz="914400" rtl="0" eaLnBrk="1" fontAlgn="auto" latinLnBrk="0" hangingPunct="1">
-                        <a:lnSpc>
-                          <a:spcPct val="100000"/>
-                        </a:lnSpc>
-                        <a:spcBef>
-                          <a:spcPts val="0"/>
-                        </a:spcBef>
-                        <a:spcAft>
-                          <a:spcPts val="0"/>
-                        </a:spcAft>
-                        <a:buClrTx/>
-                        <a:buSzTx/>
-                        <a:buFontTx/>
-                        <a:buNone/>
-                        <a:tabLst/>
-                        <a:defRPr/>
-                      </a:pPr>
-                      <a:r>
-                        <a:rPr lang="en-US" sz="1000" dirty="0" smtClean="0"/>
-                        <a:t>1.0</a:t>
+                      <a:pPr algn="ctr"/>
+                      <a:r>
+                        <a:rPr lang="en-US" sz="1000" smtClean="0"/>
+                        <a:t>1.1</a:t>
                       </a:r>
                     </a:p>
                     <a:p>
@@ -5690,7 +5674,7 @@
                       <a:pPr algn="ctr"/>
                       <a:r>
                         <a:rPr lang="en-US" sz="1000" dirty="0" smtClean="0"/>
-                        <a:t>3.0 </a:t>
+                        <a:t>3.0 R </a:t>
                       </a:r>
                       <a:endParaRPr lang="en-US" sz="1000" dirty="0"/>
                     </a:p>
@@ -7253,20 +7237,12 @@
             <a:p>
               <a:pPr algn="ctr"/>
               <a:r>
-                <a:rPr lang="en-US" sz="1200" dirty="0" err="1" smtClean="0">
-                  <a:solidFill>
-                    <a:schemeClr val="tx1"/>
-                  </a:solidFill>
-                </a:rPr>
-                <a:t>Human+KIB</a:t>
-              </a:r>
-              <a:r>
                 <a:rPr lang="en-US" sz="1200" dirty="0" smtClean="0">
                   <a:solidFill>
                     <a:schemeClr val="tx1"/>
                   </a:solidFill>
                 </a:rPr>
-                <a:t> </a:t>
+                <a:t>Human + KIB </a:t>
               </a:r>
               <a:r>
                 <a:rPr lang="en-US" sz="1200" dirty="0" smtClean="0">
@@ -7773,7 +7749,7 @@
         <p:spPr>
           <a:xfrm>
             <a:off x="115202" y="5858794"/>
-            <a:ext cx="3340786" cy="738664"/>
+            <a:ext cx="3770519" cy="738664"/>
           </a:xfrm>
           <a:prstGeom prst="rect">
             <a:avLst/>
@@ -7798,21 +7774,22 @@
           <a:p>
             <a:r>
               <a:rPr lang="en-US" sz="1400" dirty="0" smtClean="0"/>
-              <a:t>Land: land related processes</a:t>
-            </a:r>
-          </a:p>
-          <a:p>
+              <a:t>Land: </a:t>
+            </a:r>
             <a:r>
               <a:rPr lang="en-US" sz="1400" dirty="0" smtClean="0"/>
-              <a:t>KIB</a:t>
+              <a:t>land processes with </a:t>
             </a:r>
             <a:r>
               <a:rPr lang="en-US" sz="1400" dirty="0" smtClean="0"/>
-              <a:t>: </a:t>
-            </a:r>
+              <a:t>climate and vegetation</a:t>
+            </a:r>
+            <a:endParaRPr lang="en-US" sz="1400" dirty="0" smtClean="0"/>
+          </a:p>
+          <a:p>
             <a:r>
               <a:rPr lang="en-US" sz="1400" dirty="0" smtClean="0"/>
-              <a:t>Interactions between Human and Land</a:t>
+              <a:t>KIB: Interactions between Human and Land</a:t>
             </a:r>
           </a:p>
         </p:txBody>
@@ -9416,15 +9393,7 @@
                   <a:schemeClr val="tx1"/>
                 </a:solidFill>
               </a:rPr>
-              <a:t>Human+ </a:t>
-            </a:r>
-            <a:r>
-              <a:rPr lang="en-US" sz="1200" dirty="0" smtClean="0">
-                <a:solidFill>
-                  <a:schemeClr val="tx1"/>
-                </a:solidFill>
-              </a:rPr>
-              <a:t>KIB 2.0</a:t>
+              <a:t>Human+ KIB 2.0</a:t>
             </a:r>
             <a:endParaRPr lang="en-US" sz="1200" dirty="0">
               <a:solidFill>
@@ -9516,23 +9485,7 @@
                   <a:schemeClr val="tx1"/>
                 </a:solidFill>
               </a:rPr>
-              <a:t>Human + </a:t>
-            </a:r>
-            <a:r>
-              <a:rPr lang="en-US" sz="1200" dirty="0" smtClean="0">
-                <a:solidFill>
-                  <a:schemeClr val="tx1"/>
-                </a:solidFill>
-              </a:rPr>
-              <a:t>KIB</a:t>
-            </a:r>
-            <a:r>
-              <a:rPr lang="en-US" sz="1200" dirty="0" smtClean="0">
-                <a:solidFill>
-                  <a:schemeClr val="tx1"/>
-                </a:solidFill>
-              </a:rPr>
-              <a:t> </a:t>
+              <a:t>Human + KIB </a:t>
             </a:r>
             <a:r>
               <a:rPr lang="en-US" sz="1200" dirty="0">

--- a/MDH.pptx
+++ b/MDH.pptx
@@ -5,16 +5,17 @@
     <p:sldMasterId id="2147483660" r:id="rId1"/>
   </p:sldMasterIdLst>
   <p:notesMasterIdLst>
-    <p:notesMasterId r:id="rId9"/>
+    <p:notesMasterId r:id="rId10"/>
   </p:notesMasterIdLst>
   <p:sldIdLst>
     <p:sldId id="256" r:id="rId2"/>
     <p:sldId id="257" r:id="rId3"/>
     <p:sldId id="258" r:id="rId4"/>
     <p:sldId id="259" r:id="rId5"/>
-    <p:sldId id="261" r:id="rId6"/>
+    <p:sldId id="263" r:id="rId6"/>
     <p:sldId id="260" r:id="rId7"/>
     <p:sldId id="262" r:id="rId8"/>
+    <p:sldId id="264" r:id="rId9"/>
   </p:sldIdLst>
   <p:sldSz cx="9144000" cy="6858000" type="screen4x3"/>
   <p:notesSz cx="7010400" cy="9236075"/>
@@ -203,7 +204,7 @@
           <a:p>
             <a:fld id="{196709AC-FC2E-4BF6-8D2C-6C61CA027DC1}" type="datetimeFigureOut">
               <a:rPr lang="en-US" smtClean="0"/>
-              <a:t>6/20/2016</a:t>
+              <a:t>6/22/2016</a:t>
             </a:fld>
             <a:endParaRPr lang="en-US"/>
           </a:p>
@@ -686,7 +687,7 @@
           <a:p>
             <a:fld id="{1A18742E-3986-419B-AAAB-707D01EF3526}" type="datetime1">
               <a:rPr lang="en-US" smtClean="0"/>
-              <a:t>6/20/2016</a:t>
+              <a:t>6/22/2016</a:t>
             </a:fld>
             <a:endParaRPr lang="en-US"/>
           </a:p>
@@ -856,7 +857,7 @@
           <a:p>
             <a:fld id="{D595EB35-2AC0-41E0-930C-25D80640CC50}" type="datetime1">
               <a:rPr lang="en-US" smtClean="0"/>
-              <a:t>6/20/2016</a:t>
+              <a:t>6/22/2016</a:t>
             </a:fld>
             <a:endParaRPr lang="en-US"/>
           </a:p>
@@ -1036,7 +1037,7 @@
           <a:p>
             <a:fld id="{F34EAE34-AEBE-4C4F-9BA3-1A6F6D14BDDC}" type="datetime1">
               <a:rPr lang="en-US" smtClean="0"/>
-              <a:t>6/20/2016</a:t>
+              <a:t>6/22/2016</a:t>
             </a:fld>
             <a:endParaRPr lang="en-US"/>
           </a:p>
@@ -1206,7 +1207,7 @@
           <a:p>
             <a:fld id="{2095AD4C-B5EF-4041-9271-A2A5C5E6220B}" type="datetime1">
               <a:rPr lang="en-US" smtClean="0"/>
-              <a:t>6/20/2016</a:t>
+              <a:t>6/22/2016</a:t>
             </a:fld>
             <a:endParaRPr lang="en-US"/>
           </a:p>
@@ -1450,7 +1451,7 @@
           <a:p>
             <a:fld id="{60EAA367-1030-4DFD-9E7F-A96A5D5751DF}" type="datetime1">
               <a:rPr lang="en-US" smtClean="0"/>
-              <a:t>6/20/2016</a:t>
+              <a:t>6/22/2016</a:t>
             </a:fld>
             <a:endParaRPr lang="en-US"/>
           </a:p>
@@ -1682,7 +1683,7 @@
           <a:p>
             <a:fld id="{61D02A1E-D37A-44D7-AD02-E46859AAB817}" type="datetime1">
               <a:rPr lang="en-US" smtClean="0"/>
-              <a:t>6/20/2016</a:t>
+              <a:t>6/22/2016</a:t>
             </a:fld>
             <a:endParaRPr lang="en-US"/>
           </a:p>
@@ -2049,7 +2050,7 @@
           <a:p>
             <a:fld id="{365E885D-9505-411C-899B-667B1377DE43}" type="datetime1">
               <a:rPr lang="en-US" smtClean="0"/>
-              <a:t>6/20/2016</a:t>
+              <a:t>6/22/2016</a:t>
             </a:fld>
             <a:endParaRPr lang="en-US"/>
           </a:p>
@@ -2167,7 +2168,7 @@
           <a:p>
             <a:fld id="{C17691AC-1A9C-4CC0-86D2-4478B7A00F03}" type="datetime1">
               <a:rPr lang="en-US" smtClean="0"/>
-              <a:t>6/20/2016</a:t>
+              <a:t>6/22/2016</a:t>
             </a:fld>
             <a:endParaRPr lang="en-US"/>
           </a:p>
@@ -2262,7 +2263,7 @@
           <a:p>
             <a:fld id="{A6AEA082-C9CE-49BC-A53D-53E47D6469E9}" type="datetime1">
               <a:rPr lang="en-US" smtClean="0"/>
-              <a:t>6/20/2016</a:t>
+              <a:t>6/22/2016</a:t>
             </a:fld>
             <a:endParaRPr lang="en-US"/>
           </a:p>
@@ -2539,7 +2540,7 @@
           <a:p>
             <a:fld id="{67EB36F3-B534-4F8A-82F2-1363AA134D86}" type="datetime1">
               <a:rPr lang="en-US" smtClean="0"/>
-              <a:t>6/20/2016</a:t>
+              <a:t>6/22/2016</a:t>
             </a:fld>
             <a:endParaRPr lang="en-US"/>
           </a:p>
@@ -2796,7 +2797,7 @@
           <a:p>
             <a:fld id="{AA885096-A76C-411A-812C-8C0BC44FF8D3}" type="datetime1">
               <a:rPr lang="en-US" smtClean="0"/>
-              <a:t>6/20/2016</a:t>
+              <a:t>6/22/2016</a:t>
             </a:fld>
             <a:endParaRPr lang="en-US"/>
           </a:p>
@@ -3009,7 +3010,7 @@
           <a:p>
             <a:fld id="{4B1782B5-F21E-4619-AD36-E9E75BE1CB2F}" type="datetime1">
               <a:rPr lang="en-US" smtClean="0"/>
-              <a:t>6/20/2016</a:t>
+              <a:t>6/22/2016</a:t>
             </a:fld>
             <a:endParaRPr lang="en-US"/>
           </a:p>
@@ -7242,15 +7243,7 @@
                     <a:schemeClr val="tx1"/>
                   </a:solidFill>
                 </a:rPr>
-                <a:t>Human + KIB </a:t>
-              </a:r>
-              <a:r>
-                <a:rPr lang="en-US" sz="1200" dirty="0" smtClean="0">
-                  <a:solidFill>
-                    <a:schemeClr val="tx1"/>
-                  </a:solidFill>
-                </a:rPr>
-                <a:t>1.1</a:t>
+                <a:t>Human + KIB 1.1</a:t>
               </a:r>
               <a:endParaRPr lang="en-US" sz="1200" dirty="0">
                 <a:solidFill>
@@ -7774,17 +7767,8 @@
           <a:p>
             <a:r>
               <a:rPr lang="en-US" sz="1400" dirty="0" smtClean="0"/>
-              <a:t>Land: </a:t>
-            </a:r>
-            <a:r>
-              <a:rPr lang="en-US" sz="1400" dirty="0" smtClean="0"/>
-              <a:t>land processes with </a:t>
-            </a:r>
-            <a:r>
-              <a:rPr lang="en-US" sz="1400" dirty="0" smtClean="0"/>
-              <a:t>climate and vegetation</a:t>
-            </a:r>
-            <a:endParaRPr lang="en-US" sz="1400" dirty="0" smtClean="0"/>
+              <a:t>Land: land processes with climate and vegetation</a:t>
+            </a:r>
           </a:p>
           <a:p>
             <a:r>
@@ -7794,10 +7778,445 @@
           </a:p>
         </p:txBody>
       </p:sp>
+      <p:sp>
+        <p:nvSpPr>
+          <p:cNvPr id="31" name="Oval 30"/>
+          <p:cNvSpPr/>
+          <p:nvPr/>
+        </p:nvSpPr>
+        <p:spPr>
+          <a:xfrm>
+            <a:off x="5588009" y="5385358"/>
+            <a:ext cx="201976" cy="201976"/>
+          </a:xfrm>
+          <a:prstGeom prst="ellipse">
+            <a:avLst/>
+          </a:prstGeom>
+          <a:solidFill>
+            <a:srgbClr val="FF0000"/>
+          </a:solidFill>
+          <a:ln>
+            <a:solidFill>
+              <a:srgbClr val="C00000"/>
+            </a:solidFill>
+          </a:ln>
+        </p:spPr>
+        <p:style>
+          <a:lnRef idx="2">
+            <a:schemeClr val="accent1">
+              <a:shade val="50000"/>
+            </a:schemeClr>
+          </a:lnRef>
+          <a:fillRef idx="1">
+            <a:schemeClr val="accent1"/>
+          </a:fillRef>
+          <a:effectRef idx="0">
+            <a:schemeClr val="accent1"/>
+          </a:effectRef>
+          <a:fontRef idx="minor">
+            <a:schemeClr val="lt1"/>
+          </a:fontRef>
+        </p:style>
+        <p:txBody>
+          <a:bodyPr lIns="0" rIns="0" rtlCol="0" anchor="ctr"/>
+          <a:lstStyle/>
+          <a:p>
+            <a:pPr algn="ctr"/>
+            <a:r>
+              <a:rPr lang="en-US" sz="1200" dirty="0" smtClean="0">
+                <a:solidFill>
+                  <a:schemeClr val="bg1"/>
+                </a:solidFill>
+              </a:rPr>
+              <a:t>1</a:t>
+            </a:r>
+            <a:endParaRPr lang="en-US" sz="1200" dirty="0">
+              <a:solidFill>
+                <a:schemeClr val="bg1"/>
+              </a:solidFill>
+            </a:endParaRPr>
+          </a:p>
+        </p:txBody>
+      </p:sp>
+      <p:sp>
+        <p:nvSpPr>
+          <p:cNvPr id="34" name="Oval 33"/>
+          <p:cNvSpPr/>
+          <p:nvPr/>
+        </p:nvSpPr>
+        <p:spPr>
+          <a:xfrm>
+            <a:off x="5967798" y="5385357"/>
+            <a:ext cx="201976" cy="201976"/>
+          </a:xfrm>
+          <a:prstGeom prst="ellipse">
+            <a:avLst/>
+          </a:prstGeom>
+          <a:solidFill>
+            <a:srgbClr val="FF0000"/>
+          </a:solidFill>
+          <a:ln>
+            <a:solidFill>
+              <a:srgbClr val="C00000"/>
+            </a:solidFill>
+          </a:ln>
+        </p:spPr>
+        <p:style>
+          <a:lnRef idx="2">
+            <a:schemeClr val="accent1">
+              <a:shade val="50000"/>
+            </a:schemeClr>
+          </a:lnRef>
+          <a:fillRef idx="1">
+            <a:schemeClr val="accent1"/>
+          </a:fillRef>
+          <a:effectRef idx="0">
+            <a:schemeClr val="accent1"/>
+          </a:effectRef>
+          <a:fontRef idx="minor">
+            <a:schemeClr val="lt1"/>
+          </a:fontRef>
+        </p:style>
+        <p:txBody>
+          <a:bodyPr lIns="0" rIns="0" rtlCol="0" anchor="ctr"/>
+          <a:lstStyle/>
+          <a:p>
+            <a:pPr algn="ctr"/>
+            <a:r>
+              <a:rPr lang="en-US" sz="1200" dirty="0" smtClean="0">
+                <a:solidFill>
+                  <a:schemeClr val="bg1"/>
+                </a:solidFill>
+              </a:rPr>
+              <a:t>2</a:t>
+            </a:r>
+            <a:endParaRPr lang="en-US" sz="1200" dirty="0">
+              <a:solidFill>
+                <a:schemeClr val="bg1"/>
+              </a:solidFill>
+            </a:endParaRPr>
+          </a:p>
+        </p:txBody>
+      </p:sp>
+      <p:sp>
+        <p:nvSpPr>
+          <p:cNvPr id="35" name="Oval 34"/>
+          <p:cNvSpPr/>
+          <p:nvPr/>
+        </p:nvSpPr>
+        <p:spPr>
+          <a:xfrm>
+            <a:off x="6374196" y="5385357"/>
+            <a:ext cx="201976" cy="201976"/>
+          </a:xfrm>
+          <a:prstGeom prst="ellipse">
+            <a:avLst/>
+          </a:prstGeom>
+          <a:solidFill>
+            <a:srgbClr val="FF0000"/>
+          </a:solidFill>
+          <a:ln>
+            <a:solidFill>
+              <a:srgbClr val="C00000"/>
+            </a:solidFill>
+          </a:ln>
+        </p:spPr>
+        <p:style>
+          <a:lnRef idx="2">
+            <a:schemeClr val="accent1">
+              <a:shade val="50000"/>
+            </a:schemeClr>
+          </a:lnRef>
+          <a:fillRef idx="1">
+            <a:schemeClr val="accent1"/>
+          </a:fillRef>
+          <a:effectRef idx="0">
+            <a:schemeClr val="accent1"/>
+          </a:effectRef>
+          <a:fontRef idx="minor">
+            <a:schemeClr val="lt1"/>
+          </a:fontRef>
+        </p:style>
+        <p:txBody>
+          <a:bodyPr lIns="0" rIns="0" rtlCol="0" anchor="ctr"/>
+          <a:lstStyle/>
+          <a:p>
+            <a:pPr algn="ctr"/>
+            <a:r>
+              <a:rPr lang="en-US" sz="1200" dirty="0" smtClean="0">
+                <a:solidFill>
+                  <a:schemeClr val="bg1"/>
+                </a:solidFill>
+              </a:rPr>
+              <a:t>…</a:t>
+            </a:r>
+            <a:endParaRPr lang="en-US" sz="1200" dirty="0">
+              <a:solidFill>
+                <a:schemeClr val="bg1"/>
+              </a:solidFill>
+            </a:endParaRPr>
+          </a:p>
+        </p:txBody>
+      </p:sp>
+      <p:sp>
+        <p:nvSpPr>
+          <p:cNvPr id="36" name="Oval 35"/>
+          <p:cNvSpPr/>
+          <p:nvPr/>
+        </p:nvSpPr>
+        <p:spPr>
+          <a:xfrm>
+            <a:off x="6791486" y="5385357"/>
+            <a:ext cx="201976" cy="201976"/>
+          </a:xfrm>
+          <a:prstGeom prst="ellipse">
+            <a:avLst/>
+          </a:prstGeom>
+          <a:solidFill>
+            <a:srgbClr val="FF0000"/>
+          </a:solidFill>
+          <a:ln>
+            <a:solidFill>
+              <a:srgbClr val="C00000"/>
+            </a:solidFill>
+          </a:ln>
+        </p:spPr>
+        <p:style>
+          <a:lnRef idx="2">
+            <a:schemeClr val="accent1">
+              <a:shade val="50000"/>
+            </a:schemeClr>
+          </a:lnRef>
+          <a:fillRef idx="1">
+            <a:schemeClr val="accent1"/>
+          </a:fillRef>
+          <a:effectRef idx="0">
+            <a:schemeClr val="accent1"/>
+          </a:effectRef>
+          <a:fontRef idx="minor">
+            <a:schemeClr val="lt1"/>
+          </a:fontRef>
+        </p:style>
+        <p:txBody>
+          <a:bodyPr lIns="0" rIns="0" rtlCol="0" anchor="ctr"/>
+          <a:lstStyle/>
+          <a:p>
+            <a:pPr algn="ctr"/>
+            <a:r>
+              <a:rPr lang="en-US" sz="1200" dirty="0" smtClean="0">
+                <a:solidFill>
+                  <a:schemeClr val="bg1"/>
+                </a:solidFill>
+              </a:rPr>
+              <a:t>m</a:t>
+            </a:r>
+            <a:endParaRPr lang="en-US" sz="1200" dirty="0">
+              <a:solidFill>
+                <a:schemeClr val="bg1"/>
+              </a:solidFill>
+            </a:endParaRPr>
+          </a:p>
+        </p:txBody>
+      </p:sp>
+      <p:cxnSp>
+        <p:nvCxnSpPr>
+          <p:cNvPr id="3" name="Straight Arrow Connector 2"/>
+          <p:cNvCxnSpPr>
+            <a:stCxn id="31" idx="6"/>
+            <a:endCxn id="34" idx="2"/>
+          </p:cNvCxnSpPr>
+          <p:nvPr/>
+        </p:nvCxnSpPr>
+        <p:spPr>
+          <a:xfrm flipV="1">
+            <a:off x="5789985" y="5486345"/>
+            <a:ext cx="177813" cy="1"/>
+          </a:xfrm>
+          <a:prstGeom prst="straightConnector1">
+            <a:avLst/>
+          </a:prstGeom>
+          <a:ln>
+            <a:solidFill>
+              <a:srgbClr val="C00000"/>
+            </a:solidFill>
+            <a:tailEnd type="triangle"/>
+          </a:ln>
+        </p:spPr>
+        <p:style>
+          <a:lnRef idx="1">
+            <a:schemeClr val="accent1"/>
+          </a:lnRef>
+          <a:fillRef idx="0">
+            <a:schemeClr val="accent1"/>
+          </a:fillRef>
+          <a:effectRef idx="0">
+            <a:schemeClr val="accent1"/>
+          </a:effectRef>
+          <a:fontRef idx="minor">
+            <a:schemeClr val="tx1"/>
+          </a:fontRef>
+        </p:style>
+      </p:cxnSp>
+      <p:cxnSp>
+        <p:nvCxnSpPr>
+          <p:cNvPr id="9" name="Straight Arrow Connector 8"/>
+          <p:cNvCxnSpPr>
+            <a:stCxn id="34" idx="6"/>
+            <a:endCxn id="35" idx="2"/>
+          </p:cNvCxnSpPr>
+          <p:nvPr/>
+        </p:nvCxnSpPr>
+        <p:spPr>
+          <a:xfrm>
+            <a:off x="6169774" y="5486345"/>
+            <a:ext cx="204422" cy="0"/>
+          </a:xfrm>
+          <a:prstGeom prst="straightConnector1">
+            <a:avLst/>
+          </a:prstGeom>
+          <a:ln>
+            <a:solidFill>
+              <a:srgbClr val="C00000"/>
+            </a:solidFill>
+            <a:tailEnd type="triangle"/>
+          </a:ln>
+        </p:spPr>
+        <p:style>
+          <a:lnRef idx="1">
+            <a:schemeClr val="accent1"/>
+          </a:lnRef>
+          <a:fillRef idx="0">
+            <a:schemeClr val="accent1"/>
+          </a:fillRef>
+          <a:effectRef idx="0">
+            <a:schemeClr val="accent1"/>
+          </a:effectRef>
+          <a:fontRef idx="minor">
+            <a:schemeClr val="tx1"/>
+          </a:fontRef>
+        </p:style>
+      </p:cxnSp>
+      <p:cxnSp>
+        <p:nvCxnSpPr>
+          <p:cNvPr id="24" name="Straight Arrow Connector 23"/>
+          <p:cNvCxnSpPr>
+            <a:stCxn id="35" idx="6"/>
+            <a:endCxn id="36" idx="2"/>
+          </p:cNvCxnSpPr>
+          <p:nvPr/>
+        </p:nvCxnSpPr>
+        <p:spPr>
+          <a:xfrm>
+            <a:off x="6576172" y="5486345"/>
+            <a:ext cx="215314" cy="0"/>
+          </a:xfrm>
+          <a:prstGeom prst="straightConnector1">
+            <a:avLst/>
+          </a:prstGeom>
+          <a:ln>
+            <a:solidFill>
+              <a:srgbClr val="C00000"/>
+            </a:solidFill>
+            <a:tailEnd type="triangle"/>
+          </a:ln>
+        </p:spPr>
+        <p:style>
+          <a:lnRef idx="1">
+            <a:schemeClr val="accent1"/>
+          </a:lnRef>
+          <a:fillRef idx="0">
+            <a:schemeClr val="accent1"/>
+          </a:fillRef>
+          <a:effectRef idx="0">
+            <a:schemeClr val="accent1"/>
+          </a:effectRef>
+          <a:fontRef idx="minor">
+            <a:schemeClr val="tx1"/>
+          </a:fontRef>
+        </p:style>
+      </p:cxnSp>
+      <p:cxnSp>
+        <p:nvCxnSpPr>
+          <p:cNvPr id="43" name="Straight Connector 42"/>
+          <p:cNvCxnSpPr>
+            <a:stCxn id="28" idx="2"/>
+            <a:endCxn id="31" idx="1"/>
+          </p:cNvCxnSpPr>
+          <p:nvPr/>
+        </p:nvCxnSpPr>
+        <p:spPr>
+          <a:xfrm flipH="1">
+            <a:off x="5617588" y="4847168"/>
+            <a:ext cx="433958" cy="567769"/>
+          </a:xfrm>
+          <a:prstGeom prst="line">
+            <a:avLst/>
+          </a:prstGeom>
+          <a:ln>
+            <a:solidFill>
+              <a:srgbClr val="C00000"/>
+            </a:solidFill>
+            <a:prstDash val="lgDash"/>
+          </a:ln>
+        </p:spPr>
+        <p:style>
+          <a:lnRef idx="1">
+            <a:schemeClr val="accent1"/>
+          </a:lnRef>
+          <a:fillRef idx="0">
+            <a:schemeClr val="accent1"/>
+          </a:fillRef>
+          <a:effectRef idx="0">
+            <a:schemeClr val="accent1"/>
+          </a:effectRef>
+          <a:fontRef idx="minor">
+            <a:schemeClr val="tx1"/>
+          </a:fontRef>
+        </p:style>
+      </p:cxnSp>
+      <p:cxnSp>
+        <p:nvCxnSpPr>
+          <p:cNvPr id="45" name="Straight Connector 44"/>
+          <p:cNvCxnSpPr>
+            <a:stCxn id="28" idx="6"/>
+            <a:endCxn id="36" idx="7"/>
+          </p:cNvCxnSpPr>
+          <p:nvPr/>
+        </p:nvCxnSpPr>
+        <p:spPr>
+          <a:xfrm>
+            <a:off x="6568012" y="4847168"/>
+            <a:ext cx="395871" cy="567768"/>
+          </a:xfrm>
+          <a:prstGeom prst="line">
+            <a:avLst/>
+          </a:prstGeom>
+          <a:ln>
+            <a:solidFill>
+              <a:srgbClr val="C00000"/>
+            </a:solidFill>
+            <a:prstDash val="lgDash"/>
+          </a:ln>
+        </p:spPr>
+        <p:style>
+          <a:lnRef idx="1">
+            <a:schemeClr val="accent1"/>
+          </a:lnRef>
+          <a:fillRef idx="0">
+            <a:schemeClr val="accent1"/>
+          </a:fillRef>
+          <a:effectRef idx="0">
+            <a:schemeClr val="accent1"/>
+          </a:effectRef>
+          <a:fontRef idx="minor">
+            <a:schemeClr val="tx1"/>
+          </a:fontRef>
+        </p:style>
+      </p:cxnSp>
     </p:spTree>
     <p:extLst>
       <p:ext uri="{BB962C8B-B14F-4D97-AF65-F5344CB8AC3E}">
-        <p14:creationId xmlns:p14="http://schemas.microsoft.com/office/powerpoint/2010/main" val="3490611764"/>
+        <p14:creationId xmlns:p14="http://schemas.microsoft.com/office/powerpoint/2010/main" val="4108871704"/>
       </p:ext>
     </p:extLst>
   </p:cSld>
@@ -9678,6 +10097,106 @@
     <p:extLst>
       <p:ext uri="{BB962C8B-B14F-4D97-AF65-F5344CB8AC3E}">
         <p14:creationId xmlns:p14="http://schemas.microsoft.com/office/powerpoint/2010/main" val="3205544227"/>
+      </p:ext>
+    </p:extLst>
+  </p:cSld>
+  <p:clrMapOvr>
+    <a:masterClrMapping/>
+  </p:clrMapOvr>
+</p:sld>
+</file>
+
+<file path=ppt/slides/slide8.xml><?xml version="1.0" encoding="utf-8"?>
+<p:sld xmlns:a="http://schemas.openxmlformats.org/drawingml/2006/main" xmlns:r="http://schemas.openxmlformats.org/officeDocument/2006/relationships" xmlns:p="http://schemas.openxmlformats.org/presentationml/2006/main">
+  <p:cSld>
+    <p:spTree>
+      <p:nvGrpSpPr>
+        <p:cNvPr id="1" name=""/>
+        <p:cNvGrpSpPr/>
+        <p:nvPr/>
+      </p:nvGrpSpPr>
+      <p:grpSpPr>
+        <a:xfrm>
+          <a:off x="0" y="0"/>
+          <a:ext cx="0" cy="0"/>
+          <a:chOff x="0" y="0"/>
+          <a:chExt cx="0" cy="0"/>
+        </a:xfrm>
+      </p:grpSpPr>
+      <p:sp>
+        <p:nvSpPr>
+          <p:cNvPr id="2" name="Title 1"/>
+          <p:cNvSpPr>
+            <a:spLocks noGrp="1"/>
+          </p:cNvSpPr>
+          <p:nvPr>
+            <p:ph type="title"/>
+          </p:nvPr>
+        </p:nvSpPr>
+        <p:spPr/>
+        <p:txBody>
+          <a:bodyPr/>
+          <a:lstStyle/>
+          <a:p>
+            <a:r>
+              <a:rPr lang="en-US" dirty="0" smtClean="0"/>
+              <a:t>MML: Parts and Whole</a:t>
+            </a:r>
+            <a:endParaRPr lang="en-US" dirty="0"/>
+          </a:p>
+        </p:txBody>
+      </p:sp>
+      <p:sp>
+        <p:nvSpPr>
+          <p:cNvPr id="3" name="Slide Number Placeholder 2"/>
+          <p:cNvSpPr>
+            <a:spLocks noGrp="1"/>
+          </p:cNvSpPr>
+          <p:nvPr>
+            <p:ph type="sldNum" sz="quarter" idx="12"/>
+          </p:nvPr>
+        </p:nvSpPr>
+        <p:spPr/>
+        <p:txBody>
+          <a:bodyPr/>
+          <a:lstStyle/>
+          <a:p>
+            <a:fld id="{FA2DEC7D-24FC-46AE-A9F5-2317EFB53DAF}" type="slidenum">
+              <a:rPr lang="en-US" smtClean="0"/>
+              <a:t>8</a:t>
+            </a:fld>
+            <a:endParaRPr lang="en-US"/>
+          </a:p>
+        </p:txBody>
+      </p:sp>
+      <p:pic>
+        <p:nvPicPr>
+          <p:cNvPr id="6" name="Picture 5"/>
+          <p:cNvPicPr>
+            <a:picLocks noChangeAspect="1"/>
+          </p:cNvPicPr>
+          <p:nvPr/>
+        </p:nvPicPr>
+        <p:blipFill>
+          <a:blip r:embed="rId2"/>
+          <a:stretch>
+            <a:fillRect/>
+          </a:stretch>
+        </p:blipFill>
+        <p:spPr>
+          <a:xfrm>
+            <a:off x="1079869" y="1657281"/>
+            <a:ext cx="6045097" cy="4017687"/>
+          </a:xfrm>
+          <a:prstGeom prst="rect">
+            <a:avLst/>
+          </a:prstGeom>
+        </p:spPr>
+      </p:pic>
+    </p:spTree>
+    <p:extLst>
+      <p:ext uri="{BB962C8B-B14F-4D97-AF65-F5344CB8AC3E}">
+        <p14:creationId xmlns:p14="http://schemas.microsoft.com/office/powerpoint/2010/main" val="1643585496"/>
       </p:ext>
     </p:extLst>
   </p:cSld>
